--- a/Presentation/Presentation.pptx
+++ b/Presentation/Presentation.pptx
@@ -2,14 +2,18 @@
 <file path=ppt/presentation.xml><?xml version="1.0" encoding="utf-8"?>
 <p:presentation xmlns:a="http://schemas.openxmlformats.org/drawingml/2006/main" xmlns:r="http://schemas.openxmlformats.org/officeDocument/2006/relationships" xmlns:p="http://schemas.openxmlformats.org/presentationml/2006/main" showSpecialPlsOnTitleSld="0" saveSubsetFonts="1">
   <p:sldMasterIdLst>
-    <p:sldMasterId id="2147483648" r:id="rId1"/>
+    <p:sldMasterId id="2147483708" r:id="rId1"/>
   </p:sldMasterIdLst>
   <p:notesMasterIdLst>
-    <p:notesMasterId r:id="rId4"/>
+    <p:notesMasterId r:id="rId8"/>
   </p:notesMasterIdLst>
   <p:sldIdLst>
     <p:sldId id="256" r:id="rId2"/>
     <p:sldId id="257" r:id="rId3"/>
+    <p:sldId id="258" r:id="rId4"/>
+    <p:sldId id="259" r:id="rId5"/>
+    <p:sldId id="260" r:id="rId6"/>
+    <p:sldId id="261" r:id="rId7"/>
   </p:sldIdLst>
   <p:sldSz cx="12192000" cy="6858000"/>
   <p:notesSz cx="6858000" cy="9144000"/>
@@ -17,7 +21,7 @@
     <a:defPPr>
       <a:defRPr lang="en-US"/>
     </a:defPPr>
-    <a:lvl1pPr marL="0" algn="l" defTabSz="914400" rtl="0" eaLnBrk="1" latinLnBrk="0" hangingPunct="1">
+    <a:lvl1pPr marL="0" algn="l" defTabSz="457200" rtl="0" eaLnBrk="1" latinLnBrk="0" hangingPunct="1">
       <a:defRPr sz="1800" kern="1200">
         <a:solidFill>
           <a:schemeClr val="tx1"/>
@@ -27,7 +31,7 @@
         <a:cs typeface="+mn-cs"/>
       </a:defRPr>
     </a:lvl1pPr>
-    <a:lvl2pPr marL="457200" algn="l" defTabSz="914400" rtl="0" eaLnBrk="1" latinLnBrk="0" hangingPunct="1">
+    <a:lvl2pPr marL="457200" algn="l" defTabSz="457200" rtl="0" eaLnBrk="1" latinLnBrk="0" hangingPunct="1">
       <a:defRPr sz="1800" kern="1200">
         <a:solidFill>
           <a:schemeClr val="tx1"/>
@@ -37,7 +41,7 @@
         <a:cs typeface="+mn-cs"/>
       </a:defRPr>
     </a:lvl2pPr>
-    <a:lvl3pPr marL="914400" algn="l" defTabSz="914400" rtl="0" eaLnBrk="1" latinLnBrk="0" hangingPunct="1">
+    <a:lvl3pPr marL="914400" algn="l" defTabSz="457200" rtl="0" eaLnBrk="1" latinLnBrk="0" hangingPunct="1">
       <a:defRPr sz="1800" kern="1200">
         <a:solidFill>
           <a:schemeClr val="tx1"/>
@@ -47,7 +51,7 @@
         <a:cs typeface="+mn-cs"/>
       </a:defRPr>
     </a:lvl3pPr>
-    <a:lvl4pPr marL="1371600" algn="l" defTabSz="914400" rtl="0" eaLnBrk="1" latinLnBrk="0" hangingPunct="1">
+    <a:lvl4pPr marL="1371600" algn="l" defTabSz="457200" rtl="0" eaLnBrk="1" latinLnBrk="0" hangingPunct="1">
       <a:defRPr sz="1800" kern="1200">
         <a:solidFill>
           <a:schemeClr val="tx1"/>
@@ -57,7 +61,7 @@
         <a:cs typeface="+mn-cs"/>
       </a:defRPr>
     </a:lvl4pPr>
-    <a:lvl5pPr marL="1828800" algn="l" defTabSz="914400" rtl="0" eaLnBrk="1" latinLnBrk="0" hangingPunct="1">
+    <a:lvl5pPr marL="1828800" algn="l" defTabSz="457200" rtl="0" eaLnBrk="1" latinLnBrk="0" hangingPunct="1">
       <a:defRPr sz="1800" kern="1200">
         <a:solidFill>
           <a:schemeClr val="tx1"/>
@@ -67,7 +71,7 @@
         <a:cs typeface="+mn-cs"/>
       </a:defRPr>
     </a:lvl5pPr>
-    <a:lvl6pPr marL="2286000" algn="l" defTabSz="914400" rtl="0" eaLnBrk="1" latinLnBrk="0" hangingPunct="1">
+    <a:lvl6pPr marL="2286000" algn="l" defTabSz="457200" rtl="0" eaLnBrk="1" latinLnBrk="0" hangingPunct="1">
       <a:defRPr sz="1800" kern="1200">
         <a:solidFill>
           <a:schemeClr val="tx1"/>
@@ -77,7 +81,7 @@
         <a:cs typeface="+mn-cs"/>
       </a:defRPr>
     </a:lvl6pPr>
-    <a:lvl7pPr marL="2743200" algn="l" defTabSz="914400" rtl="0" eaLnBrk="1" latinLnBrk="0" hangingPunct="1">
+    <a:lvl7pPr marL="2743200" algn="l" defTabSz="457200" rtl="0" eaLnBrk="1" latinLnBrk="0" hangingPunct="1">
       <a:defRPr sz="1800" kern="1200">
         <a:solidFill>
           <a:schemeClr val="tx1"/>
@@ -87,7 +91,7 @@
         <a:cs typeface="+mn-cs"/>
       </a:defRPr>
     </a:lvl7pPr>
-    <a:lvl8pPr marL="3200400" algn="l" defTabSz="914400" rtl="0" eaLnBrk="1" latinLnBrk="0" hangingPunct="1">
+    <a:lvl8pPr marL="3200400" algn="l" defTabSz="457200" rtl="0" eaLnBrk="1" latinLnBrk="0" hangingPunct="1">
       <a:defRPr sz="1800" kern="1200">
         <a:solidFill>
           <a:schemeClr val="tx1"/>
@@ -97,7 +101,7 @@
         <a:cs typeface="+mn-cs"/>
       </a:defRPr>
     </a:lvl8pPr>
-    <a:lvl9pPr marL="3657600" algn="l" defTabSz="914400" rtl="0" eaLnBrk="1" latinLnBrk="0" hangingPunct="1">
+    <a:lvl9pPr marL="3657600" algn="l" defTabSz="457200" rtl="0" eaLnBrk="1" latinLnBrk="0" hangingPunct="1">
       <a:defRPr sz="1800" kern="1200">
         <a:solidFill>
           <a:schemeClr val="tx1"/>
@@ -108,6 +112,11 @@
       </a:defRPr>
     </a:lvl9pPr>
   </p:defaultTextStyle>
+  <p:extLst>
+    <p:ext uri="{EFAFB233-063F-42B5-8137-9DF3F51BA10A}">
+      <p15:sldGuideLst xmlns:p15="http://schemas.microsoft.com/office/powerpoint/2012/main"/>
+    </p:ext>
+  </p:extLst>
 </p:presentation>
 </file>
 
@@ -193,7 +202,7 @@
           <a:p>
             <a:fld id="{1EF55B2A-A1B1-48BE-AF50-1397049CD154}" type="datetimeFigureOut">
               <a:rPr lang="en-US" smtClean="0"/>
-              <a:t>6/15/2018</a:t>
+              <a:t>2018-07-05</a:t>
             </a:fld>
             <a:endParaRPr lang="en-US"/>
           </a:p>
@@ -479,13 +488,7 @@
       </p:grpSpPr>
       <p:sp>
         <p:nvSpPr>
-          <p:cNvPr id="2" name="Title 1">
-            <a:extLst>
-              <a:ext uri="{FF2B5EF4-FFF2-40B4-BE49-F238E27FC236}">
-                <a16:creationId xmlns:a16="http://schemas.microsoft.com/office/drawing/2014/main" id="{881E7382-17C9-4AB9-AF73-FC66118E0A65}"/>
-              </a:ext>
-            </a:extLst>
-          </p:cNvPr>
+          <p:cNvPr id="2" name="Title 1"/>
           <p:cNvSpPr>
             <a:spLocks noGrp="1"/>
           </p:cNvSpPr>
@@ -511,18 +514,13 @@
               <a:rPr lang="en-US"/>
               <a:t>Click to edit Master title style</a:t>
             </a:r>
-          </a:p>
-        </p:txBody>
-      </p:sp>
-      <p:sp>
-        <p:nvSpPr>
-          <p:cNvPr id="3" name="Subtitle 2">
-            <a:extLst>
-              <a:ext uri="{FF2B5EF4-FFF2-40B4-BE49-F238E27FC236}">
-                <a16:creationId xmlns:a16="http://schemas.microsoft.com/office/drawing/2014/main" id="{3ADC33BD-148C-4C28-B58D-11F221420B80}"/>
-              </a:ext>
-            </a:extLst>
-          </p:cNvPr>
+            <a:endParaRPr lang="en-US" dirty="0"/>
+          </a:p>
+        </p:txBody>
+      </p:sp>
+      <p:sp>
+        <p:nvSpPr>
+          <p:cNvPr id="3" name="Subtitle 2"/>
           <p:cNvSpPr>
             <a:spLocks noGrp="1"/>
           </p:cNvSpPr>
@@ -581,18 +579,13 @@
               <a:rPr lang="en-US"/>
               <a:t>Click to edit Master subtitle style</a:t>
             </a:r>
-          </a:p>
-        </p:txBody>
-      </p:sp>
-      <p:sp>
-        <p:nvSpPr>
-          <p:cNvPr id="4" name="Date Placeholder 3">
-            <a:extLst>
-              <a:ext uri="{FF2B5EF4-FFF2-40B4-BE49-F238E27FC236}">
-                <a16:creationId xmlns:a16="http://schemas.microsoft.com/office/drawing/2014/main" id="{0696E69D-EB9A-42D5-AB97-768746439B54}"/>
-              </a:ext>
-            </a:extLst>
-          </p:cNvPr>
+            <a:endParaRPr lang="en-US" dirty="0"/>
+          </a:p>
+        </p:txBody>
+      </p:sp>
+      <p:sp>
+        <p:nvSpPr>
+          <p:cNvPr id="4" name="Date Placeholder 3"/>
           <p:cNvSpPr>
             <a:spLocks noGrp="1"/>
           </p:cNvSpPr>
@@ -607,7 +600,7 @@
           <a:p>
             <a:fld id="{3B310F8D-941A-4290-9AD4-9E0E1359B495}" type="datetime1">
               <a:rPr lang="en-US" smtClean="0"/>
-              <a:t>6/15/2018</a:t>
+              <a:t>2018-07-05</a:t>
             </a:fld>
             <a:endParaRPr lang="en-US"/>
           </a:p>
@@ -615,13 +608,7 @@
       </p:sp>
       <p:sp>
         <p:nvSpPr>
-          <p:cNvPr id="5" name="Footer Placeholder 4">
-            <a:extLst>
-              <a:ext uri="{FF2B5EF4-FFF2-40B4-BE49-F238E27FC236}">
-                <a16:creationId xmlns:a16="http://schemas.microsoft.com/office/drawing/2014/main" id="{19BE253D-450C-43DF-BE09-1C31DFF886A0}"/>
-              </a:ext>
-            </a:extLst>
-          </p:cNvPr>
+          <p:cNvPr id="5" name="Footer Placeholder 4"/>
           <p:cNvSpPr>
             <a:spLocks noGrp="1"/>
           </p:cNvSpPr>
@@ -640,13 +627,7 @@
       </p:sp>
       <p:sp>
         <p:nvSpPr>
-          <p:cNvPr id="6" name="Slide Number Placeholder 5">
-            <a:extLst>
-              <a:ext uri="{FF2B5EF4-FFF2-40B4-BE49-F238E27FC236}">
-                <a16:creationId xmlns:a16="http://schemas.microsoft.com/office/drawing/2014/main" id="{268814A7-378B-4BA3-A7D0-11578E389324}"/>
-              </a:ext>
-            </a:extLst>
-          </p:cNvPr>
+          <p:cNvPr id="6" name="Slide Number Placeholder 5"/>
           <p:cNvSpPr>
             <a:spLocks noGrp="1"/>
           </p:cNvSpPr>
@@ -670,7 +651,7 @@
     </p:spTree>
     <p:extLst>
       <p:ext uri="{BB962C8B-B14F-4D97-AF65-F5344CB8AC3E}">
-        <p14:creationId xmlns:p14="http://schemas.microsoft.com/office/powerpoint/2010/main" val="4286950034"/>
+        <p14:creationId xmlns:p14="http://schemas.microsoft.com/office/powerpoint/2010/main" val="1149902589"/>
       </p:ext>
     </p:extLst>
   </p:cSld>
@@ -699,13 +680,7 @@
       </p:grpSpPr>
       <p:sp>
         <p:nvSpPr>
-          <p:cNvPr id="2" name="Title 1">
-            <a:extLst>
-              <a:ext uri="{FF2B5EF4-FFF2-40B4-BE49-F238E27FC236}">
-                <a16:creationId xmlns:a16="http://schemas.microsoft.com/office/drawing/2014/main" id="{1AB6B0B5-92A5-4109-BC15-896CA719B04A}"/>
-              </a:ext>
-            </a:extLst>
-          </p:cNvPr>
+          <p:cNvPr id="2" name="Title 1"/>
           <p:cNvSpPr>
             <a:spLocks noGrp="1"/>
           </p:cNvSpPr>
@@ -722,18 +697,13 @@
               <a:rPr lang="en-US"/>
               <a:t>Click to edit Master title style</a:t>
             </a:r>
-          </a:p>
-        </p:txBody>
-      </p:sp>
-      <p:sp>
-        <p:nvSpPr>
-          <p:cNvPr id="3" name="Vertical Text Placeholder 2">
-            <a:extLst>
-              <a:ext uri="{FF2B5EF4-FFF2-40B4-BE49-F238E27FC236}">
-                <a16:creationId xmlns:a16="http://schemas.microsoft.com/office/drawing/2014/main" id="{82D367EB-11B6-418B-81DE-B72C908D985D}"/>
-              </a:ext>
-            </a:extLst>
-          </p:cNvPr>
+            <a:endParaRPr lang="en-US" dirty="0"/>
+          </a:p>
+        </p:txBody>
+      </p:sp>
+      <p:sp>
+        <p:nvSpPr>
+          <p:cNvPr id="3" name="Vertical Text Placeholder 2"/>
           <p:cNvSpPr>
             <a:spLocks noGrp="1"/>
           </p:cNvSpPr>
@@ -779,18 +749,13 @@
               <a:rPr lang="en-US"/>
               <a:t>Fifth level</a:t>
             </a:r>
-          </a:p>
-        </p:txBody>
-      </p:sp>
-      <p:sp>
-        <p:nvSpPr>
-          <p:cNvPr id="4" name="Date Placeholder 3">
-            <a:extLst>
-              <a:ext uri="{FF2B5EF4-FFF2-40B4-BE49-F238E27FC236}">
-                <a16:creationId xmlns:a16="http://schemas.microsoft.com/office/drawing/2014/main" id="{6E49B0BD-1732-4B22-B99B-DCC3A0D2E4D7}"/>
-              </a:ext>
-            </a:extLst>
-          </p:cNvPr>
+            <a:endParaRPr lang="en-US" dirty="0"/>
+          </a:p>
+        </p:txBody>
+      </p:sp>
+      <p:sp>
+        <p:nvSpPr>
+          <p:cNvPr id="4" name="Date Placeholder 3"/>
           <p:cNvSpPr>
             <a:spLocks noGrp="1"/>
           </p:cNvSpPr>
@@ -805,7 +770,7 @@
           <a:p>
             <a:fld id="{7304F7C5-445A-495D-9E4B-185EF9ECC1BC}" type="datetime1">
               <a:rPr lang="en-US" smtClean="0"/>
-              <a:t>6/15/2018</a:t>
+              <a:t>2018-07-05</a:t>
             </a:fld>
             <a:endParaRPr lang="en-US"/>
           </a:p>
@@ -813,13 +778,7 @@
       </p:sp>
       <p:sp>
         <p:nvSpPr>
-          <p:cNvPr id="5" name="Footer Placeholder 4">
-            <a:extLst>
-              <a:ext uri="{FF2B5EF4-FFF2-40B4-BE49-F238E27FC236}">
-                <a16:creationId xmlns:a16="http://schemas.microsoft.com/office/drawing/2014/main" id="{89EB581A-270F-4065-B0AF-684DB13532B8}"/>
-              </a:ext>
-            </a:extLst>
-          </p:cNvPr>
+          <p:cNvPr id="5" name="Footer Placeholder 4"/>
           <p:cNvSpPr>
             <a:spLocks noGrp="1"/>
           </p:cNvSpPr>
@@ -838,13 +797,7 @@
       </p:sp>
       <p:sp>
         <p:nvSpPr>
-          <p:cNvPr id="6" name="Slide Number Placeholder 5">
-            <a:extLst>
-              <a:ext uri="{FF2B5EF4-FFF2-40B4-BE49-F238E27FC236}">
-                <a16:creationId xmlns:a16="http://schemas.microsoft.com/office/drawing/2014/main" id="{2A899B52-A197-48B4-A671-5BAB1AE8FA6B}"/>
-              </a:ext>
-            </a:extLst>
-          </p:cNvPr>
+          <p:cNvPr id="6" name="Slide Number Placeholder 5"/>
           <p:cNvSpPr>
             <a:spLocks noGrp="1"/>
           </p:cNvSpPr>
@@ -868,7 +821,7 @@
     </p:spTree>
     <p:extLst>
       <p:ext uri="{BB962C8B-B14F-4D97-AF65-F5344CB8AC3E}">
-        <p14:creationId xmlns:p14="http://schemas.microsoft.com/office/powerpoint/2010/main" val="1119702053"/>
+        <p14:creationId xmlns:p14="http://schemas.microsoft.com/office/powerpoint/2010/main" val="3603251102"/>
       </p:ext>
     </p:extLst>
   </p:cSld>
@@ -897,13 +850,7 @@
       </p:grpSpPr>
       <p:sp>
         <p:nvSpPr>
-          <p:cNvPr id="2" name="Vertical Title 1">
-            <a:extLst>
-              <a:ext uri="{FF2B5EF4-FFF2-40B4-BE49-F238E27FC236}">
-                <a16:creationId xmlns:a16="http://schemas.microsoft.com/office/drawing/2014/main" id="{C8877CDE-79CC-4A26-A448-C358C5A2E75A}"/>
-              </a:ext>
-            </a:extLst>
-          </p:cNvPr>
+          <p:cNvPr id="2" name="Vertical Title 1"/>
           <p:cNvSpPr>
             <a:spLocks noGrp="1"/>
           </p:cNvSpPr>
@@ -925,18 +872,13 @@
               <a:rPr lang="en-US"/>
               <a:t>Click to edit Master title style</a:t>
             </a:r>
-          </a:p>
-        </p:txBody>
-      </p:sp>
-      <p:sp>
-        <p:nvSpPr>
-          <p:cNvPr id="3" name="Vertical Text Placeholder 2">
-            <a:extLst>
-              <a:ext uri="{FF2B5EF4-FFF2-40B4-BE49-F238E27FC236}">
-                <a16:creationId xmlns:a16="http://schemas.microsoft.com/office/drawing/2014/main" id="{2165BC21-9830-48A2-8849-51E6F32B64A5}"/>
-              </a:ext>
-            </a:extLst>
-          </p:cNvPr>
+            <a:endParaRPr lang="en-US" dirty="0"/>
+          </a:p>
+        </p:txBody>
+      </p:sp>
+      <p:sp>
+        <p:nvSpPr>
+          <p:cNvPr id="3" name="Vertical Text Placeholder 2"/>
           <p:cNvSpPr>
             <a:spLocks noGrp="1"/>
           </p:cNvSpPr>
@@ -987,18 +929,13 @@
               <a:rPr lang="en-US"/>
               <a:t>Fifth level</a:t>
             </a:r>
-          </a:p>
-        </p:txBody>
-      </p:sp>
-      <p:sp>
-        <p:nvSpPr>
-          <p:cNvPr id="4" name="Date Placeholder 3">
-            <a:extLst>
-              <a:ext uri="{FF2B5EF4-FFF2-40B4-BE49-F238E27FC236}">
-                <a16:creationId xmlns:a16="http://schemas.microsoft.com/office/drawing/2014/main" id="{97DD1243-A059-44E2-B502-E1A9C700DD0D}"/>
-              </a:ext>
-            </a:extLst>
-          </p:cNvPr>
+            <a:endParaRPr lang="en-US" dirty="0"/>
+          </a:p>
+        </p:txBody>
+      </p:sp>
+      <p:sp>
+        <p:nvSpPr>
+          <p:cNvPr id="4" name="Date Placeholder 3"/>
           <p:cNvSpPr>
             <a:spLocks noGrp="1"/>
           </p:cNvSpPr>
@@ -1013,7 +950,7 @@
           <a:p>
             <a:fld id="{D2CFDD0B-9353-4330-A178-6998BACFC81F}" type="datetime1">
               <a:rPr lang="en-US" smtClean="0"/>
-              <a:t>6/15/2018</a:t>
+              <a:t>2018-07-05</a:t>
             </a:fld>
             <a:endParaRPr lang="en-US"/>
           </a:p>
@@ -1021,13 +958,7 @@
       </p:sp>
       <p:sp>
         <p:nvSpPr>
-          <p:cNvPr id="5" name="Footer Placeholder 4">
-            <a:extLst>
-              <a:ext uri="{FF2B5EF4-FFF2-40B4-BE49-F238E27FC236}">
-                <a16:creationId xmlns:a16="http://schemas.microsoft.com/office/drawing/2014/main" id="{76037D5A-FDA9-436D-892B-82481629E4C3}"/>
-              </a:ext>
-            </a:extLst>
-          </p:cNvPr>
+          <p:cNvPr id="5" name="Footer Placeholder 4"/>
           <p:cNvSpPr>
             <a:spLocks noGrp="1"/>
           </p:cNvSpPr>
@@ -1046,13 +977,7 @@
       </p:sp>
       <p:sp>
         <p:nvSpPr>
-          <p:cNvPr id="6" name="Slide Number Placeholder 5">
-            <a:extLst>
-              <a:ext uri="{FF2B5EF4-FFF2-40B4-BE49-F238E27FC236}">
-                <a16:creationId xmlns:a16="http://schemas.microsoft.com/office/drawing/2014/main" id="{38092E0B-65B0-4994-8A47-FBE64978986E}"/>
-              </a:ext>
-            </a:extLst>
-          </p:cNvPr>
+          <p:cNvPr id="6" name="Slide Number Placeholder 5"/>
           <p:cNvSpPr>
             <a:spLocks noGrp="1"/>
           </p:cNvSpPr>
@@ -1076,7 +1001,7 @@
     </p:spTree>
     <p:extLst>
       <p:ext uri="{BB962C8B-B14F-4D97-AF65-F5344CB8AC3E}">
-        <p14:creationId xmlns:p14="http://schemas.microsoft.com/office/powerpoint/2010/main" val="2292855774"/>
+        <p14:creationId xmlns:p14="http://schemas.microsoft.com/office/powerpoint/2010/main" val="3166032235"/>
       </p:ext>
     </p:extLst>
   </p:cSld>
@@ -1105,13 +1030,7 @@
       </p:grpSpPr>
       <p:sp>
         <p:nvSpPr>
-          <p:cNvPr id="2" name="Title 1">
-            <a:extLst>
-              <a:ext uri="{FF2B5EF4-FFF2-40B4-BE49-F238E27FC236}">
-                <a16:creationId xmlns:a16="http://schemas.microsoft.com/office/drawing/2014/main" id="{38F64B57-BE00-4B82-BDF1-62646FF47585}"/>
-              </a:ext>
-            </a:extLst>
-          </p:cNvPr>
+          <p:cNvPr id="2" name="Title 1"/>
           <p:cNvSpPr>
             <a:spLocks noGrp="1"/>
           </p:cNvSpPr>
@@ -1128,18 +1047,13 @@
               <a:rPr lang="en-US"/>
               <a:t>Click to edit Master title style</a:t>
             </a:r>
-          </a:p>
-        </p:txBody>
-      </p:sp>
-      <p:sp>
-        <p:nvSpPr>
-          <p:cNvPr id="3" name="Content Placeholder 2">
-            <a:extLst>
-              <a:ext uri="{FF2B5EF4-FFF2-40B4-BE49-F238E27FC236}">
-                <a16:creationId xmlns:a16="http://schemas.microsoft.com/office/drawing/2014/main" id="{3AA3CABC-1CE3-4BE8-9099-C5BB9681821F}"/>
-              </a:ext>
-            </a:extLst>
-          </p:cNvPr>
+            <a:endParaRPr lang="en-US" dirty="0"/>
+          </a:p>
+        </p:txBody>
+      </p:sp>
+      <p:sp>
+        <p:nvSpPr>
+          <p:cNvPr id="3" name="Content Placeholder 2"/>
           <p:cNvSpPr>
             <a:spLocks noGrp="1"/>
           </p:cNvSpPr>
@@ -1185,18 +1099,13 @@
               <a:rPr lang="en-US"/>
               <a:t>Fifth level</a:t>
             </a:r>
-          </a:p>
-        </p:txBody>
-      </p:sp>
-      <p:sp>
-        <p:nvSpPr>
-          <p:cNvPr id="4" name="Date Placeholder 3">
-            <a:extLst>
-              <a:ext uri="{FF2B5EF4-FFF2-40B4-BE49-F238E27FC236}">
-                <a16:creationId xmlns:a16="http://schemas.microsoft.com/office/drawing/2014/main" id="{F272C54D-690B-4F5E-98FE-084E983A84E4}"/>
-              </a:ext>
-            </a:extLst>
-          </p:cNvPr>
+            <a:endParaRPr lang="en-US" dirty="0"/>
+          </a:p>
+        </p:txBody>
+      </p:sp>
+      <p:sp>
+        <p:nvSpPr>
+          <p:cNvPr id="4" name="Date Placeholder 3"/>
           <p:cNvSpPr>
             <a:spLocks noGrp="1"/>
           </p:cNvSpPr>
@@ -1211,7 +1120,7 @@
           <a:p>
             <a:fld id="{7F9E3F0D-B30C-4255-ABA0-8917B8CB3B8F}" type="datetime1">
               <a:rPr lang="en-US" smtClean="0"/>
-              <a:t>6/15/2018</a:t>
+              <a:t>2018-07-05</a:t>
             </a:fld>
             <a:endParaRPr lang="en-US"/>
           </a:p>
@@ -1219,13 +1128,7 @@
       </p:sp>
       <p:sp>
         <p:nvSpPr>
-          <p:cNvPr id="5" name="Footer Placeholder 4">
-            <a:extLst>
-              <a:ext uri="{FF2B5EF4-FFF2-40B4-BE49-F238E27FC236}">
-                <a16:creationId xmlns:a16="http://schemas.microsoft.com/office/drawing/2014/main" id="{2B57281C-B066-4FB9-A06F-768910B877D1}"/>
-              </a:ext>
-            </a:extLst>
-          </p:cNvPr>
+          <p:cNvPr id="5" name="Footer Placeholder 4"/>
           <p:cNvSpPr>
             <a:spLocks noGrp="1"/>
           </p:cNvSpPr>
@@ -1244,13 +1147,7 @@
       </p:sp>
       <p:sp>
         <p:nvSpPr>
-          <p:cNvPr id="6" name="Slide Number Placeholder 5">
-            <a:extLst>
-              <a:ext uri="{FF2B5EF4-FFF2-40B4-BE49-F238E27FC236}">
-                <a16:creationId xmlns:a16="http://schemas.microsoft.com/office/drawing/2014/main" id="{854D538D-8761-40A4-B370-4C3910F10DB3}"/>
-              </a:ext>
-            </a:extLst>
-          </p:cNvPr>
+          <p:cNvPr id="6" name="Slide Number Placeholder 5"/>
           <p:cNvSpPr>
             <a:spLocks noGrp="1"/>
           </p:cNvSpPr>
@@ -1274,7 +1171,7 @@
     </p:spTree>
     <p:extLst>
       <p:ext uri="{BB962C8B-B14F-4D97-AF65-F5344CB8AC3E}">
-        <p14:creationId xmlns:p14="http://schemas.microsoft.com/office/powerpoint/2010/main" val="2054647939"/>
+        <p14:creationId xmlns:p14="http://schemas.microsoft.com/office/powerpoint/2010/main" val="1115261028"/>
       </p:ext>
     </p:extLst>
   </p:cSld>
@@ -1303,13 +1200,7 @@
       </p:grpSpPr>
       <p:sp>
         <p:nvSpPr>
-          <p:cNvPr id="2" name="Title 1">
-            <a:extLst>
-              <a:ext uri="{FF2B5EF4-FFF2-40B4-BE49-F238E27FC236}">
-                <a16:creationId xmlns:a16="http://schemas.microsoft.com/office/drawing/2014/main" id="{0198CA23-0DC5-4463-A162-948B3983950E}"/>
-              </a:ext>
-            </a:extLst>
-          </p:cNvPr>
+          <p:cNvPr id="2" name="Title 1"/>
           <p:cNvSpPr>
             <a:spLocks noGrp="1"/>
           </p:cNvSpPr>
@@ -1335,18 +1226,13 @@
               <a:rPr lang="en-US"/>
               <a:t>Click to edit Master title style</a:t>
             </a:r>
-          </a:p>
-        </p:txBody>
-      </p:sp>
-      <p:sp>
-        <p:nvSpPr>
-          <p:cNvPr id="3" name="Text Placeholder 2">
-            <a:extLst>
-              <a:ext uri="{FF2B5EF4-FFF2-40B4-BE49-F238E27FC236}">
-                <a16:creationId xmlns:a16="http://schemas.microsoft.com/office/drawing/2014/main" id="{0D607401-CEEA-4C62-BFD7-CEA67D7FFC0A}"/>
-              </a:ext>
-            </a:extLst>
-          </p:cNvPr>
+            <a:endParaRPr lang="en-US" dirty="0"/>
+          </a:p>
+        </p:txBody>
+      </p:sp>
+      <p:sp>
+        <p:nvSpPr>
+          <p:cNvPr id="3" name="Text Placeholder 2"/>
           <p:cNvSpPr>
             <a:spLocks noGrp="1"/>
           </p:cNvSpPr>
@@ -1465,13 +1351,7 @@
       </p:sp>
       <p:sp>
         <p:nvSpPr>
-          <p:cNvPr id="4" name="Date Placeholder 3">
-            <a:extLst>
-              <a:ext uri="{FF2B5EF4-FFF2-40B4-BE49-F238E27FC236}">
-                <a16:creationId xmlns:a16="http://schemas.microsoft.com/office/drawing/2014/main" id="{F109160C-C58D-4028-A573-AE62A8CB9905}"/>
-              </a:ext>
-            </a:extLst>
-          </p:cNvPr>
+          <p:cNvPr id="4" name="Date Placeholder 3"/>
           <p:cNvSpPr>
             <a:spLocks noGrp="1"/>
           </p:cNvSpPr>
@@ -1486,7 +1366,7 @@
           <a:p>
             <a:fld id="{BDC50106-11C7-4743-A268-352326C24D1C}" type="datetime1">
               <a:rPr lang="en-US" smtClean="0"/>
-              <a:t>6/15/2018</a:t>
+              <a:t>2018-07-05</a:t>
             </a:fld>
             <a:endParaRPr lang="en-US"/>
           </a:p>
@@ -1494,13 +1374,7 @@
       </p:sp>
       <p:sp>
         <p:nvSpPr>
-          <p:cNvPr id="5" name="Footer Placeholder 4">
-            <a:extLst>
-              <a:ext uri="{FF2B5EF4-FFF2-40B4-BE49-F238E27FC236}">
-                <a16:creationId xmlns:a16="http://schemas.microsoft.com/office/drawing/2014/main" id="{4C6792CC-63F5-40D8-A1EF-1F829F8D2668}"/>
-              </a:ext>
-            </a:extLst>
-          </p:cNvPr>
+          <p:cNvPr id="5" name="Footer Placeholder 4"/>
           <p:cNvSpPr>
             <a:spLocks noGrp="1"/>
           </p:cNvSpPr>
@@ -1519,13 +1393,7 @@
       </p:sp>
       <p:sp>
         <p:nvSpPr>
-          <p:cNvPr id="6" name="Slide Number Placeholder 5">
-            <a:extLst>
-              <a:ext uri="{FF2B5EF4-FFF2-40B4-BE49-F238E27FC236}">
-                <a16:creationId xmlns:a16="http://schemas.microsoft.com/office/drawing/2014/main" id="{35244B82-5184-416F-899A-B43AD92EF3F6}"/>
-              </a:ext>
-            </a:extLst>
-          </p:cNvPr>
+          <p:cNvPr id="6" name="Slide Number Placeholder 5"/>
           <p:cNvSpPr>
             <a:spLocks noGrp="1"/>
           </p:cNvSpPr>
@@ -1549,7 +1417,7 @@
     </p:spTree>
     <p:extLst>
       <p:ext uri="{BB962C8B-B14F-4D97-AF65-F5344CB8AC3E}">
-        <p14:creationId xmlns:p14="http://schemas.microsoft.com/office/powerpoint/2010/main" val="2478157891"/>
+        <p14:creationId xmlns:p14="http://schemas.microsoft.com/office/powerpoint/2010/main" val="191745767"/>
       </p:ext>
     </p:extLst>
   </p:cSld>
@@ -1578,13 +1446,7 @@
       </p:grpSpPr>
       <p:sp>
         <p:nvSpPr>
-          <p:cNvPr id="2" name="Title 1">
-            <a:extLst>
-              <a:ext uri="{FF2B5EF4-FFF2-40B4-BE49-F238E27FC236}">
-                <a16:creationId xmlns:a16="http://schemas.microsoft.com/office/drawing/2014/main" id="{99FD9940-41D9-4320-AF05-80835D9D7A1C}"/>
-              </a:ext>
-            </a:extLst>
-          </p:cNvPr>
+          <p:cNvPr id="2" name="Title 1"/>
           <p:cNvSpPr>
             <a:spLocks noGrp="1"/>
           </p:cNvSpPr>
@@ -1601,18 +1463,13 @@
               <a:rPr lang="en-US"/>
               <a:t>Click to edit Master title style</a:t>
             </a:r>
-          </a:p>
-        </p:txBody>
-      </p:sp>
-      <p:sp>
-        <p:nvSpPr>
-          <p:cNvPr id="3" name="Content Placeholder 2">
-            <a:extLst>
-              <a:ext uri="{FF2B5EF4-FFF2-40B4-BE49-F238E27FC236}">
-                <a16:creationId xmlns:a16="http://schemas.microsoft.com/office/drawing/2014/main" id="{0277B11D-275B-4346-8025-7CEC78F6BB93}"/>
-              </a:ext>
-            </a:extLst>
-          </p:cNvPr>
+            <a:endParaRPr lang="en-US" dirty="0"/>
+          </a:p>
+        </p:txBody>
+      </p:sp>
+      <p:sp>
+        <p:nvSpPr>
+          <p:cNvPr id="3" name="Content Placeholder 2"/>
           <p:cNvSpPr>
             <a:spLocks noGrp="1"/>
           </p:cNvSpPr>
@@ -1663,18 +1520,13 @@
               <a:rPr lang="en-US"/>
               <a:t>Fifth level</a:t>
             </a:r>
-          </a:p>
-        </p:txBody>
-      </p:sp>
-      <p:sp>
-        <p:nvSpPr>
-          <p:cNvPr id="4" name="Content Placeholder 3">
-            <a:extLst>
-              <a:ext uri="{FF2B5EF4-FFF2-40B4-BE49-F238E27FC236}">
-                <a16:creationId xmlns:a16="http://schemas.microsoft.com/office/drawing/2014/main" id="{60AE1AEF-D1AC-4DFA-BF48-35356C9C462A}"/>
-              </a:ext>
-            </a:extLst>
-          </p:cNvPr>
+            <a:endParaRPr lang="en-US" dirty="0"/>
+          </a:p>
+        </p:txBody>
+      </p:sp>
+      <p:sp>
+        <p:nvSpPr>
+          <p:cNvPr id="4" name="Content Placeholder 3"/>
           <p:cNvSpPr>
             <a:spLocks noGrp="1"/>
           </p:cNvSpPr>
@@ -1725,18 +1577,13 @@
               <a:rPr lang="en-US"/>
               <a:t>Fifth level</a:t>
             </a:r>
-          </a:p>
-        </p:txBody>
-      </p:sp>
-      <p:sp>
-        <p:nvSpPr>
-          <p:cNvPr id="5" name="Date Placeholder 4">
-            <a:extLst>
-              <a:ext uri="{FF2B5EF4-FFF2-40B4-BE49-F238E27FC236}">
-                <a16:creationId xmlns:a16="http://schemas.microsoft.com/office/drawing/2014/main" id="{CB448629-64FE-481B-9D0B-F8E2633052F1}"/>
-              </a:ext>
-            </a:extLst>
-          </p:cNvPr>
+            <a:endParaRPr lang="en-US" dirty="0"/>
+          </a:p>
+        </p:txBody>
+      </p:sp>
+      <p:sp>
+        <p:nvSpPr>
+          <p:cNvPr id="5" name="Date Placeholder 4"/>
           <p:cNvSpPr>
             <a:spLocks noGrp="1"/>
           </p:cNvSpPr>
@@ -1751,7 +1598,7 @@
           <a:p>
             <a:fld id="{788D2460-8893-4237-87EC-6D23E813631B}" type="datetime1">
               <a:rPr lang="en-US" smtClean="0"/>
-              <a:t>6/15/2018</a:t>
+              <a:t>2018-07-05</a:t>
             </a:fld>
             <a:endParaRPr lang="en-US"/>
           </a:p>
@@ -1759,13 +1606,7 @@
       </p:sp>
       <p:sp>
         <p:nvSpPr>
-          <p:cNvPr id="6" name="Footer Placeholder 5">
-            <a:extLst>
-              <a:ext uri="{FF2B5EF4-FFF2-40B4-BE49-F238E27FC236}">
-                <a16:creationId xmlns:a16="http://schemas.microsoft.com/office/drawing/2014/main" id="{0138250B-98EE-4659-A55D-B2A47448A9CB}"/>
-              </a:ext>
-            </a:extLst>
-          </p:cNvPr>
+          <p:cNvPr id="6" name="Footer Placeholder 5"/>
           <p:cNvSpPr>
             <a:spLocks noGrp="1"/>
           </p:cNvSpPr>
@@ -1784,13 +1625,7 @@
       </p:sp>
       <p:sp>
         <p:nvSpPr>
-          <p:cNvPr id="7" name="Slide Number Placeholder 6">
-            <a:extLst>
-              <a:ext uri="{FF2B5EF4-FFF2-40B4-BE49-F238E27FC236}">
-                <a16:creationId xmlns:a16="http://schemas.microsoft.com/office/drawing/2014/main" id="{447A11AC-21B1-42E5-93A4-06F08406DE6D}"/>
-              </a:ext>
-            </a:extLst>
-          </p:cNvPr>
+          <p:cNvPr id="7" name="Slide Number Placeholder 6"/>
           <p:cNvSpPr>
             <a:spLocks noGrp="1"/>
           </p:cNvSpPr>
@@ -1814,7 +1649,7 @@
     </p:spTree>
     <p:extLst>
       <p:ext uri="{BB962C8B-B14F-4D97-AF65-F5344CB8AC3E}">
-        <p14:creationId xmlns:p14="http://schemas.microsoft.com/office/powerpoint/2010/main" val="1354459105"/>
+        <p14:creationId xmlns:p14="http://schemas.microsoft.com/office/powerpoint/2010/main" val="3720659000"/>
       </p:ext>
     </p:extLst>
   </p:cSld>
@@ -1843,13 +1678,7 @@
       </p:grpSpPr>
       <p:sp>
         <p:nvSpPr>
-          <p:cNvPr id="2" name="Title 1">
-            <a:extLst>
-              <a:ext uri="{FF2B5EF4-FFF2-40B4-BE49-F238E27FC236}">
-                <a16:creationId xmlns:a16="http://schemas.microsoft.com/office/drawing/2014/main" id="{A511DAD8-EBB9-4022-B5BD-ADF310E6DB51}"/>
-              </a:ext>
-            </a:extLst>
-          </p:cNvPr>
+          <p:cNvPr id="2" name="Title 1"/>
           <p:cNvSpPr>
             <a:spLocks noGrp="1"/>
           </p:cNvSpPr>
@@ -1871,18 +1700,13 @@
               <a:rPr lang="en-US"/>
               <a:t>Click to edit Master title style</a:t>
             </a:r>
-          </a:p>
-        </p:txBody>
-      </p:sp>
-      <p:sp>
-        <p:nvSpPr>
-          <p:cNvPr id="3" name="Text Placeholder 2">
-            <a:extLst>
-              <a:ext uri="{FF2B5EF4-FFF2-40B4-BE49-F238E27FC236}">
-                <a16:creationId xmlns:a16="http://schemas.microsoft.com/office/drawing/2014/main" id="{70601F25-6C9E-43EC-922C-95CE6455B469}"/>
-              </a:ext>
-            </a:extLst>
-          </p:cNvPr>
+            <a:endParaRPr lang="en-US" dirty="0"/>
+          </a:p>
+        </p:txBody>
+      </p:sp>
+      <p:sp>
+        <p:nvSpPr>
+          <p:cNvPr id="3" name="Text Placeholder 2"/>
           <p:cNvSpPr>
             <a:spLocks noGrp="1"/>
           </p:cNvSpPr>
@@ -1947,13 +1771,7 @@
       </p:sp>
       <p:sp>
         <p:nvSpPr>
-          <p:cNvPr id="4" name="Content Placeholder 3">
-            <a:extLst>
-              <a:ext uri="{FF2B5EF4-FFF2-40B4-BE49-F238E27FC236}">
-                <a16:creationId xmlns:a16="http://schemas.microsoft.com/office/drawing/2014/main" id="{C530A383-AEEE-455B-953E-104A579BE710}"/>
-              </a:ext>
-            </a:extLst>
-          </p:cNvPr>
+          <p:cNvPr id="4" name="Content Placeholder 3"/>
           <p:cNvSpPr>
             <a:spLocks noGrp="1"/>
           </p:cNvSpPr>
@@ -2004,18 +1822,13 @@
               <a:rPr lang="en-US"/>
               <a:t>Fifth level</a:t>
             </a:r>
-          </a:p>
-        </p:txBody>
-      </p:sp>
-      <p:sp>
-        <p:nvSpPr>
-          <p:cNvPr id="5" name="Text Placeholder 4">
-            <a:extLst>
-              <a:ext uri="{FF2B5EF4-FFF2-40B4-BE49-F238E27FC236}">
-                <a16:creationId xmlns:a16="http://schemas.microsoft.com/office/drawing/2014/main" id="{2E990271-B4C6-4E22-A041-C882DBDB808C}"/>
-              </a:ext>
-            </a:extLst>
-          </p:cNvPr>
+            <a:endParaRPr lang="en-US" dirty="0"/>
+          </a:p>
+        </p:txBody>
+      </p:sp>
+      <p:sp>
+        <p:nvSpPr>
+          <p:cNvPr id="5" name="Text Placeholder 4"/>
           <p:cNvSpPr>
             <a:spLocks noGrp="1"/>
           </p:cNvSpPr>
@@ -2080,13 +1893,7 @@
       </p:sp>
       <p:sp>
         <p:nvSpPr>
-          <p:cNvPr id="6" name="Content Placeholder 5">
-            <a:extLst>
-              <a:ext uri="{FF2B5EF4-FFF2-40B4-BE49-F238E27FC236}">
-                <a16:creationId xmlns:a16="http://schemas.microsoft.com/office/drawing/2014/main" id="{219B21E2-5095-4822-BD14-B6782B50A367}"/>
-              </a:ext>
-            </a:extLst>
-          </p:cNvPr>
+          <p:cNvPr id="6" name="Content Placeholder 5"/>
           <p:cNvSpPr>
             <a:spLocks noGrp="1"/>
           </p:cNvSpPr>
@@ -2137,18 +1944,13 @@
               <a:rPr lang="en-US"/>
               <a:t>Fifth level</a:t>
             </a:r>
-          </a:p>
-        </p:txBody>
-      </p:sp>
-      <p:sp>
-        <p:nvSpPr>
-          <p:cNvPr id="7" name="Date Placeholder 6">
-            <a:extLst>
-              <a:ext uri="{FF2B5EF4-FFF2-40B4-BE49-F238E27FC236}">
-                <a16:creationId xmlns:a16="http://schemas.microsoft.com/office/drawing/2014/main" id="{BFA16EAE-3DD4-43C4-804F-2BC779A1393F}"/>
-              </a:ext>
-            </a:extLst>
-          </p:cNvPr>
+            <a:endParaRPr lang="en-US" dirty="0"/>
+          </a:p>
+        </p:txBody>
+      </p:sp>
+      <p:sp>
+        <p:nvSpPr>
+          <p:cNvPr id="7" name="Date Placeholder 6"/>
           <p:cNvSpPr>
             <a:spLocks noGrp="1"/>
           </p:cNvSpPr>
@@ -2163,7 +1965,7 @@
           <a:p>
             <a:fld id="{27E9E99A-D479-4EDF-8C6D-90E41B7F7420}" type="datetime1">
               <a:rPr lang="en-US" smtClean="0"/>
-              <a:t>6/15/2018</a:t>
+              <a:t>2018-07-05</a:t>
             </a:fld>
             <a:endParaRPr lang="en-US"/>
           </a:p>
@@ -2171,13 +1973,7 @@
       </p:sp>
       <p:sp>
         <p:nvSpPr>
-          <p:cNvPr id="8" name="Footer Placeholder 7">
-            <a:extLst>
-              <a:ext uri="{FF2B5EF4-FFF2-40B4-BE49-F238E27FC236}">
-                <a16:creationId xmlns:a16="http://schemas.microsoft.com/office/drawing/2014/main" id="{CB3A6A34-8088-46FF-AD7E-5952DE5CEDC1}"/>
-              </a:ext>
-            </a:extLst>
-          </p:cNvPr>
+          <p:cNvPr id="8" name="Footer Placeholder 7"/>
           <p:cNvSpPr>
             <a:spLocks noGrp="1"/>
           </p:cNvSpPr>
@@ -2196,13 +1992,7 @@
       </p:sp>
       <p:sp>
         <p:nvSpPr>
-          <p:cNvPr id="9" name="Slide Number Placeholder 8">
-            <a:extLst>
-              <a:ext uri="{FF2B5EF4-FFF2-40B4-BE49-F238E27FC236}">
-                <a16:creationId xmlns:a16="http://schemas.microsoft.com/office/drawing/2014/main" id="{18DC9D39-D966-4FB3-8EA2-45F4CC7A009C}"/>
-              </a:ext>
-            </a:extLst>
-          </p:cNvPr>
+          <p:cNvPr id="9" name="Slide Number Placeholder 8"/>
           <p:cNvSpPr>
             <a:spLocks noGrp="1"/>
           </p:cNvSpPr>
@@ -2226,7 +2016,7 @@
     </p:spTree>
     <p:extLst>
       <p:ext uri="{BB962C8B-B14F-4D97-AF65-F5344CB8AC3E}">
-        <p14:creationId xmlns:p14="http://schemas.microsoft.com/office/powerpoint/2010/main" val="452372328"/>
+        <p14:creationId xmlns:p14="http://schemas.microsoft.com/office/powerpoint/2010/main" val="2807070065"/>
       </p:ext>
     </p:extLst>
   </p:cSld>
@@ -2255,13 +2045,7 @@
       </p:grpSpPr>
       <p:sp>
         <p:nvSpPr>
-          <p:cNvPr id="2" name="Title 1">
-            <a:extLst>
-              <a:ext uri="{FF2B5EF4-FFF2-40B4-BE49-F238E27FC236}">
-                <a16:creationId xmlns:a16="http://schemas.microsoft.com/office/drawing/2014/main" id="{329C4C0D-98E8-4680-9B73-957D389419D6}"/>
-              </a:ext>
-            </a:extLst>
-          </p:cNvPr>
+          <p:cNvPr id="2" name="Title 1"/>
           <p:cNvSpPr>
             <a:spLocks noGrp="1"/>
           </p:cNvSpPr>
@@ -2278,18 +2062,13 @@
               <a:rPr lang="en-US"/>
               <a:t>Click to edit Master title style</a:t>
             </a:r>
-          </a:p>
-        </p:txBody>
-      </p:sp>
-      <p:sp>
-        <p:nvSpPr>
-          <p:cNvPr id="3" name="Date Placeholder 2">
-            <a:extLst>
-              <a:ext uri="{FF2B5EF4-FFF2-40B4-BE49-F238E27FC236}">
-                <a16:creationId xmlns:a16="http://schemas.microsoft.com/office/drawing/2014/main" id="{EFBC0E4A-10AB-4ECA-B592-AFF3A32713D9}"/>
-              </a:ext>
-            </a:extLst>
-          </p:cNvPr>
+            <a:endParaRPr lang="en-US" dirty="0"/>
+          </a:p>
+        </p:txBody>
+      </p:sp>
+      <p:sp>
+        <p:nvSpPr>
+          <p:cNvPr id="3" name="Date Placeholder 2"/>
           <p:cNvSpPr>
             <a:spLocks noGrp="1"/>
           </p:cNvSpPr>
@@ -2304,7 +2083,7 @@
           <a:p>
             <a:fld id="{85451478-3410-43B1-B561-26F907204A43}" type="datetime1">
               <a:rPr lang="en-US" smtClean="0"/>
-              <a:t>6/15/2018</a:t>
+              <a:t>2018-07-05</a:t>
             </a:fld>
             <a:endParaRPr lang="en-US"/>
           </a:p>
@@ -2312,13 +2091,7 @@
       </p:sp>
       <p:sp>
         <p:nvSpPr>
-          <p:cNvPr id="4" name="Footer Placeholder 3">
-            <a:extLst>
-              <a:ext uri="{FF2B5EF4-FFF2-40B4-BE49-F238E27FC236}">
-                <a16:creationId xmlns:a16="http://schemas.microsoft.com/office/drawing/2014/main" id="{8006C509-1B11-454A-BB6D-848C4E4D0EE4}"/>
-              </a:ext>
-            </a:extLst>
-          </p:cNvPr>
+          <p:cNvPr id="4" name="Footer Placeholder 3"/>
           <p:cNvSpPr>
             <a:spLocks noGrp="1"/>
           </p:cNvSpPr>
@@ -2337,13 +2110,7 @@
       </p:sp>
       <p:sp>
         <p:nvSpPr>
-          <p:cNvPr id="5" name="Slide Number Placeholder 4">
-            <a:extLst>
-              <a:ext uri="{FF2B5EF4-FFF2-40B4-BE49-F238E27FC236}">
-                <a16:creationId xmlns:a16="http://schemas.microsoft.com/office/drawing/2014/main" id="{D54EFBB6-A95B-49EC-8EF7-CDC2B4C5AE11}"/>
-              </a:ext>
-            </a:extLst>
-          </p:cNvPr>
+          <p:cNvPr id="5" name="Slide Number Placeholder 4"/>
           <p:cNvSpPr>
             <a:spLocks noGrp="1"/>
           </p:cNvSpPr>
@@ -2367,7 +2134,7 @@
     </p:spTree>
     <p:extLst>
       <p:ext uri="{BB962C8B-B14F-4D97-AF65-F5344CB8AC3E}">
-        <p14:creationId xmlns:p14="http://schemas.microsoft.com/office/powerpoint/2010/main" val="2176545694"/>
+        <p14:creationId xmlns:p14="http://schemas.microsoft.com/office/powerpoint/2010/main" val="2853362548"/>
       </p:ext>
     </p:extLst>
   </p:cSld>
@@ -2396,13 +2163,7 @@
       </p:grpSpPr>
       <p:sp>
         <p:nvSpPr>
-          <p:cNvPr id="2" name="Date Placeholder 1">
-            <a:extLst>
-              <a:ext uri="{FF2B5EF4-FFF2-40B4-BE49-F238E27FC236}">
-                <a16:creationId xmlns:a16="http://schemas.microsoft.com/office/drawing/2014/main" id="{064EDD4C-B896-46EE-8B48-CBB24A3845C4}"/>
-              </a:ext>
-            </a:extLst>
-          </p:cNvPr>
+          <p:cNvPr id="2" name="Date Placeholder 1"/>
           <p:cNvSpPr>
             <a:spLocks noGrp="1"/>
           </p:cNvSpPr>
@@ -2417,7 +2178,7 @@
           <a:p>
             <a:fld id="{FA489C54-C8EE-4B91-B64B-6687A21D522B}" type="datetime1">
               <a:rPr lang="en-US" smtClean="0"/>
-              <a:t>6/15/2018</a:t>
+              <a:t>2018-07-05</a:t>
             </a:fld>
             <a:endParaRPr lang="en-US"/>
           </a:p>
@@ -2425,13 +2186,7 @@
       </p:sp>
       <p:sp>
         <p:nvSpPr>
-          <p:cNvPr id="3" name="Footer Placeholder 2">
-            <a:extLst>
-              <a:ext uri="{FF2B5EF4-FFF2-40B4-BE49-F238E27FC236}">
-                <a16:creationId xmlns:a16="http://schemas.microsoft.com/office/drawing/2014/main" id="{4CFEDFA6-9FF3-4334-8FD2-3F3AFB08B8B6}"/>
-              </a:ext>
-            </a:extLst>
-          </p:cNvPr>
+          <p:cNvPr id="3" name="Footer Placeholder 2"/>
           <p:cNvSpPr>
             <a:spLocks noGrp="1"/>
           </p:cNvSpPr>
@@ -2450,13 +2205,7 @@
       </p:sp>
       <p:sp>
         <p:nvSpPr>
-          <p:cNvPr id="4" name="Slide Number Placeholder 3">
-            <a:extLst>
-              <a:ext uri="{FF2B5EF4-FFF2-40B4-BE49-F238E27FC236}">
-                <a16:creationId xmlns:a16="http://schemas.microsoft.com/office/drawing/2014/main" id="{11B03D37-A489-4C52-92AD-54A9ECD957A0}"/>
-              </a:ext>
-            </a:extLst>
-          </p:cNvPr>
+          <p:cNvPr id="4" name="Slide Number Placeholder 3"/>
           <p:cNvSpPr>
             <a:spLocks noGrp="1"/>
           </p:cNvSpPr>
@@ -2480,7 +2229,7 @@
     </p:spTree>
     <p:extLst>
       <p:ext uri="{BB962C8B-B14F-4D97-AF65-F5344CB8AC3E}">
-        <p14:creationId xmlns:p14="http://schemas.microsoft.com/office/powerpoint/2010/main" val="633730101"/>
+        <p14:creationId xmlns:p14="http://schemas.microsoft.com/office/powerpoint/2010/main" val="3255761461"/>
       </p:ext>
     </p:extLst>
   </p:cSld>
@@ -2509,13 +2258,7 @@
       </p:grpSpPr>
       <p:sp>
         <p:nvSpPr>
-          <p:cNvPr id="2" name="Title 1">
-            <a:extLst>
-              <a:ext uri="{FF2B5EF4-FFF2-40B4-BE49-F238E27FC236}">
-                <a16:creationId xmlns:a16="http://schemas.microsoft.com/office/drawing/2014/main" id="{E6BC4AF7-724A-4F8B-B78A-BC1EA4343D35}"/>
-              </a:ext>
-            </a:extLst>
-          </p:cNvPr>
+          <p:cNvPr id="2" name="Title 1"/>
           <p:cNvSpPr>
             <a:spLocks noGrp="1"/>
           </p:cNvSpPr>
@@ -2541,18 +2284,13 @@
               <a:rPr lang="en-US"/>
               <a:t>Click to edit Master title style</a:t>
             </a:r>
-          </a:p>
-        </p:txBody>
-      </p:sp>
-      <p:sp>
-        <p:nvSpPr>
-          <p:cNvPr id="3" name="Content Placeholder 2">
-            <a:extLst>
-              <a:ext uri="{FF2B5EF4-FFF2-40B4-BE49-F238E27FC236}">
-                <a16:creationId xmlns:a16="http://schemas.microsoft.com/office/drawing/2014/main" id="{00E2E240-645B-4094-9D61-0428FA89964F}"/>
-              </a:ext>
-            </a:extLst>
-          </p:cNvPr>
+            <a:endParaRPr lang="en-US" dirty="0"/>
+          </a:p>
+        </p:txBody>
+      </p:sp>
+      <p:sp>
+        <p:nvSpPr>
+          <p:cNvPr id="3" name="Content Placeholder 2"/>
           <p:cNvSpPr>
             <a:spLocks noGrp="1"/>
           </p:cNvSpPr>
@@ -2631,18 +2369,13 @@
               <a:rPr lang="en-US"/>
               <a:t>Fifth level</a:t>
             </a:r>
-          </a:p>
-        </p:txBody>
-      </p:sp>
-      <p:sp>
-        <p:nvSpPr>
-          <p:cNvPr id="4" name="Text Placeholder 3">
-            <a:extLst>
-              <a:ext uri="{FF2B5EF4-FFF2-40B4-BE49-F238E27FC236}">
-                <a16:creationId xmlns:a16="http://schemas.microsoft.com/office/drawing/2014/main" id="{C3EE435C-526E-4DE6-AD9D-32A3C8C06EE9}"/>
-              </a:ext>
-            </a:extLst>
-          </p:cNvPr>
+            <a:endParaRPr lang="en-US" dirty="0"/>
+          </a:p>
+        </p:txBody>
+      </p:sp>
+      <p:sp>
+        <p:nvSpPr>
+          <p:cNvPr id="4" name="Text Placeholder 3"/>
           <p:cNvSpPr>
             <a:spLocks noGrp="1"/>
           </p:cNvSpPr>
@@ -2707,13 +2440,7 @@
       </p:sp>
       <p:sp>
         <p:nvSpPr>
-          <p:cNvPr id="5" name="Date Placeholder 4">
-            <a:extLst>
-              <a:ext uri="{FF2B5EF4-FFF2-40B4-BE49-F238E27FC236}">
-                <a16:creationId xmlns:a16="http://schemas.microsoft.com/office/drawing/2014/main" id="{54D97EB9-CEB1-465C-9B3B-CF0C5DC90959}"/>
-              </a:ext>
-            </a:extLst>
-          </p:cNvPr>
+          <p:cNvPr id="5" name="Date Placeholder 4"/>
           <p:cNvSpPr>
             <a:spLocks noGrp="1"/>
           </p:cNvSpPr>
@@ -2728,7 +2455,7 @@
           <a:p>
             <a:fld id="{40BF1821-AA5A-4F67-9395-523155C54006}" type="datetime1">
               <a:rPr lang="en-US" smtClean="0"/>
-              <a:t>6/15/2018</a:t>
+              <a:t>2018-07-05</a:t>
             </a:fld>
             <a:endParaRPr lang="en-US"/>
           </a:p>
@@ -2736,13 +2463,7 @@
       </p:sp>
       <p:sp>
         <p:nvSpPr>
-          <p:cNvPr id="6" name="Footer Placeholder 5">
-            <a:extLst>
-              <a:ext uri="{FF2B5EF4-FFF2-40B4-BE49-F238E27FC236}">
-                <a16:creationId xmlns:a16="http://schemas.microsoft.com/office/drawing/2014/main" id="{F61A028C-F54F-40F9-BA80-3624056F81C2}"/>
-              </a:ext>
-            </a:extLst>
-          </p:cNvPr>
+          <p:cNvPr id="6" name="Footer Placeholder 5"/>
           <p:cNvSpPr>
             <a:spLocks noGrp="1"/>
           </p:cNvSpPr>
@@ -2761,13 +2482,7 @@
       </p:sp>
       <p:sp>
         <p:nvSpPr>
-          <p:cNvPr id="7" name="Slide Number Placeholder 6">
-            <a:extLst>
-              <a:ext uri="{FF2B5EF4-FFF2-40B4-BE49-F238E27FC236}">
-                <a16:creationId xmlns:a16="http://schemas.microsoft.com/office/drawing/2014/main" id="{E2E1D9F4-602E-4064-82A2-A92EF09D0FFB}"/>
-              </a:ext>
-            </a:extLst>
-          </p:cNvPr>
+          <p:cNvPr id="7" name="Slide Number Placeholder 6"/>
           <p:cNvSpPr>
             <a:spLocks noGrp="1"/>
           </p:cNvSpPr>
@@ -2791,7 +2506,7 @@
     </p:spTree>
     <p:extLst>
       <p:ext uri="{BB962C8B-B14F-4D97-AF65-F5344CB8AC3E}">
-        <p14:creationId xmlns:p14="http://schemas.microsoft.com/office/powerpoint/2010/main" val="2585627411"/>
+        <p14:creationId xmlns:p14="http://schemas.microsoft.com/office/powerpoint/2010/main" val="2071273385"/>
       </p:ext>
     </p:extLst>
   </p:cSld>
@@ -2820,13 +2535,7 @@
       </p:grpSpPr>
       <p:sp>
         <p:nvSpPr>
-          <p:cNvPr id="2" name="Title 1">
-            <a:extLst>
-              <a:ext uri="{FF2B5EF4-FFF2-40B4-BE49-F238E27FC236}">
-                <a16:creationId xmlns:a16="http://schemas.microsoft.com/office/drawing/2014/main" id="{E5AB3CEA-DF55-4A96-8C38-9B0091D3FAB0}"/>
-              </a:ext>
-            </a:extLst>
-          </p:cNvPr>
+          <p:cNvPr id="2" name="Title 1"/>
           <p:cNvSpPr>
             <a:spLocks noGrp="1"/>
           </p:cNvSpPr>
@@ -2852,20 +2561,15 @@
               <a:rPr lang="en-US"/>
               <a:t>Click to edit Master title style</a:t>
             </a:r>
-          </a:p>
-        </p:txBody>
-      </p:sp>
-      <p:sp>
-        <p:nvSpPr>
-          <p:cNvPr id="3" name="Picture Placeholder 2">
-            <a:extLst>
-              <a:ext uri="{FF2B5EF4-FFF2-40B4-BE49-F238E27FC236}">
-                <a16:creationId xmlns:a16="http://schemas.microsoft.com/office/drawing/2014/main" id="{E0F873BF-B2BC-4282-A0CC-70DAB99B9E03}"/>
-              </a:ext>
-            </a:extLst>
-          </p:cNvPr>
-          <p:cNvSpPr>
-            <a:spLocks noGrp="1"/>
+            <a:endParaRPr lang="en-US" dirty="0"/>
+          </a:p>
+        </p:txBody>
+      </p:sp>
+      <p:sp>
+        <p:nvSpPr>
+          <p:cNvPr id="3" name="Picture Placeholder 2"/>
+          <p:cNvSpPr>
+            <a:spLocks noGrp="1" noChangeAspect="1"/>
           </p:cNvSpPr>
           <p:nvPr>
             <p:ph type="pic" idx="1"/>
@@ -2878,7 +2582,7 @@
           </a:xfrm>
         </p:spPr>
         <p:txBody>
-          <a:bodyPr/>
+          <a:bodyPr anchor="t"/>
           <a:lstStyle>
             <a:lvl1pPr marL="0" indent="0">
               <a:buNone/>
@@ -2918,19 +2622,17 @@
             </a:lvl9pPr>
           </a:lstStyle>
           <a:p>
-            <a:endParaRPr lang="en-US"/>
-          </a:p>
-        </p:txBody>
-      </p:sp>
-      <p:sp>
-        <p:nvSpPr>
-          <p:cNvPr id="4" name="Text Placeholder 3">
-            <a:extLst>
-              <a:ext uri="{FF2B5EF4-FFF2-40B4-BE49-F238E27FC236}">
-                <a16:creationId xmlns:a16="http://schemas.microsoft.com/office/drawing/2014/main" id="{AC8280B8-8287-4D50-B228-EB6C43D99ED3}"/>
-              </a:ext>
-            </a:extLst>
-          </p:cNvPr>
+            <a:r>
+              <a:rPr lang="en-US"/>
+              <a:t>Click icon to add picture</a:t>
+            </a:r>
+            <a:endParaRPr lang="en-US" dirty="0"/>
+          </a:p>
+        </p:txBody>
+      </p:sp>
+      <p:sp>
+        <p:nvSpPr>
+          <p:cNvPr id="4" name="Text Placeholder 3"/>
           <p:cNvSpPr>
             <a:spLocks noGrp="1"/>
           </p:cNvSpPr>
@@ -2995,13 +2697,7 @@
       </p:sp>
       <p:sp>
         <p:nvSpPr>
-          <p:cNvPr id="5" name="Date Placeholder 4">
-            <a:extLst>
-              <a:ext uri="{FF2B5EF4-FFF2-40B4-BE49-F238E27FC236}">
-                <a16:creationId xmlns:a16="http://schemas.microsoft.com/office/drawing/2014/main" id="{2F386FD3-B76A-4AC8-9D86-1A9741782234}"/>
-              </a:ext>
-            </a:extLst>
-          </p:cNvPr>
+          <p:cNvPr id="5" name="Date Placeholder 4"/>
           <p:cNvSpPr>
             <a:spLocks noGrp="1"/>
           </p:cNvSpPr>
@@ -3016,7 +2712,7 @@
           <a:p>
             <a:fld id="{FC6BE5E1-4448-493C-8281-4A0C48B4313C}" type="datetime1">
               <a:rPr lang="en-US" smtClean="0"/>
-              <a:t>6/15/2018</a:t>
+              <a:t>2018-07-05</a:t>
             </a:fld>
             <a:endParaRPr lang="en-US"/>
           </a:p>
@@ -3024,13 +2720,7 @@
       </p:sp>
       <p:sp>
         <p:nvSpPr>
-          <p:cNvPr id="6" name="Footer Placeholder 5">
-            <a:extLst>
-              <a:ext uri="{FF2B5EF4-FFF2-40B4-BE49-F238E27FC236}">
-                <a16:creationId xmlns:a16="http://schemas.microsoft.com/office/drawing/2014/main" id="{BCEADA13-BA8E-4938-8D78-A86208A24DCC}"/>
-              </a:ext>
-            </a:extLst>
-          </p:cNvPr>
+          <p:cNvPr id="6" name="Footer Placeholder 5"/>
           <p:cNvSpPr>
             <a:spLocks noGrp="1"/>
           </p:cNvSpPr>
@@ -3049,13 +2739,7 @@
       </p:sp>
       <p:sp>
         <p:nvSpPr>
-          <p:cNvPr id="7" name="Slide Number Placeholder 6">
-            <a:extLst>
-              <a:ext uri="{FF2B5EF4-FFF2-40B4-BE49-F238E27FC236}">
-                <a16:creationId xmlns:a16="http://schemas.microsoft.com/office/drawing/2014/main" id="{DF7D99A3-515E-4349-992E-939A43D0E64F}"/>
-              </a:ext>
-            </a:extLst>
-          </p:cNvPr>
+          <p:cNvPr id="7" name="Slide Number Placeholder 6"/>
           <p:cNvSpPr>
             <a:spLocks noGrp="1"/>
           </p:cNvSpPr>
@@ -3079,7 +2763,7 @@
     </p:spTree>
     <p:extLst>
       <p:ext uri="{BB962C8B-B14F-4D97-AF65-F5344CB8AC3E}">
-        <p14:creationId xmlns:p14="http://schemas.microsoft.com/office/powerpoint/2010/main" val="309948125"/>
+        <p14:creationId xmlns:p14="http://schemas.microsoft.com/office/powerpoint/2010/main" val="658399311"/>
       </p:ext>
     </p:extLst>
   </p:cSld>
@@ -3113,13 +2797,7 @@
       </p:grpSpPr>
       <p:sp>
         <p:nvSpPr>
-          <p:cNvPr id="2" name="Title Placeholder 1">
-            <a:extLst>
-              <a:ext uri="{FF2B5EF4-FFF2-40B4-BE49-F238E27FC236}">
-                <a16:creationId xmlns:a16="http://schemas.microsoft.com/office/drawing/2014/main" id="{4D6840D4-DD62-42AB-878C-EB2FFA84DFFC}"/>
-              </a:ext>
-            </a:extLst>
-          </p:cNvPr>
+          <p:cNvPr id="2" name="Title Placeholder 1"/>
           <p:cNvSpPr>
             <a:spLocks noGrp="1"/>
           </p:cNvSpPr>
@@ -3146,18 +2824,13 @@
               <a:rPr lang="en-US"/>
               <a:t>Click to edit Master title style</a:t>
             </a:r>
-          </a:p>
-        </p:txBody>
-      </p:sp>
-      <p:sp>
-        <p:nvSpPr>
-          <p:cNvPr id="3" name="Text Placeholder 2">
-            <a:extLst>
-              <a:ext uri="{FF2B5EF4-FFF2-40B4-BE49-F238E27FC236}">
-                <a16:creationId xmlns:a16="http://schemas.microsoft.com/office/drawing/2014/main" id="{E05F88AC-0BFB-4299-8610-018EDDB29FD1}"/>
-              </a:ext>
-            </a:extLst>
-          </p:cNvPr>
+            <a:endParaRPr lang="en-US" dirty="0"/>
+          </a:p>
+        </p:txBody>
+      </p:sp>
+      <p:sp>
+        <p:nvSpPr>
+          <p:cNvPr id="3" name="Text Placeholder 2"/>
           <p:cNvSpPr>
             <a:spLocks noGrp="1"/>
           </p:cNvSpPr>
@@ -3213,18 +2886,13 @@
               <a:rPr lang="en-US"/>
               <a:t>Fifth level</a:t>
             </a:r>
-          </a:p>
-        </p:txBody>
-      </p:sp>
-      <p:sp>
-        <p:nvSpPr>
-          <p:cNvPr id="4" name="Date Placeholder 3">
-            <a:extLst>
-              <a:ext uri="{FF2B5EF4-FFF2-40B4-BE49-F238E27FC236}">
-                <a16:creationId xmlns:a16="http://schemas.microsoft.com/office/drawing/2014/main" id="{4AEDF52C-4BEC-4DEA-B417-16EE5B44170D}"/>
-              </a:ext>
-            </a:extLst>
-          </p:cNvPr>
+            <a:endParaRPr lang="en-US" dirty="0"/>
+          </a:p>
+        </p:txBody>
+      </p:sp>
+      <p:sp>
+        <p:nvSpPr>
+          <p:cNvPr id="4" name="Date Placeholder 3"/>
           <p:cNvSpPr>
             <a:spLocks noGrp="1"/>
           </p:cNvSpPr>
@@ -3257,7 +2925,7 @@
           <a:p>
             <a:fld id="{B9ACCD46-3949-4FD6-9D13-AB19AE2895AB}" type="datetime1">
               <a:rPr lang="en-US" smtClean="0"/>
-              <a:t>6/15/2018</a:t>
+              <a:t>2018-07-05</a:t>
             </a:fld>
             <a:endParaRPr lang="en-US"/>
           </a:p>
@@ -3265,13 +2933,7 @@
       </p:sp>
       <p:sp>
         <p:nvSpPr>
-          <p:cNvPr id="5" name="Footer Placeholder 4">
-            <a:extLst>
-              <a:ext uri="{FF2B5EF4-FFF2-40B4-BE49-F238E27FC236}">
-                <a16:creationId xmlns:a16="http://schemas.microsoft.com/office/drawing/2014/main" id="{74B1C25C-3AA7-4E15-826D-768CBEFBF54E}"/>
-              </a:ext>
-            </a:extLst>
-          </p:cNvPr>
+          <p:cNvPr id="5" name="Footer Placeholder 4"/>
           <p:cNvSpPr>
             <a:spLocks noGrp="1"/>
           </p:cNvSpPr>
@@ -3308,13 +2970,7 @@
       </p:sp>
       <p:sp>
         <p:nvSpPr>
-          <p:cNvPr id="6" name="Slide Number Placeholder 5">
-            <a:extLst>
-              <a:ext uri="{FF2B5EF4-FFF2-40B4-BE49-F238E27FC236}">
-                <a16:creationId xmlns:a16="http://schemas.microsoft.com/office/drawing/2014/main" id="{C4B4B63E-C849-4E81-B90E-686F6E171913}"/>
-              </a:ext>
-            </a:extLst>
-          </p:cNvPr>
+          <p:cNvPr id="6" name="Slide Number Placeholder 5"/>
           <p:cNvSpPr>
             <a:spLocks noGrp="1"/>
           </p:cNvSpPr>
@@ -3356,23 +3012,23 @@
     </p:spTree>
     <p:extLst>
       <p:ext uri="{BB962C8B-B14F-4D97-AF65-F5344CB8AC3E}">
-        <p14:creationId xmlns:p14="http://schemas.microsoft.com/office/powerpoint/2010/main" val="1606031657"/>
+        <p14:creationId xmlns:p14="http://schemas.microsoft.com/office/powerpoint/2010/main" val="1448900024"/>
       </p:ext>
     </p:extLst>
   </p:cSld>
   <p:clrMap bg1="lt1" tx1="dk1" bg2="lt2" tx2="dk2" accent1="accent1" accent2="accent2" accent3="accent3" accent4="accent4" accent5="accent5" accent6="accent6" hlink="hlink" folHlink="folHlink"/>
   <p:sldLayoutIdLst>
-    <p:sldLayoutId id="2147483649" r:id="rId1"/>
-    <p:sldLayoutId id="2147483650" r:id="rId2"/>
-    <p:sldLayoutId id="2147483651" r:id="rId3"/>
-    <p:sldLayoutId id="2147483652" r:id="rId4"/>
-    <p:sldLayoutId id="2147483653" r:id="rId5"/>
-    <p:sldLayoutId id="2147483654" r:id="rId6"/>
-    <p:sldLayoutId id="2147483655" r:id="rId7"/>
-    <p:sldLayoutId id="2147483656" r:id="rId8"/>
-    <p:sldLayoutId id="2147483657" r:id="rId9"/>
-    <p:sldLayoutId id="2147483658" r:id="rId10"/>
-    <p:sldLayoutId id="2147483659" r:id="rId11"/>
+    <p:sldLayoutId id="2147483709" r:id="rId1"/>
+    <p:sldLayoutId id="2147483710" r:id="rId2"/>
+    <p:sldLayoutId id="2147483711" r:id="rId3"/>
+    <p:sldLayoutId id="2147483712" r:id="rId4"/>
+    <p:sldLayoutId id="2147483713" r:id="rId5"/>
+    <p:sldLayoutId id="2147483714" r:id="rId6"/>
+    <p:sldLayoutId id="2147483715" r:id="rId7"/>
+    <p:sldLayoutId id="2147483716" r:id="rId8"/>
+    <p:sldLayoutId id="2147483717" r:id="rId9"/>
+    <p:sldLayoutId id="2147483718" r:id="rId10"/>
+    <p:sldLayoutId id="2147483719" r:id="rId11"/>
   </p:sldLayoutIdLst>
   <p:hf hdr="0" dt="0"/>
   <p:txStyles>
@@ -3932,6 +3588,14 @@
   <p:clrMapOvr>
     <a:masterClrMapping/>
   </p:clrMapOvr>
+  <mc:AlternateContent xmlns:mc="http://schemas.openxmlformats.org/markup-compatibility/2006">
+    <mc:Choice xmlns:p14="http://schemas.microsoft.com/office/powerpoint/2010/main" Requires="p14">
+      <p:transition p14:dur="10"/>
+    </mc:Choice>
+    <mc:Fallback>
+      <p:transition/>
+    </mc:Fallback>
+  </mc:AlternateContent>
 </p:sld>
 </file>
 
@@ -4008,12 +3672,7 @@
             <p:ph idx="1"/>
           </p:nvPr>
         </p:nvSpPr>
-        <p:spPr>
-          <a:xfrm>
-            <a:off x="838200" y="1825625"/>
-            <a:ext cx="10515600" cy="4351338"/>
-          </a:xfrm>
-        </p:spPr>
+        <p:spPr/>
         <p:txBody>
           <a:bodyPr/>
           <a:lstStyle/>
@@ -4133,12 +3792,7 @@
             <p:ph type="ftr" sz="quarter" idx="11"/>
           </p:nvPr>
         </p:nvSpPr>
-        <p:spPr>
-          <a:xfrm>
-            <a:off x="4038600" y="6356350"/>
-            <a:ext cx="4114800" cy="365125"/>
-          </a:xfrm>
-        </p:spPr>
+        <p:spPr/>
         <p:txBody>
           <a:bodyPr/>
           <a:lstStyle/>
@@ -4163,12 +3817,7 @@
             <p:ph type="sldNum" sz="quarter" idx="12"/>
           </p:nvPr>
         </p:nvSpPr>
-        <p:spPr>
-          <a:xfrm>
-            <a:off x="8610600" y="6356350"/>
-            <a:ext cx="2743200" cy="365125"/>
-          </a:xfrm>
-        </p:spPr>
+        <p:spPr/>
         <p:txBody>
           <a:bodyPr/>
           <a:lstStyle/>
@@ -4194,10 +3843,1951 @@
 </p:sld>
 </file>
 
+<file path=ppt/slides/slide3.xml><?xml version="1.0" encoding="utf-8"?>
+<p:sld xmlns:a="http://schemas.openxmlformats.org/drawingml/2006/main" xmlns:r="http://schemas.openxmlformats.org/officeDocument/2006/relationships" xmlns:p="http://schemas.openxmlformats.org/presentationml/2006/main">
+  <p:cSld>
+    <p:bg>
+      <p:bgPr>
+        <a:solidFill>
+          <a:schemeClr val="bg1"/>
+        </a:solidFill>
+        <a:effectLst/>
+      </p:bgPr>
+    </p:bg>
+    <p:spTree>
+      <p:nvGrpSpPr>
+        <p:cNvPr id="1" name=""/>
+        <p:cNvGrpSpPr/>
+        <p:nvPr/>
+      </p:nvGrpSpPr>
+      <p:grpSpPr>
+        <a:xfrm>
+          <a:off x="0" y="0"/>
+          <a:ext cx="0" cy="0"/>
+          <a:chOff x="0" y="0"/>
+          <a:chExt cx="0" cy="0"/>
+        </a:xfrm>
+      </p:grpSpPr>
+      <p:sp>
+        <p:nvSpPr>
+          <p:cNvPr id="21" name="Rectangle 20">
+            <a:extLst>
+              <a:ext uri="{FF2B5EF4-FFF2-40B4-BE49-F238E27FC236}">
+                <a16:creationId xmlns:a16="http://schemas.microsoft.com/office/drawing/2014/main" id="{867D4867-5BA7-4462-B2F6-A23F4A622AA7}"/>
+              </a:ext>
+              <a:ext uri="{C183D7F6-B498-43B3-948B-1728B52AA6E4}">
+                <adec:decorative xmlns:adec="http://schemas.microsoft.com/office/drawing/2017/decorative" val="1"/>
+              </a:ext>
+            </a:extLst>
+          </p:cNvPr>
+          <p:cNvSpPr>
+            <a:spLocks noGrp="1" noRot="1" noChangeAspect="1" noMove="1" noResize="1" noEditPoints="1" noAdjustHandles="1" noChangeArrowheads="1" noChangeShapeType="1" noTextEdit="1"/>
+          </p:cNvSpPr>
+          <p:nvPr>
+            <p:extLst>
+              <p:ext uri="{386F3935-93C4-4BCD-93E2-E3B085C9AB24}">
+                <p16:designElem xmlns:p16="http://schemas.microsoft.com/office/powerpoint/2015/main" val="1"/>
+              </p:ext>
+            </p:extLst>
+          </p:nvPr>
+        </p:nvSpPr>
+        <p:spPr>
+          <a:xfrm>
+            <a:off x="0" y="0"/>
+            <a:ext cx="4654296" cy="6858000"/>
+          </a:xfrm>
+          <a:prstGeom prst="rect">
+            <a:avLst/>
+          </a:prstGeom>
+          <a:solidFill>
+            <a:schemeClr val="tx1">
+              <a:lumMod val="75000"/>
+              <a:lumOff val="25000"/>
+            </a:schemeClr>
+          </a:solidFill>
+          <a:ln>
+            <a:noFill/>
+          </a:ln>
+        </p:spPr>
+        <p:style>
+          <a:lnRef idx="0">
+            <a:scrgbClr r="0" g="0" b="0"/>
+          </a:lnRef>
+          <a:fillRef idx="0">
+            <a:scrgbClr r="0" g="0" b="0"/>
+          </a:fillRef>
+          <a:effectRef idx="0">
+            <a:scrgbClr r="0" g="0" b="0"/>
+          </a:effectRef>
+          <a:fontRef idx="minor">
+            <a:schemeClr val="lt1"/>
+          </a:fontRef>
+        </p:style>
+        <p:txBody>
+          <a:bodyPr rtlCol="0" anchor="ctr"/>
+          <a:lstStyle/>
+          <a:p>
+            <a:pPr algn="ctr"/>
+            <a:endParaRPr lang="en-US"/>
+          </a:p>
+        </p:txBody>
+      </p:sp>
+      <p:pic>
+        <p:nvPicPr>
+          <p:cNvPr id="6" name="Picture 5" descr="A screenshot of a video game&#10;&#10;Description generated with high confidence">
+            <a:extLst>
+              <a:ext uri="{FF2B5EF4-FFF2-40B4-BE49-F238E27FC236}">
+                <a16:creationId xmlns:a16="http://schemas.microsoft.com/office/drawing/2014/main" id="{50F295EF-89A9-4E39-9089-F7A1B6E777BB}"/>
+              </a:ext>
+            </a:extLst>
+          </p:cNvPr>
+          <p:cNvPicPr>
+            <a:picLocks noChangeAspect="1"/>
+          </p:cNvPicPr>
+          <p:nvPr/>
+        </p:nvPicPr>
+        <p:blipFill>
+          <a:blip r:embed="rId2">
+            <a:extLst>
+              <a:ext uri="{28A0092B-C50C-407E-A947-70E740481C1C}">
+                <a14:useLocalDpi xmlns:a14="http://schemas.microsoft.com/office/drawing/2010/main" val="0"/>
+              </a:ext>
+            </a:extLst>
+          </a:blip>
+          <a:stretch>
+            <a:fillRect/>
+          </a:stretch>
+        </p:blipFill>
+        <p:spPr>
+          <a:xfrm>
+            <a:off x="4666583" y="1847462"/>
+            <a:ext cx="7422780" cy="2639898"/>
+          </a:xfrm>
+          <a:prstGeom prst="rect">
+            <a:avLst/>
+          </a:prstGeom>
+        </p:spPr>
+      </p:pic>
+      <p:sp>
+        <p:nvSpPr>
+          <p:cNvPr id="2" name="Footer Placeholder 1">
+            <a:extLst>
+              <a:ext uri="{FF2B5EF4-FFF2-40B4-BE49-F238E27FC236}">
+                <a16:creationId xmlns:a16="http://schemas.microsoft.com/office/drawing/2014/main" id="{F42EA81F-5E23-4FB2-B4BE-F8D46CBCC469}"/>
+              </a:ext>
+            </a:extLst>
+          </p:cNvPr>
+          <p:cNvSpPr>
+            <a:spLocks noGrp="1"/>
+          </p:cNvSpPr>
+          <p:nvPr>
+            <p:ph type="ftr" sz="quarter" idx="11"/>
+          </p:nvPr>
+        </p:nvSpPr>
+        <p:spPr>
+          <a:xfrm>
+            <a:off x="5297762" y="6356350"/>
+            <a:ext cx="4579768" cy="365125"/>
+          </a:xfrm>
+        </p:spPr>
+        <p:txBody>
+          <a:bodyPr vert="horz" lIns="91440" tIns="45720" rIns="91440" bIns="45720" rtlCol="0" anchor="ctr">
+            <a:normAutofit/>
+          </a:bodyPr>
+          <a:lstStyle/>
+          <a:p>
+            <a:pPr algn="l" defTabSz="914400"/>
+            <a:endParaRPr lang="en-US" sz="1200" kern="1200">
+              <a:solidFill>
+                <a:schemeClr val="tx1">
+                  <a:alpha val="80000"/>
+                </a:schemeClr>
+              </a:solidFill>
+              <a:latin typeface="+mn-lt"/>
+              <a:ea typeface="+mn-ea"/>
+              <a:cs typeface="+mn-cs"/>
+            </a:endParaRPr>
+          </a:p>
+        </p:txBody>
+      </p:sp>
+      <p:sp>
+        <p:nvSpPr>
+          <p:cNvPr id="3" name="Slide Number Placeholder 2">
+            <a:extLst>
+              <a:ext uri="{FF2B5EF4-FFF2-40B4-BE49-F238E27FC236}">
+                <a16:creationId xmlns:a16="http://schemas.microsoft.com/office/drawing/2014/main" id="{61EECAE5-6569-491B-971A-BC88782B578D}"/>
+              </a:ext>
+            </a:extLst>
+          </p:cNvPr>
+          <p:cNvSpPr>
+            <a:spLocks noGrp="1"/>
+          </p:cNvSpPr>
+          <p:nvPr>
+            <p:ph type="sldNum" sz="quarter" idx="12"/>
+          </p:nvPr>
+        </p:nvSpPr>
+        <p:spPr>
+          <a:xfrm>
+            <a:off x="10289512" y="6356350"/>
+            <a:ext cx="1064287" cy="365125"/>
+          </a:xfrm>
+        </p:spPr>
+        <p:txBody>
+          <a:bodyPr vert="horz" lIns="91440" tIns="45720" rIns="91440" bIns="45720" rtlCol="0" anchor="ctr">
+            <a:normAutofit/>
+          </a:bodyPr>
+          <a:lstStyle/>
+          <a:p>
+            <a:pPr defTabSz="914400">
+              <a:spcAft>
+                <a:spcPts val="600"/>
+              </a:spcAft>
+            </a:pPr>
+            <a:fld id="{8FCAAC12-ECE3-429D-A5B3-AAB453D53177}" type="slidenum">
+              <a:rPr lang="en-US" smtClean="0">
+                <a:solidFill>
+                  <a:schemeClr val="tx1">
+                    <a:alpha val="80000"/>
+                  </a:schemeClr>
+                </a:solidFill>
+              </a:rPr>
+              <a:pPr defTabSz="914400">
+                <a:spcAft>
+                  <a:spcPts val="600"/>
+                </a:spcAft>
+              </a:pPr>
+              <a:t>3</a:t>
+            </a:fld>
+            <a:endParaRPr lang="en-US">
+              <a:solidFill>
+                <a:schemeClr val="tx1">
+                  <a:alpha val="80000"/>
+                </a:schemeClr>
+              </a:solidFill>
+            </a:endParaRPr>
+          </a:p>
+        </p:txBody>
+      </p:sp>
+      <p:sp>
+        <p:nvSpPr>
+          <p:cNvPr id="4" name="TextBox 3">
+            <a:extLst>
+              <a:ext uri="{FF2B5EF4-FFF2-40B4-BE49-F238E27FC236}">
+                <a16:creationId xmlns:a16="http://schemas.microsoft.com/office/drawing/2014/main" id="{7DC101CF-C5D3-4A4C-B8BD-8548988EFDBD}"/>
+              </a:ext>
+            </a:extLst>
+          </p:cNvPr>
+          <p:cNvSpPr txBox="1"/>
+          <p:nvPr/>
+        </p:nvSpPr>
+        <p:spPr>
+          <a:xfrm>
+            <a:off x="114100" y="139959"/>
+            <a:ext cx="4422710" cy="1596970"/>
+          </a:xfrm>
+          <a:prstGeom prst="rect">
+            <a:avLst/>
+          </a:prstGeom>
+          <a:noFill/>
+          <a:ln w="19050">
+            <a:solidFill>
+              <a:schemeClr val="bg1"/>
+            </a:solidFill>
+          </a:ln>
+        </p:spPr>
+        <p:txBody>
+          <a:bodyPr vert="horz" wrap="square" lIns="91440" tIns="45720" rIns="91440" bIns="45720" rtlCol="0" anchor="ctr">
+            <a:normAutofit/>
+          </a:bodyPr>
+          <a:lstStyle/>
+          <a:p>
+            <a:pPr algn="ctr" defTabSz="914400">
+              <a:lnSpc>
+                <a:spcPct val="90000"/>
+              </a:lnSpc>
+              <a:spcBef>
+                <a:spcPct val="0"/>
+              </a:spcBef>
+              <a:spcAft>
+                <a:spcPts val="600"/>
+              </a:spcAft>
+            </a:pPr>
+            <a:r>
+              <a:rPr lang="en-US" sz="2800" b="1" kern="1200" dirty="0" err="1">
+                <a:solidFill>
+                  <a:schemeClr val="bg1"/>
+                </a:solidFill>
+                <a:latin typeface="Book Antiqua" panose="02040602050305030304" pitchFamily="18" charset="0"/>
+                <a:ea typeface="+mj-ea"/>
+                <a:cs typeface="+mj-cs"/>
+              </a:rPr>
+              <a:t>Δυ</a:t>
+            </a:r>
+            <a:r>
+              <a:rPr lang="en-US" sz="2800" b="1" kern="1200" dirty="0">
+                <a:solidFill>
+                  <a:schemeClr val="bg1"/>
+                </a:solidFill>
+                <a:latin typeface="Book Antiqua" panose="02040602050305030304" pitchFamily="18" charset="0"/>
+                <a:ea typeface="+mj-ea"/>
+                <a:cs typeface="+mj-cs"/>
+              </a:rPr>
+              <a:t>αδικός αθροιστής Διάδοσης κρατουμένου</a:t>
+            </a:r>
+          </a:p>
+        </p:txBody>
+      </p:sp>
+      <p:sp>
+        <p:nvSpPr>
+          <p:cNvPr id="7" name="TextBox 6">
+            <a:extLst>
+              <a:ext uri="{FF2B5EF4-FFF2-40B4-BE49-F238E27FC236}">
+                <a16:creationId xmlns:a16="http://schemas.microsoft.com/office/drawing/2014/main" id="{11DA6202-482A-4DF1-8965-56587702257D}"/>
+              </a:ext>
+            </a:extLst>
+          </p:cNvPr>
+          <p:cNvSpPr txBox="1"/>
+          <p:nvPr/>
+        </p:nvSpPr>
+        <p:spPr>
+          <a:xfrm>
+            <a:off x="643468" y="3429000"/>
+            <a:ext cx="3363974" cy="2624666"/>
+          </a:xfrm>
+          <a:prstGeom prst="rect">
+            <a:avLst/>
+          </a:prstGeom>
+        </p:spPr>
+        <p:txBody>
+          <a:bodyPr vert="horz" lIns="91440" tIns="45720" rIns="91440" bIns="45720" rtlCol="0">
+            <a:normAutofit/>
+          </a:bodyPr>
+          <a:lstStyle/>
+          <a:p>
+            <a:pPr marL="285750" indent="-228600" defTabSz="914400">
+              <a:lnSpc>
+                <a:spcPct val="90000"/>
+              </a:lnSpc>
+              <a:spcAft>
+                <a:spcPts val="600"/>
+              </a:spcAft>
+              <a:buFont typeface="Arial" panose="020B0604020202020204" pitchFamily="34" charset="0"/>
+              <a:buChar char="•"/>
+            </a:pPr>
+            <a:r>
+              <a:rPr lang="en-US" sz="2000" dirty="0">
+                <a:solidFill>
+                  <a:schemeClr val="bg1"/>
+                </a:solidFill>
+                <a:latin typeface="Book Antiqua" panose="02040602050305030304" pitchFamily="18" charset="0"/>
+              </a:rPr>
+              <a:t>Απ</a:t>
+            </a:r>
+            <a:r>
+              <a:rPr lang="en-US" sz="2000" dirty="0" err="1">
+                <a:solidFill>
+                  <a:schemeClr val="bg1"/>
+                </a:solidFill>
+                <a:latin typeface="Book Antiqua" panose="02040602050305030304" pitchFamily="18" charset="0"/>
+              </a:rPr>
+              <a:t>λός</a:t>
+            </a:r>
+            <a:r>
+              <a:rPr lang="en-US" sz="2000" dirty="0">
+                <a:solidFill>
+                  <a:schemeClr val="bg1"/>
+                </a:solidFill>
+                <a:latin typeface="Book Antiqua" panose="02040602050305030304" pitchFamily="18" charset="0"/>
+              </a:rPr>
+              <a:t> </a:t>
+            </a:r>
+            <a:r>
+              <a:rPr lang="en-US" sz="2000" dirty="0" err="1">
+                <a:solidFill>
+                  <a:schemeClr val="bg1"/>
+                </a:solidFill>
+                <a:latin typeface="Book Antiqua" panose="02040602050305030304" pitchFamily="18" charset="0"/>
+              </a:rPr>
+              <a:t>Σχεδι</a:t>
+            </a:r>
+            <a:r>
+              <a:rPr lang="en-US" sz="2000" dirty="0">
+                <a:solidFill>
+                  <a:schemeClr val="bg1"/>
+                </a:solidFill>
+                <a:latin typeface="Book Antiqua" panose="02040602050305030304" pitchFamily="18" charset="0"/>
+              </a:rPr>
+              <a:t>ασμός</a:t>
+            </a:r>
+            <a:endParaRPr lang="el-GR" sz="2000" dirty="0">
+              <a:solidFill>
+                <a:schemeClr val="bg1"/>
+              </a:solidFill>
+              <a:latin typeface="Book Antiqua" panose="02040602050305030304" pitchFamily="18" charset="0"/>
+            </a:endParaRPr>
+          </a:p>
+          <a:p>
+            <a:pPr marL="57150" defTabSz="914400">
+              <a:lnSpc>
+                <a:spcPct val="90000"/>
+              </a:lnSpc>
+              <a:spcAft>
+                <a:spcPts val="600"/>
+              </a:spcAft>
+            </a:pPr>
+            <a:endParaRPr lang="en-US" sz="2000" dirty="0">
+              <a:solidFill>
+                <a:schemeClr val="bg1"/>
+              </a:solidFill>
+              <a:latin typeface="Book Antiqua" panose="02040602050305030304" pitchFamily="18" charset="0"/>
+            </a:endParaRPr>
+          </a:p>
+          <a:p>
+            <a:pPr marL="285750" indent="-228600" defTabSz="914400">
+              <a:lnSpc>
+                <a:spcPct val="90000"/>
+              </a:lnSpc>
+              <a:spcAft>
+                <a:spcPts val="600"/>
+              </a:spcAft>
+              <a:buFont typeface="Arial" panose="020B0604020202020204" pitchFamily="34" charset="0"/>
+              <a:buChar char="•"/>
+            </a:pPr>
+            <a:r>
+              <a:rPr lang="en-US" sz="2000" dirty="0" err="1">
+                <a:solidFill>
+                  <a:schemeClr val="bg1"/>
+                </a:solidFill>
+                <a:latin typeface="Book Antiqua" panose="02040602050305030304" pitchFamily="18" charset="0"/>
+              </a:rPr>
+              <a:t>Μεγάλες</a:t>
+            </a:r>
+            <a:r>
+              <a:rPr lang="en-US" sz="2000" dirty="0">
+                <a:solidFill>
+                  <a:schemeClr val="bg1"/>
+                </a:solidFill>
+                <a:latin typeface="Book Antiqua" panose="02040602050305030304" pitchFamily="18" charset="0"/>
+              </a:rPr>
+              <a:t> Κα</a:t>
+            </a:r>
+            <a:r>
+              <a:rPr lang="en-US" sz="2000" dirty="0" err="1">
+                <a:solidFill>
+                  <a:schemeClr val="bg1"/>
+                </a:solidFill>
+                <a:latin typeface="Book Antiqua" panose="02040602050305030304" pitchFamily="18" charset="0"/>
+              </a:rPr>
+              <a:t>θυστερήσεις</a:t>
+            </a:r>
+            <a:endParaRPr lang="en-US" sz="2000" dirty="0">
+              <a:solidFill>
+                <a:schemeClr val="bg1"/>
+              </a:solidFill>
+              <a:latin typeface="Book Antiqua" panose="02040602050305030304" pitchFamily="18" charset="0"/>
+            </a:endParaRPr>
+          </a:p>
+        </p:txBody>
+      </p:sp>
+    </p:spTree>
+    <p:extLst>
+      <p:ext uri="{BB962C8B-B14F-4D97-AF65-F5344CB8AC3E}">
+        <p14:creationId xmlns:p14="http://schemas.microsoft.com/office/powerpoint/2010/main" val="3246475532"/>
+      </p:ext>
+    </p:extLst>
+  </p:cSld>
+  <p:clrMapOvr>
+    <a:masterClrMapping/>
+  </p:clrMapOvr>
+</p:sld>
+</file>
+
+<file path=ppt/slides/slide4.xml><?xml version="1.0" encoding="utf-8"?>
+<p:sld xmlns:a="http://schemas.openxmlformats.org/drawingml/2006/main" xmlns:r="http://schemas.openxmlformats.org/officeDocument/2006/relationships" xmlns:p="http://schemas.openxmlformats.org/presentationml/2006/main">
+  <p:cSld>
+    <p:bg>
+      <p:bgPr>
+        <a:solidFill>
+          <a:schemeClr val="bg1"/>
+        </a:solidFill>
+        <a:effectLst/>
+      </p:bgPr>
+    </p:bg>
+    <p:spTree>
+      <p:nvGrpSpPr>
+        <p:cNvPr id="1" name=""/>
+        <p:cNvGrpSpPr/>
+        <p:nvPr/>
+      </p:nvGrpSpPr>
+      <p:grpSpPr>
+        <a:xfrm>
+          <a:off x="0" y="0"/>
+          <a:ext cx="0" cy="0"/>
+          <a:chOff x="0" y="0"/>
+          <a:chExt cx="0" cy="0"/>
+        </a:xfrm>
+      </p:grpSpPr>
+      <p:sp>
+        <p:nvSpPr>
+          <p:cNvPr id="12" name="Rectangle 11">
+            <a:extLst>
+              <a:ext uri="{FF2B5EF4-FFF2-40B4-BE49-F238E27FC236}">
+                <a16:creationId xmlns:a16="http://schemas.microsoft.com/office/drawing/2014/main" id="{867D4867-5BA7-4462-B2F6-A23F4A622AA7}"/>
+              </a:ext>
+              <a:ext uri="{C183D7F6-B498-43B3-948B-1728B52AA6E4}">
+                <adec:decorative xmlns:adec="http://schemas.microsoft.com/office/drawing/2017/decorative" val="1"/>
+              </a:ext>
+            </a:extLst>
+          </p:cNvPr>
+          <p:cNvSpPr>
+            <a:spLocks noGrp="1" noRot="1" noChangeAspect="1" noMove="1" noResize="1" noEditPoints="1" noAdjustHandles="1" noChangeArrowheads="1" noChangeShapeType="1" noTextEdit="1"/>
+          </p:cNvSpPr>
+          <p:nvPr>
+            <p:extLst>
+              <p:ext uri="{386F3935-93C4-4BCD-93E2-E3B085C9AB24}">
+                <p16:designElem xmlns:p16="http://schemas.microsoft.com/office/powerpoint/2015/main" val="1"/>
+              </p:ext>
+            </p:extLst>
+          </p:nvPr>
+        </p:nvSpPr>
+        <p:spPr>
+          <a:xfrm>
+            <a:off x="0" y="0"/>
+            <a:ext cx="4654296" cy="6858000"/>
+          </a:xfrm>
+          <a:prstGeom prst="rect">
+            <a:avLst/>
+          </a:prstGeom>
+          <a:solidFill>
+            <a:schemeClr val="tx1">
+              <a:lumMod val="75000"/>
+              <a:lumOff val="25000"/>
+            </a:schemeClr>
+          </a:solidFill>
+          <a:ln>
+            <a:noFill/>
+          </a:ln>
+        </p:spPr>
+        <p:style>
+          <a:lnRef idx="0">
+            <a:scrgbClr r="0" g="0" b="0"/>
+          </a:lnRef>
+          <a:fillRef idx="0">
+            <a:scrgbClr r="0" g="0" b="0"/>
+          </a:fillRef>
+          <a:effectRef idx="0">
+            <a:scrgbClr r="0" g="0" b="0"/>
+          </a:effectRef>
+          <a:fontRef idx="minor">
+            <a:schemeClr val="lt1"/>
+          </a:fontRef>
+        </p:style>
+        <p:txBody>
+          <a:bodyPr rtlCol="0" anchor="ctr"/>
+          <a:lstStyle/>
+          <a:p>
+            <a:pPr algn="ctr"/>
+            <a:endParaRPr lang="en-US"/>
+          </a:p>
+        </p:txBody>
+      </p:sp>
+      <p:pic>
+        <p:nvPicPr>
+          <p:cNvPr id="6" name="Picture 5" descr="A screenshot of a cell phone&#10;&#10;Description generated with very high confidence">
+            <a:extLst>
+              <a:ext uri="{FF2B5EF4-FFF2-40B4-BE49-F238E27FC236}">
+                <a16:creationId xmlns:a16="http://schemas.microsoft.com/office/drawing/2014/main" id="{4F25422E-423D-4ABB-AC3A-E585E39C31A1}"/>
+              </a:ext>
+            </a:extLst>
+          </p:cNvPr>
+          <p:cNvPicPr>
+            <a:picLocks noChangeAspect="1"/>
+          </p:cNvPicPr>
+          <p:nvPr/>
+        </p:nvPicPr>
+        <p:blipFill>
+          <a:blip r:embed="rId2">
+            <a:extLst>
+              <a:ext uri="{28A0092B-C50C-407E-A947-70E740481C1C}">
+                <a14:useLocalDpi xmlns:a14="http://schemas.microsoft.com/office/drawing/2010/main" val="0"/>
+              </a:ext>
+            </a:extLst>
+          </a:blip>
+          <a:stretch>
+            <a:fillRect/>
+          </a:stretch>
+        </p:blipFill>
+        <p:spPr>
+          <a:xfrm>
+            <a:off x="5425807" y="643467"/>
+            <a:ext cx="5994680" cy="5410199"/>
+          </a:xfrm>
+          <a:prstGeom prst="rect">
+            <a:avLst/>
+          </a:prstGeom>
+        </p:spPr>
+      </p:pic>
+      <p:sp>
+        <p:nvSpPr>
+          <p:cNvPr id="2" name="Footer Placeholder 1">
+            <a:extLst>
+              <a:ext uri="{FF2B5EF4-FFF2-40B4-BE49-F238E27FC236}">
+                <a16:creationId xmlns:a16="http://schemas.microsoft.com/office/drawing/2014/main" id="{560EEB24-CBF5-4906-91CF-634FD21C65A8}"/>
+              </a:ext>
+            </a:extLst>
+          </p:cNvPr>
+          <p:cNvSpPr>
+            <a:spLocks noGrp="1"/>
+          </p:cNvSpPr>
+          <p:nvPr>
+            <p:ph type="ftr" sz="quarter" idx="11"/>
+          </p:nvPr>
+        </p:nvSpPr>
+        <p:spPr>
+          <a:xfrm>
+            <a:off x="5297762" y="6356350"/>
+            <a:ext cx="4579768" cy="365125"/>
+          </a:xfrm>
+        </p:spPr>
+        <p:txBody>
+          <a:bodyPr vert="horz" lIns="91440" tIns="45720" rIns="91440" bIns="45720" rtlCol="0" anchor="ctr">
+            <a:normAutofit/>
+          </a:bodyPr>
+          <a:lstStyle/>
+          <a:p>
+            <a:pPr algn="l" defTabSz="914400"/>
+            <a:endParaRPr lang="en-US" sz="1200" kern="1200">
+              <a:solidFill>
+                <a:schemeClr val="tx1">
+                  <a:alpha val="80000"/>
+                </a:schemeClr>
+              </a:solidFill>
+              <a:latin typeface="+mn-lt"/>
+              <a:ea typeface="+mn-ea"/>
+              <a:cs typeface="+mn-cs"/>
+            </a:endParaRPr>
+          </a:p>
+        </p:txBody>
+      </p:sp>
+      <p:sp>
+        <p:nvSpPr>
+          <p:cNvPr id="3" name="Slide Number Placeholder 2">
+            <a:extLst>
+              <a:ext uri="{FF2B5EF4-FFF2-40B4-BE49-F238E27FC236}">
+                <a16:creationId xmlns:a16="http://schemas.microsoft.com/office/drawing/2014/main" id="{8A83956F-2F03-44D5-91C8-D0538357791E}"/>
+              </a:ext>
+            </a:extLst>
+          </p:cNvPr>
+          <p:cNvSpPr>
+            <a:spLocks noGrp="1"/>
+          </p:cNvSpPr>
+          <p:nvPr>
+            <p:ph type="sldNum" sz="quarter" idx="12"/>
+          </p:nvPr>
+        </p:nvSpPr>
+        <p:spPr>
+          <a:xfrm>
+            <a:off x="10289512" y="6356350"/>
+            <a:ext cx="1064287" cy="365125"/>
+          </a:xfrm>
+        </p:spPr>
+        <p:txBody>
+          <a:bodyPr vert="horz" lIns="91440" tIns="45720" rIns="91440" bIns="45720" rtlCol="0" anchor="ctr">
+            <a:normAutofit/>
+          </a:bodyPr>
+          <a:lstStyle/>
+          <a:p>
+            <a:pPr defTabSz="914400">
+              <a:spcAft>
+                <a:spcPts val="600"/>
+              </a:spcAft>
+            </a:pPr>
+            <a:fld id="{8FCAAC12-ECE3-429D-A5B3-AAB453D53177}" type="slidenum">
+              <a:rPr lang="en-US">
+                <a:solidFill>
+                  <a:schemeClr val="tx1">
+                    <a:alpha val="80000"/>
+                  </a:schemeClr>
+                </a:solidFill>
+              </a:rPr>
+              <a:pPr defTabSz="914400">
+                <a:spcAft>
+                  <a:spcPts val="600"/>
+                </a:spcAft>
+              </a:pPr>
+              <a:t>4</a:t>
+            </a:fld>
+            <a:endParaRPr lang="en-US">
+              <a:solidFill>
+                <a:schemeClr val="tx1">
+                  <a:alpha val="80000"/>
+                </a:schemeClr>
+              </a:solidFill>
+            </a:endParaRPr>
+          </a:p>
+        </p:txBody>
+      </p:sp>
+      <p:sp>
+        <p:nvSpPr>
+          <p:cNvPr id="4" name="TextBox 3">
+            <a:extLst>
+              <a:ext uri="{FF2B5EF4-FFF2-40B4-BE49-F238E27FC236}">
+                <a16:creationId xmlns:a16="http://schemas.microsoft.com/office/drawing/2014/main" id="{69B13433-A540-4E67-A91C-3B68273E00A1}"/>
+              </a:ext>
+            </a:extLst>
+          </p:cNvPr>
+          <p:cNvSpPr txBox="1"/>
+          <p:nvPr/>
+        </p:nvSpPr>
+        <p:spPr>
+          <a:xfrm>
+            <a:off x="93306" y="93306"/>
+            <a:ext cx="4469363" cy="1819470"/>
+          </a:xfrm>
+          <a:prstGeom prst="rect">
+            <a:avLst/>
+          </a:prstGeom>
+          <a:noFill/>
+          <a:ln w="19050">
+            <a:solidFill>
+              <a:schemeClr val="bg1"/>
+            </a:solidFill>
+          </a:ln>
+        </p:spPr>
+        <p:txBody>
+          <a:bodyPr vert="horz" wrap="square" lIns="91440" tIns="45720" rIns="91440" bIns="45720" rtlCol="0" anchor="ctr">
+            <a:normAutofit/>
+          </a:bodyPr>
+          <a:lstStyle/>
+          <a:p>
+            <a:pPr algn="ctr" defTabSz="914400">
+              <a:lnSpc>
+                <a:spcPct val="90000"/>
+              </a:lnSpc>
+              <a:spcBef>
+                <a:spcPct val="0"/>
+              </a:spcBef>
+              <a:spcAft>
+                <a:spcPts val="600"/>
+              </a:spcAft>
+            </a:pPr>
+            <a:r>
+              <a:rPr lang="en-US" sz="2600" b="1" kern="1200" dirty="0" err="1">
+                <a:solidFill>
+                  <a:schemeClr val="bg1"/>
+                </a:solidFill>
+                <a:latin typeface="Book Antiqua" panose="02040602050305030304" pitchFamily="18" charset="0"/>
+                <a:ea typeface="+mj-ea"/>
+                <a:cs typeface="+mj-cs"/>
+              </a:rPr>
+              <a:t>Αθροιστής</a:t>
+            </a:r>
+            <a:r>
+              <a:rPr lang="en-US" sz="2600" b="1" kern="1200" dirty="0">
+                <a:solidFill>
+                  <a:schemeClr val="bg1"/>
+                </a:solidFill>
+                <a:latin typeface="Book Antiqua" panose="02040602050305030304" pitchFamily="18" charset="0"/>
+                <a:ea typeface="+mj-ea"/>
+                <a:cs typeface="+mj-cs"/>
+              </a:rPr>
+              <a:t> </a:t>
+            </a:r>
+            <a:r>
+              <a:rPr lang="en-US" sz="2600" b="1" kern="1200" dirty="0" err="1">
+                <a:solidFill>
+                  <a:schemeClr val="bg1"/>
+                </a:solidFill>
+                <a:latin typeface="Book Antiqua" panose="02040602050305030304" pitchFamily="18" charset="0"/>
+                <a:ea typeface="+mj-ea"/>
+                <a:cs typeface="+mj-cs"/>
+              </a:rPr>
+              <a:t>Πρό</a:t>
+            </a:r>
+            <a:r>
+              <a:rPr lang="en-US" sz="2600" b="1" kern="1200" dirty="0">
+                <a:solidFill>
+                  <a:schemeClr val="bg1"/>
+                </a:solidFill>
+                <a:latin typeface="Book Antiqua" panose="02040602050305030304" pitchFamily="18" charset="0"/>
+                <a:ea typeface="+mj-ea"/>
+                <a:cs typeface="+mj-cs"/>
+              </a:rPr>
+              <a:t>βλεψης Κρατουμένου </a:t>
+            </a:r>
+            <a:endParaRPr lang="el-GR" sz="2600" b="1" kern="1200" dirty="0">
+              <a:solidFill>
+                <a:schemeClr val="bg1"/>
+              </a:solidFill>
+              <a:latin typeface="Book Antiqua" panose="02040602050305030304" pitchFamily="18" charset="0"/>
+              <a:ea typeface="+mj-ea"/>
+              <a:cs typeface="+mj-cs"/>
+            </a:endParaRPr>
+          </a:p>
+          <a:p>
+            <a:pPr algn="ctr" defTabSz="914400">
+              <a:lnSpc>
+                <a:spcPct val="90000"/>
+              </a:lnSpc>
+              <a:spcBef>
+                <a:spcPct val="0"/>
+              </a:spcBef>
+              <a:spcAft>
+                <a:spcPts val="600"/>
+              </a:spcAft>
+            </a:pPr>
+            <a:r>
+              <a:rPr lang="el-GR" sz="2600" b="1" kern="1200" dirty="0">
+                <a:solidFill>
+                  <a:schemeClr val="bg1"/>
+                </a:solidFill>
+                <a:latin typeface="Book Antiqua" panose="02040602050305030304" pitchFamily="18" charset="0"/>
+                <a:ea typeface="+mj-ea"/>
+                <a:cs typeface="+mj-cs"/>
+              </a:rPr>
+              <a:t> (</a:t>
+            </a:r>
+            <a:r>
+              <a:rPr lang="en-US" sz="2600" b="1" kern="1200" dirty="0">
+                <a:solidFill>
+                  <a:schemeClr val="bg1"/>
+                </a:solidFill>
+                <a:latin typeface="Book Antiqua" panose="02040602050305030304" pitchFamily="18" charset="0"/>
+                <a:ea typeface="+mj-ea"/>
+                <a:cs typeface="+mj-cs"/>
+              </a:rPr>
+              <a:t>Carry Look Ahead</a:t>
+            </a:r>
+            <a:r>
+              <a:rPr lang="el-GR" sz="2600" b="1" kern="1200" dirty="0">
+                <a:solidFill>
+                  <a:schemeClr val="bg1"/>
+                </a:solidFill>
+                <a:latin typeface="Book Antiqua" panose="02040602050305030304" pitchFamily="18" charset="0"/>
+                <a:ea typeface="+mj-ea"/>
+                <a:cs typeface="+mj-cs"/>
+              </a:rPr>
+              <a:t>)</a:t>
+            </a:r>
+            <a:endParaRPr lang="en-US" sz="2600" b="1" kern="1200" dirty="0">
+              <a:solidFill>
+                <a:schemeClr val="bg1"/>
+              </a:solidFill>
+              <a:latin typeface="Book Antiqua" panose="02040602050305030304" pitchFamily="18" charset="0"/>
+              <a:ea typeface="+mj-ea"/>
+              <a:cs typeface="+mj-cs"/>
+            </a:endParaRPr>
+          </a:p>
+        </p:txBody>
+      </p:sp>
+      <p:sp>
+        <p:nvSpPr>
+          <p:cNvPr id="7" name="TextBox 6">
+            <a:extLst>
+              <a:ext uri="{FF2B5EF4-FFF2-40B4-BE49-F238E27FC236}">
+                <a16:creationId xmlns:a16="http://schemas.microsoft.com/office/drawing/2014/main" id="{8A3349CA-F54C-451F-BB94-D40D805C2BBE}"/>
+              </a:ext>
+            </a:extLst>
+          </p:cNvPr>
+          <p:cNvSpPr txBox="1"/>
+          <p:nvPr/>
+        </p:nvSpPr>
+        <p:spPr>
+          <a:xfrm>
+            <a:off x="643468" y="2638044"/>
+            <a:ext cx="3363974" cy="3109613"/>
+          </a:xfrm>
+          <a:prstGeom prst="rect">
+            <a:avLst/>
+          </a:prstGeom>
+        </p:spPr>
+        <p:txBody>
+          <a:bodyPr vert="horz" lIns="91440" tIns="45720" rIns="91440" bIns="45720" rtlCol="0">
+            <a:normAutofit/>
+          </a:bodyPr>
+          <a:lstStyle/>
+          <a:p>
+            <a:pPr defTabSz="914400">
+              <a:lnSpc>
+                <a:spcPct val="90000"/>
+              </a:lnSpc>
+              <a:spcAft>
+                <a:spcPts val="600"/>
+              </a:spcAft>
+            </a:pPr>
+            <a:r>
+              <a:rPr lang="en-US" sz="2000" b="1" u="sng" dirty="0" err="1">
+                <a:solidFill>
+                  <a:schemeClr val="bg1"/>
+                </a:solidFill>
+                <a:latin typeface="Book Antiqua" panose="02040602050305030304" pitchFamily="18" charset="0"/>
+              </a:rPr>
+              <a:t>Μειονέκτημ</a:t>
+            </a:r>
+            <a:r>
+              <a:rPr lang="en-US" sz="2000" b="1" u="sng" dirty="0">
+                <a:solidFill>
+                  <a:schemeClr val="bg1"/>
+                </a:solidFill>
+                <a:latin typeface="Book Antiqua" panose="02040602050305030304" pitchFamily="18" charset="0"/>
+              </a:rPr>
+              <a:t>α</a:t>
+            </a:r>
+          </a:p>
+          <a:p>
+            <a:pPr marL="342900" indent="-228600" defTabSz="914400">
+              <a:lnSpc>
+                <a:spcPct val="90000"/>
+              </a:lnSpc>
+              <a:spcAft>
+                <a:spcPts val="600"/>
+              </a:spcAft>
+              <a:buFont typeface="Arial" panose="020B0604020202020204" pitchFamily="34" charset="0"/>
+              <a:buChar char="•"/>
+            </a:pPr>
+            <a:r>
+              <a:rPr lang="en-US" sz="2000" dirty="0">
+                <a:solidFill>
+                  <a:schemeClr val="bg1"/>
+                </a:solidFill>
+                <a:latin typeface="Book Antiqua" panose="02040602050305030304" pitchFamily="18" charset="0"/>
+              </a:rPr>
+              <a:t>Επιπ</a:t>
+            </a:r>
+            <a:r>
+              <a:rPr lang="en-US" sz="2000" dirty="0" err="1">
+                <a:solidFill>
+                  <a:schemeClr val="bg1"/>
+                </a:solidFill>
+                <a:latin typeface="Book Antiqua" panose="02040602050305030304" pitchFamily="18" charset="0"/>
+              </a:rPr>
+              <a:t>λέον</a:t>
+            </a:r>
+            <a:r>
+              <a:rPr lang="en-US" sz="2000" dirty="0">
+                <a:solidFill>
+                  <a:schemeClr val="bg1"/>
+                </a:solidFill>
+                <a:latin typeface="Book Antiqua" panose="02040602050305030304" pitchFamily="18" charset="0"/>
+              </a:rPr>
+              <a:t> </a:t>
+            </a:r>
+            <a:r>
+              <a:rPr lang="en-US" sz="2000" dirty="0" err="1">
+                <a:solidFill>
+                  <a:schemeClr val="bg1"/>
+                </a:solidFill>
+                <a:latin typeface="Book Antiqua" panose="02040602050305030304" pitchFamily="18" charset="0"/>
+              </a:rPr>
+              <a:t>υλικό</a:t>
+            </a:r>
+            <a:r>
+              <a:rPr lang="en-US" sz="2000" dirty="0">
+                <a:solidFill>
+                  <a:schemeClr val="bg1"/>
+                </a:solidFill>
+                <a:latin typeface="Book Antiqua" panose="02040602050305030304" pitchFamily="18" charset="0"/>
+              </a:rPr>
+              <a:t> </a:t>
+            </a:r>
+            <a:r>
+              <a:rPr lang="en-US" sz="2000" dirty="0">
+                <a:solidFill>
+                  <a:schemeClr val="bg1"/>
+                </a:solidFill>
+                <a:latin typeface="Book Antiqua" panose="02040602050305030304" pitchFamily="18" charset="0"/>
+                <a:sym typeface="Wingdings" panose="05000000000000000000" pitchFamily="2" charset="2"/>
+              </a:rPr>
+              <a:t> </a:t>
+            </a:r>
+            <a:r>
+              <a:rPr lang="en-US" sz="2000" dirty="0" err="1">
+                <a:solidFill>
+                  <a:schemeClr val="bg1"/>
+                </a:solidFill>
+                <a:latin typeface="Book Antiqua" panose="02040602050305030304" pitchFamily="18" charset="0"/>
+                <a:sym typeface="Wingdings" panose="05000000000000000000" pitchFamily="2" charset="2"/>
+              </a:rPr>
+              <a:t>Εμ</a:t>
+            </a:r>
+            <a:r>
+              <a:rPr lang="en-US" sz="2000" dirty="0">
+                <a:solidFill>
+                  <a:schemeClr val="bg1"/>
+                </a:solidFill>
+                <a:latin typeface="Book Antiqua" panose="02040602050305030304" pitchFamily="18" charset="0"/>
+                <a:sym typeface="Wingdings" panose="05000000000000000000" pitchFamily="2" charset="2"/>
+              </a:rPr>
+              <a:t>βαδόν και κατανάλωση ενέργειας</a:t>
+            </a:r>
+          </a:p>
+          <a:p>
+            <a:pPr marL="342900" indent="-228600" defTabSz="914400">
+              <a:lnSpc>
+                <a:spcPct val="90000"/>
+              </a:lnSpc>
+              <a:spcAft>
+                <a:spcPts val="600"/>
+              </a:spcAft>
+              <a:buFont typeface="Arial" panose="020B0604020202020204" pitchFamily="34" charset="0"/>
+              <a:buChar char="•"/>
+            </a:pPr>
+            <a:r>
+              <a:rPr lang="en-US" sz="2000" dirty="0" err="1">
+                <a:solidFill>
+                  <a:schemeClr val="bg1"/>
+                </a:solidFill>
+                <a:latin typeface="Book Antiqua" panose="02040602050305030304" pitchFamily="18" charset="0"/>
+                <a:sym typeface="Wingdings" panose="05000000000000000000" pitchFamily="2" charset="2"/>
+              </a:rPr>
+              <a:t>Πολυ</a:t>
+            </a:r>
+            <a:r>
+              <a:rPr lang="en-US" sz="2000" dirty="0">
+                <a:solidFill>
+                  <a:schemeClr val="bg1"/>
+                </a:solidFill>
+                <a:latin typeface="Book Antiqua" panose="02040602050305030304" pitchFamily="18" charset="0"/>
+                <a:sym typeface="Wingdings" panose="05000000000000000000" pitchFamily="2" charset="2"/>
+              </a:rPr>
+              <a:t>πλοκότητα</a:t>
+            </a:r>
+          </a:p>
+          <a:p>
+            <a:pPr indent="-228600" defTabSz="914400">
+              <a:lnSpc>
+                <a:spcPct val="90000"/>
+              </a:lnSpc>
+              <a:spcAft>
+                <a:spcPts val="600"/>
+              </a:spcAft>
+              <a:buFont typeface="Arial" panose="020B0604020202020204" pitchFamily="34" charset="0"/>
+              <a:buChar char="•"/>
+            </a:pPr>
+            <a:endParaRPr lang="en-US" sz="2000" dirty="0">
+              <a:solidFill>
+                <a:schemeClr val="bg1"/>
+              </a:solidFill>
+              <a:latin typeface="Book Antiqua" panose="02040602050305030304" pitchFamily="18" charset="0"/>
+            </a:endParaRPr>
+          </a:p>
+          <a:p>
+            <a:pPr defTabSz="914400">
+              <a:lnSpc>
+                <a:spcPct val="90000"/>
+              </a:lnSpc>
+              <a:spcAft>
+                <a:spcPts val="600"/>
+              </a:spcAft>
+            </a:pPr>
+            <a:r>
+              <a:rPr lang="en-US" sz="2000" b="1" u="sng" dirty="0" err="1">
+                <a:solidFill>
+                  <a:schemeClr val="bg1"/>
+                </a:solidFill>
+                <a:latin typeface="Book Antiqua" panose="02040602050305030304" pitchFamily="18" charset="0"/>
+              </a:rPr>
+              <a:t>Πλεονέκτημ</a:t>
+            </a:r>
+            <a:r>
+              <a:rPr lang="en-US" sz="2000" b="1" u="sng" dirty="0">
+                <a:solidFill>
+                  <a:schemeClr val="bg1"/>
+                </a:solidFill>
+                <a:latin typeface="Book Antiqua" panose="02040602050305030304" pitchFamily="18" charset="0"/>
+              </a:rPr>
+              <a:t>α</a:t>
+            </a:r>
+          </a:p>
+          <a:p>
+            <a:pPr marL="342900" indent="-228600" defTabSz="914400">
+              <a:lnSpc>
+                <a:spcPct val="90000"/>
+              </a:lnSpc>
+              <a:spcAft>
+                <a:spcPts val="600"/>
+              </a:spcAft>
+              <a:buFont typeface="Arial" panose="020B0604020202020204" pitchFamily="34" charset="0"/>
+              <a:buChar char="•"/>
+            </a:pPr>
+            <a:r>
+              <a:rPr lang="en-US" sz="2000" dirty="0">
+                <a:solidFill>
+                  <a:schemeClr val="bg1"/>
+                </a:solidFill>
+                <a:latin typeface="Book Antiqua" panose="02040602050305030304" pitchFamily="18" charset="0"/>
+              </a:rPr>
+              <a:t>Χα</a:t>
+            </a:r>
+            <a:r>
+              <a:rPr lang="en-US" sz="2000" dirty="0" err="1">
+                <a:solidFill>
+                  <a:schemeClr val="bg1"/>
+                </a:solidFill>
+                <a:latin typeface="Book Antiqua" panose="02040602050305030304" pitchFamily="18" charset="0"/>
+              </a:rPr>
+              <a:t>μηλότερες</a:t>
+            </a:r>
+            <a:r>
+              <a:rPr lang="en-US" sz="2000" dirty="0">
+                <a:solidFill>
+                  <a:schemeClr val="bg1"/>
+                </a:solidFill>
+                <a:latin typeface="Book Antiqua" panose="02040602050305030304" pitchFamily="18" charset="0"/>
+              </a:rPr>
+              <a:t> κα</a:t>
+            </a:r>
+            <a:r>
+              <a:rPr lang="en-US" sz="2000" dirty="0" err="1">
+                <a:solidFill>
+                  <a:schemeClr val="bg1"/>
+                </a:solidFill>
+                <a:latin typeface="Book Antiqua" panose="02040602050305030304" pitchFamily="18" charset="0"/>
+              </a:rPr>
+              <a:t>θυστερήσεις</a:t>
+            </a:r>
+            <a:endParaRPr lang="en-US" sz="2000" dirty="0">
+              <a:solidFill>
+                <a:schemeClr val="bg1"/>
+              </a:solidFill>
+              <a:latin typeface="Book Antiqua" panose="02040602050305030304" pitchFamily="18" charset="0"/>
+            </a:endParaRPr>
+          </a:p>
+        </p:txBody>
+      </p:sp>
+    </p:spTree>
+    <p:extLst>
+      <p:ext uri="{BB962C8B-B14F-4D97-AF65-F5344CB8AC3E}">
+        <p14:creationId xmlns:p14="http://schemas.microsoft.com/office/powerpoint/2010/main" val="1383128586"/>
+      </p:ext>
+    </p:extLst>
+  </p:cSld>
+  <p:clrMapOvr>
+    <a:masterClrMapping/>
+  </p:clrMapOvr>
+</p:sld>
+</file>
+
+<file path=ppt/slides/slide5.xml><?xml version="1.0" encoding="utf-8"?>
+<p:sld xmlns:a="http://schemas.openxmlformats.org/drawingml/2006/main" xmlns:r="http://schemas.openxmlformats.org/officeDocument/2006/relationships" xmlns:p="http://schemas.openxmlformats.org/presentationml/2006/main">
+  <p:cSld>
+    <p:spTree>
+      <p:nvGrpSpPr>
+        <p:cNvPr id="1" name=""/>
+        <p:cNvGrpSpPr/>
+        <p:nvPr/>
+      </p:nvGrpSpPr>
+      <p:grpSpPr>
+        <a:xfrm>
+          <a:off x="0" y="0"/>
+          <a:ext cx="0" cy="0"/>
+          <a:chOff x="0" y="0"/>
+          <a:chExt cx="0" cy="0"/>
+        </a:xfrm>
+      </p:grpSpPr>
+      <p:sp>
+        <p:nvSpPr>
+          <p:cNvPr id="2" name="Footer Placeholder 1">
+            <a:extLst>
+              <a:ext uri="{FF2B5EF4-FFF2-40B4-BE49-F238E27FC236}">
+                <a16:creationId xmlns:a16="http://schemas.microsoft.com/office/drawing/2014/main" id="{932DB362-B338-42F3-A51D-D36C34D4ACF9}"/>
+              </a:ext>
+            </a:extLst>
+          </p:cNvPr>
+          <p:cNvSpPr>
+            <a:spLocks noGrp="1"/>
+          </p:cNvSpPr>
+          <p:nvPr>
+            <p:ph type="ftr" sz="quarter" idx="11"/>
+          </p:nvPr>
+        </p:nvSpPr>
+        <p:spPr/>
+        <p:txBody>
+          <a:bodyPr/>
+          <a:lstStyle/>
+          <a:p>
+            <a:endParaRPr lang="en-US"/>
+          </a:p>
+        </p:txBody>
+      </p:sp>
+      <p:sp>
+        <p:nvSpPr>
+          <p:cNvPr id="3" name="Slide Number Placeholder 2">
+            <a:extLst>
+              <a:ext uri="{FF2B5EF4-FFF2-40B4-BE49-F238E27FC236}">
+                <a16:creationId xmlns:a16="http://schemas.microsoft.com/office/drawing/2014/main" id="{7C83CF8F-C1F7-4520-AFA3-2303666ABC10}"/>
+              </a:ext>
+            </a:extLst>
+          </p:cNvPr>
+          <p:cNvSpPr>
+            <a:spLocks noGrp="1"/>
+          </p:cNvSpPr>
+          <p:nvPr>
+            <p:ph type="sldNum" sz="quarter" idx="12"/>
+          </p:nvPr>
+        </p:nvSpPr>
+        <p:spPr/>
+        <p:txBody>
+          <a:bodyPr/>
+          <a:lstStyle/>
+          <a:p>
+            <a:fld id="{8FCAAC12-ECE3-429D-A5B3-AAB453D53177}" type="slidenum">
+              <a:rPr lang="en-US" smtClean="0"/>
+              <a:t>5</a:t>
+            </a:fld>
+            <a:endParaRPr lang="en-US"/>
+          </a:p>
+        </p:txBody>
+      </p:sp>
+      <p:sp>
+        <p:nvSpPr>
+          <p:cNvPr id="4" name="TextBox 3">
+            <a:extLst>
+              <a:ext uri="{FF2B5EF4-FFF2-40B4-BE49-F238E27FC236}">
+                <a16:creationId xmlns:a16="http://schemas.microsoft.com/office/drawing/2014/main" id="{481DC589-82C0-41D7-812A-A6DC28B6A70C}"/>
+              </a:ext>
+            </a:extLst>
+          </p:cNvPr>
+          <p:cNvSpPr txBox="1"/>
+          <p:nvPr/>
+        </p:nvSpPr>
+        <p:spPr>
+          <a:xfrm>
+            <a:off x="2545023" y="237284"/>
+            <a:ext cx="7101953" cy="400110"/>
+          </a:xfrm>
+          <a:prstGeom prst="rect">
+            <a:avLst/>
+          </a:prstGeom>
+          <a:solidFill>
+            <a:srgbClr val="292929"/>
+          </a:solidFill>
+        </p:spPr>
+        <p:txBody>
+          <a:bodyPr wrap="square" rtlCol="0">
+            <a:spAutoFit/>
+          </a:bodyPr>
+          <a:lstStyle/>
+          <a:p>
+            <a:pPr algn="ctr"/>
+            <a:r>
+              <a:rPr lang="el-GR" sz="2000" b="1" dirty="0">
+                <a:solidFill>
+                  <a:schemeClr val="bg1"/>
+                </a:solidFill>
+                <a:latin typeface="Book Antiqua" panose="02040602050305030304" pitchFamily="18" charset="0"/>
+              </a:rPr>
+              <a:t>Πρόβλεψη των κρατουμένων</a:t>
+            </a:r>
+            <a:endParaRPr lang="en-US" sz="2000" b="1" dirty="0">
+              <a:solidFill>
+                <a:schemeClr val="bg1"/>
+              </a:solidFill>
+              <a:latin typeface="Book Antiqua" panose="02040602050305030304" pitchFamily="18" charset="0"/>
+            </a:endParaRPr>
+          </a:p>
+        </p:txBody>
+      </p:sp>
+      <p:pic>
+        <p:nvPicPr>
+          <p:cNvPr id="6" name="Picture 5" descr="A close up of a logo&#10;&#10;Description generated with high confidence">
+            <a:extLst>
+              <a:ext uri="{FF2B5EF4-FFF2-40B4-BE49-F238E27FC236}">
+                <a16:creationId xmlns:a16="http://schemas.microsoft.com/office/drawing/2014/main" id="{346F4B38-71B2-4F90-97FD-9F52049C1B25}"/>
+              </a:ext>
+            </a:extLst>
+          </p:cNvPr>
+          <p:cNvPicPr>
+            <a:picLocks noChangeAspect="1"/>
+          </p:cNvPicPr>
+          <p:nvPr/>
+        </p:nvPicPr>
+        <p:blipFill>
+          <a:blip r:embed="rId2">
+            <a:extLst>
+              <a:ext uri="{28A0092B-C50C-407E-A947-70E740481C1C}">
+                <a14:useLocalDpi xmlns:a14="http://schemas.microsoft.com/office/drawing/2010/main" val="0"/>
+              </a:ext>
+            </a:extLst>
+          </a:blip>
+          <a:stretch>
+            <a:fillRect/>
+          </a:stretch>
+        </p:blipFill>
+        <p:spPr>
+          <a:xfrm>
+            <a:off x="6522097" y="2860591"/>
+            <a:ext cx="4837356" cy="1357502"/>
+          </a:xfrm>
+          <a:prstGeom prst="rect">
+            <a:avLst/>
+          </a:prstGeom>
+        </p:spPr>
+      </p:pic>
+      <p:pic>
+        <p:nvPicPr>
+          <p:cNvPr id="7" name="Picture 6" descr="A screenshot of a video game&#10;&#10;Description generated with high confidence">
+            <a:extLst>
+              <a:ext uri="{FF2B5EF4-FFF2-40B4-BE49-F238E27FC236}">
+                <a16:creationId xmlns:a16="http://schemas.microsoft.com/office/drawing/2014/main" id="{95353D48-3C24-4BCA-9A78-788D182AE96B}"/>
+              </a:ext>
+            </a:extLst>
+          </p:cNvPr>
+          <p:cNvPicPr>
+            <a:picLocks noChangeAspect="1"/>
+          </p:cNvPicPr>
+          <p:nvPr/>
+        </p:nvPicPr>
+        <p:blipFill>
+          <a:blip r:embed="rId3">
+            <a:extLst>
+              <a:ext uri="{28A0092B-C50C-407E-A947-70E740481C1C}">
+                <a14:useLocalDpi xmlns:a14="http://schemas.microsoft.com/office/drawing/2010/main" val="0"/>
+              </a:ext>
+            </a:extLst>
+          </a:blip>
+          <a:stretch>
+            <a:fillRect/>
+          </a:stretch>
+        </p:blipFill>
+        <p:spPr>
+          <a:xfrm>
+            <a:off x="475441" y="1058462"/>
+            <a:ext cx="5091823" cy="1357502"/>
+          </a:xfrm>
+          <a:prstGeom prst="rect">
+            <a:avLst/>
+          </a:prstGeom>
+        </p:spPr>
+      </p:pic>
+      <p:pic>
+        <p:nvPicPr>
+          <p:cNvPr id="9" name="Picture 8" descr="A close up of text on a white background&#10;&#10;Description generated with very high confidence">
+            <a:extLst>
+              <a:ext uri="{FF2B5EF4-FFF2-40B4-BE49-F238E27FC236}">
+                <a16:creationId xmlns:a16="http://schemas.microsoft.com/office/drawing/2014/main" id="{64311D7E-14F0-4AB7-A2B5-CF12EA4F8D58}"/>
+              </a:ext>
+            </a:extLst>
+          </p:cNvPr>
+          <p:cNvPicPr>
+            <a:picLocks noChangeAspect="1"/>
+          </p:cNvPicPr>
+          <p:nvPr/>
+        </p:nvPicPr>
+        <p:blipFill>
+          <a:blip r:embed="rId4">
+            <a:extLst>
+              <a:ext uri="{28A0092B-C50C-407E-A947-70E740481C1C}">
+                <a14:useLocalDpi xmlns:a14="http://schemas.microsoft.com/office/drawing/2010/main" val="0"/>
+              </a:ext>
+            </a:extLst>
+          </a:blip>
+          <a:stretch>
+            <a:fillRect/>
+          </a:stretch>
+        </p:blipFill>
+        <p:spPr>
+          <a:xfrm>
+            <a:off x="1908815" y="2915141"/>
+            <a:ext cx="2225073" cy="2265082"/>
+          </a:xfrm>
+          <a:prstGeom prst="rect">
+            <a:avLst/>
+          </a:prstGeom>
+        </p:spPr>
+      </p:pic>
+    </p:spTree>
+    <p:extLst>
+      <p:ext uri="{BB962C8B-B14F-4D97-AF65-F5344CB8AC3E}">
+        <p14:creationId xmlns:p14="http://schemas.microsoft.com/office/powerpoint/2010/main" val="544445628"/>
+      </p:ext>
+    </p:extLst>
+  </p:cSld>
+  <p:clrMapOvr>
+    <a:masterClrMapping/>
+  </p:clrMapOvr>
+</p:sld>
+</file>
+
+<file path=ppt/slides/slide6.xml><?xml version="1.0" encoding="utf-8"?>
+<p:sld xmlns:a="http://schemas.openxmlformats.org/drawingml/2006/main" xmlns:r="http://schemas.openxmlformats.org/officeDocument/2006/relationships" xmlns:p="http://schemas.openxmlformats.org/presentationml/2006/main">
+  <p:cSld>
+    <p:spTree>
+      <p:nvGrpSpPr>
+        <p:cNvPr id="1" name=""/>
+        <p:cNvGrpSpPr/>
+        <p:nvPr/>
+      </p:nvGrpSpPr>
+      <p:grpSpPr>
+        <a:xfrm>
+          <a:off x="0" y="0"/>
+          <a:ext cx="0" cy="0"/>
+          <a:chOff x="0" y="0"/>
+          <a:chExt cx="0" cy="0"/>
+        </a:xfrm>
+      </p:grpSpPr>
+      <p:sp>
+        <p:nvSpPr>
+          <p:cNvPr id="4" name="TextBox 3">
+            <a:extLst>
+              <a:ext uri="{FF2B5EF4-FFF2-40B4-BE49-F238E27FC236}">
+                <a16:creationId xmlns:a16="http://schemas.microsoft.com/office/drawing/2014/main" id="{D8745CE7-6820-43B6-9304-69F7A18105C8}"/>
+              </a:ext>
+            </a:extLst>
+          </p:cNvPr>
+          <p:cNvSpPr txBox="1"/>
+          <p:nvPr/>
+        </p:nvSpPr>
+        <p:spPr>
+          <a:xfrm>
+            <a:off x="3996707" y="523875"/>
+            <a:ext cx="4198585" cy="369332"/>
+          </a:xfrm>
+          <a:prstGeom prst="rect">
+            <a:avLst/>
+          </a:prstGeom>
+          <a:noFill/>
+        </p:spPr>
+        <p:txBody>
+          <a:bodyPr wrap="none" rtlCol="0">
+            <a:spAutoFit/>
+          </a:bodyPr>
+          <a:lstStyle/>
+          <a:p>
+            <a:r>
+              <a:rPr lang="el-GR" dirty="0">
+                <a:latin typeface="Book Antiqua" panose="02040602050305030304" pitchFamily="18" charset="0"/>
+              </a:rPr>
+              <a:t>Αθροιστές Προθέματος – </a:t>
+            </a:r>
+            <a:r>
+              <a:rPr lang="en-US" dirty="0">
+                <a:latin typeface="Book Antiqua" panose="02040602050305030304" pitchFamily="18" charset="0"/>
+              </a:rPr>
+              <a:t>Prefix Adders</a:t>
+            </a:r>
+          </a:p>
+        </p:txBody>
+      </p:sp>
+      <p:pic>
+        <p:nvPicPr>
+          <p:cNvPr id="6" name="Picture 5" descr="A close up of a clock&#10;&#10;Description generated with high confidence">
+            <a:extLst>
+              <a:ext uri="{FF2B5EF4-FFF2-40B4-BE49-F238E27FC236}">
+                <a16:creationId xmlns:a16="http://schemas.microsoft.com/office/drawing/2014/main" id="{205AB0B4-F9B0-4FD1-8508-61D941789737}"/>
+              </a:ext>
+            </a:extLst>
+          </p:cNvPr>
+          <p:cNvPicPr>
+            <a:picLocks noChangeAspect="1"/>
+          </p:cNvPicPr>
+          <p:nvPr/>
+        </p:nvPicPr>
+        <p:blipFill>
+          <a:blip r:embed="rId2">
+            <a:extLst>
+              <a:ext uri="{28A0092B-C50C-407E-A947-70E740481C1C}">
+                <a14:useLocalDpi xmlns:a14="http://schemas.microsoft.com/office/drawing/2010/main" val="0"/>
+              </a:ext>
+            </a:extLst>
+          </a:blip>
+          <a:stretch>
+            <a:fillRect/>
+          </a:stretch>
+        </p:blipFill>
+        <p:spPr>
+          <a:xfrm>
+            <a:off x="9205173" y="4243209"/>
+            <a:ext cx="1973151" cy="1757542"/>
+          </a:xfrm>
+          <a:prstGeom prst="rect">
+            <a:avLst/>
+          </a:prstGeom>
+        </p:spPr>
+      </p:pic>
+      <p:pic>
+        <p:nvPicPr>
+          <p:cNvPr id="8" name="Picture 7" descr="A drawing of a person&#10;&#10;Description generated with high confidence">
+            <a:extLst>
+              <a:ext uri="{FF2B5EF4-FFF2-40B4-BE49-F238E27FC236}">
+                <a16:creationId xmlns:a16="http://schemas.microsoft.com/office/drawing/2014/main" id="{C4336761-00DD-4CB4-BAF1-83D8DB7F9A5A}"/>
+              </a:ext>
+            </a:extLst>
+          </p:cNvPr>
+          <p:cNvPicPr>
+            <a:picLocks noChangeAspect="1"/>
+          </p:cNvPicPr>
+          <p:nvPr/>
+        </p:nvPicPr>
+        <p:blipFill>
+          <a:blip r:embed="rId3">
+            <a:extLst>
+              <a:ext uri="{28A0092B-C50C-407E-A947-70E740481C1C}">
+                <a14:useLocalDpi xmlns:a14="http://schemas.microsoft.com/office/drawing/2010/main" val="0"/>
+              </a:ext>
+            </a:extLst>
+          </a:blip>
+          <a:stretch>
+            <a:fillRect/>
+          </a:stretch>
+        </p:blipFill>
+        <p:spPr>
+          <a:xfrm>
+            <a:off x="9773807" y="1221344"/>
+            <a:ext cx="835881" cy="2407681"/>
+          </a:xfrm>
+          <a:prstGeom prst="rect">
+            <a:avLst/>
+          </a:prstGeom>
+        </p:spPr>
+      </p:pic>
+      <mc:AlternateContent xmlns:mc="http://schemas.openxmlformats.org/markup-compatibility/2006">
+        <mc:Choice xmlns:a14="http://schemas.microsoft.com/office/drawing/2010/main" Requires="a14">
+          <p:sp>
+            <p:nvSpPr>
+              <p:cNvPr id="11" name="TextBox 10">
+                <a:extLst>
+                  <a:ext uri="{FF2B5EF4-FFF2-40B4-BE49-F238E27FC236}">
+                    <a16:creationId xmlns:a16="http://schemas.microsoft.com/office/drawing/2014/main" id="{D66A0400-E787-4B57-8B88-D164561E7746}"/>
+                  </a:ext>
+                </a:extLst>
+              </p:cNvPr>
+              <p:cNvSpPr txBox="1"/>
+              <p:nvPr/>
+            </p:nvSpPr>
+            <p:spPr>
+              <a:xfrm>
+                <a:off x="1808679" y="2875002"/>
+                <a:ext cx="3568285" cy="553998"/>
+              </a:xfrm>
+              <a:prstGeom prst="rect">
+                <a:avLst/>
+              </a:prstGeom>
+              <a:noFill/>
+            </p:spPr>
+            <p:txBody>
+              <a:bodyPr wrap="none" lIns="0" tIns="0" rIns="0" bIns="0" rtlCol="0">
+                <a:spAutoFit/>
+              </a:bodyPr>
+              <a:lstStyle/>
+              <a:p>
+                <a14:m>
+                  <m:oMath xmlns:m="http://schemas.openxmlformats.org/officeDocument/2006/math">
+                    <m:d>
+                      <m:dPr>
+                        <m:ctrlPr>
+                          <a:rPr lang="en-US" b="0" i="1" smtClean="0">
+                            <a:latin typeface="Cambria Math" panose="02040503050406030204" pitchFamily="18" charset="0"/>
+                            <a:ea typeface="Cambria Math" panose="02040503050406030204" pitchFamily="18" charset="0"/>
+                          </a:rPr>
+                        </m:ctrlPr>
+                      </m:dPr>
+                      <m:e>
+                        <m:r>
+                          <a:rPr lang="en-US" b="0" i="1" smtClean="0">
+                            <a:latin typeface="Cambria Math" panose="02040503050406030204" pitchFamily="18" charset="0"/>
+                            <a:ea typeface="Cambria Math" panose="02040503050406030204" pitchFamily="18" charset="0"/>
+                          </a:rPr>
+                          <m:t>𝑔</m:t>
+                        </m:r>
+                        <m:r>
+                          <a:rPr lang="en-US" b="0" i="1" baseline="-25000" smtClean="0">
+                            <a:latin typeface="Cambria Math" panose="02040503050406030204" pitchFamily="18" charset="0"/>
+                            <a:ea typeface="Cambria Math" panose="02040503050406030204" pitchFamily="18" charset="0"/>
+                          </a:rPr>
+                          <m:t>𝑖</m:t>
+                        </m:r>
+                        <m:r>
+                          <a:rPr lang="en-US" b="0" i="1" smtClean="0">
+                            <a:latin typeface="Cambria Math" panose="02040503050406030204" pitchFamily="18" charset="0"/>
+                            <a:ea typeface="Cambria Math" panose="02040503050406030204" pitchFamily="18" charset="0"/>
+                          </a:rPr>
+                          <m:t>𝑝</m:t>
+                        </m:r>
+                        <m:r>
+                          <a:rPr lang="en-US" b="0" i="1" baseline="-25000" smtClean="0">
+                            <a:latin typeface="Cambria Math" panose="02040503050406030204" pitchFamily="18" charset="0"/>
+                            <a:ea typeface="Cambria Math" panose="02040503050406030204" pitchFamily="18" charset="0"/>
+                          </a:rPr>
+                          <m:t>𝑖</m:t>
+                        </m:r>
+                      </m:e>
+                    </m:d>
+                    <m:r>
+                      <a:rPr lang="en-US" b="0" i="1" smtClean="0">
+                        <a:latin typeface="Cambria Math" panose="02040503050406030204" pitchFamily="18" charset="0"/>
+                        <a:ea typeface="Cambria Math" panose="02040503050406030204" pitchFamily="18" charset="0"/>
+                      </a:rPr>
+                      <m:t>  ⊛(</m:t>
+                    </m:r>
+                    <m:r>
+                      <a:rPr lang="en-US" b="0" i="1" smtClean="0">
+                        <a:latin typeface="Cambria Math" panose="02040503050406030204" pitchFamily="18" charset="0"/>
+                        <a:ea typeface="Cambria Math" panose="02040503050406030204" pitchFamily="18" charset="0"/>
+                      </a:rPr>
+                      <m:t>𝑔𝑘</m:t>
+                    </m:r>
+                    <m:r>
+                      <a:rPr lang="en-US" b="0" i="1" smtClean="0">
+                        <a:latin typeface="Cambria Math" panose="02040503050406030204" pitchFamily="18" charset="0"/>
+                        <a:ea typeface="Cambria Math" panose="02040503050406030204" pitchFamily="18" charset="0"/>
+                      </a:rPr>
+                      <m:t>,</m:t>
+                    </m:r>
+                    <m:r>
+                      <a:rPr lang="en-US" b="0" i="1" smtClean="0">
+                        <a:latin typeface="Cambria Math" panose="02040503050406030204" pitchFamily="18" charset="0"/>
+                        <a:ea typeface="Cambria Math" panose="02040503050406030204" pitchFamily="18" charset="0"/>
+                      </a:rPr>
+                      <m:t>𝑝𝑘</m:t>
+                    </m:r>
+                  </m:oMath>
+                </a14:m>
+                <a:r>
+                  <a:rPr lang="en-US" dirty="0">
+                    <a:latin typeface="Cambria Math" panose="02040503050406030204" pitchFamily="18" charset="0"/>
+                    <a:ea typeface="Cambria Math" panose="02040503050406030204" pitchFamily="18" charset="0"/>
+                  </a:rPr>
+                  <a:t>)  = (</a:t>
+                </a:r>
+                <a:r>
+                  <a:rPr lang="en-US" dirty="0" err="1">
+                    <a:latin typeface="Cambria Math" panose="02040503050406030204" pitchFamily="18" charset="0"/>
+                    <a:ea typeface="Cambria Math" panose="02040503050406030204" pitchFamily="18" charset="0"/>
+                  </a:rPr>
+                  <a:t>g</a:t>
+                </a:r>
+                <a:r>
+                  <a:rPr lang="en-US" baseline="-25000" dirty="0" err="1">
+                    <a:latin typeface="Cambria Math" panose="02040503050406030204" pitchFamily="18" charset="0"/>
+                    <a:ea typeface="Cambria Math" panose="02040503050406030204" pitchFamily="18" charset="0"/>
+                  </a:rPr>
+                  <a:t>i</a:t>
+                </a:r>
+                <a:r>
+                  <a:rPr lang="en-US" dirty="0">
+                    <a:latin typeface="Cambria Math" panose="02040503050406030204" pitchFamily="18" charset="0"/>
+                    <a:ea typeface="Cambria Math" panose="02040503050406030204" pitchFamily="18" charset="0"/>
+                  </a:rPr>
+                  <a:t> + </a:t>
+                </a:r>
+                <a:r>
+                  <a:rPr lang="en-US" dirty="0" err="1">
+                    <a:latin typeface="Cambria Math" panose="02040503050406030204" pitchFamily="18" charset="0"/>
+                    <a:ea typeface="Cambria Math" panose="02040503050406030204" pitchFamily="18" charset="0"/>
+                  </a:rPr>
+                  <a:t>p</a:t>
+                </a:r>
+                <a:r>
+                  <a:rPr lang="en-US" baseline="-25000" dirty="0" err="1">
+                    <a:latin typeface="Cambria Math" panose="02040503050406030204" pitchFamily="18" charset="0"/>
+                    <a:ea typeface="Cambria Math" panose="02040503050406030204" pitchFamily="18" charset="0"/>
+                  </a:rPr>
+                  <a:t>i</a:t>
+                </a:r>
+                <a:r>
+                  <a:rPr lang="en-US" dirty="0" err="1">
+                    <a:latin typeface="Cambria Math" panose="02040503050406030204" pitchFamily="18" charset="0"/>
+                    <a:ea typeface="Cambria Math" panose="02040503050406030204" pitchFamily="18" charset="0"/>
+                  </a:rPr>
+                  <a:t>g</a:t>
+                </a:r>
+                <a:r>
+                  <a:rPr lang="en-US" baseline="-25000" dirty="0" err="1">
+                    <a:latin typeface="Cambria Math" panose="02040503050406030204" pitchFamily="18" charset="0"/>
+                    <a:ea typeface="Cambria Math" panose="02040503050406030204" pitchFamily="18" charset="0"/>
+                  </a:rPr>
+                  <a:t>k</a:t>
+                </a:r>
+                <a:r>
+                  <a:rPr lang="en-US" dirty="0">
+                    <a:latin typeface="Cambria Math" panose="02040503050406030204" pitchFamily="18" charset="0"/>
+                    <a:ea typeface="Cambria Math" panose="02040503050406030204" pitchFamily="18" charset="0"/>
+                  </a:rPr>
+                  <a:t>, </a:t>
+                </a:r>
+                <a:r>
+                  <a:rPr lang="en-US" dirty="0" err="1">
+                    <a:latin typeface="Cambria Math" panose="02040503050406030204" pitchFamily="18" charset="0"/>
+                    <a:ea typeface="Cambria Math" panose="02040503050406030204" pitchFamily="18" charset="0"/>
+                  </a:rPr>
+                  <a:t>p</a:t>
+                </a:r>
+                <a:r>
+                  <a:rPr lang="en-US" baseline="-25000" dirty="0" err="1">
+                    <a:latin typeface="Cambria Math" panose="02040503050406030204" pitchFamily="18" charset="0"/>
+                    <a:ea typeface="Cambria Math" panose="02040503050406030204" pitchFamily="18" charset="0"/>
+                  </a:rPr>
+                  <a:t>i</a:t>
+                </a:r>
+                <a:r>
+                  <a:rPr lang="en-US" dirty="0" err="1">
+                    <a:latin typeface="Cambria Math" panose="02040503050406030204" pitchFamily="18" charset="0"/>
+                    <a:ea typeface="Cambria Math" panose="02040503050406030204" pitchFamily="18" charset="0"/>
+                  </a:rPr>
+                  <a:t>p</a:t>
+                </a:r>
+                <a:r>
+                  <a:rPr lang="en-US" baseline="-25000" dirty="0" err="1">
+                    <a:latin typeface="Cambria Math" panose="02040503050406030204" pitchFamily="18" charset="0"/>
+                    <a:ea typeface="Cambria Math" panose="02040503050406030204" pitchFamily="18" charset="0"/>
+                  </a:rPr>
+                  <a:t>k</a:t>
+                </a:r>
+                <a:r>
+                  <a:rPr lang="en-US" dirty="0">
+                    <a:latin typeface="Cambria Math" panose="02040503050406030204" pitchFamily="18" charset="0"/>
+                    <a:ea typeface="Cambria Math" panose="02040503050406030204" pitchFamily="18" charset="0"/>
+                  </a:rPr>
+                  <a:t>)</a:t>
+                </a:r>
+              </a:p>
+              <a:p>
+                <a:r>
+                  <a:rPr lang="en-US" dirty="0">
+                    <a:latin typeface="Cambria Math" panose="02040503050406030204" pitchFamily="18" charset="0"/>
+                    <a:ea typeface="Cambria Math" panose="02040503050406030204" pitchFamily="18" charset="0"/>
+                  </a:rPr>
+                  <a:t>(G</a:t>
+                </a:r>
+                <a:r>
+                  <a:rPr lang="en-US" baseline="-25000" dirty="0">
+                    <a:latin typeface="Cambria Math" panose="02040503050406030204" pitchFamily="18" charset="0"/>
+                    <a:ea typeface="Cambria Math" panose="02040503050406030204" pitchFamily="18" charset="0"/>
+                  </a:rPr>
+                  <a:t>i</a:t>
+                </a:r>
+                <a:r>
+                  <a:rPr lang="en-US" dirty="0">
+                    <a:latin typeface="Cambria Math" panose="02040503050406030204" pitchFamily="18" charset="0"/>
+                    <a:ea typeface="Cambria Math" panose="02040503050406030204" pitchFamily="18" charset="0"/>
+                  </a:rPr>
+                  <a:t>, P</a:t>
+                </a:r>
+                <a:r>
+                  <a:rPr lang="en-US" baseline="-25000" dirty="0">
+                    <a:latin typeface="Cambria Math" panose="02040503050406030204" pitchFamily="18" charset="0"/>
+                    <a:ea typeface="Cambria Math" panose="02040503050406030204" pitchFamily="18" charset="0"/>
+                  </a:rPr>
+                  <a:t>i</a:t>
+                </a:r>
+                <a:r>
+                  <a:rPr lang="en-US" dirty="0">
+                    <a:latin typeface="Cambria Math" panose="02040503050406030204" pitchFamily="18" charset="0"/>
+                    <a:ea typeface="Cambria Math" panose="02040503050406030204" pitchFamily="18" charset="0"/>
+                  </a:rPr>
+                  <a:t>) </a:t>
+                </a:r>
+                <a14:m>
+                  <m:oMath xmlns:m="http://schemas.openxmlformats.org/officeDocument/2006/math">
+                    <m:r>
+                      <a:rPr lang="en-US" i="1">
+                        <a:latin typeface="Cambria Math" panose="02040503050406030204" pitchFamily="18" charset="0"/>
+                        <a:ea typeface="Cambria Math" panose="02040503050406030204" pitchFamily="18" charset="0"/>
+                      </a:rPr>
+                      <m:t>⊛</m:t>
+                    </m:r>
+                  </m:oMath>
+                </a14:m>
+                <a:r>
+                  <a:rPr lang="en-US" dirty="0">
+                    <a:latin typeface="Cambria Math" panose="02040503050406030204" pitchFamily="18" charset="0"/>
+                    <a:ea typeface="Cambria Math" panose="02040503050406030204" pitchFamily="18" charset="0"/>
+                  </a:rPr>
+                  <a:t> (</a:t>
+                </a:r>
+                <a:r>
+                  <a:rPr lang="en-US" dirty="0" err="1">
+                    <a:latin typeface="Cambria Math" panose="02040503050406030204" pitchFamily="18" charset="0"/>
+                    <a:ea typeface="Cambria Math" panose="02040503050406030204" pitchFamily="18" charset="0"/>
+                  </a:rPr>
+                  <a:t>G</a:t>
+                </a:r>
+                <a:r>
+                  <a:rPr lang="en-US" baseline="-25000" dirty="0" err="1">
+                    <a:latin typeface="Cambria Math" panose="02040503050406030204" pitchFamily="18" charset="0"/>
+                    <a:ea typeface="Cambria Math" panose="02040503050406030204" pitchFamily="18" charset="0"/>
+                  </a:rPr>
+                  <a:t>k</a:t>
+                </a:r>
+                <a:r>
+                  <a:rPr lang="en-US" dirty="0">
+                    <a:latin typeface="Cambria Math" panose="02040503050406030204" pitchFamily="18" charset="0"/>
+                    <a:ea typeface="Cambria Math" panose="02040503050406030204" pitchFamily="18" charset="0"/>
+                  </a:rPr>
+                  <a:t>, </a:t>
+                </a:r>
+                <a:r>
+                  <a:rPr lang="en-US" dirty="0" err="1">
+                    <a:latin typeface="Cambria Math" panose="02040503050406030204" pitchFamily="18" charset="0"/>
+                    <a:ea typeface="Cambria Math" panose="02040503050406030204" pitchFamily="18" charset="0"/>
+                  </a:rPr>
+                  <a:t>P</a:t>
+                </a:r>
+                <a:r>
+                  <a:rPr lang="en-US" baseline="-25000" dirty="0" err="1">
+                    <a:latin typeface="Cambria Math" panose="02040503050406030204" pitchFamily="18" charset="0"/>
+                    <a:ea typeface="Cambria Math" panose="02040503050406030204" pitchFamily="18" charset="0"/>
+                  </a:rPr>
+                  <a:t>k</a:t>
+                </a:r>
+                <a:r>
+                  <a:rPr lang="en-US" dirty="0">
+                    <a:latin typeface="Cambria Math" panose="02040503050406030204" pitchFamily="18" charset="0"/>
+                    <a:ea typeface="Cambria Math" panose="02040503050406030204" pitchFamily="18" charset="0"/>
+                  </a:rPr>
+                  <a:t>)  = (G</a:t>
+                </a:r>
+                <a:r>
+                  <a:rPr lang="en-US" baseline="-25000" dirty="0">
+                    <a:latin typeface="Cambria Math" panose="02040503050406030204" pitchFamily="18" charset="0"/>
+                    <a:ea typeface="Cambria Math" panose="02040503050406030204" pitchFamily="18" charset="0"/>
+                  </a:rPr>
+                  <a:t>i</a:t>
+                </a:r>
+                <a:r>
+                  <a:rPr lang="en-US" dirty="0">
+                    <a:latin typeface="Cambria Math" panose="02040503050406030204" pitchFamily="18" charset="0"/>
+                    <a:ea typeface="Cambria Math" panose="02040503050406030204" pitchFamily="18" charset="0"/>
+                  </a:rPr>
+                  <a:t> + </a:t>
+                </a:r>
+                <a:r>
+                  <a:rPr lang="en-US" dirty="0" err="1">
+                    <a:latin typeface="Cambria Math" panose="02040503050406030204" pitchFamily="18" charset="0"/>
+                    <a:ea typeface="Cambria Math" panose="02040503050406030204" pitchFamily="18" charset="0"/>
+                  </a:rPr>
+                  <a:t>P</a:t>
+                </a:r>
+                <a:r>
+                  <a:rPr lang="en-US" baseline="-25000" dirty="0" err="1">
+                    <a:latin typeface="Cambria Math" panose="02040503050406030204" pitchFamily="18" charset="0"/>
+                    <a:ea typeface="Cambria Math" panose="02040503050406030204" pitchFamily="18" charset="0"/>
+                  </a:rPr>
+                  <a:t>i</a:t>
+                </a:r>
+                <a:r>
+                  <a:rPr lang="en-US" dirty="0" err="1">
+                    <a:latin typeface="Cambria Math" panose="02040503050406030204" pitchFamily="18" charset="0"/>
+                    <a:ea typeface="Cambria Math" panose="02040503050406030204" pitchFamily="18" charset="0"/>
+                  </a:rPr>
+                  <a:t>G</a:t>
+                </a:r>
+                <a:r>
+                  <a:rPr lang="en-US" baseline="-25000" dirty="0" err="1">
+                    <a:latin typeface="Cambria Math" panose="02040503050406030204" pitchFamily="18" charset="0"/>
+                    <a:ea typeface="Cambria Math" panose="02040503050406030204" pitchFamily="18" charset="0"/>
+                  </a:rPr>
+                  <a:t>k</a:t>
+                </a:r>
+                <a:r>
+                  <a:rPr lang="en-US" dirty="0">
+                    <a:latin typeface="Cambria Math" panose="02040503050406030204" pitchFamily="18" charset="0"/>
+                    <a:ea typeface="Cambria Math" panose="02040503050406030204" pitchFamily="18" charset="0"/>
+                  </a:rPr>
+                  <a:t>, </a:t>
+                </a:r>
+                <a:r>
+                  <a:rPr lang="en-US" dirty="0" err="1">
+                    <a:latin typeface="Cambria Math" panose="02040503050406030204" pitchFamily="18" charset="0"/>
+                    <a:ea typeface="Cambria Math" panose="02040503050406030204" pitchFamily="18" charset="0"/>
+                  </a:rPr>
+                  <a:t>P</a:t>
+                </a:r>
+                <a:r>
+                  <a:rPr lang="en-US" baseline="-25000" dirty="0" err="1">
+                    <a:latin typeface="Cambria Math" panose="02040503050406030204" pitchFamily="18" charset="0"/>
+                    <a:ea typeface="Cambria Math" panose="02040503050406030204" pitchFamily="18" charset="0"/>
+                  </a:rPr>
+                  <a:t>i</a:t>
+                </a:r>
+                <a:r>
+                  <a:rPr lang="en-US" dirty="0" err="1">
+                    <a:latin typeface="Cambria Math" panose="02040503050406030204" pitchFamily="18" charset="0"/>
+                    <a:ea typeface="Cambria Math" panose="02040503050406030204" pitchFamily="18" charset="0"/>
+                  </a:rPr>
+                  <a:t>P</a:t>
+                </a:r>
+                <a:r>
+                  <a:rPr lang="en-US" baseline="-25000" dirty="0" err="1">
+                    <a:latin typeface="Cambria Math" panose="02040503050406030204" pitchFamily="18" charset="0"/>
+                    <a:ea typeface="Cambria Math" panose="02040503050406030204" pitchFamily="18" charset="0"/>
+                  </a:rPr>
+                  <a:t>k</a:t>
+                </a:r>
+                <a:r>
+                  <a:rPr lang="en-US" dirty="0">
+                    <a:latin typeface="Cambria Math" panose="02040503050406030204" pitchFamily="18" charset="0"/>
+                    <a:ea typeface="Cambria Math" panose="02040503050406030204" pitchFamily="18" charset="0"/>
+                  </a:rPr>
+                  <a:t>)</a:t>
+                </a:r>
+              </a:p>
+            </p:txBody>
+          </p:sp>
+        </mc:Choice>
+        <mc:Fallback>
+          <p:sp>
+            <p:nvSpPr>
+              <p:cNvPr id="11" name="TextBox 10">
+                <a:extLst>
+                  <a:ext uri="{FF2B5EF4-FFF2-40B4-BE49-F238E27FC236}">
+                    <a16:creationId xmlns:a16="http://schemas.microsoft.com/office/drawing/2014/main" id="{D66A0400-E787-4B57-8B88-D164561E7746}"/>
+                  </a:ext>
+                </a:extLst>
+              </p:cNvPr>
+              <p:cNvSpPr txBox="1">
+                <a:spLocks noRot="1" noChangeAspect="1" noMove="1" noResize="1" noEditPoints="1" noAdjustHandles="1" noChangeArrowheads="1" noChangeShapeType="1" noTextEdit="1"/>
+              </p:cNvSpPr>
+              <p:nvPr/>
+            </p:nvSpPr>
+            <p:spPr>
+              <a:xfrm>
+                <a:off x="1808679" y="2875002"/>
+                <a:ext cx="3568285" cy="553998"/>
+              </a:xfrm>
+              <a:prstGeom prst="rect">
+                <a:avLst/>
+              </a:prstGeom>
+              <a:blipFill>
+                <a:blip r:embed="rId4"/>
+                <a:stretch>
+                  <a:fillRect l="-4103" t="-15385" r="-3248" b="-23077"/>
+                </a:stretch>
+              </a:blipFill>
+            </p:spPr>
+            <p:txBody>
+              <a:bodyPr/>
+              <a:lstStyle/>
+              <a:p>
+                <a:r>
+                  <a:rPr lang="en-US">
+                    <a:noFill/>
+                  </a:rPr>
+                  <a:t> </a:t>
+                </a:r>
+              </a:p>
+            </p:txBody>
+          </p:sp>
+        </mc:Fallback>
+      </mc:AlternateContent>
+    </p:spTree>
+    <p:extLst>
+      <p:ext uri="{BB962C8B-B14F-4D97-AF65-F5344CB8AC3E}">
+        <p14:creationId xmlns:p14="http://schemas.microsoft.com/office/powerpoint/2010/main" val="2293765231"/>
+      </p:ext>
+    </p:extLst>
+  </p:cSld>
+  <p:clrMapOvr>
+    <a:masterClrMapping/>
+  </p:clrMapOvr>
+</p:sld>
+</file>
+
 <file path=ppt/theme/theme1.xml><?xml version="1.0" encoding="utf-8"?>
 <a:theme xmlns:a="http://schemas.openxmlformats.org/drawingml/2006/main" name="Office Theme">
   <a:themeElements>
-    <a:clrScheme name="Office">
+    <a:clrScheme name="Office Theme">
       <a:dk1>
         <a:sysClr val="windowText" lastClr="000000"/>
       </a:dk1>
@@ -4235,7 +5825,7 @@
         <a:srgbClr val="954F72"/>
       </a:folHlink>
     </a:clrScheme>
-    <a:fontScheme name="Office">
+    <a:fontScheme name="Office Theme">
       <a:majorFont>
         <a:latin typeface="Calibri Light" panose="020F0302020204030204"/>
         <a:ea typeface=""/>
@@ -4270,23 +5860,6 @@
         <a:font script="Viet" typeface="Times New Roman"/>
         <a:font script="Uigh" typeface="Microsoft Uighur"/>
         <a:font script="Geor" typeface="Sylfaen"/>
-        <a:font script="Armn" typeface="Arial"/>
-        <a:font script="Bugi" typeface="Leelawadee UI"/>
-        <a:font script="Bopo" typeface="Microsoft JhengHei"/>
-        <a:font script="Java" typeface="Javanese Text"/>
-        <a:font script="Lisu" typeface="Segoe UI"/>
-        <a:font script="Mymr" typeface="Myanmar Text"/>
-        <a:font script="Nkoo" typeface="Ebrima"/>
-        <a:font script="Olck" typeface="Nirmala UI"/>
-        <a:font script="Osma" typeface="Ebrima"/>
-        <a:font script="Phag" typeface="Phagspa"/>
-        <a:font script="Syrn" typeface="Estrangelo Edessa"/>
-        <a:font script="Syrj" typeface="Estrangelo Edessa"/>
-        <a:font script="Syre" typeface="Estrangelo Edessa"/>
-        <a:font script="Sora" typeface="Nirmala UI"/>
-        <a:font script="Tale" typeface="Microsoft Tai Le"/>
-        <a:font script="Talu" typeface="Microsoft New Tai Lue"/>
-        <a:font script="Tfng" typeface="Ebrima"/>
       </a:majorFont>
       <a:minorFont>
         <a:latin typeface="Calibri" panose="020F0502020204030204"/>
@@ -4322,26 +5895,9 @@
         <a:font script="Viet" typeface="Arial"/>
         <a:font script="Uigh" typeface="Microsoft Uighur"/>
         <a:font script="Geor" typeface="Sylfaen"/>
-        <a:font script="Armn" typeface="Arial"/>
-        <a:font script="Bugi" typeface="Leelawadee UI"/>
-        <a:font script="Bopo" typeface="Microsoft JhengHei"/>
-        <a:font script="Java" typeface="Javanese Text"/>
-        <a:font script="Lisu" typeface="Segoe UI"/>
-        <a:font script="Mymr" typeface="Myanmar Text"/>
-        <a:font script="Nkoo" typeface="Ebrima"/>
-        <a:font script="Olck" typeface="Nirmala UI"/>
-        <a:font script="Osma" typeface="Ebrima"/>
-        <a:font script="Phag" typeface="Phagspa"/>
-        <a:font script="Syrn" typeface="Estrangelo Edessa"/>
-        <a:font script="Syrj" typeface="Estrangelo Edessa"/>
-        <a:font script="Syre" typeface="Estrangelo Edessa"/>
-        <a:font script="Sora" typeface="Nirmala UI"/>
-        <a:font script="Tale" typeface="Microsoft Tai Le"/>
-        <a:font script="Talu" typeface="Microsoft New Tai Lue"/>
-        <a:font script="Tfng" typeface="Ebrima"/>
       </a:minorFont>
     </a:fontScheme>
-    <a:fmtScheme name="Office">
+    <a:fmtScheme name="Office Theme">
       <a:fillStyleLst>
         <a:solidFill>
           <a:schemeClr val="phClr"/>

--- a/Presentation/Presentation.pptx
+++ b/Presentation/Presentation.pptx
@@ -5,7 +5,7 @@
     <p:sldMasterId id="2147483708" r:id="rId1"/>
   </p:sldMasterIdLst>
   <p:notesMasterIdLst>
-    <p:notesMasterId r:id="rId8"/>
+    <p:notesMasterId r:id="rId9"/>
   </p:notesMasterIdLst>
   <p:sldIdLst>
     <p:sldId id="256" r:id="rId2"/>
@@ -14,6 +14,7 @@
     <p:sldId id="259" r:id="rId5"/>
     <p:sldId id="260" r:id="rId6"/>
     <p:sldId id="261" r:id="rId7"/>
+    <p:sldId id="262" r:id="rId8"/>
   </p:sldIdLst>
   <p:sldSz cx="12192000" cy="6858000"/>
   <p:notesSz cx="6858000" cy="9144000"/>
@@ -202,7 +203,7 @@
           <a:p>
             <a:fld id="{1EF55B2A-A1B1-48BE-AF50-1397049CD154}" type="datetimeFigureOut">
               <a:rPr lang="en-US" smtClean="0"/>
-              <a:t>2018-07-05</a:t>
+              <a:t>7/5/2018</a:t>
             </a:fld>
             <a:endParaRPr lang="en-US"/>
           </a:p>
@@ -600,7 +601,7 @@
           <a:p>
             <a:fld id="{3B310F8D-941A-4290-9AD4-9E0E1359B495}" type="datetime1">
               <a:rPr lang="en-US" smtClean="0"/>
-              <a:t>2018-07-05</a:t>
+              <a:t>7/5/2018</a:t>
             </a:fld>
             <a:endParaRPr lang="en-US"/>
           </a:p>
@@ -770,7 +771,7 @@
           <a:p>
             <a:fld id="{7304F7C5-445A-495D-9E4B-185EF9ECC1BC}" type="datetime1">
               <a:rPr lang="en-US" smtClean="0"/>
-              <a:t>2018-07-05</a:t>
+              <a:t>7/5/2018</a:t>
             </a:fld>
             <a:endParaRPr lang="en-US"/>
           </a:p>
@@ -950,7 +951,7 @@
           <a:p>
             <a:fld id="{D2CFDD0B-9353-4330-A178-6998BACFC81F}" type="datetime1">
               <a:rPr lang="en-US" smtClean="0"/>
-              <a:t>2018-07-05</a:t>
+              <a:t>7/5/2018</a:t>
             </a:fld>
             <a:endParaRPr lang="en-US"/>
           </a:p>
@@ -1120,7 +1121,7 @@
           <a:p>
             <a:fld id="{7F9E3F0D-B30C-4255-ABA0-8917B8CB3B8F}" type="datetime1">
               <a:rPr lang="en-US" smtClean="0"/>
-              <a:t>2018-07-05</a:t>
+              <a:t>7/5/2018</a:t>
             </a:fld>
             <a:endParaRPr lang="en-US"/>
           </a:p>
@@ -1366,7 +1367,7 @@
           <a:p>
             <a:fld id="{BDC50106-11C7-4743-A268-352326C24D1C}" type="datetime1">
               <a:rPr lang="en-US" smtClean="0"/>
-              <a:t>2018-07-05</a:t>
+              <a:t>7/5/2018</a:t>
             </a:fld>
             <a:endParaRPr lang="en-US"/>
           </a:p>
@@ -1598,7 +1599,7 @@
           <a:p>
             <a:fld id="{788D2460-8893-4237-87EC-6D23E813631B}" type="datetime1">
               <a:rPr lang="en-US" smtClean="0"/>
-              <a:t>2018-07-05</a:t>
+              <a:t>7/5/2018</a:t>
             </a:fld>
             <a:endParaRPr lang="en-US"/>
           </a:p>
@@ -1965,7 +1966,7 @@
           <a:p>
             <a:fld id="{27E9E99A-D479-4EDF-8C6D-90E41B7F7420}" type="datetime1">
               <a:rPr lang="en-US" smtClean="0"/>
-              <a:t>2018-07-05</a:t>
+              <a:t>7/5/2018</a:t>
             </a:fld>
             <a:endParaRPr lang="en-US"/>
           </a:p>
@@ -2083,7 +2084,7 @@
           <a:p>
             <a:fld id="{85451478-3410-43B1-B561-26F907204A43}" type="datetime1">
               <a:rPr lang="en-US" smtClean="0"/>
-              <a:t>2018-07-05</a:t>
+              <a:t>7/5/2018</a:t>
             </a:fld>
             <a:endParaRPr lang="en-US"/>
           </a:p>
@@ -2178,7 +2179,7 @@
           <a:p>
             <a:fld id="{FA489C54-C8EE-4B91-B64B-6687A21D522B}" type="datetime1">
               <a:rPr lang="en-US" smtClean="0"/>
-              <a:t>2018-07-05</a:t>
+              <a:t>7/5/2018</a:t>
             </a:fld>
             <a:endParaRPr lang="en-US"/>
           </a:p>
@@ -2455,7 +2456,7 @@
           <a:p>
             <a:fld id="{40BF1821-AA5A-4F67-9395-523155C54006}" type="datetime1">
               <a:rPr lang="en-US" smtClean="0"/>
-              <a:t>2018-07-05</a:t>
+              <a:t>7/5/2018</a:t>
             </a:fld>
             <a:endParaRPr lang="en-US"/>
           </a:p>
@@ -2712,7 +2713,7 @@
           <a:p>
             <a:fld id="{FC6BE5E1-4448-493C-8281-4A0C48B4313C}" type="datetime1">
               <a:rPr lang="en-US" smtClean="0"/>
-              <a:t>2018-07-05</a:t>
+              <a:t>7/5/2018</a:t>
             </a:fld>
             <a:endParaRPr lang="en-US"/>
           </a:p>
@@ -2925,7 +2926,7 @@
           <a:p>
             <a:fld id="{B9ACCD46-3949-4FD6-9D13-AB19AE2895AB}" type="datetime1">
               <a:rPr lang="en-US" smtClean="0"/>
-              <a:t>2018-07-05</a:t>
+              <a:t>7/5/2018</a:t>
             </a:fld>
             <a:endParaRPr lang="en-US"/>
           </a:p>
@@ -3588,11 +3589,11 @@
   <p:clrMapOvr>
     <a:masterClrMapping/>
   </p:clrMapOvr>
-  <mc:AlternateContent xmlns:mc="http://schemas.openxmlformats.org/markup-compatibility/2006">
-    <mc:Choice xmlns:p14="http://schemas.microsoft.com/office/powerpoint/2010/main" Requires="p14">
+  <mc:AlternateContent xmlns:mc="http://schemas.openxmlformats.org/markup-compatibility/2006" xmlns:p14="http://schemas.microsoft.com/office/powerpoint/2010/main">
+    <mc:Choice Requires="p14">
       <p:transition p14:dur="10"/>
     </mc:Choice>
-    <mc:Fallback>
+    <mc:Fallback xmlns="">
       <p:transition/>
     </mc:Fallback>
   </mc:AlternateContent>
@@ -3618,6 +3619,60 @@
       </p:grpSpPr>
       <p:sp>
         <p:nvSpPr>
+          <p:cNvPr id="6" name="Rectangle 5">
+            <a:extLst>
+              <a:ext uri="{FF2B5EF4-FFF2-40B4-BE49-F238E27FC236}">
+                <a16:creationId xmlns:a16="http://schemas.microsoft.com/office/drawing/2014/main" id="{F75162A2-5912-4BDE-BC91-6E16CA4B2E12}"/>
+              </a:ext>
+            </a:extLst>
+          </p:cNvPr>
+          <p:cNvSpPr/>
+          <p:nvPr/>
+        </p:nvSpPr>
+        <p:spPr>
+          <a:xfrm>
+            <a:off x="0" y="0"/>
+            <a:ext cx="12192000" cy="1208015"/>
+          </a:xfrm>
+          <a:prstGeom prst="rect">
+            <a:avLst/>
+          </a:prstGeom>
+          <a:solidFill>
+            <a:schemeClr val="bg2">
+              <a:lumMod val="75000"/>
+            </a:schemeClr>
+          </a:solidFill>
+          <a:ln>
+            <a:noFill/>
+          </a:ln>
+        </p:spPr>
+        <p:style>
+          <a:lnRef idx="2">
+            <a:schemeClr val="accent1">
+              <a:shade val="50000"/>
+            </a:schemeClr>
+          </a:lnRef>
+          <a:fillRef idx="1">
+            <a:schemeClr val="accent1"/>
+          </a:fillRef>
+          <a:effectRef idx="0">
+            <a:schemeClr val="accent1"/>
+          </a:effectRef>
+          <a:fontRef idx="minor">
+            <a:schemeClr val="lt1"/>
+          </a:fontRef>
+        </p:style>
+        <p:txBody>
+          <a:bodyPr rtlCol="0" anchor="ctr"/>
+          <a:lstStyle/>
+          <a:p>
+            <a:pPr algn="ctr"/>
+            <a:endParaRPr lang="en-US"/>
+          </a:p>
+        </p:txBody>
+      </p:sp>
+      <p:sp>
+        <p:nvSpPr>
           <p:cNvPr id="2" name="Title 1">
             <a:extLst>
               <a:ext uri="{FF2B5EF4-FFF2-40B4-BE49-F238E27FC236}">
@@ -3634,7 +3689,7 @@
         </p:nvSpPr>
         <p:spPr>
           <a:xfrm>
-            <a:off x="838200" y="800052"/>
+            <a:off x="838200" y="369077"/>
             <a:ext cx="10515600" cy="623920"/>
           </a:xfrm>
         </p:spPr>
@@ -4716,23 +4771,20 @@
               </a:spcAft>
             </a:pPr>
             <a:r>
-              <a:rPr lang="en-US" sz="2000" b="1" u="sng" dirty="0" err="1">
+              <a:rPr lang="el-GR" sz="2000" b="1" u="sng" dirty="0">
                 <a:solidFill>
                   <a:schemeClr val="bg1"/>
                 </a:solidFill>
                 <a:latin typeface="Book Antiqua" panose="02040602050305030304" pitchFamily="18" charset="0"/>
               </a:rPr>
-              <a:t>Μειονέκτημ</a:t>
-            </a:r>
-            <a:r>
-              <a:rPr lang="en-US" sz="2000" b="1" u="sng" dirty="0">
-                <a:solidFill>
-                  <a:schemeClr val="bg1"/>
-                </a:solidFill>
-                <a:latin typeface="Book Antiqua" panose="02040602050305030304" pitchFamily="18" charset="0"/>
-              </a:rPr>
-              <a:t>α</a:t>
-            </a:r>
+              <a:t>Μειονεκτήματα</a:t>
+            </a:r>
+            <a:endParaRPr lang="en-US" sz="2000" b="1" u="sng" dirty="0">
+              <a:solidFill>
+                <a:schemeClr val="bg1"/>
+              </a:solidFill>
+              <a:latin typeface="Book Antiqua" panose="02040602050305030304" pitchFamily="18" charset="0"/>
+            </a:endParaRPr>
           </a:p>
           <a:p>
             <a:pPr marL="342900" indent="-228600" defTabSz="914400">
@@ -4881,23 +4933,20 @@
               </a:spcAft>
             </a:pPr>
             <a:r>
-              <a:rPr lang="en-US" sz="2000" b="1" u="sng" dirty="0" err="1">
+              <a:rPr lang="el-GR" sz="2000" b="1" u="sng" dirty="0">
                 <a:solidFill>
                   <a:schemeClr val="bg1"/>
                 </a:solidFill>
                 <a:latin typeface="Book Antiqua" panose="02040602050305030304" pitchFamily="18" charset="0"/>
               </a:rPr>
-              <a:t>Πλεονέκτημ</a:t>
-            </a:r>
-            <a:r>
-              <a:rPr lang="en-US" sz="2000" b="1" u="sng" dirty="0">
-                <a:solidFill>
-                  <a:schemeClr val="bg1"/>
-                </a:solidFill>
-                <a:latin typeface="Book Antiqua" panose="02040602050305030304" pitchFamily="18" charset="0"/>
-              </a:rPr>
-              <a:t>α</a:t>
-            </a:r>
+              <a:t>Πλεονεκτήματα</a:t>
+            </a:r>
+            <a:endParaRPr lang="en-US" sz="2000" b="1" u="sng" dirty="0">
+              <a:solidFill>
+                <a:schemeClr val="bg1"/>
+              </a:solidFill>
+              <a:latin typeface="Book Antiqua" panose="02040602050305030304" pitchFamily="18" charset="0"/>
+            </a:endParaRPr>
           </a:p>
           <a:p>
             <a:pPr marL="342900" indent="-228600" defTabSz="914400">
@@ -5212,6 +5261,14 @@
 <file path=ppt/slides/slide6.xml><?xml version="1.0" encoding="utf-8"?>
 <p:sld xmlns:a="http://schemas.openxmlformats.org/drawingml/2006/main" xmlns:r="http://schemas.openxmlformats.org/officeDocument/2006/relationships" xmlns:p="http://schemas.openxmlformats.org/presentationml/2006/main">
   <p:cSld>
+    <p:bg>
+      <p:bgPr>
+        <a:solidFill>
+          <a:schemeClr val="bg1"/>
+        </a:solidFill>
+        <a:effectLst/>
+      </p:bgPr>
+    </p:bg>
     <p:spTree>
       <p:nvGrpSpPr>
         <p:cNvPr id="1" name=""/>
@@ -5228,53 +5285,254 @@
       </p:grpSpPr>
       <p:sp>
         <p:nvSpPr>
-          <p:cNvPr id="4" name="TextBox 3">
+          <p:cNvPr id="17" name="Rectangle 16">
             <a:extLst>
               <a:ext uri="{FF2B5EF4-FFF2-40B4-BE49-F238E27FC236}">
-                <a16:creationId xmlns:a16="http://schemas.microsoft.com/office/drawing/2014/main" id="{D8745CE7-6820-43B6-9304-69F7A18105C8}"/>
+                <a16:creationId xmlns:a16="http://schemas.microsoft.com/office/drawing/2014/main" id="{C5BC4F95-E1D2-4DEA-A736-89281540282D}"/>
               </a:ext>
             </a:extLst>
           </p:cNvPr>
-          <p:cNvSpPr txBox="1"/>
+          <p:cNvSpPr/>
           <p:nvPr/>
         </p:nvSpPr>
         <p:spPr>
           <a:xfrm>
-            <a:off x="3996707" y="523875"/>
-            <a:ext cx="4198585" cy="369332"/>
+            <a:off x="4796367" y="0"/>
+            <a:ext cx="7395633" cy="880844"/>
           </a:xfrm>
           <a:prstGeom prst="rect">
             <a:avLst/>
           </a:prstGeom>
-          <a:noFill/>
+          <a:solidFill>
+            <a:schemeClr val="bg2">
+              <a:lumMod val="90000"/>
+            </a:schemeClr>
+          </a:solidFill>
+          <a:ln>
+            <a:noFill/>
+          </a:ln>
         </p:spPr>
-        <p:txBody>
-          <a:bodyPr wrap="none" rtlCol="0">
-            <a:spAutoFit/>
-          </a:bodyPr>
-          <a:lstStyle/>
-          <a:p>
-            <a:r>
-              <a:rPr lang="el-GR" dirty="0">
-                <a:latin typeface="Book Antiqua" panose="02040602050305030304" pitchFamily="18" charset="0"/>
-              </a:rPr>
-              <a:t>Αθροιστές Προθέματος – </a:t>
-            </a:r>
-            <a:r>
-              <a:rPr lang="en-US" dirty="0">
-                <a:latin typeface="Book Antiqua" panose="02040602050305030304" pitchFamily="18" charset="0"/>
-              </a:rPr>
-              <a:t>Prefix Adders</a:t>
-            </a:r>
+        <p:style>
+          <a:lnRef idx="2">
+            <a:schemeClr val="accent1">
+              <a:shade val="50000"/>
+            </a:schemeClr>
+          </a:lnRef>
+          <a:fillRef idx="1">
+            <a:schemeClr val="accent1"/>
+          </a:fillRef>
+          <a:effectRef idx="0">
+            <a:schemeClr val="accent1"/>
+          </a:effectRef>
+          <a:fontRef idx="minor">
+            <a:schemeClr val="lt1"/>
+          </a:fontRef>
+        </p:style>
+        <p:txBody>
+          <a:bodyPr rtlCol="0" anchor="ctr"/>
+          <a:lstStyle/>
+          <a:p>
+            <a:pPr algn="ctr"/>
+            <a:endParaRPr lang="en-US"/>
+          </a:p>
+        </p:txBody>
+      </p:sp>
+      <p:sp>
+        <p:nvSpPr>
+          <p:cNvPr id="12" name="Rectangle 11">
+            <a:extLst>
+              <a:ext uri="{FF2B5EF4-FFF2-40B4-BE49-F238E27FC236}">
+                <a16:creationId xmlns:a16="http://schemas.microsoft.com/office/drawing/2014/main" id="{156189E5-8A3E-4CFD-B71B-CCD0F8495E56}"/>
+              </a:ext>
+              <a:ext uri="{C183D7F6-B498-43B3-948B-1728B52AA6E4}">
+                <adec:decorative xmlns:adec="http://schemas.microsoft.com/office/drawing/2017/decorative" val="1"/>
+              </a:ext>
+            </a:extLst>
+          </p:cNvPr>
+          <p:cNvSpPr>
+            <a:spLocks noGrp="1" noRot="1" noChangeAspect="1" noMove="1" noResize="1" noEditPoints="1" noAdjustHandles="1" noChangeArrowheads="1" noChangeShapeType="1" noTextEdit="1"/>
+          </p:cNvSpPr>
+          <p:nvPr>
+            <p:extLst>
+              <p:ext uri="{386F3935-93C4-4BCD-93E2-E3B085C9AB24}">
+                <p16:designElem xmlns:p16="http://schemas.microsoft.com/office/powerpoint/2015/main" val="1"/>
+              </p:ext>
+            </p:extLst>
+          </p:nvPr>
+        </p:nvSpPr>
+        <p:spPr>
+          <a:xfrm>
+            <a:off x="0" y="0"/>
+            <a:ext cx="4796367" cy="6858000"/>
+          </a:xfrm>
+          <a:prstGeom prst="rect">
+            <a:avLst/>
+          </a:prstGeom>
+          <a:solidFill>
+            <a:schemeClr val="tx1">
+              <a:alpha val="60000"/>
+            </a:schemeClr>
+          </a:solidFill>
+          <a:ln>
+            <a:noFill/>
+          </a:ln>
+        </p:spPr>
+        <p:style>
+          <a:lnRef idx="2">
+            <a:schemeClr val="accent1">
+              <a:shade val="50000"/>
+            </a:schemeClr>
+          </a:lnRef>
+          <a:fillRef idx="1">
+            <a:schemeClr val="accent1"/>
+          </a:fillRef>
+          <a:effectRef idx="0">
+            <a:schemeClr val="accent1"/>
+          </a:effectRef>
+          <a:fontRef idx="minor">
+            <a:schemeClr val="lt1"/>
+          </a:fontRef>
+        </p:style>
+        <p:txBody>
+          <a:bodyPr rtlCol="0" anchor="ctr"/>
+          <a:lstStyle/>
+          <a:p>
+            <a:pPr marL="0" marR="0" lvl="0" indent="0" algn="ctr" defTabSz="914400" rtl="0" eaLnBrk="1" fontAlgn="auto" latinLnBrk="0" hangingPunct="1">
+              <a:lnSpc>
+                <a:spcPct val="100000"/>
+              </a:lnSpc>
+              <a:spcBef>
+                <a:spcPts val="0"/>
+              </a:spcBef>
+              <a:spcAft>
+                <a:spcPts val="0"/>
+              </a:spcAft>
+              <a:buClrTx/>
+              <a:buSzTx/>
+              <a:buFontTx/>
+              <a:buNone/>
+              <a:tabLst/>
+              <a:defRPr/>
+            </a:pPr>
+            <a:endParaRPr kumimoji="0" lang="en-US" sz="1800" b="0" i="0" u="none" strike="noStrike" kern="1200" cap="none" spc="0" normalizeH="0" baseline="0" noProof="0">
+              <a:ln>
+                <a:noFill/>
+              </a:ln>
+              <a:solidFill>
+                <a:prstClr val="white"/>
+              </a:solidFill>
+              <a:effectLst/>
+              <a:uLnTx/>
+              <a:uFillTx/>
+              <a:latin typeface="Calibri" panose="020F0502020204030204"/>
+              <a:ea typeface="+mn-ea"/>
+              <a:cs typeface="+mn-cs"/>
+            </a:endParaRPr>
+          </a:p>
+        </p:txBody>
+      </p:sp>
+      <p:sp>
+        <p:nvSpPr>
+          <p:cNvPr id="14" name="Rectangle 13">
+            <a:extLst>
+              <a:ext uri="{FF2B5EF4-FFF2-40B4-BE49-F238E27FC236}">
+                <a16:creationId xmlns:a16="http://schemas.microsoft.com/office/drawing/2014/main" id="{BE95D989-81FA-4BAD-9AD5-E46CEDA91B36}"/>
+              </a:ext>
+              <a:ext uri="{C183D7F6-B498-43B3-948B-1728B52AA6E4}">
+                <adec:decorative xmlns:adec="http://schemas.microsoft.com/office/drawing/2017/decorative" val="1"/>
+              </a:ext>
+            </a:extLst>
+          </p:cNvPr>
+          <p:cNvSpPr>
+            <a:spLocks noGrp="1" noRot="1" noChangeAspect="1" noMove="1" noResize="1" noEditPoints="1" noAdjustHandles="1" noChangeArrowheads="1" noChangeShapeType="1" noTextEdit="1"/>
+          </p:cNvSpPr>
+          <p:nvPr>
+            <p:extLst>
+              <p:ext uri="{386F3935-93C4-4BCD-93E2-E3B085C9AB24}">
+                <p16:designElem xmlns:p16="http://schemas.microsoft.com/office/powerpoint/2015/main" val="1"/>
+              </p:ext>
+            </p:extLst>
+          </p:nvPr>
+        </p:nvSpPr>
+        <p:spPr>
+          <a:xfrm>
+            <a:off x="0" y="0"/>
+            <a:ext cx="4654293" cy="6858000"/>
+          </a:xfrm>
+          <a:prstGeom prst="rect">
+            <a:avLst/>
+          </a:prstGeom>
+          <a:solidFill>
+            <a:schemeClr val="tx1">
+              <a:lumMod val="75000"/>
+              <a:lumOff val="25000"/>
+              <a:alpha val="80000"/>
+            </a:schemeClr>
+          </a:solidFill>
+          <a:ln>
+            <a:noFill/>
+          </a:ln>
+        </p:spPr>
+        <p:style>
+          <a:lnRef idx="2">
+            <a:schemeClr val="accent1">
+              <a:shade val="50000"/>
+            </a:schemeClr>
+          </a:lnRef>
+          <a:fillRef idx="1">
+            <a:schemeClr val="accent1"/>
+          </a:fillRef>
+          <a:effectRef idx="0">
+            <a:schemeClr val="accent1"/>
+          </a:effectRef>
+          <a:fontRef idx="minor">
+            <a:schemeClr val="lt1"/>
+          </a:fontRef>
+        </p:style>
+        <p:txBody>
+          <a:bodyPr rtlCol="0" anchor="ctr"/>
+          <a:lstStyle/>
+          <a:p>
+            <a:pPr marL="0" marR="0" lvl="0" indent="0" algn="ctr" defTabSz="914400" rtl="0" eaLnBrk="1" fontAlgn="auto" latinLnBrk="0" hangingPunct="1">
+              <a:lnSpc>
+                <a:spcPct val="100000"/>
+              </a:lnSpc>
+              <a:spcBef>
+                <a:spcPts val="0"/>
+              </a:spcBef>
+              <a:spcAft>
+                <a:spcPts val="0"/>
+              </a:spcAft>
+              <a:buClrTx/>
+              <a:buSzTx/>
+              <a:buFontTx/>
+              <a:buNone/>
+              <a:tabLst/>
+              <a:defRPr/>
+            </a:pPr>
+            <a:endParaRPr kumimoji="0" lang="en-US" sz="1800" b="0" i="0" u="none" strike="noStrike" kern="1200" cap="none" spc="0" normalizeH="0" baseline="0" noProof="0">
+              <a:ln>
+                <a:noFill/>
+              </a:ln>
+              <a:solidFill>
+                <a:prstClr val="white"/>
+              </a:solidFill>
+              <a:effectLst/>
+              <a:uLnTx/>
+              <a:uFillTx/>
+              <a:latin typeface="Calibri" panose="020F0502020204030204"/>
+              <a:ea typeface="+mn-ea"/>
+              <a:cs typeface="+mn-cs"/>
+            </a:endParaRPr>
           </a:p>
         </p:txBody>
       </p:sp>
       <p:pic>
         <p:nvPicPr>
-          <p:cNvPr id="6" name="Picture 5" descr="A close up of a clock&#10;&#10;Description generated with high confidence">
+          <p:cNvPr id="7" name="Picture 6" descr="A close up of a necklace&#10;&#10;Description generated with high confidence">
             <a:extLst>
               <a:ext uri="{FF2B5EF4-FFF2-40B4-BE49-F238E27FC236}">
-                <a16:creationId xmlns:a16="http://schemas.microsoft.com/office/drawing/2014/main" id="{205AB0B4-F9B0-4FD1-8508-61D941789737}"/>
+                <a16:creationId xmlns:a16="http://schemas.microsoft.com/office/drawing/2014/main" id="{F7A586A3-7FCC-489D-81FF-C41B883FBC8B}"/>
               </a:ext>
             </a:extLst>
           </p:cNvPr>
@@ -5297,58 +5555,124 @@
         </p:blipFill>
         <p:spPr>
           <a:xfrm>
-            <a:off x="9205173" y="4243209"/>
-            <a:ext cx="1973151" cy="1757542"/>
+            <a:off x="5458965" y="1731533"/>
+            <a:ext cx="6089568" cy="3394933"/>
           </a:xfrm>
           <a:prstGeom prst="rect">
             <a:avLst/>
           </a:prstGeom>
         </p:spPr>
       </p:pic>
-      <p:pic>
-        <p:nvPicPr>
-          <p:cNvPr id="8" name="Picture 7" descr="A drawing of a person&#10;&#10;Description generated with high confidence">
+      <p:sp>
+        <p:nvSpPr>
+          <p:cNvPr id="4" name="TextBox 3">
             <a:extLst>
               <a:ext uri="{FF2B5EF4-FFF2-40B4-BE49-F238E27FC236}">
-                <a16:creationId xmlns:a16="http://schemas.microsoft.com/office/drawing/2014/main" id="{C4336761-00DD-4CB4-BAF1-83D8DB7F9A5A}"/>
+                <a16:creationId xmlns:a16="http://schemas.microsoft.com/office/drawing/2014/main" id="{D8745CE7-6820-43B6-9304-69F7A18105C8}"/>
               </a:ext>
             </a:extLst>
           </p:cNvPr>
-          <p:cNvPicPr>
-            <a:picLocks noChangeAspect="1"/>
-          </p:cNvPicPr>
+          <p:cNvSpPr txBox="1"/>
           <p:nvPr/>
-        </p:nvPicPr>
-        <p:blipFill>
-          <a:blip r:embed="rId3">
-            <a:extLst>
-              <a:ext uri="{28A0092B-C50C-407E-A947-70E740481C1C}">
-                <a14:useLocalDpi xmlns:a14="http://schemas.microsoft.com/office/drawing/2010/main" val="0"/>
-              </a:ext>
-            </a:extLst>
-          </a:blip>
-          <a:stretch>
-            <a:fillRect/>
-          </a:stretch>
-        </p:blipFill>
+        </p:nvSpPr>
         <p:spPr>
           <a:xfrm>
-            <a:off x="9773807" y="1221344"/>
-            <a:ext cx="835881" cy="2407681"/>
+            <a:off x="653032" y="360727"/>
+            <a:ext cx="3348227" cy="852425"/>
           </a:xfrm>
           <a:prstGeom prst="rect">
             <a:avLst/>
           </a:prstGeom>
+          <a:ln w="28575">
+            <a:solidFill>
+              <a:schemeClr val="bg1"/>
+            </a:solidFill>
+          </a:ln>
         </p:spPr>
-      </p:pic>
+        <p:txBody>
+          <a:bodyPr vert="horz" lIns="91440" tIns="45720" rIns="91440" bIns="45720" rtlCol="0" anchor="b">
+            <a:normAutofit/>
+          </a:bodyPr>
+          <a:lstStyle/>
+          <a:p>
+            <a:pPr algn="ctr" defTabSz="914400">
+              <a:lnSpc>
+                <a:spcPct val="90000"/>
+              </a:lnSpc>
+              <a:spcBef>
+                <a:spcPct val="0"/>
+              </a:spcBef>
+              <a:spcAft>
+                <a:spcPts val="600"/>
+              </a:spcAft>
+            </a:pPr>
+            <a:r>
+              <a:rPr lang="en-US" sz="2400" kern="1200" dirty="0" err="1">
+                <a:solidFill>
+                  <a:schemeClr val="bg1">
+                    <a:lumMod val="85000"/>
+                    <a:lumOff val="15000"/>
+                  </a:schemeClr>
+                </a:solidFill>
+                <a:latin typeface="Book Antiqua" panose="02040602050305030304" pitchFamily="18" charset="0"/>
+                <a:ea typeface="+mj-ea"/>
+                <a:cs typeface="+mj-cs"/>
+              </a:rPr>
+              <a:t>Αθροιστές</a:t>
+            </a:r>
+            <a:r>
+              <a:rPr lang="en-US" sz="2400" kern="1200" dirty="0">
+                <a:solidFill>
+                  <a:schemeClr val="bg1">
+                    <a:lumMod val="85000"/>
+                    <a:lumOff val="15000"/>
+                  </a:schemeClr>
+                </a:solidFill>
+                <a:latin typeface="Book Antiqua" panose="02040602050305030304" pitchFamily="18" charset="0"/>
+                <a:ea typeface="+mj-ea"/>
+                <a:cs typeface="+mj-cs"/>
+              </a:rPr>
+              <a:t> </a:t>
+            </a:r>
+            <a:r>
+              <a:rPr lang="en-US" sz="2400" kern="1200" dirty="0" err="1">
+                <a:solidFill>
+                  <a:schemeClr val="bg1">
+                    <a:lumMod val="85000"/>
+                    <a:lumOff val="15000"/>
+                  </a:schemeClr>
+                </a:solidFill>
+                <a:latin typeface="Book Antiqua" panose="02040602050305030304" pitchFamily="18" charset="0"/>
+                <a:ea typeface="+mj-ea"/>
+                <a:cs typeface="+mj-cs"/>
+              </a:rPr>
+              <a:t>Προθέμ</a:t>
+            </a:r>
+            <a:r>
+              <a:rPr lang="en-US" sz="2400" kern="1200" dirty="0">
+                <a:solidFill>
+                  <a:schemeClr val="bg1">
+                    <a:lumMod val="85000"/>
+                    <a:lumOff val="15000"/>
+                  </a:schemeClr>
+                </a:solidFill>
+                <a:latin typeface="Book Antiqua" panose="02040602050305030304" pitchFamily="18" charset="0"/>
+                <a:ea typeface="+mj-ea"/>
+                <a:cs typeface="+mj-cs"/>
+              </a:rPr>
+              <a:t>ατος  Prefix Adders</a:t>
+            </a:r>
+          </a:p>
+        </p:txBody>
+      </p:sp>
       <mc:AlternateContent xmlns:mc="http://schemas.openxmlformats.org/markup-compatibility/2006">
         <mc:Choice xmlns:a14="http://schemas.microsoft.com/office/drawing/2010/main" Requires="a14">
           <p:sp>
             <p:nvSpPr>
-              <p:cNvPr id="11" name="TextBox 10">
+              <p:cNvPr id="13" name="TextBox 12">
                 <a:extLst>
                   <a:ext uri="{FF2B5EF4-FFF2-40B4-BE49-F238E27FC236}">
-                    <a16:creationId xmlns:a16="http://schemas.microsoft.com/office/drawing/2014/main" id="{D66A0400-E787-4B57-8B88-D164561E7746}"/>
+                    <a16:creationId xmlns:a16="http://schemas.microsoft.com/office/drawing/2014/main" id="{EABCC9EB-D1D4-43BD-87A8-66EC1707EC82}"/>
                   </a:ext>
                 </a:extLst>
               </p:cNvPr>
@@ -5357,7 +5681,718 @@
             </p:nvSpPr>
             <p:spPr>
               <a:xfrm>
-                <a:off x="1808679" y="2875002"/>
+                <a:off x="543002" y="5431676"/>
+                <a:ext cx="3568285" cy="553998"/>
+              </a:xfrm>
+              <a:prstGeom prst="rect">
+                <a:avLst/>
+              </a:prstGeom>
+              <a:noFill/>
+            </p:spPr>
+            <p:txBody>
+              <a:bodyPr wrap="none" lIns="0" tIns="0" rIns="0" bIns="0" rtlCol="0">
+                <a:spAutoFit/>
+              </a:bodyPr>
+              <a:lstStyle/>
+              <a:p>
+                <a14:m>
+                  <m:oMath xmlns:m="http://schemas.openxmlformats.org/officeDocument/2006/math">
+                    <m:d>
+                      <m:dPr>
+                        <m:ctrlPr>
+                          <a:rPr lang="en-US" i="1" smtClean="0">
+                            <a:solidFill>
+                              <a:schemeClr val="bg1"/>
+                            </a:solidFill>
+                            <a:latin typeface="Cambria Math" panose="02040503050406030204" pitchFamily="18" charset="0"/>
+                            <a:ea typeface="Cambria Math" panose="02040503050406030204" pitchFamily="18" charset="0"/>
+                          </a:rPr>
+                        </m:ctrlPr>
+                      </m:dPr>
+                      <m:e>
+                        <m:r>
+                          <a:rPr lang="en-US" b="0" i="1" smtClean="0">
+                            <a:solidFill>
+                              <a:schemeClr val="bg1"/>
+                            </a:solidFill>
+                            <a:latin typeface="Cambria Math" panose="02040503050406030204" pitchFamily="18" charset="0"/>
+                            <a:ea typeface="Cambria Math" panose="02040503050406030204" pitchFamily="18" charset="0"/>
+                          </a:rPr>
+                          <m:t>𝑔</m:t>
+                        </m:r>
+                        <m:r>
+                          <a:rPr lang="en-US" b="0" i="1" baseline="-25000" smtClean="0">
+                            <a:solidFill>
+                              <a:schemeClr val="bg1"/>
+                            </a:solidFill>
+                            <a:latin typeface="Cambria Math" panose="02040503050406030204" pitchFamily="18" charset="0"/>
+                            <a:ea typeface="Cambria Math" panose="02040503050406030204" pitchFamily="18" charset="0"/>
+                          </a:rPr>
+                          <m:t>𝑖</m:t>
+                        </m:r>
+                        <m:r>
+                          <a:rPr lang="en-US" b="0" i="1" smtClean="0">
+                            <a:solidFill>
+                              <a:schemeClr val="bg1"/>
+                            </a:solidFill>
+                            <a:latin typeface="Cambria Math" panose="02040503050406030204" pitchFamily="18" charset="0"/>
+                            <a:ea typeface="Cambria Math" panose="02040503050406030204" pitchFamily="18" charset="0"/>
+                          </a:rPr>
+                          <m:t>𝑝</m:t>
+                        </m:r>
+                        <m:r>
+                          <a:rPr lang="en-US" b="0" i="1" baseline="-25000" smtClean="0">
+                            <a:solidFill>
+                              <a:schemeClr val="bg1"/>
+                            </a:solidFill>
+                            <a:latin typeface="Cambria Math" panose="02040503050406030204" pitchFamily="18" charset="0"/>
+                            <a:ea typeface="Cambria Math" panose="02040503050406030204" pitchFamily="18" charset="0"/>
+                          </a:rPr>
+                          <m:t>𝑖</m:t>
+                        </m:r>
+                      </m:e>
+                    </m:d>
+                    <m:r>
+                      <a:rPr lang="en-US" b="0" i="1" smtClean="0">
+                        <a:solidFill>
+                          <a:schemeClr val="bg1"/>
+                        </a:solidFill>
+                        <a:latin typeface="Cambria Math" panose="02040503050406030204" pitchFamily="18" charset="0"/>
+                        <a:ea typeface="Cambria Math" panose="02040503050406030204" pitchFamily="18" charset="0"/>
+                      </a:rPr>
+                      <m:t>  ⊛(</m:t>
+                    </m:r>
+                    <m:r>
+                      <a:rPr lang="en-US" b="0" i="1" smtClean="0">
+                        <a:solidFill>
+                          <a:schemeClr val="bg1"/>
+                        </a:solidFill>
+                        <a:latin typeface="Cambria Math" panose="02040503050406030204" pitchFamily="18" charset="0"/>
+                        <a:ea typeface="Cambria Math" panose="02040503050406030204" pitchFamily="18" charset="0"/>
+                      </a:rPr>
+                      <m:t>𝑔𝑘</m:t>
+                    </m:r>
+                    <m:r>
+                      <a:rPr lang="en-US" b="0" i="1" smtClean="0">
+                        <a:solidFill>
+                          <a:schemeClr val="bg1"/>
+                        </a:solidFill>
+                        <a:latin typeface="Cambria Math" panose="02040503050406030204" pitchFamily="18" charset="0"/>
+                        <a:ea typeface="Cambria Math" panose="02040503050406030204" pitchFamily="18" charset="0"/>
+                      </a:rPr>
+                      <m:t>,</m:t>
+                    </m:r>
+                    <m:r>
+                      <a:rPr lang="en-US" b="0" i="1" smtClean="0">
+                        <a:solidFill>
+                          <a:schemeClr val="bg1"/>
+                        </a:solidFill>
+                        <a:latin typeface="Cambria Math" panose="02040503050406030204" pitchFamily="18" charset="0"/>
+                        <a:ea typeface="Cambria Math" panose="02040503050406030204" pitchFamily="18" charset="0"/>
+                      </a:rPr>
+                      <m:t>𝑝𝑘</m:t>
+                    </m:r>
+                  </m:oMath>
+                </a14:m>
+                <a:r>
+                  <a:rPr lang="en-US" dirty="0">
+                    <a:solidFill>
+                      <a:schemeClr val="bg1"/>
+                    </a:solidFill>
+                    <a:latin typeface="Cambria Math" panose="02040503050406030204" pitchFamily="18" charset="0"/>
+                    <a:ea typeface="Cambria Math" panose="02040503050406030204" pitchFamily="18" charset="0"/>
+                  </a:rPr>
+                  <a:t>)  = (</a:t>
+                </a:r>
+                <a:r>
+                  <a:rPr lang="en-US" dirty="0" err="1">
+                    <a:solidFill>
+                      <a:schemeClr val="bg1"/>
+                    </a:solidFill>
+                    <a:latin typeface="Cambria Math" panose="02040503050406030204" pitchFamily="18" charset="0"/>
+                    <a:ea typeface="Cambria Math" panose="02040503050406030204" pitchFamily="18" charset="0"/>
+                  </a:rPr>
+                  <a:t>g</a:t>
+                </a:r>
+                <a:r>
+                  <a:rPr lang="en-US" baseline="-25000" dirty="0" err="1">
+                    <a:solidFill>
+                      <a:schemeClr val="bg1"/>
+                    </a:solidFill>
+                    <a:latin typeface="Cambria Math" panose="02040503050406030204" pitchFamily="18" charset="0"/>
+                    <a:ea typeface="Cambria Math" panose="02040503050406030204" pitchFamily="18" charset="0"/>
+                  </a:rPr>
+                  <a:t>i</a:t>
+                </a:r>
+                <a:r>
+                  <a:rPr lang="en-US" dirty="0">
+                    <a:solidFill>
+                      <a:schemeClr val="bg1"/>
+                    </a:solidFill>
+                    <a:latin typeface="Cambria Math" panose="02040503050406030204" pitchFamily="18" charset="0"/>
+                    <a:ea typeface="Cambria Math" panose="02040503050406030204" pitchFamily="18" charset="0"/>
+                  </a:rPr>
+                  <a:t> + </a:t>
+                </a:r>
+                <a:r>
+                  <a:rPr lang="en-US" dirty="0" err="1">
+                    <a:solidFill>
+                      <a:schemeClr val="bg1"/>
+                    </a:solidFill>
+                    <a:latin typeface="Cambria Math" panose="02040503050406030204" pitchFamily="18" charset="0"/>
+                    <a:ea typeface="Cambria Math" panose="02040503050406030204" pitchFamily="18" charset="0"/>
+                  </a:rPr>
+                  <a:t>p</a:t>
+                </a:r>
+                <a:r>
+                  <a:rPr lang="en-US" baseline="-25000" dirty="0" err="1">
+                    <a:solidFill>
+                      <a:schemeClr val="bg1"/>
+                    </a:solidFill>
+                    <a:latin typeface="Cambria Math" panose="02040503050406030204" pitchFamily="18" charset="0"/>
+                    <a:ea typeface="Cambria Math" panose="02040503050406030204" pitchFamily="18" charset="0"/>
+                  </a:rPr>
+                  <a:t>i</a:t>
+                </a:r>
+                <a:r>
+                  <a:rPr lang="en-US" dirty="0" err="1">
+                    <a:solidFill>
+                      <a:schemeClr val="bg1"/>
+                    </a:solidFill>
+                    <a:latin typeface="Cambria Math" panose="02040503050406030204" pitchFamily="18" charset="0"/>
+                    <a:ea typeface="Cambria Math" panose="02040503050406030204" pitchFamily="18" charset="0"/>
+                  </a:rPr>
+                  <a:t>g</a:t>
+                </a:r>
+                <a:r>
+                  <a:rPr lang="en-US" baseline="-25000" dirty="0" err="1">
+                    <a:solidFill>
+                      <a:schemeClr val="bg1"/>
+                    </a:solidFill>
+                    <a:latin typeface="Cambria Math" panose="02040503050406030204" pitchFamily="18" charset="0"/>
+                    <a:ea typeface="Cambria Math" panose="02040503050406030204" pitchFamily="18" charset="0"/>
+                  </a:rPr>
+                  <a:t>k</a:t>
+                </a:r>
+                <a:r>
+                  <a:rPr lang="en-US" dirty="0">
+                    <a:solidFill>
+                      <a:schemeClr val="bg1"/>
+                    </a:solidFill>
+                    <a:latin typeface="Cambria Math" panose="02040503050406030204" pitchFamily="18" charset="0"/>
+                    <a:ea typeface="Cambria Math" panose="02040503050406030204" pitchFamily="18" charset="0"/>
+                  </a:rPr>
+                  <a:t>, </a:t>
+                </a:r>
+                <a:r>
+                  <a:rPr lang="en-US" dirty="0" err="1">
+                    <a:solidFill>
+                      <a:schemeClr val="bg1"/>
+                    </a:solidFill>
+                    <a:latin typeface="Cambria Math" panose="02040503050406030204" pitchFamily="18" charset="0"/>
+                    <a:ea typeface="Cambria Math" panose="02040503050406030204" pitchFamily="18" charset="0"/>
+                  </a:rPr>
+                  <a:t>p</a:t>
+                </a:r>
+                <a:r>
+                  <a:rPr lang="en-US" baseline="-25000" dirty="0" err="1">
+                    <a:solidFill>
+                      <a:schemeClr val="bg1"/>
+                    </a:solidFill>
+                    <a:latin typeface="Cambria Math" panose="02040503050406030204" pitchFamily="18" charset="0"/>
+                    <a:ea typeface="Cambria Math" panose="02040503050406030204" pitchFamily="18" charset="0"/>
+                  </a:rPr>
+                  <a:t>i</a:t>
+                </a:r>
+                <a:r>
+                  <a:rPr lang="en-US" dirty="0" err="1">
+                    <a:solidFill>
+                      <a:schemeClr val="bg1"/>
+                    </a:solidFill>
+                    <a:latin typeface="Cambria Math" panose="02040503050406030204" pitchFamily="18" charset="0"/>
+                    <a:ea typeface="Cambria Math" panose="02040503050406030204" pitchFamily="18" charset="0"/>
+                  </a:rPr>
+                  <a:t>p</a:t>
+                </a:r>
+                <a:r>
+                  <a:rPr lang="en-US" baseline="-25000" dirty="0" err="1">
+                    <a:solidFill>
+                      <a:schemeClr val="bg1"/>
+                    </a:solidFill>
+                    <a:latin typeface="Cambria Math" panose="02040503050406030204" pitchFamily="18" charset="0"/>
+                    <a:ea typeface="Cambria Math" panose="02040503050406030204" pitchFamily="18" charset="0"/>
+                  </a:rPr>
+                  <a:t>k</a:t>
+                </a:r>
+                <a:r>
+                  <a:rPr lang="en-US" dirty="0">
+                    <a:solidFill>
+                      <a:schemeClr val="bg1"/>
+                    </a:solidFill>
+                    <a:latin typeface="Cambria Math" panose="02040503050406030204" pitchFamily="18" charset="0"/>
+                    <a:ea typeface="Cambria Math" panose="02040503050406030204" pitchFamily="18" charset="0"/>
+                  </a:rPr>
+                  <a:t>)</a:t>
+                </a:r>
+              </a:p>
+              <a:p>
+                <a:r>
+                  <a:rPr lang="en-US" dirty="0">
+                    <a:solidFill>
+                      <a:schemeClr val="bg1"/>
+                    </a:solidFill>
+                    <a:latin typeface="Cambria Math" panose="02040503050406030204" pitchFamily="18" charset="0"/>
+                    <a:ea typeface="Cambria Math" panose="02040503050406030204" pitchFamily="18" charset="0"/>
+                  </a:rPr>
+                  <a:t>(G</a:t>
+                </a:r>
+                <a:r>
+                  <a:rPr lang="en-US" baseline="-25000" dirty="0">
+                    <a:solidFill>
+                      <a:schemeClr val="bg1"/>
+                    </a:solidFill>
+                    <a:latin typeface="Cambria Math" panose="02040503050406030204" pitchFamily="18" charset="0"/>
+                    <a:ea typeface="Cambria Math" panose="02040503050406030204" pitchFamily="18" charset="0"/>
+                  </a:rPr>
+                  <a:t>i</a:t>
+                </a:r>
+                <a:r>
+                  <a:rPr lang="en-US" dirty="0">
+                    <a:solidFill>
+                      <a:schemeClr val="bg1"/>
+                    </a:solidFill>
+                    <a:latin typeface="Cambria Math" panose="02040503050406030204" pitchFamily="18" charset="0"/>
+                    <a:ea typeface="Cambria Math" panose="02040503050406030204" pitchFamily="18" charset="0"/>
+                  </a:rPr>
+                  <a:t>, P</a:t>
+                </a:r>
+                <a:r>
+                  <a:rPr lang="en-US" baseline="-25000" dirty="0">
+                    <a:solidFill>
+                      <a:schemeClr val="bg1"/>
+                    </a:solidFill>
+                    <a:latin typeface="Cambria Math" panose="02040503050406030204" pitchFamily="18" charset="0"/>
+                    <a:ea typeface="Cambria Math" panose="02040503050406030204" pitchFamily="18" charset="0"/>
+                  </a:rPr>
+                  <a:t>i</a:t>
+                </a:r>
+                <a:r>
+                  <a:rPr lang="en-US" dirty="0">
+                    <a:solidFill>
+                      <a:schemeClr val="bg1"/>
+                    </a:solidFill>
+                    <a:latin typeface="Cambria Math" panose="02040503050406030204" pitchFamily="18" charset="0"/>
+                    <a:ea typeface="Cambria Math" panose="02040503050406030204" pitchFamily="18" charset="0"/>
+                  </a:rPr>
+                  <a:t>) </a:t>
+                </a:r>
+                <a14:m>
+                  <m:oMath xmlns:m="http://schemas.openxmlformats.org/officeDocument/2006/math">
+                    <m:r>
+                      <a:rPr lang="en-US" b="0" i="1">
+                        <a:solidFill>
+                          <a:schemeClr val="bg1"/>
+                        </a:solidFill>
+                        <a:latin typeface="Cambria Math" panose="02040503050406030204" pitchFamily="18" charset="0"/>
+                        <a:ea typeface="Cambria Math" panose="02040503050406030204" pitchFamily="18" charset="0"/>
+                      </a:rPr>
+                      <m:t>⊛</m:t>
+                    </m:r>
+                  </m:oMath>
+                </a14:m>
+                <a:r>
+                  <a:rPr lang="en-US" dirty="0">
+                    <a:solidFill>
+                      <a:schemeClr val="bg1"/>
+                    </a:solidFill>
+                    <a:latin typeface="Cambria Math" panose="02040503050406030204" pitchFamily="18" charset="0"/>
+                    <a:ea typeface="Cambria Math" panose="02040503050406030204" pitchFamily="18" charset="0"/>
+                  </a:rPr>
+                  <a:t> (</a:t>
+                </a:r>
+                <a:r>
+                  <a:rPr lang="en-US" dirty="0" err="1">
+                    <a:solidFill>
+                      <a:schemeClr val="bg1"/>
+                    </a:solidFill>
+                    <a:latin typeface="Cambria Math" panose="02040503050406030204" pitchFamily="18" charset="0"/>
+                    <a:ea typeface="Cambria Math" panose="02040503050406030204" pitchFamily="18" charset="0"/>
+                  </a:rPr>
+                  <a:t>G</a:t>
+                </a:r>
+                <a:r>
+                  <a:rPr lang="en-US" baseline="-25000" dirty="0" err="1">
+                    <a:solidFill>
+                      <a:schemeClr val="bg1"/>
+                    </a:solidFill>
+                    <a:latin typeface="Cambria Math" panose="02040503050406030204" pitchFamily="18" charset="0"/>
+                    <a:ea typeface="Cambria Math" panose="02040503050406030204" pitchFamily="18" charset="0"/>
+                  </a:rPr>
+                  <a:t>k</a:t>
+                </a:r>
+                <a:r>
+                  <a:rPr lang="en-US" dirty="0">
+                    <a:solidFill>
+                      <a:schemeClr val="bg1"/>
+                    </a:solidFill>
+                    <a:latin typeface="Cambria Math" panose="02040503050406030204" pitchFamily="18" charset="0"/>
+                    <a:ea typeface="Cambria Math" panose="02040503050406030204" pitchFamily="18" charset="0"/>
+                  </a:rPr>
+                  <a:t>, </a:t>
+                </a:r>
+                <a:r>
+                  <a:rPr lang="en-US" dirty="0" err="1">
+                    <a:solidFill>
+                      <a:schemeClr val="bg1"/>
+                    </a:solidFill>
+                    <a:latin typeface="Cambria Math" panose="02040503050406030204" pitchFamily="18" charset="0"/>
+                    <a:ea typeface="Cambria Math" panose="02040503050406030204" pitchFamily="18" charset="0"/>
+                  </a:rPr>
+                  <a:t>P</a:t>
+                </a:r>
+                <a:r>
+                  <a:rPr lang="en-US" baseline="-25000" dirty="0" err="1">
+                    <a:solidFill>
+                      <a:schemeClr val="bg1"/>
+                    </a:solidFill>
+                    <a:latin typeface="Cambria Math" panose="02040503050406030204" pitchFamily="18" charset="0"/>
+                    <a:ea typeface="Cambria Math" panose="02040503050406030204" pitchFamily="18" charset="0"/>
+                  </a:rPr>
+                  <a:t>k</a:t>
+                </a:r>
+                <a:r>
+                  <a:rPr lang="en-US" dirty="0">
+                    <a:solidFill>
+                      <a:schemeClr val="bg1"/>
+                    </a:solidFill>
+                    <a:latin typeface="Cambria Math" panose="02040503050406030204" pitchFamily="18" charset="0"/>
+                    <a:ea typeface="Cambria Math" panose="02040503050406030204" pitchFamily="18" charset="0"/>
+                  </a:rPr>
+                  <a:t>)  = (G</a:t>
+                </a:r>
+                <a:r>
+                  <a:rPr lang="en-US" baseline="-25000" dirty="0">
+                    <a:solidFill>
+                      <a:schemeClr val="bg1"/>
+                    </a:solidFill>
+                    <a:latin typeface="Cambria Math" panose="02040503050406030204" pitchFamily="18" charset="0"/>
+                    <a:ea typeface="Cambria Math" panose="02040503050406030204" pitchFamily="18" charset="0"/>
+                  </a:rPr>
+                  <a:t>i</a:t>
+                </a:r>
+                <a:r>
+                  <a:rPr lang="en-US" dirty="0">
+                    <a:solidFill>
+                      <a:schemeClr val="bg1"/>
+                    </a:solidFill>
+                    <a:latin typeface="Cambria Math" panose="02040503050406030204" pitchFamily="18" charset="0"/>
+                    <a:ea typeface="Cambria Math" panose="02040503050406030204" pitchFamily="18" charset="0"/>
+                  </a:rPr>
+                  <a:t> + </a:t>
+                </a:r>
+                <a:r>
+                  <a:rPr lang="en-US" dirty="0" err="1">
+                    <a:solidFill>
+                      <a:schemeClr val="bg1"/>
+                    </a:solidFill>
+                    <a:latin typeface="Cambria Math" panose="02040503050406030204" pitchFamily="18" charset="0"/>
+                    <a:ea typeface="Cambria Math" panose="02040503050406030204" pitchFamily="18" charset="0"/>
+                  </a:rPr>
+                  <a:t>P</a:t>
+                </a:r>
+                <a:r>
+                  <a:rPr lang="en-US" baseline="-25000" dirty="0" err="1">
+                    <a:solidFill>
+                      <a:schemeClr val="bg1"/>
+                    </a:solidFill>
+                    <a:latin typeface="Cambria Math" panose="02040503050406030204" pitchFamily="18" charset="0"/>
+                    <a:ea typeface="Cambria Math" panose="02040503050406030204" pitchFamily="18" charset="0"/>
+                  </a:rPr>
+                  <a:t>i</a:t>
+                </a:r>
+                <a:r>
+                  <a:rPr lang="en-US" dirty="0" err="1">
+                    <a:solidFill>
+                      <a:schemeClr val="bg1"/>
+                    </a:solidFill>
+                    <a:latin typeface="Cambria Math" panose="02040503050406030204" pitchFamily="18" charset="0"/>
+                    <a:ea typeface="Cambria Math" panose="02040503050406030204" pitchFamily="18" charset="0"/>
+                  </a:rPr>
+                  <a:t>G</a:t>
+                </a:r>
+                <a:r>
+                  <a:rPr lang="en-US" baseline="-25000" dirty="0" err="1">
+                    <a:solidFill>
+                      <a:schemeClr val="bg1"/>
+                    </a:solidFill>
+                    <a:latin typeface="Cambria Math" panose="02040503050406030204" pitchFamily="18" charset="0"/>
+                    <a:ea typeface="Cambria Math" panose="02040503050406030204" pitchFamily="18" charset="0"/>
+                  </a:rPr>
+                  <a:t>k</a:t>
+                </a:r>
+                <a:r>
+                  <a:rPr lang="en-US" dirty="0">
+                    <a:solidFill>
+                      <a:schemeClr val="bg1"/>
+                    </a:solidFill>
+                    <a:latin typeface="Cambria Math" panose="02040503050406030204" pitchFamily="18" charset="0"/>
+                    <a:ea typeface="Cambria Math" panose="02040503050406030204" pitchFamily="18" charset="0"/>
+                  </a:rPr>
+                  <a:t>, </a:t>
+                </a:r>
+                <a:r>
+                  <a:rPr lang="en-US" dirty="0" err="1">
+                    <a:solidFill>
+                      <a:schemeClr val="bg1"/>
+                    </a:solidFill>
+                    <a:latin typeface="Cambria Math" panose="02040503050406030204" pitchFamily="18" charset="0"/>
+                    <a:ea typeface="Cambria Math" panose="02040503050406030204" pitchFamily="18" charset="0"/>
+                  </a:rPr>
+                  <a:t>P</a:t>
+                </a:r>
+                <a:r>
+                  <a:rPr lang="en-US" baseline="-25000" dirty="0" err="1">
+                    <a:solidFill>
+                      <a:schemeClr val="bg1"/>
+                    </a:solidFill>
+                    <a:latin typeface="Cambria Math" panose="02040503050406030204" pitchFamily="18" charset="0"/>
+                    <a:ea typeface="Cambria Math" panose="02040503050406030204" pitchFamily="18" charset="0"/>
+                  </a:rPr>
+                  <a:t>i</a:t>
+                </a:r>
+                <a:r>
+                  <a:rPr lang="en-US" dirty="0" err="1">
+                    <a:solidFill>
+                      <a:schemeClr val="bg1"/>
+                    </a:solidFill>
+                    <a:latin typeface="Cambria Math" panose="02040503050406030204" pitchFamily="18" charset="0"/>
+                    <a:ea typeface="Cambria Math" panose="02040503050406030204" pitchFamily="18" charset="0"/>
+                  </a:rPr>
+                  <a:t>P</a:t>
+                </a:r>
+                <a:r>
+                  <a:rPr lang="en-US" baseline="-25000" dirty="0" err="1">
+                    <a:solidFill>
+                      <a:schemeClr val="bg1"/>
+                    </a:solidFill>
+                    <a:latin typeface="Cambria Math" panose="02040503050406030204" pitchFamily="18" charset="0"/>
+                    <a:ea typeface="Cambria Math" panose="02040503050406030204" pitchFamily="18" charset="0"/>
+                  </a:rPr>
+                  <a:t>k</a:t>
+                </a:r>
+                <a:r>
+                  <a:rPr lang="en-US" dirty="0">
+                    <a:solidFill>
+                      <a:schemeClr val="bg1"/>
+                    </a:solidFill>
+                    <a:latin typeface="Cambria Math" panose="02040503050406030204" pitchFamily="18" charset="0"/>
+                    <a:ea typeface="Cambria Math" panose="02040503050406030204" pitchFamily="18" charset="0"/>
+                  </a:rPr>
+                  <a:t>)</a:t>
+                </a:r>
+              </a:p>
+            </p:txBody>
+          </p:sp>
+        </mc:Choice>
+        <mc:Fallback>
+          <p:sp>
+            <p:nvSpPr>
+              <p:cNvPr id="13" name="TextBox 12">
+                <a:extLst>
+                  <a:ext uri="{FF2B5EF4-FFF2-40B4-BE49-F238E27FC236}">
+                    <a16:creationId xmlns:a16="http://schemas.microsoft.com/office/drawing/2014/main" id="{EABCC9EB-D1D4-43BD-87A8-66EC1707EC82}"/>
+                  </a:ext>
+                </a:extLst>
+              </p:cNvPr>
+              <p:cNvSpPr txBox="1">
+                <a:spLocks noRot="1" noChangeAspect="1" noMove="1" noResize="1" noEditPoints="1" noAdjustHandles="1" noChangeArrowheads="1" noChangeShapeType="1" noTextEdit="1"/>
+              </p:cNvSpPr>
+              <p:nvPr/>
+            </p:nvSpPr>
+            <p:spPr>
+              <a:xfrm>
+                <a:off x="543002" y="5431676"/>
+                <a:ext cx="3568285" cy="553998"/>
+              </a:xfrm>
+              <a:prstGeom prst="rect">
+                <a:avLst/>
+              </a:prstGeom>
+              <a:blipFill>
+                <a:blip r:embed="rId3"/>
+                <a:stretch>
+                  <a:fillRect l="-3932" t="-15385" r="-3419" b="-24176"/>
+                </a:stretch>
+              </a:blipFill>
+            </p:spPr>
+            <p:txBody>
+              <a:bodyPr/>
+              <a:lstStyle/>
+              <a:p>
+                <a:r>
+                  <a:rPr lang="en-US">
+                    <a:noFill/>
+                  </a:rPr>
+                  <a:t> </a:t>
+                </a:r>
+              </a:p>
+            </p:txBody>
+          </p:sp>
+        </mc:Fallback>
+      </mc:AlternateContent>
+      <p:sp>
+        <p:nvSpPr>
+          <p:cNvPr id="16" name="TextBox 15">
+            <a:extLst>
+              <a:ext uri="{FF2B5EF4-FFF2-40B4-BE49-F238E27FC236}">
+                <a16:creationId xmlns:a16="http://schemas.microsoft.com/office/drawing/2014/main" id="{8A60EA48-41F0-4F04-86B6-BB36152578A8}"/>
+              </a:ext>
+            </a:extLst>
+          </p:cNvPr>
+          <p:cNvSpPr txBox="1"/>
+          <p:nvPr/>
+        </p:nvSpPr>
+        <p:spPr>
+          <a:xfrm>
+            <a:off x="4941115" y="251232"/>
+            <a:ext cx="6957270" cy="400110"/>
+          </a:xfrm>
+          <a:prstGeom prst="rect">
+            <a:avLst/>
+          </a:prstGeom>
+          <a:noFill/>
+        </p:spPr>
+        <p:txBody>
+          <a:bodyPr wrap="square" rtlCol="0">
+            <a:spAutoFit/>
+          </a:bodyPr>
+          <a:lstStyle/>
+          <a:p>
+            <a:pPr algn="ctr"/>
+            <a:r>
+              <a:rPr lang="el-GR" sz="2000" b="1" dirty="0">
+                <a:latin typeface="Book Antiqua" panose="02040602050305030304" pitchFamily="18" charset="0"/>
+              </a:rPr>
+              <a:t>Απλή Σειριακή δομή του </a:t>
+            </a:r>
+            <a:r>
+              <a:rPr lang="en-US" sz="2000" b="1" dirty="0">
+                <a:latin typeface="Book Antiqua" panose="02040602050305030304" pitchFamily="18" charset="0"/>
+              </a:rPr>
+              <a:t>CLA </a:t>
+            </a:r>
+            <a:r>
+              <a:rPr lang="el-GR" sz="2000" b="1" dirty="0">
+                <a:latin typeface="Book Antiqua" panose="02040602050305030304" pitchFamily="18" charset="0"/>
+              </a:rPr>
+              <a:t>Σε προθεματική έκφραση</a:t>
+            </a:r>
+            <a:endParaRPr lang="en-US" sz="2000" b="1" dirty="0">
+              <a:latin typeface="Book Antiqua" panose="02040602050305030304" pitchFamily="18" charset="0"/>
+            </a:endParaRPr>
+          </a:p>
+        </p:txBody>
+      </p:sp>
+    </p:spTree>
+    <p:extLst>
+      <p:ext uri="{BB962C8B-B14F-4D97-AF65-F5344CB8AC3E}">
+        <p14:creationId xmlns:p14="http://schemas.microsoft.com/office/powerpoint/2010/main" val="2293765231"/>
+      </p:ext>
+    </p:extLst>
+  </p:cSld>
+  <p:clrMapOvr>
+    <a:masterClrMapping/>
+  </p:clrMapOvr>
+</p:sld>
+</file>
+
+<file path=ppt/slides/slide7.xml><?xml version="1.0" encoding="utf-8"?>
+<p:sld xmlns:a="http://schemas.openxmlformats.org/drawingml/2006/main" xmlns:r="http://schemas.openxmlformats.org/officeDocument/2006/relationships" xmlns:p="http://schemas.openxmlformats.org/presentationml/2006/main">
+  <p:cSld>
+    <p:spTree>
+      <p:nvGrpSpPr>
+        <p:cNvPr id="1" name=""/>
+        <p:cNvGrpSpPr/>
+        <p:nvPr/>
+      </p:nvGrpSpPr>
+      <p:grpSpPr>
+        <a:xfrm>
+          <a:off x="0" y="0"/>
+          <a:ext cx="0" cy="0"/>
+          <a:chOff x="0" y="0"/>
+          <a:chExt cx="0" cy="0"/>
+        </a:xfrm>
+      </p:grpSpPr>
+      <p:sp>
+        <p:nvSpPr>
+          <p:cNvPr id="2" name="Footer Placeholder 1">
+            <a:extLst>
+              <a:ext uri="{FF2B5EF4-FFF2-40B4-BE49-F238E27FC236}">
+                <a16:creationId xmlns:a16="http://schemas.microsoft.com/office/drawing/2014/main" id="{D4C3B9C9-D747-4DBD-A3A7-0610D4415A00}"/>
+              </a:ext>
+            </a:extLst>
+          </p:cNvPr>
+          <p:cNvSpPr>
+            <a:spLocks noGrp="1"/>
+          </p:cNvSpPr>
+          <p:nvPr>
+            <p:ph type="ftr" sz="quarter" idx="11"/>
+          </p:nvPr>
+        </p:nvSpPr>
+        <p:spPr/>
+        <p:txBody>
+          <a:bodyPr/>
+          <a:lstStyle/>
+          <a:p>
+            <a:endParaRPr lang="en-US"/>
+          </a:p>
+        </p:txBody>
+      </p:sp>
+      <p:sp>
+        <p:nvSpPr>
+          <p:cNvPr id="3" name="Slide Number Placeholder 2">
+            <a:extLst>
+              <a:ext uri="{FF2B5EF4-FFF2-40B4-BE49-F238E27FC236}">
+                <a16:creationId xmlns:a16="http://schemas.microsoft.com/office/drawing/2014/main" id="{D734A0B8-894E-4EB1-B6E1-08226DBFE62A}"/>
+              </a:ext>
+            </a:extLst>
+          </p:cNvPr>
+          <p:cNvSpPr>
+            <a:spLocks noGrp="1"/>
+          </p:cNvSpPr>
+          <p:nvPr>
+            <p:ph type="sldNum" sz="quarter" idx="12"/>
+          </p:nvPr>
+        </p:nvSpPr>
+        <p:spPr/>
+        <p:txBody>
+          <a:bodyPr/>
+          <a:lstStyle/>
+          <a:p>
+            <a:fld id="{8FCAAC12-ECE3-429D-A5B3-AAB453D53177}" type="slidenum">
+              <a:rPr lang="en-US" smtClean="0"/>
+              <a:t>7</a:t>
+            </a:fld>
+            <a:endParaRPr lang="en-US"/>
+          </a:p>
+        </p:txBody>
+      </p:sp>
+      <mc:AlternateContent xmlns:mc="http://schemas.openxmlformats.org/markup-compatibility/2006">
+        <mc:Choice xmlns:a14="http://schemas.microsoft.com/office/drawing/2010/main" Requires="a14">
+          <p:sp>
+            <p:nvSpPr>
+              <p:cNvPr id="4" name="TextBox 3">
+                <a:extLst>
+                  <a:ext uri="{FF2B5EF4-FFF2-40B4-BE49-F238E27FC236}">
+                    <a16:creationId xmlns:a16="http://schemas.microsoft.com/office/drawing/2014/main" id="{278FFFE3-7B51-4B0A-8FBA-27CA1F2089BC}"/>
+                  </a:ext>
+                </a:extLst>
+              </p:cNvPr>
+              <p:cNvSpPr txBox="1"/>
+              <p:nvPr/>
+            </p:nvSpPr>
+            <p:spPr>
+              <a:xfrm>
+                <a:off x="1145949" y="5446753"/>
                 <a:ext cx="3568285" cy="553998"/>
               </a:xfrm>
               <a:prstGeom prst="rect">
@@ -5729,10 +6764,10 @@
         <mc:Fallback>
           <p:sp>
             <p:nvSpPr>
-              <p:cNvPr id="11" name="TextBox 10">
+              <p:cNvPr id="4" name="TextBox 3">
                 <a:extLst>
                   <a:ext uri="{FF2B5EF4-FFF2-40B4-BE49-F238E27FC236}">
-                    <a16:creationId xmlns:a16="http://schemas.microsoft.com/office/drawing/2014/main" id="{D66A0400-E787-4B57-8B88-D164561E7746}"/>
+                    <a16:creationId xmlns:a16="http://schemas.microsoft.com/office/drawing/2014/main" id="{278FFFE3-7B51-4B0A-8FBA-27CA1F2089BC}"/>
                   </a:ext>
                 </a:extLst>
               </p:cNvPr>
@@ -5743,16 +6778,16 @@
             </p:nvSpPr>
             <p:spPr>
               <a:xfrm>
-                <a:off x="1808679" y="2875002"/>
+                <a:off x="1145949" y="5446753"/>
                 <a:ext cx="3568285" cy="553998"/>
               </a:xfrm>
               <a:prstGeom prst="rect">
                 <a:avLst/>
               </a:prstGeom>
               <a:blipFill>
-                <a:blip r:embed="rId4"/>
+                <a:blip r:embed="rId2"/>
                 <a:stretch>
-                  <a:fillRect l="-4103" t="-15385" r="-3248" b="-23077"/>
+                  <a:fillRect l="-4103" t="-15385" r="-3248" b="-24176"/>
                 </a:stretch>
               </a:blipFill>
             </p:spPr>
@@ -5774,7 +6809,7 @@
     </p:spTree>
     <p:extLst>
       <p:ext uri="{BB962C8B-B14F-4D97-AF65-F5344CB8AC3E}">
-        <p14:creationId xmlns:p14="http://schemas.microsoft.com/office/powerpoint/2010/main" val="2293765231"/>
+        <p14:creationId xmlns:p14="http://schemas.microsoft.com/office/powerpoint/2010/main" val="3867041078"/>
       </p:ext>
     </p:extLst>
   </p:cSld>

--- a/Presentation/Presentation.pptx
+++ b/Presentation/Presentation.pptx
@@ -5,7 +5,7 @@
     <p:sldMasterId id="2147483708" r:id="rId1"/>
   </p:sldMasterIdLst>
   <p:notesMasterIdLst>
-    <p:notesMasterId r:id="rId9"/>
+    <p:notesMasterId r:id="rId10"/>
   </p:notesMasterIdLst>
   <p:sldIdLst>
     <p:sldId id="256" r:id="rId2"/>
@@ -15,6 +15,7 @@
     <p:sldId id="260" r:id="rId6"/>
     <p:sldId id="261" r:id="rId7"/>
     <p:sldId id="262" r:id="rId8"/>
+    <p:sldId id="263" r:id="rId9"/>
   </p:sldIdLst>
   <p:sldSz cx="12192000" cy="6858000"/>
   <p:notesSz cx="6858000" cy="9144000"/>
@@ -203,7 +204,7 @@
           <a:p>
             <a:fld id="{1EF55B2A-A1B1-48BE-AF50-1397049CD154}" type="datetimeFigureOut">
               <a:rPr lang="en-US" smtClean="0"/>
-              <a:t>7/5/2018</a:t>
+              <a:t>2018-07-06</a:t>
             </a:fld>
             <a:endParaRPr lang="en-US"/>
           </a:p>
@@ -601,7 +602,7 @@
           <a:p>
             <a:fld id="{3B310F8D-941A-4290-9AD4-9E0E1359B495}" type="datetime1">
               <a:rPr lang="en-US" smtClean="0"/>
-              <a:t>7/5/2018</a:t>
+              <a:t>2018-07-06</a:t>
             </a:fld>
             <a:endParaRPr lang="en-US"/>
           </a:p>
@@ -771,7 +772,7 @@
           <a:p>
             <a:fld id="{7304F7C5-445A-495D-9E4B-185EF9ECC1BC}" type="datetime1">
               <a:rPr lang="en-US" smtClean="0"/>
-              <a:t>7/5/2018</a:t>
+              <a:t>2018-07-06</a:t>
             </a:fld>
             <a:endParaRPr lang="en-US"/>
           </a:p>
@@ -951,7 +952,7 @@
           <a:p>
             <a:fld id="{D2CFDD0B-9353-4330-A178-6998BACFC81F}" type="datetime1">
               <a:rPr lang="en-US" smtClean="0"/>
-              <a:t>7/5/2018</a:t>
+              <a:t>2018-07-06</a:t>
             </a:fld>
             <a:endParaRPr lang="en-US"/>
           </a:p>
@@ -1121,7 +1122,7 @@
           <a:p>
             <a:fld id="{7F9E3F0D-B30C-4255-ABA0-8917B8CB3B8F}" type="datetime1">
               <a:rPr lang="en-US" smtClean="0"/>
-              <a:t>7/5/2018</a:t>
+              <a:t>2018-07-06</a:t>
             </a:fld>
             <a:endParaRPr lang="en-US"/>
           </a:p>
@@ -1367,7 +1368,7 @@
           <a:p>
             <a:fld id="{BDC50106-11C7-4743-A268-352326C24D1C}" type="datetime1">
               <a:rPr lang="en-US" smtClean="0"/>
-              <a:t>7/5/2018</a:t>
+              <a:t>2018-07-06</a:t>
             </a:fld>
             <a:endParaRPr lang="en-US"/>
           </a:p>
@@ -1599,7 +1600,7 @@
           <a:p>
             <a:fld id="{788D2460-8893-4237-87EC-6D23E813631B}" type="datetime1">
               <a:rPr lang="en-US" smtClean="0"/>
-              <a:t>7/5/2018</a:t>
+              <a:t>2018-07-06</a:t>
             </a:fld>
             <a:endParaRPr lang="en-US"/>
           </a:p>
@@ -1966,7 +1967,7 @@
           <a:p>
             <a:fld id="{27E9E99A-D479-4EDF-8C6D-90E41B7F7420}" type="datetime1">
               <a:rPr lang="en-US" smtClean="0"/>
-              <a:t>7/5/2018</a:t>
+              <a:t>2018-07-06</a:t>
             </a:fld>
             <a:endParaRPr lang="en-US"/>
           </a:p>
@@ -2084,7 +2085,7 @@
           <a:p>
             <a:fld id="{85451478-3410-43B1-B561-26F907204A43}" type="datetime1">
               <a:rPr lang="en-US" smtClean="0"/>
-              <a:t>7/5/2018</a:t>
+              <a:t>2018-07-06</a:t>
             </a:fld>
             <a:endParaRPr lang="en-US"/>
           </a:p>
@@ -2179,7 +2180,7 @@
           <a:p>
             <a:fld id="{FA489C54-C8EE-4B91-B64B-6687A21D522B}" type="datetime1">
               <a:rPr lang="en-US" smtClean="0"/>
-              <a:t>7/5/2018</a:t>
+              <a:t>2018-07-06</a:t>
             </a:fld>
             <a:endParaRPr lang="en-US"/>
           </a:p>
@@ -2456,7 +2457,7 @@
           <a:p>
             <a:fld id="{40BF1821-AA5A-4F67-9395-523155C54006}" type="datetime1">
               <a:rPr lang="en-US" smtClean="0"/>
-              <a:t>7/5/2018</a:t>
+              <a:t>2018-07-06</a:t>
             </a:fld>
             <a:endParaRPr lang="en-US"/>
           </a:p>
@@ -2713,7 +2714,7 @@
           <a:p>
             <a:fld id="{FC6BE5E1-4448-493C-8281-4A0C48B4313C}" type="datetime1">
               <a:rPr lang="en-US" smtClean="0"/>
-              <a:t>7/5/2018</a:t>
+              <a:t>2018-07-06</a:t>
             </a:fld>
             <a:endParaRPr lang="en-US"/>
           </a:p>
@@ -2926,7 +2927,7 @@
           <a:p>
             <a:fld id="{B9ACCD46-3949-4FD6-9D13-AB19AE2895AB}" type="datetime1">
               <a:rPr lang="en-US" smtClean="0"/>
-              <a:t>7/5/2018</a:t>
+              <a:t>2018-07-06</a:t>
             </a:fld>
             <a:endParaRPr lang="en-US"/>
           </a:p>
@@ -3589,14 +3590,6 @@
   <p:clrMapOvr>
     <a:masterClrMapping/>
   </p:clrMapOvr>
-  <mc:AlternateContent xmlns:mc="http://schemas.openxmlformats.org/markup-compatibility/2006" xmlns:p14="http://schemas.microsoft.com/office/powerpoint/2010/main">
-    <mc:Choice Requires="p14">
-      <p:transition p14:dur="10"/>
-    </mc:Choice>
-    <mc:Fallback xmlns="">
-      <p:transition/>
-    </mc:Fallback>
-  </mc:AlternateContent>
 </p:sld>
 </file>
 
@@ -3700,7 +3693,7 @@
           <a:lstStyle/>
           <a:p>
             <a:r>
-              <a:rPr lang="el-GR" b="1" dirty="0">
+              <a:rPr lang="el-GR" b="1">
                 <a:latin typeface="Book Antiqua" panose="02040602050305030304" pitchFamily="18" charset="0"/>
               </a:rPr>
               <a:t>Περιεχόμενα</a:t>
@@ -3727,13 +3720,18 @@
             <p:ph idx="1"/>
           </p:nvPr>
         </p:nvSpPr>
-        <p:spPr/>
+        <p:spPr>
+          <a:xfrm>
+            <a:off x="838200" y="1825625"/>
+            <a:ext cx="10515600" cy="4351338"/>
+          </a:xfrm>
+        </p:spPr>
         <p:txBody>
           <a:bodyPr/>
           <a:lstStyle/>
           <a:p>
             <a:r>
-              <a:rPr lang="el-GR" dirty="0">
+              <a:rPr lang="el-GR">
                 <a:latin typeface="Book Antiqua" panose="02040602050305030304" pitchFamily="18" charset="0"/>
               </a:rPr>
               <a:t>Εισαγωγή</a:t>
@@ -3741,7 +3739,7 @@
           </a:p>
           <a:p>
             <a:r>
-              <a:rPr lang="el-GR" dirty="0">
+              <a:rPr lang="el-GR">
                 <a:latin typeface="Book Antiqua" panose="02040602050305030304" pitchFamily="18" charset="0"/>
               </a:rPr>
               <a:t>Βασικές οικογένειες αθροιστών </a:t>
@@ -3749,13 +3747,13 @@
           </a:p>
           <a:p>
             <a:r>
-              <a:rPr lang="en-US" dirty="0">
+              <a:rPr lang="en-US">
                 <a:latin typeface="Book Antiqua" panose="02040602050305030304" pitchFamily="18" charset="0"/>
               </a:rPr>
               <a:t>Prefix </a:t>
             </a:r>
             <a:r>
-              <a:rPr lang="el-GR" dirty="0">
+              <a:rPr lang="el-GR">
                 <a:latin typeface="Book Antiqua" panose="02040602050305030304" pitchFamily="18" charset="0"/>
               </a:rPr>
               <a:t>τοπολογίες</a:t>
@@ -3763,25 +3761,25 @@
           </a:p>
           <a:p>
             <a:r>
-              <a:rPr lang="en-US" dirty="0">
+              <a:rPr lang="en-US">
                 <a:latin typeface="Book Antiqua" panose="02040602050305030304" pitchFamily="18" charset="0"/>
               </a:rPr>
               <a:t>Ling</a:t>
             </a:r>
             <a:r>
-              <a:rPr lang="el-GR" dirty="0">
+              <a:rPr lang="el-GR">
                 <a:latin typeface="Book Antiqua" panose="02040602050305030304" pitchFamily="18" charset="0"/>
               </a:rPr>
               <a:t> και </a:t>
             </a:r>
             <a:r>
-              <a:rPr lang="en-US" dirty="0">
+              <a:rPr lang="en-US">
                 <a:latin typeface="Book Antiqua" panose="02040602050305030304" pitchFamily="18" charset="0"/>
               </a:rPr>
               <a:t>Jackson </a:t>
             </a:r>
             <a:r>
-              <a:rPr lang="el-GR" dirty="0">
+              <a:rPr lang="el-GR">
                 <a:latin typeface="Book Antiqua" panose="02040602050305030304" pitchFamily="18" charset="0"/>
               </a:rPr>
               <a:t>παραγοντοποιήσεις</a:t>
@@ -3789,30 +3787,30 @@
           </a:p>
           <a:p>
             <a:r>
-              <a:rPr lang="el-GR" dirty="0">
+              <a:rPr lang="el-GR">
                 <a:latin typeface="Book Antiqua" panose="02040602050305030304" pitchFamily="18" charset="0"/>
               </a:rPr>
               <a:t>Αθροιστές υπολοίπου 2</a:t>
             </a:r>
             <a:r>
-              <a:rPr lang="en-US" baseline="30000" dirty="0">
+              <a:rPr lang="en-US" baseline="30000">
                 <a:latin typeface="Book Antiqua" panose="02040602050305030304" pitchFamily="18" charset="0"/>
               </a:rPr>
               <a:t>n</a:t>
             </a:r>
             <a:r>
-              <a:rPr lang="en-US" dirty="0">
+              <a:rPr lang="en-US">
                 <a:latin typeface="Book Antiqua" panose="02040602050305030304" pitchFamily="18" charset="0"/>
               </a:rPr>
               <a:t>-1</a:t>
             </a:r>
-            <a:endParaRPr lang="el-GR" dirty="0">
+            <a:endParaRPr lang="el-GR">
               <a:latin typeface="Book Antiqua" panose="02040602050305030304" pitchFamily="18" charset="0"/>
             </a:endParaRPr>
           </a:p>
           <a:p>
             <a:r>
-              <a:rPr lang="el-GR" dirty="0">
+              <a:rPr lang="el-GR">
                 <a:latin typeface="Book Antiqua" panose="02040602050305030304" pitchFamily="18" charset="0"/>
               </a:rPr>
               <a:t>Σχεδιασμός του νέου αθροιστή</a:t>
@@ -3820,7 +3818,7 @@
           </a:p>
           <a:p>
             <a:r>
-              <a:rPr lang="el-GR" dirty="0">
+              <a:rPr lang="el-GR">
                 <a:latin typeface="Book Antiqua" panose="02040602050305030304" pitchFamily="18" charset="0"/>
               </a:rPr>
               <a:t>Μετρήσεις, Συγκρίσεις και αποτελέσματα</a:t>
@@ -3847,7 +3845,12 @@
             <p:ph type="ftr" sz="quarter" idx="11"/>
           </p:nvPr>
         </p:nvSpPr>
-        <p:spPr/>
+        <p:spPr>
+          <a:xfrm>
+            <a:off x="4038600" y="6356350"/>
+            <a:ext cx="4114800" cy="365125"/>
+          </a:xfrm>
+        </p:spPr>
         <p:txBody>
           <a:bodyPr/>
           <a:lstStyle/>
@@ -3872,7 +3875,12 @@
             <p:ph type="sldNum" sz="quarter" idx="12"/>
           </p:nvPr>
         </p:nvSpPr>
-        <p:spPr/>
+        <p:spPr>
+          <a:xfrm>
+            <a:off x="8610600" y="6356350"/>
+            <a:ext cx="2743200" cy="365125"/>
+          </a:xfrm>
+        </p:spPr>
         <p:txBody>
           <a:bodyPr/>
           <a:lstStyle/>
@@ -3895,6 +3903,14 @@
   <p:clrMapOvr>
     <a:masterClrMapping/>
   </p:clrMapOvr>
+  <mc:AlternateContent xmlns:mc="http://schemas.openxmlformats.org/markup-compatibility/2006">
+    <mc:Choice xmlns:p14="http://schemas.microsoft.com/office/powerpoint/2010/main" Requires="p14">
+      <p:transition p14:dur="10"/>
+    </mc:Choice>
+    <mc:Fallback>
+      <p:transition/>
+    </mc:Fallback>
+  </mc:AlternateContent>
 </p:sld>
 </file>
 
@@ -5036,6 +5052,64 @@
       </p:grpSpPr>
       <p:sp>
         <p:nvSpPr>
+          <p:cNvPr id="5" name="Rectangle 4">
+            <a:extLst>
+              <a:ext uri="{FF2B5EF4-FFF2-40B4-BE49-F238E27FC236}">
+                <a16:creationId xmlns:a16="http://schemas.microsoft.com/office/drawing/2014/main" id="{D569563D-F673-4887-9955-344071CF0B82}"/>
+              </a:ext>
+            </a:extLst>
+          </p:cNvPr>
+          <p:cNvSpPr/>
+          <p:nvPr/>
+        </p:nvSpPr>
+        <p:spPr>
+          <a:xfrm>
+            <a:off x="0" y="0"/>
+            <a:ext cx="12192000" cy="813732"/>
+          </a:xfrm>
+          <a:prstGeom prst="rect">
+            <a:avLst/>
+          </a:prstGeom>
+          <a:solidFill>
+            <a:schemeClr val="bg2">
+              <a:lumMod val="25000"/>
+            </a:schemeClr>
+          </a:solidFill>
+          <a:ln>
+            <a:solidFill>
+              <a:schemeClr val="bg2">
+                <a:lumMod val="25000"/>
+              </a:schemeClr>
+            </a:solidFill>
+          </a:ln>
+        </p:spPr>
+        <p:style>
+          <a:lnRef idx="2">
+            <a:schemeClr val="accent1">
+              <a:shade val="50000"/>
+            </a:schemeClr>
+          </a:lnRef>
+          <a:fillRef idx="1">
+            <a:schemeClr val="accent1"/>
+          </a:fillRef>
+          <a:effectRef idx="0">
+            <a:schemeClr val="accent1"/>
+          </a:effectRef>
+          <a:fontRef idx="minor">
+            <a:schemeClr val="lt1"/>
+          </a:fontRef>
+        </p:style>
+        <p:txBody>
+          <a:bodyPr rtlCol="0" anchor="ctr"/>
+          <a:lstStyle/>
+          <a:p>
+            <a:pPr algn="ctr"/>
+            <a:endParaRPr lang="en-US"/>
+          </a:p>
+        </p:txBody>
+      </p:sp>
+      <p:sp>
+        <p:nvSpPr>
           <p:cNvPr id="2" name="Footer Placeholder 1">
             <a:extLst>
               <a:ext uri="{FF2B5EF4-FFF2-40B4-BE49-F238E27FC236}">
@@ -5108,9 +5182,7 @@
           <a:prstGeom prst="rect">
             <a:avLst/>
           </a:prstGeom>
-          <a:solidFill>
-            <a:srgbClr val="292929"/>
-          </a:solidFill>
+          <a:noFill/>
         </p:spPr>
         <p:txBody>
           <a:bodyPr wrap="square" rtlCol="0">
@@ -5165,7 +5237,7 @@
         </p:blipFill>
         <p:spPr>
           <a:xfrm>
-            <a:off x="6522097" y="2860591"/>
+            <a:off x="6516444" y="4295109"/>
             <a:ext cx="4837356" cy="1357502"/>
           </a:xfrm>
           <a:prstGeom prst="rect">
@@ -5665,8 +5737,8 @@
           </a:p>
         </p:txBody>
       </p:sp>
-      <mc:AlternateContent xmlns:mc="http://schemas.openxmlformats.org/markup-compatibility/2006">
-        <mc:Choice xmlns:a14="http://schemas.microsoft.com/office/drawing/2010/main" Requires="a14">
+      <mc:AlternateContent xmlns:mc="http://schemas.openxmlformats.org/markup-compatibility/2006" xmlns:a14="http://schemas.microsoft.com/office/drawing/2010/main">
+        <mc:Choice Requires="a14">
           <p:sp>
             <p:nvSpPr>
               <p:cNvPr id="13" name="TextBox 12">
@@ -6194,7 +6266,7 @@
             </p:txBody>
           </p:sp>
         </mc:Choice>
-        <mc:Fallback>
+        <mc:Fallback xmlns="">
           <p:sp>
             <p:nvSpPr>
               <p:cNvPr id="13" name="TextBox 12">
@@ -6376,8 +6448,8 @@
           </a:p>
         </p:txBody>
       </p:sp>
-      <mc:AlternateContent xmlns:mc="http://schemas.openxmlformats.org/markup-compatibility/2006">
-        <mc:Choice xmlns:a14="http://schemas.microsoft.com/office/drawing/2010/main" Requires="a14">
+      <mc:AlternateContent xmlns:mc="http://schemas.openxmlformats.org/markup-compatibility/2006" xmlns:a14="http://schemas.microsoft.com/office/drawing/2010/main">
+        <mc:Choice Requires="a14">
           <p:sp>
             <p:nvSpPr>
               <p:cNvPr id="4" name="TextBox 3">
@@ -6761,7 +6833,7 @@
             </p:txBody>
           </p:sp>
         </mc:Choice>
-        <mc:Fallback>
+        <mc:Fallback xmlns="">
           <p:sp>
             <p:nvSpPr>
               <p:cNvPr id="4" name="TextBox 3">
@@ -6810,6 +6882,210 @@
     <p:extLst>
       <p:ext uri="{BB962C8B-B14F-4D97-AF65-F5344CB8AC3E}">
         <p14:creationId xmlns:p14="http://schemas.microsoft.com/office/powerpoint/2010/main" val="3867041078"/>
+      </p:ext>
+    </p:extLst>
+  </p:cSld>
+  <p:clrMapOvr>
+    <a:masterClrMapping/>
+  </p:clrMapOvr>
+</p:sld>
+</file>
+
+<file path=ppt/slides/slide8.xml><?xml version="1.0" encoding="utf-8"?>
+<p:sld xmlns:a="http://schemas.openxmlformats.org/drawingml/2006/main" xmlns:r="http://schemas.openxmlformats.org/officeDocument/2006/relationships" xmlns:p="http://schemas.openxmlformats.org/presentationml/2006/main">
+  <p:cSld>
+    <p:spTree>
+      <p:nvGrpSpPr>
+        <p:cNvPr id="1" name=""/>
+        <p:cNvGrpSpPr/>
+        <p:nvPr/>
+      </p:nvGrpSpPr>
+      <p:grpSpPr>
+        <a:xfrm>
+          <a:off x="0" y="0"/>
+          <a:ext cx="0" cy="0"/>
+          <a:chOff x="0" y="0"/>
+          <a:chExt cx="0" cy="0"/>
+        </a:xfrm>
+      </p:grpSpPr>
+      <p:sp>
+        <p:nvSpPr>
+          <p:cNvPr id="11" name="Rectangle 10">
+            <a:extLst>
+              <a:ext uri="{FF2B5EF4-FFF2-40B4-BE49-F238E27FC236}">
+                <a16:creationId xmlns:a16="http://schemas.microsoft.com/office/drawing/2014/main" id="{A01D985B-6785-4FA8-8B7F-39E662246E2F}"/>
+              </a:ext>
+            </a:extLst>
+          </p:cNvPr>
+          <p:cNvSpPr/>
+          <p:nvPr/>
+        </p:nvSpPr>
+        <p:spPr>
+          <a:xfrm>
+            <a:off x="0" y="6072960"/>
+            <a:ext cx="12192000" cy="760206"/>
+          </a:xfrm>
+          <a:prstGeom prst="rect">
+            <a:avLst/>
+          </a:prstGeom>
+          <a:gradFill flip="none" rotWithShape="1">
+            <a:gsLst>
+              <a:gs pos="0">
+                <a:schemeClr val="bg2">
+                  <a:lumMod val="75000"/>
+                </a:schemeClr>
+              </a:gs>
+              <a:gs pos="24000">
+                <a:schemeClr val="tx1">
+                  <a:lumMod val="39000"/>
+                  <a:lumOff val="61000"/>
+                </a:schemeClr>
+              </a:gs>
+              <a:gs pos="86000">
+                <a:schemeClr val="bg1"/>
+              </a:gs>
+            </a:gsLst>
+            <a:path path="circle">
+              <a:fillToRect l="100000" t="100000"/>
+            </a:path>
+            <a:tileRect r="-100000" b="-100000"/>
+          </a:gradFill>
+          <a:ln w="28575">
+            <a:noFill/>
+          </a:ln>
+        </p:spPr>
+        <p:style>
+          <a:lnRef idx="1">
+            <a:schemeClr val="dk1"/>
+          </a:lnRef>
+          <a:fillRef idx="2">
+            <a:schemeClr val="dk1"/>
+          </a:fillRef>
+          <a:effectRef idx="1">
+            <a:schemeClr val="dk1"/>
+          </a:effectRef>
+          <a:fontRef idx="minor">
+            <a:schemeClr val="dk1"/>
+          </a:fontRef>
+        </p:style>
+        <p:txBody>
+          <a:bodyPr rtlCol="0" anchor="ctr"/>
+          <a:lstStyle/>
+          <a:p>
+            <a:pPr algn="ctr"/>
+            <a:r>
+              <a:rPr lang="el-GR" sz="2400" b="1" dirty="0">
+                <a:solidFill>
+                  <a:schemeClr val="bg2">
+                    <a:lumMod val="25000"/>
+                  </a:schemeClr>
+                </a:solidFill>
+                <a:latin typeface="Book Antiqua" panose="02040602050305030304" pitchFamily="18" charset="0"/>
+                <a:ea typeface="Batang" panose="020B0503020000020004" pitchFamily="18" charset="-127"/>
+              </a:rPr>
+              <a:t>Αναδρομική </a:t>
+            </a:r>
+            <a:r>
+              <a:rPr lang="en-US" sz="2400" b="1" dirty="0">
+                <a:solidFill>
+                  <a:schemeClr val="bg2">
+                    <a:lumMod val="25000"/>
+                  </a:schemeClr>
+                </a:solidFill>
+                <a:latin typeface="Book Antiqua" panose="02040602050305030304" pitchFamily="18" charset="0"/>
+                <a:ea typeface="Batang" panose="020B0503020000020004" pitchFamily="18" charset="-127"/>
+              </a:rPr>
+              <a:t>Ling</a:t>
+            </a:r>
+            <a:r>
+              <a:rPr lang="el-GR" sz="2400" b="1" dirty="0">
+                <a:solidFill>
+                  <a:schemeClr val="bg2">
+                    <a:lumMod val="25000"/>
+                  </a:schemeClr>
+                </a:solidFill>
+                <a:latin typeface="Book Antiqua" panose="02040602050305030304" pitchFamily="18" charset="0"/>
+                <a:ea typeface="Batang" panose="020B0503020000020004" pitchFamily="18" charset="-127"/>
+              </a:rPr>
+              <a:t> Αρχιτεκτονική για αθροιστές υπολοίπου 2</a:t>
+            </a:r>
+            <a:r>
+              <a:rPr lang="en-US" sz="2400" b="1" baseline="30000" dirty="0">
+                <a:solidFill>
+                  <a:schemeClr val="bg2">
+                    <a:lumMod val="25000"/>
+                  </a:schemeClr>
+                </a:solidFill>
+                <a:latin typeface="Book Antiqua" panose="02040602050305030304" pitchFamily="18" charset="0"/>
+                <a:ea typeface="Batang" panose="020B0503020000020004" pitchFamily="18" charset="-127"/>
+              </a:rPr>
+              <a:t>n</a:t>
+            </a:r>
+            <a:r>
+              <a:rPr lang="en-US" sz="2400" b="1" dirty="0">
+                <a:solidFill>
+                  <a:schemeClr val="bg2">
+                    <a:lumMod val="25000"/>
+                  </a:schemeClr>
+                </a:solidFill>
+                <a:latin typeface="Book Antiqua" panose="02040602050305030304" pitchFamily="18" charset="0"/>
+                <a:ea typeface="Batang" panose="020B0503020000020004" pitchFamily="18" charset="-127"/>
+              </a:rPr>
+              <a:t>-1</a:t>
+            </a:r>
+            <a:endParaRPr lang="en-US" sz="2400" dirty="0">
+              <a:solidFill>
+                <a:schemeClr val="bg2">
+                  <a:lumMod val="25000"/>
+                </a:schemeClr>
+              </a:solidFill>
+            </a:endParaRPr>
+          </a:p>
+        </p:txBody>
+      </p:sp>
+      <p:pic>
+        <p:nvPicPr>
+          <p:cNvPr id="5" name="Picture 4">
+            <a:extLst>
+              <a:ext uri="{FF2B5EF4-FFF2-40B4-BE49-F238E27FC236}">
+                <a16:creationId xmlns:a16="http://schemas.microsoft.com/office/drawing/2014/main" id="{AC8F7809-F0DE-4DC6-B986-B80280DB9673}"/>
+              </a:ext>
+            </a:extLst>
+          </p:cNvPr>
+          <p:cNvPicPr>
+            <a:picLocks noChangeAspect="1"/>
+          </p:cNvPicPr>
+          <p:nvPr/>
+        </p:nvPicPr>
+        <p:blipFill rotWithShape="1">
+          <a:blip r:embed="rId2">
+            <a:extLst>
+              <a:ext uri="{28A0092B-C50C-407E-A947-70E740481C1C}">
+                <a14:useLocalDpi xmlns:a14="http://schemas.microsoft.com/office/drawing/2010/main" val="0"/>
+              </a:ext>
+            </a:extLst>
+          </a:blip>
+          <a:srcRect l="12033" t="12033" r="12033" b="12033"/>
+          <a:stretch/>
+        </p:blipFill>
+        <p:spPr>
+          <a:xfrm>
+            <a:off x="0" y="6097794"/>
+            <a:ext cx="735372" cy="735372"/>
+          </a:xfrm>
+          <a:prstGeom prst="rect">
+            <a:avLst/>
+          </a:prstGeom>
+          <a:noFill/>
+          <a:effectLst>
+            <a:softEdge rad="0"/>
+          </a:effectLst>
+        </p:spPr>
+      </p:pic>
+    </p:spTree>
+    <p:extLst>
+      <p:ext uri="{BB962C8B-B14F-4D97-AF65-F5344CB8AC3E}">
+        <p14:creationId xmlns:p14="http://schemas.microsoft.com/office/powerpoint/2010/main" val="708591480"/>
       </p:ext>
     </p:extLst>
   </p:cSld>

--- a/Presentation/Presentation.pptx
+++ b/Presentation/Presentation.pptx
@@ -5,7 +5,7 @@
     <p:sldMasterId id="2147483708" r:id="rId1"/>
   </p:sldMasterIdLst>
   <p:notesMasterIdLst>
-    <p:notesMasterId r:id="rId10"/>
+    <p:notesMasterId r:id="rId12"/>
   </p:notesMasterIdLst>
   <p:sldIdLst>
     <p:sldId id="256" r:id="rId2"/>
@@ -14,8 +14,10 @@
     <p:sldId id="259" r:id="rId5"/>
     <p:sldId id="260" r:id="rId6"/>
     <p:sldId id="261" r:id="rId7"/>
-    <p:sldId id="262" r:id="rId8"/>
-    <p:sldId id="263" r:id="rId9"/>
+    <p:sldId id="264" r:id="rId8"/>
+    <p:sldId id="265" r:id="rId9"/>
+    <p:sldId id="262" r:id="rId10"/>
+    <p:sldId id="263" r:id="rId11"/>
   </p:sldIdLst>
   <p:sldSz cx="12192000" cy="6858000"/>
   <p:notesSz cx="6858000" cy="9144000"/>
@@ -120,6 +122,18 @@
     </p:ext>
   </p:extLst>
 </p:presentation>
+</file>
+
+<file path=ppt/commentAuthors.xml><?xml version="1.0" encoding="utf-8"?>
+<p:cmAuthorLst xmlns:a="http://schemas.openxmlformats.org/drawingml/2006/main" xmlns:r="http://schemas.openxmlformats.org/officeDocument/2006/relationships" xmlns:p="http://schemas.openxmlformats.org/presentationml/2006/main">
+  <p:cmAuthor id="1" name="ΒΑΣΙΛΑΣ ΚΩΝΣΤΑΝΤΙΝΟΣ" initials="ΒΚ" lastIdx="1" clrIdx="0">
+    <p:extLst>
+      <p:ext uri="{19B8F6BF-5375-455C-9EA6-DF929625EA0E}">
+        <p15:presenceInfo xmlns:p15="http://schemas.microsoft.com/office/powerpoint/2012/main" userId="ΒΑΣΙΛΑΣ ΚΩΝΣΤΑΝΤΙΝΟΣ" providerId="None"/>
+      </p:ext>
+    </p:extLst>
+  </p:cmAuthor>
+</p:cmAuthorLst>
 </file>
 
 <file path=ppt/notesMasters/notesMaster1.xml><?xml version="1.0" encoding="utf-8"?>
@@ -3593,6 +3607,210 @@
 </p:sld>
 </file>
 
+<file path=ppt/slides/slide10.xml><?xml version="1.0" encoding="utf-8"?>
+<p:sld xmlns:a="http://schemas.openxmlformats.org/drawingml/2006/main" xmlns:r="http://schemas.openxmlformats.org/officeDocument/2006/relationships" xmlns:p="http://schemas.openxmlformats.org/presentationml/2006/main">
+  <p:cSld>
+    <p:spTree>
+      <p:nvGrpSpPr>
+        <p:cNvPr id="1" name=""/>
+        <p:cNvGrpSpPr/>
+        <p:nvPr/>
+      </p:nvGrpSpPr>
+      <p:grpSpPr>
+        <a:xfrm>
+          <a:off x="0" y="0"/>
+          <a:ext cx="0" cy="0"/>
+          <a:chOff x="0" y="0"/>
+          <a:chExt cx="0" cy="0"/>
+        </a:xfrm>
+      </p:grpSpPr>
+      <p:sp>
+        <p:nvSpPr>
+          <p:cNvPr id="11" name="Rectangle 10">
+            <a:extLst>
+              <a:ext uri="{FF2B5EF4-FFF2-40B4-BE49-F238E27FC236}">
+                <a16:creationId xmlns:a16="http://schemas.microsoft.com/office/drawing/2014/main" id="{A01D985B-6785-4FA8-8B7F-39E662246E2F}"/>
+              </a:ext>
+            </a:extLst>
+          </p:cNvPr>
+          <p:cNvSpPr/>
+          <p:nvPr/>
+        </p:nvSpPr>
+        <p:spPr>
+          <a:xfrm>
+            <a:off x="0" y="6072960"/>
+            <a:ext cx="12192000" cy="760206"/>
+          </a:xfrm>
+          <a:prstGeom prst="rect">
+            <a:avLst/>
+          </a:prstGeom>
+          <a:gradFill flip="none" rotWithShape="1">
+            <a:gsLst>
+              <a:gs pos="0">
+                <a:schemeClr val="bg2">
+                  <a:lumMod val="75000"/>
+                </a:schemeClr>
+              </a:gs>
+              <a:gs pos="24000">
+                <a:schemeClr val="tx1">
+                  <a:lumMod val="39000"/>
+                  <a:lumOff val="61000"/>
+                </a:schemeClr>
+              </a:gs>
+              <a:gs pos="86000">
+                <a:schemeClr val="bg1"/>
+              </a:gs>
+            </a:gsLst>
+            <a:path path="circle">
+              <a:fillToRect l="100000" t="100000"/>
+            </a:path>
+            <a:tileRect r="-100000" b="-100000"/>
+          </a:gradFill>
+          <a:ln w="28575">
+            <a:noFill/>
+          </a:ln>
+        </p:spPr>
+        <p:style>
+          <a:lnRef idx="1">
+            <a:schemeClr val="dk1"/>
+          </a:lnRef>
+          <a:fillRef idx="2">
+            <a:schemeClr val="dk1"/>
+          </a:fillRef>
+          <a:effectRef idx="1">
+            <a:schemeClr val="dk1"/>
+          </a:effectRef>
+          <a:fontRef idx="minor">
+            <a:schemeClr val="dk1"/>
+          </a:fontRef>
+        </p:style>
+        <p:txBody>
+          <a:bodyPr rtlCol="0" anchor="ctr"/>
+          <a:lstStyle/>
+          <a:p>
+            <a:pPr algn="ctr"/>
+            <a:r>
+              <a:rPr lang="el-GR" sz="2400" b="1" dirty="0">
+                <a:solidFill>
+                  <a:schemeClr val="bg2">
+                    <a:lumMod val="25000"/>
+                  </a:schemeClr>
+                </a:solidFill>
+                <a:latin typeface="Book Antiqua" panose="02040602050305030304" pitchFamily="18" charset="0"/>
+                <a:ea typeface="Batang" panose="020B0503020000020004" pitchFamily="18" charset="-127"/>
+              </a:rPr>
+              <a:t>Αναδρομική </a:t>
+            </a:r>
+            <a:r>
+              <a:rPr lang="en-US" sz="2400" b="1" dirty="0">
+                <a:solidFill>
+                  <a:schemeClr val="bg2">
+                    <a:lumMod val="25000"/>
+                  </a:schemeClr>
+                </a:solidFill>
+                <a:latin typeface="Book Antiqua" panose="02040602050305030304" pitchFamily="18" charset="0"/>
+                <a:ea typeface="Batang" panose="020B0503020000020004" pitchFamily="18" charset="-127"/>
+              </a:rPr>
+              <a:t>Ling</a:t>
+            </a:r>
+            <a:r>
+              <a:rPr lang="el-GR" sz="2400" b="1" dirty="0">
+                <a:solidFill>
+                  <a:schemeClr val="bg2">
+                    <a:lumMod val="25000"/>
+                  </a:schemeClr>
+                </a:solidFill>
+                <a:latin typeface="Book Antiqua" panose="02040602050305030304" pitchFamily="18" charset="0"/>
+                <a:ea typeface="Batang" panose="020B0503020000020004" pitchFamily="18" charset="-127"/>
+              </a:rPr>
+              <a:t> Αρχιτεκτονική για αθροιστές υπολοίπου 2</a:t>
+            </a:r>
+            <a:r>
+              <a:rPr lang="en-US" sz="2400" b="1" baseline="30000" dirty="0">
+                <a:solidFill>
+                  <a:schemeClr val="bg2">
+                    <a:lumMod val="25000"/>
+                  </a:schemeClr>
+                </a:solidFill>
+                <a:latin typeface="Book Antiqua" panose="02040602050305030304" pitchFamily="18" charset="0"/>
+                <a:ea typeface="Batang" panose="020B0503020000020004" pitchFamily="18" charset="-127"/>
+              </a:rPr>
+              <a:t>n</a:t>
+            </a:r>
+            <a:r>
+              <a:rPr lang="en-US" sz="2400" b="1" dirty="0">
+                <a:solidFill>
+                  <a:schemeClr val="bg2">
+                    <a:lumMod val="25000"/>
+                  </a:schemeClr>
+                </a:solidFill>
+                <a:latin typeface="Book Antiqua" panose="02040602050305030304" pitchFamily="18" charset="0"/>
+                <a:ea typeface="Batang" panose="020B0503020000020004" pitchFamily="18" charset="-127"/>
+              </a:rPr>
+              <a:t>-1</a:t>
+            </a:r>
+            <a:endParaRPr lang="en-US" sz="2400" dirty="0">
+              <a:solidFill>
+                <a:schemeClr val="bg2">
+                  <a:lumMod val="25000"/>
+                </a:schemeClr>
+              </a:solidFill>
+            </a:endParaRPr>
+          </a:p>
+        </p:txBody>
+      </p:sp>
+      <p:pic>
+        <p:nvPicPr>
+          <p:cNvPr id="5" name="Picture 4">
+            <a:extLst>
+              <a:ext uri="{FF2B5EF4-FFF2-40B4-BE49-F238E27FC236}">
+                <a16:creationId xmlns:a16="http://schemas.microsoft.com/office/drawing/2014/main" id="{AC8F7809-F0DE-4DC6-B986-B80280DB9673}"/>
+              </a:ext>
+            </a:extLst>
+          </p:cNvPr>
+          <p:cNvPicPr>
+            <a:picLocks noChangeAspect="1"/>
+          </p:cNvPicPr>
+          <p:nvPr/>
+        </p:nvPicPr>
+        <p:blipFill rotWithShape="1">
+          <a:blip r:embed="rId2">
+            <a:extLst>
+              <a:ext uri="{28A0092B-C50C-407E-A947-70E740481C1C}">
+                <a14:useLocalDpi xmlns:a14="http://schemas.microsoft.com/office/drawing/2010/main" val="0"/>
+              </a:ext>
+            </a:extLst>
+          </a:blip>
+          <a:srcRect l="12033" t="12033" r="12033" b="12033"/>
+          <a:stretch/>
+        </p:blipFill>
+        <p:spPr>
+          <a:xfrm>
+            <a:off x="0" y="6097794"/>
+            <a:ext cx="735372" cy="735372"/>
+          </a:xfrm>
+          <a:prstGeom prst="rect">
+            <a:avLst/>
+          </a:prstGeom>
+          <a:noFill/>
+          <a:effectLst>
+            <a:softEdge rad="0"/>
+          </a:effectLst>
+        </p:spPr>
+      </p:pic>
+    </p:spTree>
+    <p:extLst>
+      <p:ext uri="{BB962C8B-B14F-4D97-AF65-F5344CB8AC3E}">
+        <p14:creationId xmlns:p14="http://schemas.microsoft.com/office/powerpoint/2010/main" val="708591480"/>
+      </p:ext>
+    </p:extLst>
+  </p:cSld>
+  <p:clrMapOvr>
+    <a:masterClrMapping/>
+  </p:clrMapOvr>
+</p:sld>
+</file>
+
 <file path=ppt/slides/slide2.xml><?xml version="1.0" encoding="utf-8"?>
 <p:sld xmlns:a="http://schemas.openxmlformats.org/drawingml/2006/main" xmlns:r="http://schemas.openxmlformats.org/officeDocument/2006/relationships" xmlns:p="http://schemas.openxmlformats.org/presentationml/2006/main">
   <p:cSld>
@@ -3903,11 +4121,11 @@
   <p:clrMapOvr>
     <a:masterClrMapping/>
   </p:clrMapOvr>
-  <mc:AlternateContent xmlns:mc="http://schemas.openxmlformats.org/markup-compatibility/2006">
-    <mc:Choice xmlns:p14="http://schemas.microsoft.com/office/powerpoint/2010/main" Requires="p14">
+  <mc:AlternateContent xmlns:mc="http://schemas.openxmlformats.org/markup-compatibility/2006" xmlns:p14="http://schemas.microsoft.com/office/powerpoint/2010/main">
+    <mc:Choice Requires="p14">
       <p:transition p14:dur="10"/>
     </mc:Choice>
-    <mc:Fallback>
+    <mc:Fallback xmlns="">
       <p:transition/>
     </mc:Fallback>
   </mc:AlternateContent>
@@ -5737,8 +5955,8 @@
           </a:p>
         </p:txBody>
       </p:sp>
-      <mc:AlternateContent xmlns:mc="http://schemas.openxmlformats.org/markup-compatibility/2006" xmlns:a14="http://schemas.microsoft.com/office/drawing/2010/main">
-        <mc:Choice Requires="a14">
+      <mc:AlternateContent xmlns:mc="http://schemas.openxmlformats.org/markup-compatibility/2006">
+        <mc:Choice xmlns:a14="http://schemas.microsoft.com/office/drawing/2010/main" Requires="a14">
           <p:sp>
             <p:nvSpPr>
               <p:cNvPr id="13" name="TextBox 12">
@@ -5753,7 +5971,7 @@
             </p:nvSpPr>
             <p:spPr>
               <a:xfrm>
-                <a:off x="543002" y="5431676"/>
+                <a:off x="643467" y="1894243"/>
                 <a:ext cx="3568285" cy="553998"/>
               </a:xfrm>
               <a:prstGeom prst="rect">
@@ -6266,7 +6484,7 @@
             </p:txBody>
           </p:sp>
         </mc:Choice>
-        <mc:Fallback xmlns="">
+        <mc:Fallback>
           <p:sp>
             <p:nvSpPr>
               <p:cNvPr id="13" name="TextBox 12">
@@ -6283,7 +6501,7 @@
             </p:nvSpPr>
             <p:spPr>
               <a:xfrm>
-                <a:off x="543002" y="5431676"/>
+                <a:off x="643467" y="1894243"/>
                 <a:ext cx="3568285" cy="553998"/>
               </a:xfrm>
               <a:prstGeom prst="rect">
@@ -6292,7 +6510,7 @@
               <a:blipFill>
                 <a:blip r:embed="rId3"/>
                 <a:stretch>
-                  <a:fillRect l="-3932" t="-15385" r="-3419" b="-24176"/>
+                  <a:fillRect l="-4103" t="-15385" r="-4274" b="-23077"/>
                 </a:stretch>
               </a:blipFill>
             </p:spPr>
@@ -6359,6 +6577,339 @@
               <a:t>Σε προθεματική έκφραση</a:t>
             </a:r>
             <a:endParaRPr lang="en-US" sz="2000" b="1" dirty="0">
+              <a:latin typeface="Book Antiqua" panose="02040602050305030304" pitchFamily="18" charset="0"/>
+            </a:endParaRPr>
+          </a:p>
+        </p:txBody>
+      </p:sp>
+      <mc:AlternateContent xmlns:mc="http://schemas.openxmlformats.org/markup-compatibility/2006">
+        <mc:Choice xmlns:a14="http://schemas.microsoft.com/office/drawing/2010/main" Requires="a14">
+          <p:sp>
+            <p:nvSpPr>
+              <p:cNvPr id="3" name="TextBox 2">
+                <a:extLst>
+                  <a:ext uri="{FF2B5EF4-FFF2-40B4-BE49-F238E27FC236}">
+                    <a16:creationId xmlns:a16="http://schemas.microsoft.com/office/drawing/2014/main" id="{7A9261F2-66E6-4EB1-BBC3-B309396A798A}"/>
+                  </a:ext>
+                </a:extLst>
+              </p:cNvPr>
+              <p:cNvSpPr txBox="1"/>
+              <p:nvPr/>
+            </p:nvSpPr>
+            <p:spPr>
+              <a:xfrm>
+                <a:off x="643467" y="4637276"/>
+                <a:ext cx="2736198" cy="646331"/>
+              </a:xfrm>
+              <a:prstGeom prst="rect">
+                <a:avLst/>
+              </a:prstGeom>
+              <a:noFill/>
+            </p:spPr>
+            <p:txBody>
+              <a:bodyPr wrap="none" rtlCol="0">
+                <a:spAutoFit/>
+              </a:bodyPr>
+              <a:lstStyle/>
+              <a:p>
+                <a:r>
+                  <a:rPr lang="en-US" dirty="0">
+                    <a:solidFill>
+                      <a:schemeClr val="bg1"/>
+                    </a:solidFill>
+                  </a:rPr>
+                  <a:t>(G</a:t>
+                </a:r>
+                <a:r>
+                  <a:rPr lang="en-US" baseline="-25000" dirty="0">
+                    <a:solidFill>
+                      <a:schemeClr val="bg1"/>
+                    </a:solidFill>
+                  </a:rPr>
+                  <a:t>0</a:t>
+                </a:r>
+                <a:r>
+                  <a:rPr lang="en-US" dirty="0">
+                    <a:solidFill>
+                      <a:schemeClr val="bg1"/>
+                    </a:solidFill>
+                  </a:rPr>
+                  <a:t>,P</a:t>
+                </a:r>
+                <a:r>
+                  <a:rPr lang="en-US" baseline="-25000" dirty="0">
+                    <a:solidFill>
+                      <a:schemeClr val="bg1"/>
+                    </a:solidFill>
+                  </a:rPr>
+                  <a:t>0</a:t>
+                </a:r>
+                <a:r>
+                  <a:rPr lang="en-US" dirty="0">
+                    <a:solidFill>
+                      <a:schemeClr val="bg1"/>
+                    </a:solidFill>
+                  </a:rPr>
+                  <a:t>) = (g</a:t>
+                </a:r>
+                <a:r>
+                  <a:rPr lang="en-US" baseline="-25000" dirty="0">
+                    <a:solidFill>
+                      <a:schemeClr val="bg1"/>
+                    </a:solidFill>
+                  </a:rPr>
+                  <a:t>0</a:t>
+                </a:r>
+                <a:r>
+                  <a:rPr lang="en-US" dirty="0">
+                    <a:solidFill>
+                      <a:schemeClr val="bg1"/>
+                    </a:solidFill>
+                  </a:rPr>
+                  <a:t>,p</a:t>
+                </a:r>
+                <a:r>
+                  <a:rPr lang="en-US" baseline="-25000" dirty="0">
+                    <a:solidFill>
+                      <a:schemeClr val="bg1"/>
+                    </a:solidFill>
+                  </a:rPr>
+                  <a:t>0</a:t>
+                </a:r>
+                <a:r>
+                  <a:rPr lang="en-US" dirty="0">
+                    <a:solidFill>
+                      <a:schemeClr val="bg1"/>
+                    </a:solidFill>
+                  </a:rPr>
+                  <a:t>)</a:t>
+                </a:r>
+              </a:p>
+              <a:p>
+                <a:r>
+                  <a:rPr lang="en-US" dirty="0">
+                    <a:solidFill>
+                      <a:schemeClr val="bg1"/>
+                    </a:solidFill>
+                  </a:rPr>
+                  <a:t>(G</a:t>
+                </a:r>
+                <a:r>
+                  <a:rPr lang="en-US" baseline="-25000" dirty="0">
+                    <a:solidFill>
+                      <a:schemeClr val="bg1"/>
+                    </a:solidFill>
+                  </a:rPr>
+                  <a:t>i</a:t>
+                </a:r>
+                <a:r>
+                  <a:rPr lang="en-US" dirty="0">
+                    <a:solidFill>
+                      <a:schemeClr val="bg1"/>
+                    </a:solidFill>
+                  </a:rPr>
+                  <a:t>, P</a:t>
+                </a:r>
+                <a:r>
+                  <a:rPr lang="en-US" baseline="-25000" dirty="0">
+                    <a:solidFill>
+                      <a:schemeClr val="bg1"/>
+                    </a:solidFill>
+                  </a:rPr>
+                  <a:t>i </a:t>
+                </a:r>
+                <a:r>
+                  <a:rPr lang="en-US" dirty="0">
+                    <a:solidFill>
+                      <a:schemeClr val="bg1"/>
+                    </a:solidFill>
+                  </a:rPr>
+                  <a:t>) = (</a:t>
+                </a:r>
+                <a:r>
+                  <a:rPr lang="en-US" dirty="0" err="1">
+                    <a:solidFill>
+                      <a:schemeClr val="bg1"/>
+                    </a:solidFill>
+                  </a:rPr>
+                  <a:t>g</a:t>
+                </a:r>
+                <a:r>
+                  <a:rPr lang="en-US" baseline="-25000" dirty="0" err="1">
+                    <a:solidFill>
+                      <a:schemeClr val="bg1"/>
+                    </a:solidFill>
+                  </a:rPr>
+                  <a:t>i</a:t>
+                </a:r>
+                <a:r>
+                  <a:rPr lang="en-US" dirty="0">
+                    <a:solidFill>
+                      <a:schemeClr val="bg1"/>
+                    </a:solidFill>
+                  </a:rPr>
+                  <a:t>, p</a:t>
+                </a:r>
+                <a:r>
+                  <a:rPr lang="en-US" baseline="-25000" dirty="0">
+                    <a:solidFill>
+                      <a:schemeClr val="bg1"/>
+                    </a:solidFill>
+                  </a:rPr>
+                  <a:t>i </a:t>
+                </a:r>
+                <a:r>
+                  <a:rPr lang="en-US" dirty="0">
+                    <a:solidFill>
+                      <a:schemeClr val="bg1"/>
+                    </a:solidFill>
+                  </a:rPr>
+                  <a:t>) </a:t>
+                </a:r>
+                <a14:m>
+                  <m:oMath xmlns:m="http://schemas.openxmlformats.org/officeDocument/2006/math">
+                    <m:r>
+                      <a:rPr lang="en-US" i="1">
+                        <a:solidFill>
+                          <a:schemeClr val="bg1"/>
+                        </a:solidFill>
+                        <a:latin typeface="Cambria Math" panose="02040503050406030204" pitchFamily="18" charset="0"/>
+                        <a:ea typeface="Cambria Math" panose="02040503050406030204" pitchFamily="18" charset="0"/>
+                      </a:rPr>
+                      <m:t>⊛</m:t>
+                    </m:r>
+                  </m:oMath>
+                </a14:m>
+                <a:r>
+                  <a:rPr lang="en-US" dirty="0">
+                    <a:solidFill>
+                      <a:schemeClr val="bg1"/>
+                    </a:solidFill>
+                  </a:rPr>
+                  <a:t> (G</a:t>
+                </a:r>
+                <a:r>
+                  <a:rPr lang="en-US" baseline="-25000" dirty="0">
+                    <a:solidFill>
+                      <a:schemeClr val="bg1"/>
+                    </a:solidFill>
+                  </a:rPr>
+                  <a:t>i-1</a:t>
+                </a:r>
+                <a:r>
+                  <a:rPr lang="en-US" dirty="0">
+                    <a:solidFill>
+                      <a:schemeClr val="bg1"/>
+                    </a:solidFill>
+                  </a:rPr>
+                  <a:t>,P</a:t>
+                </a:r>
+                <a:r>
+                  <a:rPr lang="en-US" baseline="-25000" dirty="0">
+                    <a:solidFill>
+                      <a:schemeClr val="bg1"/>
+                    </a:solidFill>
+                  </a:rPr>
+                  <a:t>i-1</a:t>
+                </a:r>
+                <a:r>
+                  <a:rPr lang="en-US" dirty="0">
+                    <a:solidFill>
+                      <a:schemeClr val="bg1"/>
+                    </a:solidFill>
+                  </a:rPr>
+                  <a:t>)</a:t>
+                </a:r>
+              </a:p>
+            </p:txBody>
+          </p:sp>
+        </mc:Choice>
+        <mc:Fallback>
+          <p:sp>
+            <p:nvSpPr>
+              <p:cNvPr id="3" name="TextBox 2">
+                <a:extLst>
+                  <a:ext uri="{FF2B5EF4-FFF2-40B4-BE49-F238E27FC236}">
+                    <a16:creationId xmlns:a16="http://schemas.microsoft.com/office/drawing/2014/main" id="{7A9261F2-66E6-4EB1-BBC3-B309396A798A}"/>
+                  </a:ext>
+                </a:extLst>
+              </p:cNvPr>
+              <p:cNvSpPr txBox="1">
+                <a:spLocks noRot="1" noChangeAspect="1" noMove="1" noResize="1" noEditPoints="1" noAdjustHandles="1" noChangeArrowheads="1" noChangeShapeType="1" noTextEdit="1"/>
+              </p:cNvSpPr>
+              <p:nvPr/>
+            </p:nvSpPr>
+            <p:spPr>
+              <a:xfrm>
+                <a:off x="643467" y="4637276"/>
+                <a:ext cx="2736198" cy="646331"/>
+              </a:xfrm>
+              <a:prstGeom prst="rect">
+                <a:avLst/>
+              </a:prstGeom>
+              <a:blipFill>
+                <a:blip r:embed="rId4"/>
+                <a:stretch>
+                  <a:fillRect l="-2009" t="-5660" r="-1562" b="-14151"/>
+                </a:stretch>
+              </a:blipFill>
+            </p:spPr>
+            <p:txBody>
+              <a:bodyPr/>
+              <a:lstStyle/>
+              <a:p>
+                <a:r>
+                  <a:rPr lang="en-US">
+                    <a:noFill/>
+                  </a:rPr>
+                  <a:t> </a:t>
+                </a:r>
+              </a:p>
+            </p:txBody>
+          </p:sp>
+        </mc:Fallback>
+      </mc:AlternateContent>
+      <p:sp>
+        <p:nvSpPr>
+          <p:cNvPr id="5" name="TextBox 4">
+            <a:extLst>
+              <a:ext uri="{FF2B5EF4-FFF2-40B4-BE49-F238E27FC236}">
+                <a16:creationId xmlns:a16="http://schemas.microsoft.com/office/drawing/2014/main" id="{9E62BDDF-1217-4E57-8FAF-EA121570F35C}"/>
+              </a:ext>
+            </a:extLst>
+          </p:cNvPr>
+          <p:cNvSpPr txBox="1"/>
+          <p:nvPr/>
+        </p:nvSpPr>
+        <p:spPr>
+          <a:xfrm>
+            <a:off x="643467" y="4157818"/>
+            <a:ext cx="3959738" cy="369332"/>
+          </a:xfrm>
+          <a:prstGeom prst="rect">
+            <a:avLst/>
+          </a:prstGeom>
+          <a:noFill/>
+        </p:spPr>
+        <p:txBody>
+          <a:bodyPr wrap="none" rtlCol="0">
+            <a:spAutoFit/>
+          </a:bodyPr>
+          <a:lstStyle/>
+          <a:p>
+            <a:r>
+              <a:rPr lang="el-GR" dirty="0">
+                <a:solidFill>
+                  <a:schemeClr val="bg1"/>
+                </a:solidFill>
+                <a:latin typeface="Book Antiqua" panose="02040602050305030304" pitchFamily="18" charset="0"/>
+              </a:rPr>
+              <a:t>Πώς υπολογίζονται τα κρατούμενα ?</a:t>
+            </a:r>
+            <a:endParaRPr lang="en-US" dirty="0">
+              <a:solidFill>
+                <a:schemeClr val="bg1"/>
+              </a:solidFill>
               <a:latin typeface="Book Antiqua" panose="02040602050305030304" pitchFamily="18" charset="0"/>
             </a:endParaRPr>
           </a:p>
@@ -6396,6 +6947,1436 @@
       </p:grpSpPr>
       <p:sp>
         <p:nvSpPr>
+          <p:cNvPr id="15" name="Rectangle 14">
+            <a:extLst>
+              <a:ext uri="{FF2B5EF4-FFF2-40B4-BE49-F238E27FC236}">
+                <a16:creationId xmlns:a16="http://schemas.microsoft.com/office/drawing/2014/main" id="{32B1476D-95FC-41EA-9B32-9B83DCB171E2}"/>
+              </a:ext>
+            </a:extLst>
+          </p:cNvPr>
+          <p:cNvSpPr/>
+          <p:nvPr/>
+        </p:nvSpPr>
+        <p:spPr>
+          <a:xfrm>
+            <a:off x="0" y="0"/>
+            <a:ext cx="4226767" cy="6858000"/>
+          </a:xfrm>
+          <a:prstGeom prst="rect">
+            <a:avLst/>
+          </a:prstGeom>
+          <a:solidFill>
+            <a:schemeClr val="bg2">
+              <a:lumMod val="90000"/>
+            </a:schemeClr>
+          </a:solidFill>
+          <a:ln w="76200">
+            <a:noFill/>
+            <a:prstDash val="solid"/>
+          </a:ln>
+          <a:effectLst>
+            <a:outerShdw blurRad="107950" dist="12700" dir="5400000" algn="ctr">
+              <a:srgbClr val="000000"/>
+            </a:outerShdw>
+          </a:effectLst>
+          <a:scene3d>
+            <a:camera prst="orthographicFront">
+              <a:rot lat="0" lon="0" rev="0"/>
+            </a:camera>
+            <a:lightRig rig="soft" dir="t">
+              <a:rot lat="0" lon="0" rev="0"/>
+            </a:lightRig>
+          </a:scene3d>
+          <a:sp3d contourW="44450" prstMaterial="matte">
+            <a:bevelT w="63500" h="63500" prst="artDeco"/>
+            <a:contourClr>
+              <a:srgbClr val="FFFFFF"/>
+            </a:contourClr>
+          </a:sp3d>
+        </p:spPr>
+        <p:style>
+          <a:lnRef idx="2">
+            <a:schemeClr val="accent1">
+              <a:shade val="50000"/>
+            </a:schemeClr>
+          </a:lnRef>
+          <a:fillRef idx="1">
+            <a:schemeClr val="accent1"/>
+          </a:fillRef>
+          <a:effectRef idx="0">
+            <a:schemeClr val="accent1"/>
+          </a:effectRef>
+          <a:fontRef idx="minor">
+            <a:schemeClr val="lt1"/>
+          </a:fontRef>
+        </p:style>
+        <p:txBody>
+          <a:bodyPr rtlCol="0" anchor="ctr"/>
+          <a:lstStyle/>
+          <a:p>
+            <a:pPr algn="ctr"/>
+            <a:endParaRPr lang="en-US" dirty="0"/>
+          </a:p>
+        </p:txBody>
+      </p:sp>
+      <p:sp>
+        <p:nvSpPr>
+          <p:cNvPr id="20" name="Rectangle 19">
+            <a:extLst>
+              <a:ext uri="{FF2B5EF4-FFF2-40B4-BE49-F238E27FC236}">
+                <a16:creationId xmlns:a16="http://schemas.microsoft.com/office/drawing/2014/main" id="{D74A24A7-9ABD-4746-8C7C-ABFDC2D473DB}"/>
+              </a:ext>
+            </a:extLst>
+          </p:cNvPr>
+          <p:cNvSpPr/>
+          <p:nvPr/>
+        </p:nvSpPr>
+        <p:spPr>
+          <a:xfrm>
+            <a:off x="4226767" y="0"/>
+            <a:ext cx="4226767" cy="6858000"/>
+          </a:xfrm>
+          <a:prstGeom prst="rect">
+            <a:avLst/>
+          </a:prstGeom>
+          <a:solidFill>
+            <a:schemeClr val="bg2">
+              <a:lumMod val="90000"/>
+            </a:schemeClr>
+          </a:solidFill>
+          <a:ln w="76200">
+            <a:noFill/>
+            <a:prstDash val="solid"/>
+          </a:ln>
+          <a:effectLst>
+            <a:outerShdw blurRad="107950" dist="12700" dir="5400000" algn="ctr">
+              <a:srgbClr val="000000"/>
+            </a:outerShdw>
+          </a:effectLst>
+          <a:scene3d>
+            <a:camera prst="orthographicFront">
+              <a:rot lat="0" lon="0" rev="0"/>
+            </a:camera>
+            <a:lightRig rig="soft" dir="t">
+              <a:rot lat="0" lon="0" rev="0"/>
+            </a:lightRig>
+          </a:scene3d>
+          <a:sp3d contourW="44450" prstMaterial="matte">
+            <a:bevelT w="63500" h="63500" prst="artDeco"/>
+            <a:contourClr>
+              <a:srgbClr val="FFFFFF"/>
+            </a:contourClr>
+          </a:sp3d>
+        </p:spPr>
+        <p:style>
+          <a:lnRef idx="2">
+            <a:schemeClr val="accent1">
+              <a:shade val="50000"/>
+            </a:schemeClr>
+          </a:lnRef>
+          <a:fillRef idx="1">
+            <a:schemeClr val="accent1"/>
+          </a:fillRef>
+          <a:effectRef idx="0">
+            <a:schemeClr val="accent1"/>
+          </a:effectRef>
+          <a:fontRef idx="minor">
+            <a:schemeClr val="lt1"/>
+          </a:fontRef>
+        </p:style>
+        <p:txBody>
+          <a:bodyPr rtlCol="0" anchor="ctr"/>
+          <a:lstStyle/>
+          <a:p>
+            <a:pPr algn="ctr"/>
+            <a:endParaRPr lang="en-US" dirty="0"/>
+          </a:p>
+        </p:txBody>
+      </p:sp>
+      <p:sp>
+        <p:nvSpPr>
+          <p:cNvPr id="26" name="Rectangle 25">
+            <a:extLst>
+              <a:ext uri="{FF2B5EF4-FFF2-40B4-BE49-F238E27FC236}">
+                <a16:creationId xmlns:a16="http://schemas.microsoft.com/office/drawing/2014/main" id="{F564625B-6FC1-47F9-8073-AC94242DB9A9}"/>
+              </a:ext>
+            </a:extLst>
+          </p:cNvPr>
+          <p:cNvSpPr/>
+          <p:nvPr/>
+        </p:nvSpPr>
+        <p:spPr>
+          <a:xfrm>
+            <a:off x="8453534" y="0"/>
+            <a:ext cx="3738466" cy="6858000"/>
+          </a:xfrm>
+          <a:prstGeom prst="rect">
+            <a:avLst/>
+          </a:prstGeom>
+          <a:solidFill>
+            <a:schemeClr val="bg2">
+              <a:lumMod val="90000"/>
+            </a:schemeClr>
+          </a:solidFill>
+          <a:ln w="76200">
+            <a:noFill/>
+            <a:prstDash val="solid"/>
+          </a:ln>
+          <a:effectLst>
+            <a:outerShdw blurRad="107950" dist="12700" dir="5400000" algn="ctr">
+              <a:srgbClr val="000000"/>
+            </a:outerShdw>
+          </a:effectLst>
+          <a:scene3d>
+            <a:camera prst="orthographicFront">
+              <a:rot lat="0" lon="0" rev="0"/>
+            </a:camera>
+            <a:lightRig rig="soft" dir="t">
+              <a:rot lat="0" lon="0" rev="0"/>
+            </a:lightRig>
+          </a:scene3d>
+          <a:sp3d contourW="44450" prstMaterial="matte">
+            <a:bevelT w="63500" h="63500" prst="artDeco"/>
+            <a:contourClr>
+              <a:srgbClr val="FFFFFF"/>
+            </a:contourClr>
+          </a:sp3d>
+        </p:spPr>
+        <p:style>
+          <a:lnRef idx="2">
+            <a:schemeClr val="accent1">
+              <a:shade val="50000"/>
+            </a:schemeClr>
+          </a:lnRef>
+          <a:fillRef idx="1">
+            <a:schemeClr val="accent1"/>
+          </a:fillRef>
+          <a:effectRef idx="0">
+            <a:schemeClr val="accent1"/>
+          </a:effectRef>
+          <a:fontRef idx="minor">
+            <a:schemeClr val="lt1"/>
+          </a:fontRef>
+        </p:style>
+        <p:txBody>
+          <a:bodyPr rtlCol="0" anchor="ctr"/>
+          <a:lstStyle/>
+          <a:p>
+            <a:pPr algn="ctr"/>
+            <a:endParaRPr lang="en-US"/>
+          </a:p>
+        </p:txBody>
+      </p:sp>
+      <p:sp>
+        <p:nvSpPr>
+          <p:cNvPr id="28" name="Rectangle 27">
+            <a:extLst>
+              <a:ext uri="{FF2B5EF4-FFF2-40B4-BE49-F238E27FC236}">
+                <a16:creationId xmlns:a16="http://schemas.microsoft.com/office/drawing/2014/main" id="{10B00A81-9DF4-4DF3-8874-0A0B4E5B7744}"/>
+              </a:ext>
+            </a:extLst>
+          </p:cNvPr>
+          <p:cNvSpPr/>
+          <p:nvPr/>
+        </p:nvSpPr>
+        <p:spPr>
+          <a:xfrm>
+            <a:off x="0" y="0"/>
+            <a:ext cx="12192000" cy="767347"/>
+          </a:xfrm>
+          <a:prstGeom prst="rect">
+            <a:avLst/>
+          </a:prstGeom>
+          <a:solidFill>
+            <a:schemeClr val="tx1">
+              <a:lumMod val="85000"/>
+              <a:lumOff val="15000"/>
+            </a:schemeClr>
+          </a:solidFill>
+          <a:ln>
+            <a:noFill/>
+          </a:ln>
+          <a:effectLst>
+            <a:outerShdw blurRad="44450" dist="27940" dir="5400000" algn="ctr">
+              <a:srgbClr val="000000">
+                <a:alpha val="32000"/>
+              </a:srgbClr>
+            </a:outerShdw>
+          </a:effectLst>
+          <a:scene3d>
+            <a:camera prst="orthographicFront">
+              <a:rot lat="0" lon="0" rev="0"/>
+            </a:camera>
+            <a:lightRig rig="balanced" dir="t">
+              <a:rot lat="0" lon="0" rev="8700000"/>
+            </a:lightRig>
+          </a:scene3d>
+          <a:sp3d>
+            <a:bevelT w="190500" h="38100"/>
+          </a:sp3d>
+        </p:spPr>
+        <p:style>
+          <a:lnRef idx="2">
+            <a:schemeClr val="accent1">
+              <a:shade val="50000"/>
+            </a:schemeClr>
+          </a:lnRef>
+          <a:fillRef idx="1">
+            <a:schemeClr val="accent1"/>
+          </a:fillRef>
+          <a:effectRef idx="0">
+            <a:schemeClr val="accent1"/>
+          </a:effectRef>
+          <a:fontRef idx="minor">
+            <a:schemeClr val="lt1"/>
+          </a:fontRef>
+        </p:style>
+        <p:txBody>
+          <a:bodyPr rtlCol="0" anchor="ctr"/>
+          <a:lstStyle/>
+          <a:p>
+            <a:pPr algn="ctr"/>
+            <a:endParaRPr lang="en-US"/>
+          </a:p>
+        </p:txBody>
+      </p:sp>
+      <p:sp>
+        <p:nvSpPr>
+          <p:cNvPr id="5" name="Slide Number Placeholder 4">
+            <a:extLst>
+              <a:ext uri="{FF2B5EF4-FFF2-40B4-BE49-F238E27FC236}">
+                <a16:creationId xmlns:a16="http://schemas.microsoft.com/office/drawing/2014/main" id="{556478CB-7481-4C6B-92D3-E78FF90D806E}"/>
+              </a:ext>
+            </a:extLst>
+          </p:cNvPr>
+          <p:cNvSpPr>
+            <a:spLocks noGrp="1"/>
+          </p:cNvSpPr>
+          <p:nvPr>
+            <p:ph type="sldNum" sz="quarter" idx="12"/>
+          </p:nvPr>
+        </p:nvSpPr>
+        <p:spPr>
+          <a:xfrm>
+            <a:off x="8610600" y="6356350"/>
+            <a:ext cx="2743200" cy="365125"/>
+          </a:xfrm>
+        </p:spPr>
+        <p:txBody>
+          <a:bodyPr/>
+          <a:lstStyle/>
+          <a:p>
+            <a:fld id="{8FCAAC12-ECE3-429D-A5B3-AAB453D53177}" type="slidenum">
+              <a:rPr lang="en-US" smtClean="0"/>
+              <a:t>7</a:t>
+            </a:fld>
+            <a:endParaRPr lang="en-US"/>
+          </a:p>
+        </p:txBody>
+      </p:sp>
+      <p:pic>
+        <p:nvPicPr>
+          <p:cNvPr id="7" name="Picture 6" descr="A picture containing sky, table, next, wire&#10;&#10;Description generated with very high confidence">
+            <a:extLst>
+              <a:ext uri="{FF2B5EF4-FFF2-40B4-BE49-F238E27FC236}">
+                <a16:creationId xmlns:a16="http://schemas.microsoft.com/office/drawing/2014/main" id="{02934B5E-C2A1-4ADA-827F-B70E82F38CE2}"/>
+              </a:ext>
+            </a:extLst>
+          </p:cNvPr>
+          <p:cNvPicPr>
+            <a:picLocks noChangeAspect="1"/>
+          </p:cNvPicPr>
+          <p:nvPr/>
+        </p:nvPicPr>
+        <p:blipFill>
+          <a:blip r:embed="rId2">
+            <a:extLst>
+              <a:ext uri="{28A0092B-C50C-407E-A947-70E740481C1C}">
+                <a14:useLocalDpi xmlns:a14="http://schemas.microsoft.com/office/drawing/2010/main" val="0"/>
+              </a:ext>
+            </a:extLst>
+          </a:blip>
+          <a:stretch>
+            <a:fillRect/>
+          </a:stretch>
+        </p:blipFill>
+        <p:spPr>
+          <a:xfrm>
+            <a:off x="8716430" y="903872"/>
+            <a:ext cx="3206038" cy="2763059"/>
+          </a:xfrm>
+          <a:prstGeom prst="rect">
+            <a:avLst/>
+          </a:prstGeom>
+          <a:effectLst>
+            <a:outerShdw blurRad="457200" dist="241300" dir="3540000" sx="108000" sy="108000" algn="ctr" rotWithShape="0">
+              <a:schemeClr val="tx1">
+                <a:lumMod val="75000"/>
+                <a:lumOff val="25000"/>
+              </a:schemeClr>
+            </a:outerShdw>
+          </a:effectLst>
+        </p:spPr>
+      </p:pic>
+      <p:pic>
+        <p:nvPicPr>
+          <p:cNvPr id="9" name="Picture 8" descr="A picture containing sky, wire, table, top&#10;&#10;Description generated with very high confidence">
+            <a:extLst>
+              <a:ext uri="{FF2B5EF4-FFF2-40B4-BE49-F238E27FC236}">
+                <a16:creationId xmlns:a16="http://schemas.microsoft.com/office/drawing/2014/main" id="{41CE8BD7-C90D-4BCE-ABC1-3979B7D1F20A}"/>
+              </a:ext>
+            </a:extLst>
+          </p:cNvPr>
+          <p:cNvPicPr>
+            <a:picLocks noChangeAspect="1"/>
+          </p:cNvPicPr>
+          <p:nvPr/>
+        </p:nvPicPr>
+        <p:blipFill>
+          <a:blip r:embed="rId3">
+            <a:extLst>
+              <a:ext uri="{28A0092B-C50C-407E-A947-70E740481C1C}">
+                <a14:useLocalDpi xmlns:a14="http://schemas.microsoft.com/office/drawing/2010/main" val="0"/>
+              </a:ext>
+            </a:extLst>
+          </a:blip>
+          <a:stretch>
+            <a:fillRect/>
+          </a:stretch>
+        </p:blipFill>
+        <p:spPr>
+          <a:xfrm>
+            <a:off x="4492981" y="903872"/>
+            <a:ext cx="3503354" cy="2167477"/>
+          </a:xfrm>
+          <a:prstGeom prst="rect">
+            <a:avLst/>
+          </a:prstGeom>
+          <a:effectLst>
+            <a:outerShdw blurRad="457200" dist="241300" dir="3540000" sx="108000" sy="108000" algn="ctr" rotWithShape="0">
+              <a:schemeClr val="tx1">
+                <a:lumMod val="75000"/>
+                <a:lumOff val="25000"/>
+              </a:schemeClr>
+            </a:outerShdw>
+          </a:effectLst>
+        </p:spPr>
+      </p:pic>
+      <p:pic>
+        <p:nvPicPr>
+          <p:cNvPr id="11" name="Picture 10" descr="A picture containing sky, table, indoor&#10;&#10;Description generated with very high confidence">
+            <a:extLst>
+              <a:ext uri="{FF2B5EF4-FFF2-40B4-BE49-F238E27FC236}">
+                <a16:creationId xmlns:a16="http://schemas.microsoft.com/office/drawing/2014/main" id="{E42C6A48-9267-4E8F-9974-F520769C5D45}"/>
+              </a:ext>
+            </a:extLst>
+          </p:cNvPr>
+          <p:cNvPicPr>
+            <a:picLocks noChangeAspect="1"/>
+          </p:cNvPicPr>
+          <p:nvPr/>
+        </p:nvPicPr>
+        <p:blipFill>
+          <a:blip r:embed="rId4">
+            <a:extLst>
+              <a:ext uri="{28A0092B-C50C-407E-A947-70E740481C1C}">
+                <a14:useLocalDpi xmlns:a14="http://schemas.microsoft.com/office/drawing/2010/main" val="0"/>
+              </a:ext>
+            </a:extLst>
+          </a:blip>
+          <a:stretch>
+            <a:fillRect/>
+          </a:stretch>
+        </p:blipFill>
+        <p:spPr>
+          <a:xfrm>
+            <a:off x="400980" y="903872"/>
+            <a:ext cx="3503354" cy="2155281"/>
+          </a:xfrm>
+          <a:prstGeom prst="rect">
+            <a:avLst/>
+          </a:prstGeom>
+          <a:effectLst>
+            <a:outerShdw blurRad="457200" dist="241300" dir="3540000" sx="108000" sy="108000" algn="ctr" rotWithShape="0">
+              <a:schemeClr val="tx1">
+                <a:lumMod val="75000"/>
+                <a:lumOff val="25000"/>
+              </a:schemeClr>
+            </a:outerShdw>
+          </a:effectLst>
+        </p:spPr>
+      </p:pic>
+      <p:sp>
+        <p:nvSpPr>
+          <p:cNvPr id="12" name="TextBox 11">
+            <a:extLst>
+              <a:ext uri="{FF2B5EF4-FFF2-40B4-BE49-F238E27FC236}">
+                <a16:creationId xmlns:a16="http://schemas.microsoft.com/office/drawing/2014/main" id="{BF015999-4A5F-4A7F-B816-D7906F7E5D46}"/>
+              </a:ext>
+            </a:extLst>
+          </p:cNvPr>
+          <p:cNvSpPr txBox="1"/>
+          <p:nvPr/>
+        </p:nvSpPr>
+        <p:spPr>
+          <a:xfrm>
+            <a:off x="1144145" y="202991"/>
+            <a:ext cx="1822487" cy="369332"/>
+          </a:xfrm>
+          <a:prstGeom prst="rect">
+            <a:avLst/>
+          </a:prstGeom>
+          <a:noFill/>
+        </p:spPr>
+        <p:txBody>
+          <a:bodyPr wrap="none" rtlCol="0">
+            <a:spAutoFit/>
+          </a:bodyPr>
+          <a:lstStyle/>
+          <a:p>
+            <a:r>
+              <a:rPr lang="en-US" dirty="0">
+                <a:solidFill>
+                  <a:schemeClr val="bg1"/>
+                </a:solidFill>
+              </a:rPr>
+              <a:t>J. </a:t>
+            </a:r>
+            <a:r>
+              <a:rPr lang="en-US" dirty="0" err="1">
+                <a:solidFill>
+                  <a:schemeClr val="bg1"/>
+                </a:solidFill>
+              </a:rPr>
+              <a:t>Sklansky</a:t>
+            </a:r>
+            <a:r>
+              <a:rPr lang="en-US" dirty="0">
+                <a:solidFill>
+                  <a:schemeClr val="bg1"/>
+                </a:solidFill>
+              </a:rPr>
+              <a:t> (1960)</a:t>
+            </a:r>
+          </a:p>
+        </p:txBody>
+      </p:sp>
+      <p:sp>
+        <p:nvSpPr>
+          <p:cNvPr id="13" name="TextBox 12">
+            <a:extLst>
+              <a:ext uri="{FF2B5EF4-FFF2-40B4-BE49-F238E27FC236}">
+                <a16:creationId xmlns:a16="http://schemas.microsoft.com/office/drawing/2014/main" id="{6DEDA429-0E95-4E5C-86F6-1411583F5421}"/>
+              </a:ext>
+            </a:extLst>
+          </p:cNvPr>
+          <p:cNvSpPr txBox="1"/>
+          <p:nvPr/>
+        </p:nvSpPr>
+        <p:spPr>
+          <a:xfrm>
+            <a:off x="5230502" y="199007"/>
+            <a:ext cx="2028312" cy="369332"/>
+          </a:xfrm>
+          <a:prstGeom prst="rect">
+            <a:avLst/>
+          </a:prstGeom>
+          <a:noFill/>
+        </p:spPr>
+        <p:txBody>
+          <a:bodyPr wrap="none" rtlCol="0">
+            <a:spAutoFit/>
+          </a:bodyPr>
+          <a:lstStyle/>
+          <a:p>
+            <a:r>
+              <a:rPr lang="en-US" dirty="0" err="1">
+                <a:solidFill>
+                  <a:schemeClr val="bg1"/>
+                </a:solidFill>
+              </a:rPr>
+              <a:t>Kogge</a:t>
+            </a:r>
+            <a:r>
+              <a:rPr lang="en-US" dirty="0">
+                <a:solidFill>
+                  <a:schemeClr val="bg1"/>
+                </a:solidFill>
+              </a:rPr>
+              <a:t>-Stone (1973)</a:t>
+            </a:r>
+          </a:p>
+        </p:txBody>
+      </p:sp>
+      <p:sp>
+        <p:nvSpPr>
+          <p:cNvPr id="14" name="TextBox 13">
+            <a:extLst>
+              <a:ext uri="{FF2B5EF4-FFF2-40B4-BE49-F238E27FC236}">
+                <a16:creationId xmlns:a16="http://schemas.microsoft.com/office/drawing/2014/main" id="{87672A89-AA55-4F8C-B0C9-EF44C6B4A127}"/>
+              </a:ext>
+            </a:extLst>
+          </p:cNvPr>
+          <p:cNvSpPr txBox="1"/>
+          <p:nvPr/>
+        </p:nvSpPr>
+        <p:spPr>
+          <a:xfrm>
+            <a:off x="9372378" y="199007"/>
+            <a:ext cx="1900777" cy="369332"/>
+          </a:xfrm>
+          <a:prstGeom prst="rect">
+            <a:avLst/>
+          </a:prstGeom>
+          <a:noFill/>
+        </p:spPr>
+        <p:txBody>
+          <a:bodyPr wrap="none" rtlCol="0">
+            <a:spAutoFit/>
+          </a:bodyPr>
+          <a:lstStyle/>
+          <a:p>
+            <a:r>
+              <a:rPr lang="en-US" dirty="0">
+                <a:solidFill>
+                  <a:schemeClr val="bg1"/>
+                </a:solidFill>
+              </a:rPr>
+              <a:t>Brent-Kung (1982)</a:t>
+            </a:r>
+          </a:p>
+        </p:txBody>
+      </p:sp>
+      <p:sp>
+        <p:nvSpPr>
+          <p:cNvPr id="31" name="Rectangle 30">
+            <a:extLst>
+              <a:ext uri="{FF2B5EF4-FFF2-40B4-BE49-F238E27FC236}">
+                <a16:creationId xmlns:a16="http://schemas.microsoft.com/office/drawing/2014/main" id="{BCE991A1-7941-46A3-810E-BB8DC3BACACA}"/>
+              </a:ext>
+            </a:extLst>
+          </p:cNvPr>
+          <p:cNvSpPr/>
+          <p:nvPr/>
+        </p:nvSpPr>
+        <p:spPr>
+          <a:xfrm>
+            <a:off x="4748488" y="4377346"/>
+            <a:ext cx="2992340" cy="1474237"/>
+          </a:xfrm>
+          <a:prstGeom prst="rect">
+            <a:avLst/>
+          </a:prstGeom>
+          <a:solidFill>
+            <a:schemeClr val="bg2">
+              <a:lumMod val="90000"/>
+            </a:schemeClr>
+          </a:solidFill>
+          <a:ln>
+            <a:noFill/>
+          </a:ln>
+          <a:effectLst>
+            <a:softEdge rad="317500"/>
+          </a:effectLst>
+        </p:spPr>
+        <p:style>
+          <a:lnRef idx="2">
+            <a:schemeClr val="accent1">
+              <a:shade val="50000"/>
+            </a:schemeClr>
+          </a:lnRef>
+          <a:fillRef idx="1">
+            <a:schemeClr val="accent1"/>
+          </a:fillRef>
+          <a:effectRef idx="0">
+            <a:schemeClr val="accent1"/>
+          </a:effectRef>
+          <a:fontRef idx="minor">
+            <a:schemeClr val="lt1"/>
+          </a:fontRef>
+        </p:style>
+        <p:txBody>
+          <a:bodyPr rtlCol="0" anchor="ctr"/>
+          <a:lstStyle/>
+          <a:p>
+            <a:r>
+              <a:rPr lang="en-US" b="1" dirty="0">
+                <a:solidFill>
+                  <a:schemeClr val="tx1">
+                    <a:lumMod val="95000"/>
+                    <a:lumOff val="5000"/>
+                  </a:schemeClr>
+                </a:solidFill>
+                <a:latin typeface="Book Antiqua" panose="02040602050305030304" pitchFamily="18" charset="0"/>
+              </a:rPr>
+              <a:t>Levels : 		log</a:t>
+            </a:r>
+            <a:r>
+              <a:rPr lang="en-US" b="1" baseline="-25000" dirty="0">
+                <a:solidFill>
+                  <a:schemeClr val="tx1">
+                    <a:lumMod val="95000"/>
+                    <a:lumOff val="5000"/>
+                  </a:schemeClr>
+                </a:solidFill>
+                <a:latin typeface="Book Antiqua" panose="02040602050305030304" pitchFamily="18" charset="0"/>
+              </a:rPr>
+              <a:t>2</a:t>
+            </a:r>
+            <a:r>
+              <a:rPr lang="en-US" b="1" dirty="0">
+                <a:solidFill>
+                  <a:schemeClr val="tx1">
+                    <a:lumMod val="95000"/>
+                    <a:lumOff val="5000"/>
+                  </a:schemeClr>
+                </a:solidFill>
+                <a:latin typeface="Book Antiqua" panose="02040602050305030304" pitchFamily="18" charset="0"/>
+              </a:rPr>
+              <a:t>n</a:t>
+            </a:r>
+          </a:p>
+          <a:p>
+            <a:r>
+              <a:rPr lang="en-US" b="1" dirty="0">
+                <a:solidFill>
+                  <a:schemeClr val="tx1">
+                    <a:lumMod val="95000"/>
+                    <a:lumOff val="5000"/>
+                  </a:schemeClr>
+                </a:solidFill>
+                <a:latin typeface="Book Antiqua" panose="02040602050305030304" pitchFamily="18" charset="0"/>
+              </a:rPr>
+              <a:t>Fan-Out : 	2</a:t>
+            </a:r>
+          </a:p>
+          <a:p>
+            <a:r>
+              <a:rPr lang="en-US" b="1" dirty="0">
+                <a:solidFill>
+                  <a:schemeClr val="tx1">
+                    <a:lumMod val="95000"/>
+                    <a:lumOff val="5000"/>
+                  </a:schemeClr>
+                </a:solidFill>
+                <a:latin typeface="Book Antiqua" panose="02040602050305030304" pitchFamily="18" charset="0"/>
+              </a:rPr>
+              <a:t>Area : 		n(log</a:t>
+            </a:r>
+            <a:r>
+              <a:rPr lang="en-US" b="1" baseline="-25000" dirty="0">
+                <a:solidFill>
+                  <a:schemeClr val="tx1">
+                    <a:lumMod val="95000"/>
+                    <a:lumOff val="5000"/>
+                  </a:schemeClr>
+                </a:solidFill>
+                <a:latin typeface="Book Antiqua" panose="02040602050305030304" pitchFamily="18" charset="0"/>
+              </a:rPr>
+              <a:t>2</a:t>
+            </a:r>
+            <a:r>
+              <a:rPr lang="en-US" b="1" dirty="0">
+                <a:solidFill>
+                  <a:schemeClr val="tx1">
+                    <a:lumMod val="95000"/>
+                    <a:lumOff val="5000"/>
+                  </a:schemeClr>
+                </a:solidFill>
+                <a:latin typeface="Book Antiqua" panose="02040602050305030304" pitchFamily="18" charset="0"/>
+              </a:rPr>
+              <a:t>n-1)+1</a:t>
+            </a:r>
+          </a:p>
+        </p:txBody>
+      </p:sp>
+      <p:sp>
+        <p:nvSpPr>
+          <p:cNvPr id="32" name="Rectangle 31">
+            <a:extLst>
+              <a:ext uri="{FF2B5EF4-FFF2-40B4-BE49-F238E27FC236}">
+                <a16:creationId xmlns:a16="http://schemas.microsoft.com/office/drawing/2014/main" id="{761505FD-A8A5-4E8F-90FD-4A3BF4260532}"/>
+              </a:ext>
+            </a:extLst>
+          </p:cNvPr>
+          <p:cNvSpPr/>
+          <p:nvPr/>
+        </p:nvSpPr>
+        <p:spPr>
+          <a:xfrm>
+            <a:off x="665311" y="4377346"/>
+            <a:ext cx="2780153" cy="1474237"/>
+          </a:xfrm>
+          <a:prstGeom prst="rect">
+            <a:avLst/>
+          </a:prstGeom>
+          <a:solidFill>
+            <a:schemeClr val="bg2">
+              <a:lumMod val="90000"/>
+            </a:schemeClr>
+          </a:solidFill>
+          <a:ln>
+            <a:noFill/>
+          </a:ln>
+          <a:effectLst>
+            <a:softEdge rad="317500"/>
+          </a:effectLst>
+        </p:spPr>
+        <p:style>
+          <a:lnRef idx="2">
+            <a:schemeClr val="accent1">
+              <a:shade val="50000"/>
+            </a:schemeClr>
+          </a:lnRef>
+          <a:fillRef idx="1">
+            <a:schemeClr val="accent1"/>
+          </a:fillRef>
+          <a:effectRef idx="0">
+            <a:schemeClr val="accent1"/>
+          </a:effectRef>
+          <a:fontRef idx="minor">
+            <a:schemeClr val="lt1"/>
+          </a:fontRef>
+        </p:style>
+        <p:txBody>
+          <a:bodyPr rtlCol="0" anchor="ctr"/>
+          <a:lstStyle/>
+          <a:p>
+            <a:r>
+              <a:rPr lang="en-US" b="1" dirty="0">
+                <a:solidFill>
+                  <a:schemeClr val="tx1">
+                    <a:lumMod val="95000"/>
+                    <a:lumOff val="5000"/>
+                  </a:schemeClr>
+                </a:solidFill>
+                <a:latin typeface="Book Antiqua" panose="02040602050305030304" pitchFamily="18" charset="0"/>
+              </a:rPr>
+              <a:t>Levels : 		log</a:t>
+            </a:r>
+            <a:r>
+              <a:rPr lang="en-US" b="1" baseline="-25000" dirty="0">
+                <a:solidFill>
+                  <a:schemeClr val="tx1">
+                    <a:lumMod val="95000"/>
+                    <a:lumOff val="5000"/>
+                  </a:schemeClr>
+                </a:solidFill>
+                <a:latin typeface="Book Antiqua" panose="02040602050305030304" pitchFamily="18" charset="0"/>
+              </a:rPr>
+              <a:t>2</a:t>
+            </a:r>
+            <a:r>
+              <a:rPr lang="en-US" b="1" dirty="0">
+                <a:solidFill>
+                  <a:schemeClr val="tx1">
+                    <a:lumMod val="95000"/>
+                    <a:lumOff val="5000"/>
+                  </a:schemeClr>
+                </a:solidFill>
+                <a:latin typeface="Book Antiqua" panose="02040602050305030304" pitchFamily="18" charset="0"/>
+              </a:rPr>
+              <a:t>n </a:t>
+            </a:r>
+          </a:p>
+          <a:p>
+            <a:r>
+              <a:rPr lang="en-US" b="1" dirty="0">
+                <a:solidFill>
+                  <a:schemeClr val="tx1">
+                    <a:lumMod val="95000"/>
+                    <a:lumOff val="5000"/>
+                  </a:schemeClr>
+                </a:solidFill>
+                <a:latin typeface="Book Antiqua" panose="02040602050305030304" pitchFamily="18" charset="0"/>
+              </a:rPr>
+              <a:t>Fan-Out : 	n/2 + 1</a:t>
+            </a:r>
+          </a:p>
+          <a:p>
+            <a:r>
+              <a:rPr lang="en-US" b="1" dirty="0">
+                <a:solidFill>
+                  <a:schemeClr val="tx1">
+                    <a:lumMod val="95000"/>
+                    <a:lumOff val="5000"/>
+                  </a:schemeClr>
+                </a:solidFill>
+                <a:latin typeface="Book Antiqua" panose="02040602050305030304" pitchFamily="18" charset="0"/>
+              </a:rPr>
+              <a:t>Nodes : 		n/2*log</a:t>
+            </a:r>
+            <a:r>
+              <a:rPr lang="en-US" b="1" baseline="-25000" dirty="0">
+                <a:solidFill>
+                  <a:schemeClr val="tx1">
+                    <a:lumMod val="95000"/>
+                    <a:lumOff val="5000"/>
+                  </a:schemeClr>
+                </a:solidFill>
+                <a:latin typeface="Book Antiqua" panose="02040602050305030304" pitchFamily="18" charset="0"/>
+              </a:rPr>
+              <a:t>2</a:t>
+            </a:r>
+            <a:r>
+              <a:rPr lang="en-US" b="1" dirty="0">
+                <a:solidFill>
+                  <a:schemeClr val="tx1">
+                    <a:lumMod val="95000"/>
+                    <a:lumOff val="5000"/>
+                  </a:schemeClr>
+                </a:solidFill>
+                <a:latin typeface="Book Antiqua" panose="02040602050305030304" pitchFamily="18" charset="0"/>
+              </a:rPr>
+              <a:t>n</a:t>
+            </a:r>
+          </a:p>
+        </p:txBody>
+      </p:sp>
+      <p:sp>
+        <p:nvSpPr>
+          <p:cNvPr id="33" name="Rectangle 32">
+            <a:extLst>
+              <a:ext uri="{FF2B5EF4-FFF2-40B4-BE49-F238E27FC236}">
+                <a16:creationId xmlns:a16="http://schemas.microsoft.com/office/drawing/2014/main" id="{7D927CFF-E24D-4C3C-B406-81820F1321EE}"/>
+              </a:ext>
+            </a:extLst>
+          </p:cNvPr>
+          <p:cNvSpPr/>
+          <p:nvPr/>
+        </p:nvSpPr>
+        <p:spPr>
+          <a:xfrm>
+            <a:off x="8821094" y="4377345"/>
+            <a:ext cx="3146501" cy="1474237"/>
+          </a:xfrm>
+          <a:prstGeom prst="rect">
+            <a:avLst/>
+          </a:prstGeom>
+          <a:solidFill>
+            <a:schemeClr val="bg2">
+              <a:lumMod val="90000"/>
+            </a:schemeClr>
+          </a:solidFill>
+          <a:ln>
+            <a:noFill/>
+          </a:ln>
+          <a:effectLst>
+            <a:softEdge rad="317500"/>
+          </a:effectLst>
+        </p:spPr>
+        <p:style>
+          <a:lnRef idx="2">
+            <a:schemeClr val="accent1">
+              <a:shade val="50000"/>
+            </a:schemeClr>
+          </a:lnRef>
+          <a:fillRef idx="1">
+            <a:schemeClr val="accent1"/>
+          </a:fillRef>
+          <a:effectRef idx="0">
+            <a:schemeClr val="accent1"/>
+          </a:effectRef>
+          <a:fontRef idx="minor">
+            <a:schemeClr val="lt1"/>
+          </a:fontRef>
+        </p:style>
+        <p:txBody>
+          <a:bodyPr rtlCol="0" anchor="ctr"/>
+          <a:lstStyle/>
+          <a:p>
+            <a:r>
+              <a:rPr lang="en-US" b="1" dirty="0">
+                <a:solidFill>
+                  <a:schemeClr val="tx1">
+                    <a:lumMod val="95000"/>
+                    <a:lumOff val="5000"/>
+                  </a:schemeClr>
+                </a:solidFill>
+                <a:latin typeface="Book Antiqua" panose="02040602050305030304" pitchFamily="18" charset="0"/>
+              </a:rPr>
+              <a:t>Levels : 		2*log</a:t>
+            </a:r>
+            <a:r>
+              <a:rPr lang="en-US" b="1" baseline="-25000" dirty="0">
+                <a:solidFill>
+                  <a:schemeClr val="tx1">
+                    <a:lumMod val="95000"/>
+                    <a:lumOff val="5000"/>
+                  </a:schemeClr>
+                </a:solidFill>
+                <a:latin typeface="Book Antiqua" panose="02040602050305030304" pitchFamily="18" charset="0"/>
+              </a:rPr>
+              <a:t>2</a:t>
+            </a:r>
+            <a:r>
+              <a:rPr lang="en-US" b="1" dirty="0">
+                <a:solidFill>
+                  <a:schemeClr val="tx1">
+                    <a:lumMod val="95000"/>
+                    <a:lumOff val="5000"/>
+                  </a:schemeClr>
+                </a:solidFill>
+                <a:latin typeface="Book Antiqua" panose="02040602050305030304" pitchFamily="18" charset="0"/>
+              </a:rPr>
+              <a:t>n-1</a:t>
+            </a:r>
+          </a:p>
+          <a:p>
+            <a:r>
+              <a:rPr lang="en-US" b="1" dirty="0">
+                <a:solidFill>
+                  <a:schemeClr val="tx1">
+                    <a:lumMod val="95000"/>
+                    <a:lumOff val="5000"/>
+                  </a:schemeClr>
+                </a:solidFill>
+                <a:latin typeface="Book Antiqua" panose="02040602050305030304" pitchFamily="18" charset="0"/>
+              </a:rPr>
+              <a:t>Fan-Out : 	log</a:t>
+            </a:r>
+            <a:r>
+              <a:rPr lang="en-US" b="1" baseline="-25000" dirty="0">
+                <a:solidFill>
+                  <a:schemeClr val="tx1">
+                    <a:lumMod val="95000"/>
+                    <a:lumOff val="5000"/>
+                  </a:schemeClr>
+                </a:solidFill>
+                <a:latin typeface="Book Antiqua" panose="02040602050305030304" pitchFamily="18" charset="0"/>
+              </a:rPr>
+              <a:t>2</a:t>
+            </a:r>
+            <a:r>
+              <a:rPr lang="en-US" b="1" dirty="0">
+                <a:solidFill>
+                  <a:schemeClr val="tx1">
+                    <a:lumMod val="95000"/>
+                    <a:lumOff val="5000"/>
+                  </a:schemeClr>
+                </a:solidFill>
+                <a:latin typeface="Book Antiqua" panose="02040602050305030304" pitchFamily="18" charset="0"/>
+              </a:rPr>
+              <a:t>n+1</a:t>
+            </a:r>
+          </a:p>
+          <a:p>
+            <a:r>
+              <a:rPr lang="en-US" b="1" dirty="0">
+                <a:solidFill>
+                  <a:schemeClr val="tx1">
+                    <a:lumMod val="95000"/>
+                    <a:lumOff val="5000"/>
+                  </a:schemeClr>
+                </a:solidFill>
+                <a:latin typeface="Book Antiqua" panose="02040602050305030304" pitchFamily="18" charset="0"/>
+              </a:rPr>
+              <a:t>Area : 		2(n-1)-log</a:t>
+            </a:r>
+            <a:r>
+              <a:rPr lang="en-US" b="1" baseline="-25000" dirty="0">
+                <a:solidFill>
+                  <a:schemeClr val="tx1">
+                    <a:lumMod val="95000"/>
+                    <a:lumOff val="5000"/>
+                  </a:schemeClr>
+                </a:solidFill>
+                <a:latin typeface="Book Antiqua" panose="02040602050305030304" pitchFamily="18" charset="0"/>
+              </a:rPr>
+              <a:t>2</a:t>
+            </a:r>
+            <a:r>
+              <a:rPr lang="en-US" b="1" dirty="0">
+                <a:solidFill>
+                  <a:schemeClr val="tx1">
+                    <a:lumMod val="95000"/>
+                    <a:lumOff val="5000"/>
+                  </a:schemeClr>
+                </a:solidFill>
+                <a:latin typeface="Book Antiqua" panose="02040602050305030304" pitchFamily="18" charset="0"/>
+              </a:rPr>
+              <a:t>n</a:t>
+            </a:r>
+          </a:p>
+        </p:txBody>
+      </p:sp>
+    </p:spTree>
+    <p:extLst>
+      <p:ext uri="{BB962C8B-B14F-4D97-AF65-F5344CB8AC3E}">
+        <p14:creationId xmlns:p14="http://schemas.microsoft.com/office/powerpoint/2010/main" val="3949790039"/>
+      </p:ext>
+    </p:extLst>
+  </p:cSld>
+  <p:clrMapOvr>
+    <a:masterClrMapping/>
+  </p:clrMapOvr>
+  <p:timing>
+    <p:tnLst>
+      <p:par>
+        <p:cTn id="1" dur="indefinite" restart="never" nodeType="tmRoot">
+          <p:childTnLst>
+            <p:seq concurrent="1" nextAc="seek">
+              <p:cTn id="2" dur="indefinite" nodeType="mainSeq">
+                <p:childTnLst>
+                  <p:par>
+                    <p:cTn id="3" fill="hold">
+                      <p:stCondLst>
+                        <p:cond delay="indefinite"/>
+                      </p:stCondLst>
+                      <p:childTnLst>
+                        <p:par>
+                          <p:cTn id="4" fill="hold">
+                            <p:stCondLst>
+                              <p:cond delay="0"/>
+                            </p:stCondLst>
+                            <p:childTnLst>
+                              <p:par>
+                                <p:cTn id="5" presetID="1" presetClass="entr" presetSubtype="0" fill="hold" grpId="0" nodeType="clickEffect">
+                                  <p:stCondLst>
+                                    <p:cond delay="0"/>
+                                  </p:stCondLst>
+                                  <p:childTnLst>
+                                    <p:set>
+                                      <p:cBhvr>
+                                        <p:cTn id="6" dur="1" fill="hold">
+                                          <p:stCondLst>
+                                            <p:cond delay="0"/>
+                                          </p:stCondLst>
+                                        </p:cTn>
+                                        <p:tgtEl>
+                                          <p:spTgt spid="32"/>
+                                        </p:tgtEl>
+                                        <p:attrNameLst>
+                                          <p:attrName>style.visibility</p:attrName>
+                                        </p:attrNameLst>
+                                      </p:cBhvr>
+                                      <p:to>
+                                        <p:strVal val="visible"/>
+                                      </p:to>
+                                    </p:set>
+                                  </p:childTnLst>
+                                </p:cTn>
+                              </p:par>
+                              <p:par>
+                                <p:cTn id="7" presetID="1" presetClass="entr" presetSubtype="0" fill="hold" grpId="0" nodeType="withEffect">
+                                  <p:stCondLst>
+                                    <p:cond delay="0"/>
+                                  </p:stCondLst>
+                                  <p:childTnLst>
+                                    <p:set>
+                                      <p:cBhvr>
+                                        <p:cTn id="8" dur="1" fill="hold">
+                                          <p:stCondLst>
+                                            <p:cond delay="0"/>
+                                          </p:stCondLst>
+                                        </p:cTn>
+                                        <p:tgtEl>
+                                          <p:spTgt spid="31"/>
+                                        </p:tgtEl>
+                                        <p:attrNameLst>
+                                          <p:attrName>style.visibility</p:attrName>
+                                        </p:attrNameLst>
+                                      </p:cBhvr>
+                                      <p:to>
+                                        <p:strVal val="visible"/>
+                                      </p:to>
+                                    </p:set>
+                                  </p:childTnLst>
+                                </p:cTn>
+                              </p:par>
+                              <p:par>
+                                <p:cTn id="9" presetID="1" presetClass="entr" presetSubtype="0" fill="hold" grpId="0" nodeType="withEffect">
+                                  <p:stCondLst>
+                                    <p:cond delay="0"/>
+                                  </p:stCondLst>
+                                  <p:childTnLst>
+                                    <p:set>
+                                      <p:cBhvr>
+                                        <p:cTn id="10" dur="1" fill="hold">
+                                          <p:stCondLst>
+                                            <p:cond delay="0"/>
+                                          </p:stCondLst>
+                                        </p:cTn>
+                                        <p:tgtEl>
+                                          <p:spTgt spid="33"/>
+                                        </p:tgtEl>
+                                        <p:attrNameLst>
+                                          <p:attrName>style.visibility</p:attrName>
+                                        </p:attrNameLst>
+                                      </p:cBhvr>
+                                      <p:to>
+                                        <p:strVal val="visible"/>
+                                      </p:to>
+                                    </p:set>
+                                  </p:childTnLst>
+                                </p:cTn>
+                              </p:par>
+                            </p:childTnLst>
+                          </p:cTn>
+                        </p:par>
+                      </p:childTnLst>
+                    </p:cTn>
+                  </p:par>
+                </p:childTnLst>
+              </p:cTn>
+              <p:prevCondLst>
+                <p:cond evt="onPrev" delay="0">
+                  <p:tgtEl>
+                    <p:sldTgt/>
+                  </p:tgtEl>
+                </p:cond>
+              </p:prevCondLst>
+              <p:nextCondLst>
+                <p:cond evt="onNext" delay="0">
+                  <p:tgtEl>
+                    <p:sldTgt/>
+                  </p:tgtEl>
+                </p:cond>
+              </p:nextCondLst>
+            </p:seq>
+          </p:childTnLst>
+        </p:cTn>
+      </p:par>
+    </p:tnLst>
+    <p:bldLst>
+      <p:bldP spid="31" grpId="0" animBg="1"/>
+      <p:bldP spid="32" grpId="0" animBg="1"/>
+      <p:bldP spid="33" grpId="0" animBg="1"/>
+    </p:bldLst>
+  </p:timing>
+</p:sld>
+</file>
+
+<file path=ppt/slides/slide8.xml><?xml version="1.0" encoding="utf-8"?>
+<p:sld xmlns:a="http://schemas.openxmlformats.org/drawingml/2006/main" xmlns:r="http://schemas.openxmlformats.org/officeDocument/2006/relationships" xmlns:p="http://schemas.openxmlformats.org/presentationml/2006/main">
+  <p:cSld>
+    <p:spTree>
+      <p:nvGrpSpPr>
+        <p:cNvPr id="1" name=""/>
+        <p:cNvGrpSpPr/>
+        <p:nvPr/>
+      </p:nvGrpSpPr>
+      <p:grpSpPr>
+        <a:xfrm>
+          <a:off x="0" y="0"/>
+          <a:ext cx="0" cy="0"/>
+          <a:chOff x="0" y="0"/>
+          <a:chExt cx="0" cy="0"/>
+        </a:xfrm>
+      </p:grpSpPr>
+      <p:sp>
+        <p:nvSpPr>
+          <p:cNvPr id="2" name="Footer Placeholder 1">
+            <a:extLst>
+              <a:ext uri="{FF2B5EF4-FFF2-40B4-BE49-F238E27FC236}">
+                <a16:creationId xmlns:a16="http://schemas.microsoft.com/office/drawing/2014/main" id="{459B3572-AA99-488B-8D03-8BD53164E747}"/>
+              </a:ext>
+            </a:extLst>
+          </p:cNvPr>
+          <p:cNvSpPr>
+            <a:spLocks noGrp="1"/>
+          </p:cNvSpPr>
+          <p:nvPr>
+            <p:ph type="ftr" sz="quarter" idx="11"/>
+          </p:nvPr>
+        </p:nvSpPr>
+        <p:spPr>
+          <a:xfrm>
+            <a:off x="4038600" y="6356350"/>
+            <a:ext cx="4114800" cy="365125"/>
+          </a:xfrm>
+        </p:spPr>
+        <p:txBody>
+          <a:bodyPr/>
+          <a:lstStyle/>
+          <a:p>
+            <a:endParaRPr lang="en-US"/>
+          </a:p>
+        </p:txBody>
+      </p:sp>
+      <p:sp>
+        <p:nvSpPr>
+          <p:cNvPr id="3" name="Slide Number Placeholder 2">
+            <a:extLst>
+              <a:ext uri="{FF2B5EF4-FFF2-40B4-BE49-F238E27FC236}">
+                <a16:creationId xmlns:a16="http://schemas.microsoft.com/office/drawing/2014/main" id="{FD47AA34-0846-4D13-9D07-B0556CB87407}"/>
+              </a:ext>
+            </a:extLst>
+          </p:cNvPr>
+          <p:cNvSpPr>
+            <a:spLocks noGrp="1"/>
+          </p:cNvSpPr>
+          <p:nvPr>
+            <p:ph type="sldNum" sz="quarter" idx="12"/>
+          </p:nvPr>
+        </p:nvSpPr>
+        <p:spPr>
+          <a:xfrm>
+            <a:off x="8610600" y="6356350"/>
+            <a:ext cx="2743200" cy="365125"/>
+          </a:xfrm>
+        </p:spPr>
+        <p:txBody>
+          <a:bodyPr/>
+          <a:lstStyle/>
+          <a:p>
+            <a:fld id="{8FCAAC12-ECE3-429D-A5B3-AAB453D53177}" type="slidenum">
+              <a:rPr lang="en-US" smtClean="0"/>
+              <a:t>8</a:t>
+            </a:fld>
+            <a:endParaRPr lang="en-US"/>
+          </a:p>
+        </p:txBody>
+      </p:sp>
+      <p:sp>
+        <p:nvSpPr>
+          <p:cNvPr id="4" name="TextBox 3">
+            <a:extLst>
+              <a:ext uri="{FF2B5EF4-FFF2-40B4-BE49-F238E27FC236}">
+                <a16:creationId xmlns:a16="http://schemas.microsoft.com/office/drawing/2014/main" id="{71AF349A-5848-4A62-97CD-E8A530880E25}"/>
+              </a:ext>
+            </a:extLst>
+          </p:cNvPr>
+          <p:cNvSpPr txBox="1"/>
+          <p:nvPr/>
+        </p:nvSpPr>
+        <p:spPr>
+          <a:xfrm>
+            <a:off x="3821178" y="293529"/>
+            <a:ext cx="4549643" cy="461665"/>
+          </a:xfrm>
+          <a:prstGeom prst="rect">
+            <a:avLst/>
+          </a:prstGeom>
+          <a:noFill/>
+        </p:spPr>
+        <p:txBody>
+          <a:bodyPr wrap="none" rtlCol="0">
+            <a:spAutoFit/>
+          </a:bodyPr>
+          <a:lstStyle/>
+          <a:p>
+            <a:r>
+              <a:rPr lang="el-GR" sz="2400">
+                <a:latin typeface="Book Antiqua" panose="02040602050305030304" pitchFamily="18" charset="0"/>
+              </a:rPr>
+              <a:t>Τεχνικές Αραίωσης - </a:t>
+            </a:r>
+            <a:r>
+              <a:rPr lang="en-US" sz="2400">
+                <a:latin typeface="Book Antiqua" panose="02040602050305030304" pitchFamily="18" charset="0"/>
+              </a:rPr>
+              <a:t>Sparseness</a:t>
+            </a:r>
+            <a:endParaRPr lang="en-US" sz="2400" dirty="0">
+              <a:latin typeface="Book Antiqua" panose="02040602050305030304" pitchFamily="18" charset="0"/>
+            </a:endParaRPr>
+          </a:p>
+        </p:txBody>
+      </p:sp>
+      <p:pic>
+        <p:nvPicPr>
+          <p:cNvPr id="6" name="Picture 5" descr="A picture containing table, sky, indoor, sitting&#10;&#10;Description generated with very high confidence">
+            <a:extLst>
+              <a:ext uri="{FF2B5EF4-FFF2-40B4-BE49-F238E27FC236}">
+                <a16:creationId xmlns:a16="http://schemas.microsoft.com/office/drawing/2014/main" id="{F8B6D4CA-2DA9-4FF9-9509-25E84ED6C05D}"/>
+              </a:ext>
+            </a:extLst>
+          </p:cNvPr>
+          <p:cNvPicPr>
+            <a:picLocks noChangeAspect="1"/>
+          </p:cNvPicPr>
+          <p:nvPr/>
+        </p:nvPicPr>
+        <p:blipFill>
+          <a:blip r:embed="rId2">
+            <a:extLst>
+              <a:ext uri="{28A0092B-C50C-407E-A947-70E740481C1C}">
+                <a14:useLocalDpi xmlns:a14="http://schemas.microsoft.com/office/drawing/2010/main" val="0"/>
+              </a:ext>
+            </a:extLst>
+          </a:blip>
+          <a:stretch>
+            <a:fillRect/>
+          </a:stretch>
+        </p:blipFill>
+        <p:spPr>
+          <a:xfrm>
+            <a:off x="4950013" y="1143333"/>
+            <a:ext cx="6546729" cy="4571334"/>
+          </a:xfrm>
+          <a:prstGeom prst="rect">
+            <a:avLst/>
+          </a:prstGeom>
+        </p:spPr>
+      </p:pic>
+      <p:sp>
+        <p:nvSpPr>
+          <p:cNvPr id="7" name="TextBox 6">
+            <a:extLst>
+              <a:ext uri="{FF2B5EF4-FFF2-40B4-BE49-F238E27FC236}">
+                <a16:creationId xmlns:a16="http://schemas.microsoft.com/office/drawing/2014/main" id="{9D6CA26F-B4F4-4060-9401-04812410027D}"/>
+              </a:ext>
+            </a:extLst>
+          </p:cNvPr>
+          <p:cNvSpPr txBox="1"/>
+          <p:nvPr/>
+        </p:nvSpPr>
+        <p:spPr>
+          <a:xfrm>
+            <a:off x="746449" y="2286000"/>
+            <a:ext cx="934871" cy="369332"/>
+          </a:xfrm>
+          <a:prstGeom prst="rect">
+            <a:avLst/>
+          </a:prstGeom>
+          <a:noFill/>
+        </p:spPr>
+        <p:txBody>
+          <a:bodyPr wrap="none" rtlCol="0">
+            <a:spAutoFit/>
+          </a:bodyPr>
+          <a:lstStyle/>
+          <a:p>
+            <a:r>
+              <a:rPr lang="en-US" dirty="0"/>
+              <a:t>Sum6 = </a:t>
+            </a:r>
+          </a:p>
+        </p:txBody>
+      </p:sp>
+    </p:spTree>
+    <p:extLst>
+      <p:ext uri="{BB962C8B-B14F-4D97-AF65-F5344CB8AC3E}">
+        <p14:creationId xmlns:p14="http://schemas.microsoft.com/office/powerpoint/2010/main" val="3692341559"/>
+      </p:ext>
+    </p:extLst>
+  </p:cSld>
+  <p:clrMapOvr>
+    <a:masterClrMapping/>
+  </p:clrMapOvr>
+</p:sld>
+</file>
+
+<file path=ppt/slides/slide9.xml><?xml version="1.0" encoding="utf-8"?>
+<p:sld xmlns:a="http://schemas.openxmlformats.org/drawingml/2006/main" xmlns:r="http://schemas.openxmlformats.org/officeDocument/2006/relationships" xmlns:p="http://schemas.openxmlformats.org/presentationml/2006/main">
+  <p:cSld>
+    <p:spTree>
+      <p:nvGrpSpPr>
+        <p:cNvPr id="1" name=""/>
+        <p:cNvGrpSpPr/>
+        <p:nvPr/>
+      </p:nvGrpSpPr>
+      <p:grpSpPr>
+        <a:xfrm>
+          <a:off x="0" y="0"/>
+          <a:ext cx="0" cy="0"/>
+          <a:chOff x="0" y="0"/>
+          <a:chExt cx="0" cy="0"/>
+        </a:xfrm>
+      </p:grpSpPr>
+      <p:sp>
+        <p:nvSpPr>
           <p:cNvPr id="2" name="Footer Placeholder 1">
             <a:extLst>
               <a:ext uri="{FF2B5EF4-FFF2-40B4-BE49-F238E27FC236}">
@@ -6442,7 +8423,7 @@
           <a:p>
             <a:fld id="{8FCAAC12-ECE3-429D-A5B3-AAB453D53177}" type="slidenum">
               <a:rPr lang="en-US" smtClean="0"/>
-              <a:t>7</a:t>
+              <a:t>9</a:t>
             </a:fld>
             <a:endParaRPr lang="en-US"/>
           </a:p>
@@ -6882,210 +8863,6 @@
     <p:extLst>
       <p:ext uri="{BB962C8B-B14F-4D97-AF65-F5344CB8AC3E}">
         <p14:creationId xmlns:p14="http://schemas.microsoft.com/office/powerpoint/2010/main" val="3867041078"/>
-      </p:ext>
-    </p:extLst>
-  </p:cSld>
-  <p:clrMapOvr>
-    <a:masterClrMapping/>
-  </p:clrMapOvr>
-</p:sld>
-</file>
-
-<file path=ppt/slides/slide8.xml><?xml version="1.0" encoding="utf-8"?>
-<p:sld xmlns:a="http://schemas.openxmlformats.org/drawingml/2006/main" xmlns:r="http://schemas.openxmlformats.org/officeDocument/2006/relationships" xmlns:p="http://schemas.openxmlformats.org/presentationml/2006/main">
-  <p:cSld>
-    <p:spTree>
-      <p:nvGrpSpPr>
-        <p:cNvPr id="1" name=""/>
-        <p:cNvGrpSpPr/>
-        <p:nvPr/>
-      </p:nvGrpSpPr>
-      <p:grpSpPr>
-        <a:xfrm>
-          <a:off x="0" y="0"/>
-          <a:ext cx="0" cy="0"/>
-          <a:chOff x="0" y="0"/>
-          <a:chExt cx="0" cy="0"/>
-        </a:xfrm>
-      </p:grpSpPr>
-      <p:sp>
-        <p:nvSpPr>
-          <p:cNvPr id="11" name="Rectangle 10">
-            <a:extLst>
-              <a:ext uri="{FF2B5EF4-FFF2-40B4-BE49-F238E27FC236}">
-                <a16:creationId xmlns:a16="http://schemas.microsoft.com/office/drawing/2014/main" id="{A01D985B-6785-4FA8-8B7F-39E662246E2F}"/>
-              </a:ext>
-            </a:extLst>
-          </p:cNvPr>
-          <p:cNvSpPr/>
-          <p:nvPr/>
-        </p:nvSpPr>
-        <p:spPr>
-          <a:xfrm>
-            <a:off x="0" y="6072960"/>
-            <a:ext cx="12192000" cy="760206"/>
-          </a:xfrm>
-          <a:prstGeom prst="rect">
-            <a:avLst/>
-          </a:prstGeom>
-          <a:gradFill flip="none" rotWithShape="1">
-            <a:gsLst>
-              <a:gs pos="0">
-                <a:schemeClr val="bg2">
-                  <a:lumMod val="75000"/>
-                </a:schemeClr>
-              </a:gs>
-              <a:gs pos="24000">
-                <a:schemeClr val="tx1">
-                  <a:lumMod val="39000"/>
-                  <a:lumOff val="61000"/>
-                </a:schemeClr>
-              </a:gs>
-              <a:gs pos="86000">
-                <a:schemeClr val="bg1"/>
-              </a:gs>
-            </a:gsLst>
-            <a:path path="circle">
-              <a:fillToRect l="100000" t="100000"/>
-            </a:path>
-            <a:tileRect r="-100000" b="-100000"/>
-          </a:gradFill>
-          <a:ln w="28575">
-            <a:noFill/>
-          </a:ln>
-        </p:spPr>
-        <p:style>
-          <a:lnRef idx="1">
-            <a:schemeClr val="dk1"/>
-          </a:lnRef>
-          <a:fillRef idx="2">
-            <a:schemeClr val="dk1"/>
-          </a:fillRef>
-          <a:effectRef idx="1">
-            <a:schemeClr val="dk1"/>
-          </a:effectRef>
-          <a:fontRef idx="minor">
-            <a:schemeClr val="dk1"/>
-          </a:fontRef>
-        </p:style>
-        <p:txBody>
-          <a:bodyPr rtlCol="0" anchor="ctr"/>
-          <a:lstStyle/>
-          <a:p>
-            <a:pPr algn="ctr"/>
-            <a:r>
-              <a:rPr lang="el-GR" sz="2400" b="1" dirty="0">
-                <a:solidFill>
-                  <a:schemeClr val="bg2">
-                    <a:lumMod val="25000"/>
-                  </a:schemeClr>
-                </a:solidFill>
-                <a:latin typeface="Book Antiqua" panose="02040602050305030304" pitchFamily="18" charset="0"/>
-                <a:ea typeface="Batang" panose="020B0503020000020004" pitchFamily="18" charset="-127"/>
-              </a:rPr>
-              <a:t>Αναδρομική </a:t>
-            </a:r>
-            <a:r>
-              <a:rPr lang="en-US" sz="2400" b="1" dirty="0">
-                <a:solidFill>
-                  <a:schemeClr val="bg2">
-                    <a:lumMod val="25000"/>
-                  </a:schemeClr>
-                </a:solidFill>
-                <a:latin typeface="Book Antiqua" panose="02040602050305030304" pitchFamily="18" charset="0"/>
-                <a:ea typeface="Batang" panose="020B0503020000020004" pitchFamily="18" charset="-127"/>
-              </a:rPr>
-              <a:t>Ling</a:t>
-            </a:r>
-            <a:r>
-              <a:rPr lang="el-GR" sz="2400" b="1" dirty="0">
-                <a:solidFill>
-                  <a:schemeClr val="bg2">
-                    <a:lumMod val="25000"/>
-                  </a:schemeClr>
-                </a:solidFill>
-                <a:latin typeface="Book Antiqua" panose="02040602050305030304" pitchFamily="18" charset="0"/>
-                <a:ea typeface="Batang" panose="020B0503020000020004" pitchFamily="18" charset="-127"/>
-              </a:rPr>
-              <a:t> Αρχιτεκτονική για αθροιστές υπολοίπου 2</a:t>
-            </a:r>
-            <a:r>
-              <a:rPr lang="en-US" sz="2400" b="1" baseline="30000" dirty="0">
-                <a:solidFill>
-                  <a:schemeClr val="bg2">
-                    <a:lumMod val="25000"/>
-                  </a:schemeClr>
-                </a:solidFill>
-                <a:latin typeface="Book Antiqua" panose="02040602050305030304" pitchFamily="18" charset="0"/>
-                <a:ea typeface="Batang" panose="020B0503020000020004" pitchFamily="18" charset="-127"/>
-              </a:rPr>
-              <a:t>n</a:t>
-            </a:r>
-            <a:r>
-              <a:rPr lang="en-US" sz="2400" b="1" dirty="0">
-                <a:solidFill>
-                  <a:schemeClr val="bg2">
-                    <a:lumMod val="25000"/>
-                  </a:schemeClr>
-                </a:solidFill>
-                <a:latin typeface="Book Antiqua" panose="02040602050305030304" pitchFamily="18" charset="0"/>
-                <a:ea typeface="Batang" panose="020B0503020000020004" pitchFamily="18" charset="-127"/>
-              </a:rPr>
-              <a:t>-1</a:t>
-            </a:r>
-            <a:endParaRPr lang="en-US" sz="2400" dirty="0">
-              <a:solidFill>
-                <a:schemeClr val="bg2">
-                  <a:lumMod val="25000"/>
-                </a:schemeClr>
-              </a:solidFill>
-            </a:endParaRPr>
-          </a:p>
-        </p:txBody>
-      </p:sp>
-      <p:pic>
-        <p:nvPicPr>
-          <p:cNvPr id="5" name="Picture 4">
-            <a:extLst>
-              <a:ext uri="{FF2B5EF4-FFF2-40B4-BE49-F238E27FC236}">
-                <a16:creationId xmlns:a16="http://schemas.microsoft.com/office/drawing/2014/main" id="{AC8F7809-F0DE-4DC6-B986-B80280DB9673}"/>
-              </a:ext>
-            </a:extLst>
-          </p:cNvPr>
-          <p:cNvPicPr>
-            <a:picLocks noChangeAspect="1"/>
-          </p:cNvPicPr>
-          <p:nvPr/>
-        </p:nvPicPr>
-        <p:blipFill rotWithShape="1">
-          <a:blip r:embed="rId2">
-            <a:extLst>
-              <a:ext uri="{28A0092B-C50C-407E-A947-70E740481C1C}">
-                <a14:useLocalDpi xmlns:a14="http://schemas.microsoft.com/office/drawing/2010/main" val="0"/>
-              </a:ext>
-            </a:extLst>
-          </a:blip>
-          <a:srcRect l="12033" t="12033" r="12033" b="12033"/>
-          <a:stretch/>
-        </p:blipFill>
-        <p:spPr>
-          <a:xfrm>
-            <a:off x="0" y="6097794"/>
-            <a:ext cx="735372" cy="735372"/>
-          </a:xfrm>
-          <a:prstGeom prst="rect">
-            <a:avLst/>
-          </a:prstGeom>
-          <a:noFill/>
-          <a:effectLst>
-            <a:softEdge rad="0"/>
-          </a:effectLst>
-        </p:spPr>
-      </p:pic>
-    </p:spTree>
-    <p:extLst>
-      <p:ext uri="{BB962C8B-B14F-4D97-AF65-F5344CB8AC3E}">
-        <p14:creationId xmlns:p14="http://schemas.microsoft.com/office/powerpoint/2010/main" val="708591480"/>
       </p:ext>
     </p:extLst>
   </p:cSld>

--- a/Presentation/Presentation.pptx
+++ b/Presentation/Presentation.pptx
@@ -5,7 +5,7 @@
     <p:sldMasterId id="2147483708" r:id="rId1"/>
   </p:sldMasterIdLst>
   <p:notesMasterIdLst>
-    <p:notesMasterId r:id="rId16"/>
+    <p:notesMasterId r:id="rId22"/>
   </p:notesMasterIdLst>
   <p:sldIdLst>
     <p:sldId id="256" r:id="rId2"/>
@@ -19,9 +19,15 @@
     <p:sldId id="267" r:id="rId10"/>
     <p:sldId id="268" r:id="rId11"/>
     <p:sldId id="269" r:id="rId12"/>
-    <p:sldId id="265" r:id="rId13"/>
-    <p:sldId id="262" r:id="rId14"/>
-    <p:sldId id="263" r:id="rId15"/>
+    <p:sldId id="270" r:id="rId13"/>
+    <p:sldId id="271" r:id="rId14"/>
+    <p:sldId id="272" r:id="rId15"/>
+    <p:sldId id="273" r:id="rId16"/>
+    <p:sldId id="274" r:id="rId17"/>
+    <p:sldId id="275" r:id="rId18"/>
+    <p:sldId id="265" r:id="rId19"/>
+    <p:sldId id="262" r:id="rId20"/>
+    <p:sldId id="263" r:id="rId21"/>
   </p:sldIdLst>
   <p:sldSz cx="12192000" cy="6858000"/>
   <p:notesSz cx="6858000" cy="9144000"/>
@@ -141,6 +147,757 @@
 </file>
 
 <file path=ppt/diagrams/colors1.xml><?xml version="1.0" encoding="utf-8"?>
+<dgm:colorsDef xmlns:dgm="http://schemas.openxmlformats.org/drawingml/2006/diagram" xmlns:a="http://schemas.openxmlformats.org/drawingml/2006/main" uniqueId="urn:microsoft.com/office/officeart/2005/8/colors/accent0_3">
+  <dgm:title val=""/>
+  <dgm:desc val=""/>
+  <dgm:catLst>
+    <dgm:cat type="mainScheme" pri="10300"/>
+  </dgm:catLst>
+  <dgm:styleLbl name="node0">
+    <dgm:fillClrLst meth="repeat">
+      <a:schemeClr val="dk2"/>
+    </dgm:fillClrLst>
+    <dgm:linClrLst meth="repeat">
+      <a:schemeClr val="lt2"/>
+    </dgm:linClrLst>
+    <dgm:effectClrLst/>
+    <dgm:txLinClrLst/>
+    <dgm:txFillClrLst/>
+    <dgm:txEffectClrLst/>
+  </dgm:styleLbl>
+  <dgm:styleLbl name="alignNode1">
+    <dgm:fillClrLst meth="repeat">
+      <a:schemeClr val="dk2"/>
+    </dgm:fillClrLst>
+    <dgm:linClrLst meth="repeat">
+      <a:schemeClr val="dk2"/>
+    </dgm:linClrLst>
+    <dgm:effectClrLst/>
+    <dgm:txLinClrLst/>
+    <dgm:txFillClrLst/>
+    <dgm:txEffectClrLst/>
+  </dgm:styleLbl>
+  <dgm:styleLbl name="node1">
+    <dgm:fillClrLst meth="repeat">
+      <a:schemeClr val="dk2"/>
+    </dgm:fillClrLst>
+    <dgm:linClrLst meth="repeat">
+      <a:schemeClr val="lt2"/>
+    </dgm:linClrLst>
+    <dgm:effectClrLst/>
+    <dgm:txLinClrLst/>
+    <dgm:txFillClrLst/>
+    <dgm:txEffectClrLst/>
+  </dgm:styleLbl>
+  <dgm:styleLbl name="lnNode1">
+    <dgm:fillClrLst meth="repeat">
+      <a:schemeClr val="dk2"/>
+    </dgm:fillClrLst>
+    <dgm:linClrLst meth="repeat">
+      <a:schemeClr val="lt2"/>
+    </dgm:linClrLst>
+    <dgm:effectClrLst/>
+    <dgm:txLinClrLst/>
+    <dgm:txFillClrLst/>
+    <dgm:txEffectClrLst/>
+  </dgm:styleLbl>
+  <dgm:styleLbl name="vennNode1">
+    <dgm:fillClrLst meth="repeat">
+      <a:schemeClr val="dk2">
+        <a:alpha val="50000"/>
+      </a:schemeClr>
+    </dgm:fillClrLst>
+    <dgm:linClrLst meth="repeat">
+      <a:schemeClr val="lt2"/>
+    </dgm:linClrLst>
+    <dgm:effectClrLst/>
+    <dgm:txLinClrLst/>
+    <dgm:txFillClrLst/>
+    <dgm:txEffectClrLst/>
+  </dgm:styleLbl>
+  <dgm:styleLbl name="node2">
+    <dgm:fillClrLst meth="repeat">
+      <a:schemeClr val="dk2"/>
+    </dgm:fillClrLst>
+    <dgm:linClrLst meth="repeat">
+      <a:schemeClr val="lt2"/>
+    </dgm:linClrLst>
+    <dgm:effectClrLst/>
+    <dgm:txLinClrLst/>
+    <dgm:txFillClrLst/>
+    <dgm:txEffectClrLst/>
+  </dgm:styleLbl>
+  <dgm:styleLbl name="node3">
+    <dgm:fillClrLst meth="repeat">
+      <a:schemeClr val="dk2"/>
+    </dgm:fillClrLst>
+    <dgm:linClrLst meth="repeat">
+      <a:schemeClr val="lt2"/>
+    </dgm:linClrLst>
+    <dgm:effectClrLst/>
+    <dgm:txLinClrLst/>
+    <dgm:txFillClrLst/>
+    <dgm:txEffectClrLst/>
+  </dgm:styleLbl>
+  <dgm:styleLbl name="node4">
+    <dgm:fillClrLst meth="repeat">
+      <a:schemeClr val="dk2"/>
+    </dgm:fillClrLst>
+    <dgm:linClrLst meth="repeat">
+      <a:schemeClr val="lt2"/>
+    </dgm:linClrLst>
+    <dgm:effectClrLst/>
+    <dgm:txLinClrLst/>
+    <dgm:txFillClrLst/>
+    <dgm:txEffectClrLst/>
+  </dgm:styleLbl>
+  <dgm:styleLbl name="fgImgPlace1">
+    <dgm:fillClrLst meth="repeat">
+      <a:schemeClr val="dk2">
+        <a:tint val="50000"/>
+      </a:schemeClr>
+    </dgm:fillClrLst>
+    <dgm:linClrLst meth="repeat">
+      <a:schemeClr val="lt2"/>
+    </dgm:linClrLst>
+    <dgm:effectClrLst/>
+    <dgm:txLinClrLst/>
+    <dgm:txFillClrLst meth="repeat">
+      <a:schemeClr val="lt2"/>
+    </dgm:txFillClrLst>
+    <dgm:txEffectClrLst/>
+  </dgm:styleLbl>
+  <dgm:styleLbl name="alignImgPlace1">
+    <dgm:fillClrLst meth="repeat">
+      <a:schemeClr val="dk2">
+        <a:tint val="50000"/>
+      </a:schemeClr>
+    </dgm:fillClrLst>
+    <dgm:linClrLst meth="repeat">
+      <a:schemeClr val="dk2">
+        <a:shade val="80000"/>
+      </a:schemeClr>
+    </dgm:linClrLst>
+    <dgm:effectClrLst/>
+    <dgm:txLinClrLst/>
+    <dgm:txFillClrLst meth="repeat">
+      <a:schemeClr val="lt2"/>
+    </dgm:txFillClrLst>
+    <dgm:txEffectClrLst/>
+  </dgm:styleLbl>
+  <dgm:styleLbl name="bgImgPlace1">
+    <dgm:fillClrLst meth="repeat">
+      <a:schemeClr val="dk2">
+        <a:tint val="50000"/>
+      </a:schemeClr>
+    </dgm:fillClrLst>
+    <dgm:linClrLst meth="repeat">
+      <a:schemeClr val="dk2">
+        <a:shade val="80000"/>
+      </a:schemeClr>
+    </dgm:linClrLst>
+    <dgm:effectClrLst/>
+    <dgm:txLinClrLst/>
+    <dgm:txFillClrLst meth="repeat">
+      <a:schemeClr val="lt2"/>
+    </dgm:txFillClrLst>
+    <dgm:txEffectClrLst/>
+  </dgm:styleLbl>
+  <dgm:styleLbl name="sibTrans2D1">
+    <dgm:fillClrLst meth="repeat">
+      <a:schemeClr val="dk2">
+        <a:tint val="60000"/>
+      </a:schemeClr>
+    </dgm:fillClrLst>
+    <dgm:linClrLst meth="repeat">
+      <a:schemeClr val="dk2">
+        <a:tint val="60000"/>
+      </a:schemeClr>
+    </dgm:linClrLst>
+    <dgm:effectClrLst/>
+    <dgm:txLinClrLst/>
+    <dgm:txFillClrLst/>
+    <dgm:txEffectClrLst/>
+  </dgm:styleLbl>
+  <dgm:styleLbl name="fgSibTrans2D1">
+    <dgm:fillClrLst meth="repeat">
+      <a:schemeClr val="dk2">
+        <a:tint val="60000"/>
+      </a:schemeClr>
+    </dgm:fillClrLst>
+    <dgm:linClrLst meth="repeat">
+      <a:schemeClr val="dk2">
+        <a:tint val="60000"/>
+      </a:schemeClr>
+    </dgm:linClrLst>
+    <dgm:effectClrLst/>
+    <dgm:txLinClrLst/>
+    <dgm:txFillClrLst/>
+    <dgm:txEffectClrLst/>
+  </dgm:styleLbl>
+  <dgm:styleLbl name="bgSibTrans2D1">
+    <dgm:fillClrLst meth="repeat">
+      <a:schemeClr val="dk2">
+        <a:tint val="60000"/>
+      </a:schemeClr>
+    </dgm:fillClrLst>
+    <dgm:linClrLst meth="repeat">
+      <a:schemeClr val="dk2">
+        <a:tint val="60000"/>
+      </a:schemeClr>
+    </dgm:linClrLst>
+    <dgm:effectClrLst/>
+    <dgm:txLinClrLst/>
+    <dgm:txFillClrLst/>
+    <dgm:txEffectClrLst/>
+  </dgm:styleLbl>
+  <dgm:styleLbl name="sibTrans1D1">
+    <dgm:fillClrLst meth="repeat">
+      <a:schemeClr val="dk2"/>
+    </dgm:fillClrLst>
+    <dgm:linClrLst meth="repeat">
+      <a:schemeClr val="dk2"/>
+    </dgm:linClrLst>
+    <dgm:effectClrLst/>
+    <dgm:txLinClrLst/>
+    <dgm:txFillClrLst meth="repeat">
+      <a:schemeClr val="lt2"/>
+    </dgm:txFillClrLst>
+    <dgm:txEffectClrLst/>
+  </dgm:styleLbl>
+  <dgm:styleLbl name="callout">
+    <dgm:fillClrLst meth="repeat">
+      <a:schemeClr val="dk2"/>
+    </dgm:fillClrLst>
+    <dgm:linClrLst meth="repeat">
+      <a:schemeClr val="dk2">
+        <a:tint val="50000"/>
+      </a:schemeClr>
+    </dgm:linClrLst>
+    <dgm:effectClrLst/>
+    <dgm:txLinClrLst/>
+    <dgm:txFillClrLst meth="repeat">
+      <a:schemeClr val="lt2"/>
+    </dgm:txFillClrLst>
+    <dgm:txEffectClrLst/>
+  </dgm:styleLbl>
+  <dgm:styleLbl name="asst0">
+    <dgm:fillClrLst meth="repeat">
+      <a:schemeClr val="dk2"/>
+    </dgm:fillClrLst>
+    <dgm:linClrLst meth="repeat">
+      <a:schemeClr val="lt2"/>
+    </dgm:linClrLst>
+    <dgm:effectClrLst/>
+    <dgm:txLinClrLst/>
+    <dgm:txFillClrLst/>
+    <dgm:txEffectClrLst/>
+  </dgm:styleLbl>
+  <dgm:styleLbl name="asst1">
+    <dgm:fillClrLst meth="repeat">
+      <a:schemeClr val="dk2"/>
+    </dgm:fillClrLst>
+    <dgm:linClrLst meth="repeat">
+      <a:schemeClr val="lt2"/>
+    </dgm:linClrLst>
+    <dgm:effectClrLst/>
+    <dgm:txLinClrLst/>
+    <dgm:txFillClrLst/>
+    <dgm:txEffectClrLst/>
+  </dgm:styleLbl>
+  <dgm:styleLbl name="asst2">
+    <dgm:fillClrLst meth="repeat">
+      <a:schemeClr val="dk2"/>
+    </dgm:fillClrLst>
+    <dgm:linClrLst meth="repeat">
+      <a:schemeClr val="lt2"/>
+    </dgm:linClrLst>
+    <dgm:effectClrLst/>
+    <dgm:txLinClrLst/>
+    <dgm:txFillClrLst/>
+    <dgm:txEffectClrLst/>
+  </dgm:styleLbl>
+  <dgm:styleLbl name="asst3">
+    <dgm:fillClrLst meth="repeat">
+      <a:schemeClr val="dk2"/>
+    </dgm:fillClrLst>
+    <dgm:linClrLst meth="repeat">
+      <a:schemeClr val="lt2"/>
+    </dgm:linClrLst>
+    <dgm:effectClrLst/>
+    <dgm:txLinClrLst/>
+    <dgm:txFillClrLst/>
+    <dgm:txEffectClrLst/>
+  </dgm:styleLbl>
+  <dgm:styleLbl name="asst4">
+    <dgm:fillClrLst meth="repeat">
+      <a:schemeClr val="dk2"/>
+    </dgm:fillClrLst>
+    <dgm:linClrLst meth="repeat">
+      <a:schemeClr val="lt2"/>
+    </dgm:linClrLst>
+    <dgm:effectClrLst/>
+    <dgm:txLinClrLst/>
+    <dgm:txFillClrLst/>
+    <dgm:txEffectClrLst/>
+  </dgm:styleLbl>
+  <dgm:styleLbl name="parChTrans2D1">
+    <dgm:fillClrLst meth="repeat">
+      <a:schemeClr val="dk2">
+        <a:tint val="60000"/>
+      </a:schemeClr>
+    </dgm:fillClrLst>
+    <dgm:linClrLst meth="repeat">
+      <a:schemeClr val="dk2">
+        <a:tint val="60000"/>
+      </a:schemeClr>
+    </dgm:linClrLst>
+    <dgm:effectClrLst/>
+    <dgm:txLinClrLst/>
+    <dgm:txFillClrLst meth="repeat">
+      <a:schemeClr val="lt2"/>
+    </dgm:txFillClrLst>
+    <dgm:txEffectClrLst/>
+  </dgm:styleLbl>
+  <dgm:styleLbl name="parChTrans2D2">
+    <dgm:fillClrLst meth="repeat">
+      <a:schemeClr val="dk2"/>
+    </dgm:fillClrLst>
+    <dgm:linClrLst meth="repeat">
+      <a:schemeClr val="dk2"/>
+    </dgm:linClrLst>
+    <dgm:effectClrLst/>
+    <dgm:txLinClrLst/>
+    <dgm:txFillClrLst meth="repeat">
+      <a:schemeClr val="lt2"/>
+    </dgm:txFillClrLst>
+    <dgm:txEffectClrLst/>
+  </dgm:styleLbl>
+  <dgm:styleLbl name="parChTrans2D3">
+    <dgm:fillClrLst meth="repeat">
+      <a:schemeClr val="dk2"/>
+    </dgm:fillClrLst>
+    <dgm:linClrLst meth="repeat">
+      <a:schemeClr val="dk2"/>
+    </dgm:linClrLst>
+    <dgm:effectClrLst/>
+    <dgm:txLinClrLst/>
+    <dgm:txFillClrLst meth="repeat">
+      <a:schemeClr val="lt2"/>
+    </dgm:txFillClrLst>
+    <dgm:txEffectClrLst/>
+  </dgm:styleLbl>
+  <dgm:styleLbl name="parChTrans2D4">
+    <dgm:fillClrLst meth="repeat">
+      <a:schemeClr val="dk2"/>
+    </dgm:fillClrLst>
+    <dgm:linClrLst meth="repeat">
+      <a:schemeClr val="dk2"/>
+    </dgm:linClrLst>
+    <dgm:effectClrLst/>
+    <dgm:txLinClrLst/>
+    <dgm:txFillClrLst meth="repeat">
+      <a:schemeClr val="lt2"/>
+    </dgm:txFillClrLst>
+    <dgm:txEffectClrLst/>
+  </dgm:styleLbl>
+  <dgm:styleLbl name="parChTrans1D1">
+    <dgm:fillClrLst meth="repeat">
+      <a:schemeClr val="dk2"/>
+    </dgm:fillClrLst>
+    <dgm:linClrLst meth="repeat">
+      <a:schemeClr val="dk2">
+        <a:shade val="60000"/>
+      </a:schemeClr>
+    </dgm:linClrLst>
+    <dgm:effectClrLst/>
+    <dgm:txLinClrLst/>
+    <dgm:txFillClrLst meth="repeat">
+      <a:schemeClr val="tx1"/>
+    </dgm:txFillClrLst>
+    <dgm:txEffectClrLst/>
+  </dgm:styleLbl>
+  <dgm:styleLbl name="parChTrans1D2">
+    <dgm:fillClrLst meth="repeat">
+      <a:schemeClr val="dk2"/>
+    </dgm:fillClrLst>
+    <dgm:linClrLst meth="repeat">
+      <a:schemeClr val="dk2">
+        <a:shade val="60000"/>
+      </a:schemeClr>
+    </dgm:linClrLst>
+    <dgm:effectClrLst/>
+    <dgm:txLinClrLst/>
+    <dgm:txFillClrLst meth="repeat">
+      <a:schemeClr val="tx1"/>
+    </dgm:txFillClrLst>
+    <dgm:txEffectClrLst/>
+  </dgm:styleLbl>
+  <dgm:styleLbl name="parChTrans1D3">
+    <dgm:fillClrLst meth="repeat">
+      <a:schemeClr val="dk2"/>
+    </dgm:fillClrLst>
+    <dgm:linClrLst meth="repeat">
+      <a:schemeClr val="dk2">
+        <a:shade val="80000"/>
+      </a:schemeClr>
+    </dgm:linClrLst>
+    <dgm:effectClrLst/>
+    <dgm:txLinClrLst/>
+    <dgm:txFillClrLst meth="repeat">
+      <a:schemeClr val="tx1"/>
+    </dgm:txFillClrLst>
+    <dgm:txEffectClrLst/>
+  </dgm:styleLbl>
+  <dgm:styleLbl name="parChTrans1D4">
+    <dgm:fillClrLst meth="repeat">
+      <a:schemeClr val="dk2"/>
+    </dgm:fillClrLst>
+    <dgm:linClrLst meth="repeat">
+      <a:schemeClr val="dk2">
+        <a:shade val="80000"/>
+      </a:schemeClr>
+    </dgm:linClrLst>
+    <dgm:effectClrLst/>
+    <dgm:txLinClrLst/>
+    <dgm:txFillClrLst meth="repeat">
+      <a:schemeClr val="tx1"/>
+    </dgm:txFillClrLst>
+    <dgm:txEffectClrLst/>
+  </dgm:styleLbl>
+  <dgm:styleLbl name="fgAcc1">
+    <dgm:fillClrLst meth="repeat">
+      <a:schemeClr val="lt2">
+        <a:alpha val="90000"/>
+      </a:schemeClr>
+    </dgm:fillClrLst>
+    <dgm:linClrLst meth="repeat">
+      <a:schemeClr val="dk2"/>
+    </dgm:linClrLst>
+    <dgm:effectClrLst/>
+    <dgm:txLinClrLst/>
+    <dgm:txFillClrLst meth="repeat">
+      <a:schemeClr val="dk1"/>
+    </dgm:txFillClrLst>
+    <dgm:txEffectClrLst/>
+  </dgm:styleLbl>
+  <dgm:styleLbl name="conFgAcc1">
+    <dgm:fillClrLst meth="repeat">
+      <a:schemeClr val="lt2">
+        <a:alpha val="90000"/>
+      </a:schemeClr>
+    </dgm:fillClrLst>
+    <dgm:linClrLst meth="repeat">
+      <a:schemeClr val="dk2"/>
+    </dgm:linClrLst>
+    <dgm:effectClrLst/>
+    <dgm:txLinClrLst/>
+    <dgm:txFillClrLst meth="repeat">
+      <a:schemeClr val="dk1"/>
+    </dgm:txFillClrLst>
+    <dgm:txEffectClrLst/>
+  </dgm:styleLbl>
+  <dgm:styleLbl name="alignAcc1">
+    <dgm:fillClrLst meth="repeat">
+      <a:schemeClr val="lt2">
+        <a:alpha val="90000"/>
+      </a:schemeClr>
+    </dgm:fillClrLst>
+    <dgm:linClrLst meth="repeat">
+      <a:schemeClr val="dk2"/>
+    </dgm:linClrLst>
+    <dgm:effectClrLst/>
+    <dgm:txLinClrLst/>
+    <dgm:txFillClrLst meth="repeat">
+      <a:schemeClr val="dk1"/>
+    </dgm:txFillClrLst>
+    <dgm:txEffectClrLst/>
+  </dgm:styleLbl>
+  <dgm:styleLbl name="trAlignAcc1">
+    <dgm:fillClrLst meth="repeat">
+      <a:schemeClr val="lt2">
+        <a:alpha val="40000"/>
+      </a:schemeClr>
+    </dgm:fillClrLst>
+    <dgm:linClrLst meth="repeat">
+      <a:schemeClr val="dk2"/>
+    </dgm:linClrLst>
+    <dgm:effectClrLst/>
+    <dgm:txLinClrLst/>
+    <dgm:txFillClrLst meth="repeat">
+      <a:schemeClr val="dk1"/>
+    </dgm:txFillClrLst>
+    <dgm:txEffectClrLst/>
+  </dgm:styleLbl>
+  <dgm:styleLbl name="bgAcc1">
+    <dgm:fillClrLst meth="repeat">
+      <a:schemeClr val="lt2">
+        <a:alpha val="90000"/>
+      </a:schemeClr>
+    </dgm:fillClrLst>
+    <dgm:linClrLst meth="repeat">
+      <a:schemeClr val="dk2"/>
+    </dgm:linClrLst>
+    <dgm:effectClrLst/>
+    <dgm:txLinClrLst/>
+    <dgm:txFillClrLst meth="repeat">
+      <a:schemeClr val="dk1"/>
+    </dgm:txFillClrLst>
+    <dgm:txEffectClrLst/>
+  </dgm:styleLbl>
+  <dgm:styleLbl name="solidFgAcc1">
+    <dgm:fillClrLst meth="repeat">
+      <a:schemeClr val="lt2"/>
+    </dgm:fillClrLst>
+    <dgm:linClrLst meth="repeat">
+      <a:schemeClr val="dk2"/>
+    </dgm:linClrLst>
+    <dgm:effectClrLst/>
+    <dgm:txLinClrLst/>
+    <dgm:txFillClrLst meth="repeat">
+      <a:schemeClr val="dk1"/>
+    </dgm:txFillClrLst>
+    <dgm:txEffectClrLst/>
+  </dgm:styleLbl>
+  <dgm:styleLbl name="solidAlignAcc1">
+    <dgm:fillClrLst meth="repeat">
+      <a:schemeClr val="lt2"/>
+    </dgm:fillClrLst>
+    <dgm:linClrLst meth="repeat">
+      <a:schemeClr val="dk2"/>
+    </dgm:linClrLst>
+    <dgm:effectClrLst/>
+    <dgm:txLinClrLst/>
+    <dgm:txFillClrLst meth="repeat">
+      <a:schemeClr val="dk1"/>
+    </dgm:txFillClrLst>
+    <dgm:txEffectClrLst/>
+  </dgm:styleLbl>
+  <dgm:styleLbl name="solidBgAcc1">
+    <dgm:fillClrLst meth="repeat">
+      <a:schemeClr val="lt2"/>
+    </dgm:fillClrLst>
+    <dgm:linClrLst meth="repeat">
+      <a:schemeClr val="dk2"/>
+    </dgm:linClrLst>
+    <dgm:effectClrLst/>
+    <dgm:txLinClrLst/>
+    <dgm:txFillClrLst meth="repeat">
+      <a:schemeClr val="dk1"/>
+    </dgm:txFillClrLst>
+    <dgm:txEffectClrLst/>
+  </dgm:styleLbl>
+  <dgm:styleLbl name="fgAccFollowNode1">
+    <dgm:fillClrLst meth="repeat">
+      <a:schemeClr val="dk2">
+        <a:alpha val="90000"/>
+        <a:tint val="40000"/>
+      </a:schemeClr>
+    </dgm:fillClrLst>
+    <dgm:linClrLst meth="repeat">
+      <a:schemeClr val="dk2">
+        <a:alpha val="90000"/>
+        <a:tint val="40000"/>
+      </a:schemeClr>
+    </dgm:linClrLst>
+    <dgm:effectClrLst/>
+    <dgm:txLinClrLst/>
+    <dgm:txFillClrLst meth="repeat">
+      <a:schemeClr val="dk1"/>
+    </dgm:txFillClrLst>
+    <dgm:txEffectClrLst/>
+  </dgm:styleLbl>
+  <dgm:styleLbl name="alignAccFollowNode1">
+    <dgm:fillClrLst meth="repeat">
+      <a:schemeClr val="dk2">
+        <a:alpha val="90000"/>
+        <a:tint val="40000"/>
+      </a:schemeClr>
+    </dgm:fillClrLst>
+    <dgm:linClrLst meth="repeat">
+      <a:schemeClr val="dk2">
+        <a:alpha val="90000"/>
+        <a:tint val="40000"/>
+      </a:schemeClr>
+    </dgm:linClrLst>
+    <dgm:effectClrLst/>
+    <dgm:txLinClrLst/>
+    <dgm:txFillClrLst meth="repeat">
+      <a:schemeClr val="dk1"/>
+    </dgm:txFillClrLst>
+    <dgm:txEffectClrLst/>
+  </dgm:styleLbl>
+  <dgm:styleLbl name="bgAccFollowNode1">
+    <dgm:fillClrLst meth="repeat">
+      <a:schemeClr val="dk2">
+        <a:alpha val="90000"/>
+        <a:tint val="40000"/>
+      </a:schemeClr>
+    </dgm:fillClrLst>
+    <dgm:linClrLst meth="repeat">
+      <a:schemeClr val="dk2">
+        <a:alpha val="90000"/>
+        <a:tint val="40000"/>
+      </a:schemeClr>
+    </dgm:linClrLst>
+    <dgm:effectClrLst/>
+    <dgm:txLinClrLst/>
+    <dgm:txFillClrLst meth="repeat">
+      <a:schemeClr val="dk1"/>
+    </dgm:txFillClrLst>
+    <dgm:txEffectClrLst/>
+  </dgm:styleLbl>
+  <dgm:styleLbl name="fgAcc0">
+    <dgm:fillClrLst meth="repeat">
+      <a:schemeClr val="lt2">
+        <a:alpha val="90000"/>
+      </a:schemeClr>
+    </dgm:fillClrLst>
+    <dgm:linClrLst meth="repeat">
+      <a:schemeClr val="dk2"/>
+    </dgm:linClrLst>
+    <dgm:effectClrLst/>
+    <dgm:txLinClrLst/>
+    <dgm:txFillClrLst meth="repeat">
+      <a:schemeClr val="dk1"/>
+    </dgm:txFillClrLst>
+    <dgm:txEffectClrLst/>
+  </dgm:styleLbl>
+  <dgm:styleLbl name="fgAcc2">
+    <dgm:fillClrLst meth="repeat">
+      <a:schemeClr val="lt2">
+        <a:alpha val="90000"/>
+      </a:schemeClr>
+    </dgm:fillClrLst>
+    <dgm:linClrLst meth="repeat">
+      <a:schemeClr val="dk2"/>
+    </dgm:linClrLst>
+    <dgm:effectClrLst/>
+    <dgm:txLinClrLst/>
+    <dgm:txFillClrLst meth="repeat">
+      <a:schemeClr val="dk1"/>
+    </dgm:txFillClrLst>
+    <dgm:txEffectClrLst/>
+  </dgm:styleLbl>
+  <dgm:styleLbl name="fgAcc3">
+    <dgm:fillClrLst meth="repeat">
+      <a:schemeClr val="lt2">
+        <a:alpha val="90000"/>
+      </a:schemeClr>
+    </dgm:fillClrLst>
+    <dgm:linClrLst meth="repeat">
+      <a:schemeClr val="dk2"/>
+    </dgm:linClrLst>
+    <dgm:effectClrLst/>
+    <dgm:txLinClrLst/>
+    <dgm:txFillClrLst meth="repeat">
+      <a:schemeClr val="dk1"/>
+    </dgm:txFillClrLst>
+    <dgm:txEffectClrLst/>
+  </dgm:styleLbl>
+  <dgm:styleLbl name="fgAcc4">
+    <dgm:fillClrLst meth="repeat">
+      <a:schemeClr val="lt2">
+        <a:alpha val="90000"/>
+      </a:schemeClr>
+    </dgm:fillClrLst>
+    <dgm:linClrLst meth="repeat">
+      <a:schemeClr val="dk2"/>
+    </dgm:linClrLst>
+    <dgm:effectClrLst/>
+    <dgm:txLinClrLst/>
+    <dgm:txFillClrLst meth="repeat">
+      <a:schemeClr val="dk1"/>
+    </dgm:txFillClrLst>
+    <dgm:txEffectClrLst/>
+  </dgm:styleLbl>
+  <dgm:styleLbl name="bgShp">
+    <dgm:fillClrLst meth="repeat">
+      <a:schemeClr val="dk2">
+        <a:tint val="40000"/>
+      </a:schemeClr>
+    </dgm:fillClrLst>
+    <dgm:linClrLst meth="repeat">
+      <a:schemeClr val="dk2"/>
+    </dgm:linClrLst>
+    <dgm:effectClrLst/>
+    <dgm:txLinClrLst/>
+    <dgm:txFillClrLst meth="repeat">
+      <a:schemeClr val="dk1"/>
+    </dgm:txFillClrLst>
+    <dgm:txEffectClrLst/>
+  </dgm:styleLbl>
+  <dgm:styleLbl name="dkBgShp">
+    <dgm:fillClrLst meth="repeat">
+      <a:schemeClr val="dk2">
+        <a:shade val="80000"/>
+      </a:schemeClr>
+    </dgm:fillClrLst>
+    <dgm:linClrLst meth="repeat">
+      <a:schemeClr val="dk2"/>
+    </dgm:linClrLst>
+    <dgm:effectClrLst/>
+    <dgm:txLinClrLst/>
+    <dgm:txFillClrLst meth="repeat">
+      <a:schemeClr val="lt1"/>
+    </dgm:txFillClrLst>
+    <dgm:txEffectClrLst/>
+  </dgm:styleLbl>
+  <dgm:styleLbl name="trBgShp">
+    <dgm:fillClrLst meth="repeat">
+      <a:schemeClr val="dk2">
+        <a:tint val="50000"/>
+        <a:alpha val="40000"/>
+      </a:schemeClr>
+    </dgm:fillClrLst>
+    <dgm:linClrLst meth="repeat">
+      <a:schemeClr val="dk2"/>
+    </dgm:linClrLst>
+    <dgm:effectClrLst/>
+    <dgm:txLinClrLst/>
+    <dgm:txFillClrLst meth="repeat">
+      <a:schemeClr val="lt1"/>
+    </dgm:txFillClrLst>
+    <dgm:txEffectClrLst/>
+  </dgm:styleLbl>
+  <dgm:styleLbl name="fgShp">
+    <dgm:fillClrLst meth="repeat">
+      <a:schemeClr val="dk2">
+        <a:tint val="60000"/>
+      </a:schemeClr>
+    </dgm:fillClrLst>
+    <dgm:linClrLst meth="repeat">
+      <a:schemeClr val="lt2"/>
+    </dgm:linClrLst>
+    <dgm:effectClrLst/>
+    <dgm:txLinClrLst/>
+    <dgm:txFillClrLst meth="repeat">
+      <a:schemeClr val="dk1"/>
+    </dgm:txFillClrLst>
+    <dgm:txEffectClrLst/>
+  </dgm:styleLbl>
+  <dgm:styleLbl name="revTx">
+    <dgm:fillClrLst meth="repeat">
+      <a:schemeClr val="lt2">
+        <a:alpha val="0"/>
+      </a:schemeClr>
+    </dgm:fillClrLst>
+    <dgm:linClrLst meth="repeat">
+      <a:schemeClr val="dk1">
+        <a:alpha val="0"/>
+      </a:schemeClr>
+    </dgm:linClrLst>
+    <dgm:effectClrLst/>
+    <dgm:txLinClrLst/>
+    <dgm:txFillClrLst meth="repeat">
+      <a:schemeClr val="tx1"/>
+    </dgm:txFillClrLst>
+    <dgm:txEffectClrLst/>
+  </dgm:styleLbl>
+</dgm:colorsDef>
+</file>
+
+<file path=ppt/diagrams/colors2.xml><?xml version="1.0" encoding="utf-8"?>
 <dgm:colorsDef xmlns:dgm="http://schemas.openxmlformats.org/drawingml/2006/diagram" xmlns:a="http://schemas.openxmlformats.org/drawingml/2006/main" uniqueId="urn:microsoft.com/office/officeart/2005/8/colors/accent0_3">
   <dgm:title val=""/>
   <dgm:desc val=""/>
@@ -1941,6 +2698,300 @@
     <dgm:cxn modelId="{7611BA0C-3E52-45E8-B374-99A2B78345EA}" type="presParOf" srcId="{7D5A7B5F-03CD-4450-83F8-22870DE5B116}" destId="{79342614-0B6B-4604-8C33-EB7DF5608DAA}" srcOrd="33" destOrd="0" presId="urn:microsoft.com/office/officeart/2008/layout/LinedList"/>
     <dgm:cxn modelId="{0896E38B-2963-4BA9-B448-97BDCCC80914}" type="presParOf" srcId="{79342614-0B6B-4604-8C33-EB7DF5608DAA}" destId="{97AD7677-F399-4808-8E16-373CD64FF10A}" srcOrd="0" destOrd="0" presId="urn:microsoft.com/office/officeart/2008/layout/LinedList"/>
     <dgm:cxn modelId="{EA3B49F4-6F2E-4E52-96D9-15003BE3E23C}" type="presParOf" srcId="{79342614-0B6B-4604-8C33-EB7DF5608DAA}" destId="{C7F98C68-F6D4-4C2E-9F69-FC3DF405AED0}" srcOrd="1" destOrd="0" presId="urn:microsoft.com/office/officeart/2008/layout/LinedList"/>
+  </dgm:cxnLst>
+  <dgm:bg/>
+  <dgm:whole/>
+  <dgm:extLst>
+    <a:ext uri="http://schemas.microsoft.com/office/drawing/2008/diagram">
+      <dsp:dataModelExt xmlns:dsp="http://schemas.microsoft.com/office/drawing/2008/diagram" relId="rId6" minVer="http://schemas.openxmlformats.org/drawingml/2006/diagram"/>
+    </a:ext>
+  </dgm:extLst>
+</dgm:dataModel>
+</file>
+
+<file path=ppt/diagrams/data2.xml><?xml version="1.0" encoding="utf-8"?>
+<dgm:dataModel xmlns:dgm="http://schemas.openxmlformats.org/drawingml/2006/diagram" xmlns:a="http://schemas.openxmlformats.org/drawingml/2006/main">
+  <dgm:ptLst>
+    <dgm:pt modelId="{11B9DA38-F4E5-47BC-963D-DE18BCF3710C}" type="doc">
+      <dgm:prSet loTypeId="urn:microsoft.com/office/officeart/2005/8/layout/process4" loCatId="process" qsTypeId="urn:microsoft.com/office/officeart/2005/8/quickstyle/simple3" qsCatId="simple" csTypeId="urn:microsoft.com/office/officeart/2005/8/colors/accent0_3" csCatId="mainScheme" phldr="1"/>
+      <dgm:spPr/>
+      <dgm:t>
+        <a:bodyPr/>
+        <a:lstStyle/>
+        <a:p>
+          <a:endParaRPr lang="en-US"/>
+        </a:p>
+      </dgm:t>
+    </dgm:pt>
+    <dgm:pt modelId="{3DF6F2EA-A74E-4BAF-968C-83CE073C8940}">
+      <dgm:prSet/>
+      <dgm:spPr/>
+      <dgm:t>
+        <a:bodyPr/>
+        <a:lstStyle/>
+        <a:p>
+          <a:r>
+            <a:rPr lang="el-GR" dirty="0">
+              <a:latin typeface="Book Antiqua" panose="02040602050305030304" pitchFamily="18" charset="0"/>
+            </a:rPr>
+            <a:t>Η κατασκευή του σήματος </a:t>
+          </a:r>
+          <a:r>
+            <a:rPr lang="en-US" dirty="0">
+              <a:latin typeface="Book Antiqua" panose="02040602050305030304" pitchFamily="18" charset="0"/>
+            </a:rPr>
+            <a:t>D</a:t>
+          </a:r>
+          <a:r>
+            <a:rPr lang="el-GR" dirty="0">
+              <a:latin typeface="Book Antiqua" panose="02040602050305030304" pitchFamily="18" charset="0"/>
+            </a:rPr>
+            <a:t> πρέπει να γίνεται πριν από το σήμα </a:t>
+          </a:r>
+          <a:r>
+            <a:rPr lang="en-US" dirty="0">
+              <a:latin typeface="Book Antiqua" panose="02040602050305030304" pitchFamily="18" charset="0"/>
+            </a:rPr>
+            <a:t>R</a:t>
+          </a:r>
+        </a:p>
+      </dgm:t>
+    </dgm:pt>
+    <dgm:pt modelId="{754C177C-966C-4B6E-947D-93BF86745077}" type="parTrans" cxnId="{BC642645-EE87-4A77-A022-81BA7657835D}">
+      <dgm:prSet/>
+      <dgm:spPr/>
+      <dgm:t>
+        <a:bodyPr/>
+        <a:lstStyle/>
+        <a:p>
+          <a:endParaRPr lang="en-US"/>
+        </a:p>
+      </dgm:t>
+    </dgm:pt>
+    <dgm:pt modelId="{53925DAA-85BF-42DC-862C-2D0FFE8FD03B}" type="sibTrans" cxnId="{BC642645-EE87-4A77-A022-81BA7657835D}">
+      <dgm:prSet/>
+      <dgm:spPr/>
+      <dgm:t>
+        <a:bodyPr/>
+        <a:lstStyle/>
+        <a:p>
+          <a:endParaRPr lang="en-US"/>
+        </a:p>
+      </dgm:t>
+    </dgm:pt>
+    <dgm:pt modelId="{A1786AB5-CBCD-4D1A-96EB-2F92671F519C}">
+      <dgm:prSet/>
+      <dgm:spPr/>
+      <dgm:t>
+        <a:bodyPr/>
+        <a:lstStyle/>
+        <a:p>
+          <a:r>
+            <a:rPr lang="el-GR" dirty="0">
+              <a:latin typeface="Book Antiqua" panose="02040602050305030304" pitchFamily="18" charset="0"/>
+            </a:rPr>
+            <a:t>Η κατασκευή του </a:t>
+          </a:r>
+          <a:r>
+            <a:rPr lang="en-US" dirty="0">
+              <a:latin typeface="Book Antiqua" panose="02040602050305030304" pitchFamily="18" charset="0"/>
+            </a:rPr>
+            <a:t>D</a:t>
+          </a:r>
+          <a:r>
+            <a:rPr lang="el-GR" dirty="0">
+              <a:latin typeface="Book Antiqua" panose="02040602050305030304" pitchFamily="18" charset="0"/>
+            </a:rPr>
+            <a:t> να γίνεται από σήματα </a:t>
+          </a:r>
+          <a:r>
+            <a:rPr lang="en-US" dirty="0">
+              <a:latin typeface="Book Antiqua" panose="02040602050305030304" pitchFamily="18" charset="0"/>
+            </a:rPr>
+            <a:t>R</a:t>
+          </a:r>
+          <a:r>
+            <a:rPr lang="el-GR" dirty="0">
+              <a:latin typeface="Book Antiqua" panose="02040602050305030304" pitchFamily="18" charset="0"/>
+            </a:rPr>
+            <a:t> και </a:t>
+          </a:r>
+          <a:r>
+            <a:rPr lang="en-US" dirty="0">
+              <a:latin typeface="Book Antiqua" panose="02040602050305030304" pitchFamily="18" charset="0"/>
+            </a:rPr>
+            <a:t>Q </a:t>
+          </a:r>
+          <a:r>
+            <a:rPr lang="el-GR" dirty="0">
+              <a:latin typeface="Book Antiqua" panose="02040602050305030304" pitchFamily="18" charset="0"/>
+            </a:rPr>
+            <a:t>που έχουν είδη υλοποιηθεί</a:t>
+          </a:r>
+          <a:endParaRPr lang="en-US" dirty="0">
+            <a:latin typeface="Book Antiqua" panose="02040602050305030304" pitchFamily="18" charset="0"/>
+          </a:endParaRPr>
+        </a:p>
+      </dgm:t>
+    </dgm:pt>
+    <dgm:pt modelId="{F314F3BB-9BAF-4001-A0A7-0A11D034591E}" type="parTrans" cxnId="{A1D4F3D4-A155-4736-A393-EA80BD4C213C}">
+      <dgm:prSet/>
+      <dgm:spPr/>
+      <dgm:t>
+        <a:bodyPr/>
+        <a:lstStyle/>
+        <a:p>
+          <a:endParaRPr lang="en-US"/>
+        </a:p>
+      </dgm:t>
+    </dgm:pt>
+    <dgm:pt modelId="{9530B869-B918-409D-9FC1-36135DD721F7}" type="sibTrans" cxnId="{A1D4F3D4-A155-4736-A393-EA80BD4C213C}">
+      <dgm:prSet/>
+      <dgm:spPr/>
+      <dgm:t>
+        <a:bodyPr/>
+        <a:lstStyle/>
+        <a:p>
+          <a:endParaRPr lang="en-US"/>
+        </a:p>
+      </dgm:t>
+    </dgm:pt>
+    <dgm:pt modelId="{F390DB1A-DE55-497D-8A18-2A730B28DCAE}">
+      <dgm:prSet/>
+      <dgm:spPr/>
+      <dgm:t>
+        <a:bodyPr/>
+        <a:lstStyle/>
+        <a:p>
+          <a:r>
+            <a:rPr lang="el-GR" dirty="0">
+              <a:latin typeface="Book Antiqua" panose="02040602050305030304" pitchFamily="18" charset="0"/>
+            </a:rPr>
+            <a:t>Αν η κατασκευή του όρου </a:t>
+          </a:r>
+          <a:r>
+            <a:rPr lang="en-US" dirty="0">
+              <a:latin typeface="Book Antiqua" panose="02040602050305030304" pitchFamily="18" charset="0"/>
+            </a:rPr>
+            <a:t>D</a:t>
+          </a:r>
+          <a:r>
+            <a:rPr lang="el-GR" dirty="0">
+              <a:latin typeface="Book Antiqua" panose="02040602050305030304" pitchFamily="18" charset="0"/>
+            </a:rPr>
+            <a:t> γίνει με υλοποιημένο σήμα </a:t>
+          </a:r>
+          <a:r>
+            <a:rPr lang="en-US" dirty="0">
+              <a:latin typeface="Book Antiqua" panose="02040602050305030304" pitchFamily="18" charset="0"/>
+            </a:rPr>
+            <a:t>R</a:t>
+          </a:r>
+          <a:r>
+            <a:rPr lang="el-GR" dirty="0">
+              <a:latin typeface="Book Antiqua" panose="02040602050305030304" pitchFamily="18" charset="0"/>
+            </a:rPr>
+            <a:t> τότε αυτό το </a:t>
+          </a:r>
+          <a:r>
+            <a:rPr lang="en-US" dirty="0">
+              <a:latin typeface="Book Antiqua" panose="02040602050305030304" pitchFamily="18" charset="0"/>
+            </a:rPr>
+            <a:t>R</a:t>
+          </a:r>
+          <a:r>
+            <a:rPr lang="el-GR" dirty="0">
+              <a:latin typeface="Book Antiqua" panose="02040602050305030304" pitchFamily="18" charset="0"/>
+            </a:rPr>
+            <a:t> να μην ανήκει στο τελευταίο επίπεδο του αθροιστή</a:t>
+          </a:r>
+          <a:endParaRPr lang="en-US" dirty="0">
+            <a:latin typeface="Book Antiqua" panose="02040602050305030304" pitchFamily="18" charset="0"/>
+          </a:endParaRPr>
+        </a:p>
+      </dgm:t>
+    </dgm:pt>
+    <dgm:pt modelId="{2F2EBB07-F920-4DB3-97FD-4F27CEFE2317}" type="parTrans" cxnId="{D1F01A69-1B29-4D1B-9592-E399CB5FC2BE}">
+      <dgm:prSet/>
+      <dgm:spPr/>
+      <dgm:t>
+        <a:bodyPr/>
+        <a:lstStyle/>
+        <a:p>
+          <a:endParaRPr lang="en-US"/>
+        </a:p>
+      </dgm:t>
+    </dgm:pt>
+    <dgm:pt modelId="{11975602-D735-450D-96FE-C7C30AA30EDC}" type="sibTrans" cxnId="{D1F01A69-1B29-4D1B-9592-E399CB5FC2BE}">
+      <dgm:prSet/>
+      <dgm:spPr/>
+      <dgm:t>
+        <a:bodyPr/>
+        <a:lstStyle/>
+        <a:p>
+          <a:endParaRPr lang="en-US"/>
+        </a:p>
+      </dgm:t>
+    </dgm:pt>
+    <dgm:pt modelId="{4E65074F-3A2B-4EBA-86CB-92AB564DFDD8}" type="pres">
+      <dgm:prSet presAssocID="{11B9DA38-F4E5-47BC-963D-DE18BCF3710C}" presName="Name0" presStyleCnt="0">
+        <dgm:presLayoutVars>
+          <dgm:dir/>
+          <dgm:animLvl val="lvl"/>
+          <dgm:resizeHandles val="exact"/>
+        </dgm:presLayoutVars>
+      </dgm:prSet>
+      <dgm:spPr/>
+    </dgm:pt>
+    <dgm:pt modelId="{8E86B329-28A4-4F06-A4AF-A4B6200E49BA}" type="pres">
+      <dgm:prSet presAssocID="{F390DB1A-DE55-497D-8A18-2A730B28DCAE}" presName="boxAndChildren" presStyleCnt="0"/>
+      <dgm:spPr/>
+    </dgm:pt>
+    <dgm:pt modelId="{B3D9512D-89D6-4697-A9D4-C5841248B8BD}" type="pres">
+      <dgm:prSet presAssocID="{F390DB1A-DE55-497D-8A18-2A730B28DCAE}" presName="parentTextBox" presStyleLbl="node1" presStyleIdx="0" presStyleCnt="3"/>
+      <dgm:spPr/>
+    </dgm:pt>
+    <dgm:pt modelId="{99738EC5-C9DB-45F5-B440-18A9EEFA420F}" type="pres">
+      <dgm:prSet presAssocID="{9530B869-B918-409D-9FC1-36135DD721F7}" presName="sp" presStyleCnt="0"/>
+      <dgm:spPr/>
+    </dgm:pt>
+    <dgm:pt modelId="{66DA1239-979B-4841-B51B-DC77FA2EED6C}" type="pres">
+      <dgm:prSet presAssocID="{A1786AB5-CBCD-4D1A-96EB-2F92671F519C}" presName="arrowAndChildren" presStyleCnt="0"/>
+      <dgm:spPr/>
+    </dgm:pt>
+    <dgm:pt modelId="{112F8EFA-80DB-400B-AB0C-B560E784E389}" type="pres">
+      <dgm:prSet presAssocID="{A1786AB5-CBCD-4D1A-96EB-2F92671F519C}" presName="parentTextArrow" presStyleLbl="node1" presStyleIdx="1" presStyleCnt="3"/>
+      <dgm:spPr/>
+    </dgm:pt>
+    <dgm:pt modelId="{E8F97EFC-21D1-4A13-A137-048A22EAE83E}" type="pres">
+      <dgm:prSet presAssocID="{53925DAA-85BF-42DC-862C-2D0FFE8FD03B}" presName="sp" presStyleCnt="0"/>
+      <dgm:spPr/>
+    </dgm:pt>
+    <dgm:pt modelId="{4FFCD3B1-8830-422F-A158-DF10745ADD04}" type="pres">
+      <dgm:prSet presAssocID="{3DF6F2EA-A74E-4BAF-968C-83CE073C8940}" presName="arrowAndChildren" presStyleCnt="0"/>
+      <dgm:spPr/>
+    </dgm:pt>
+    <dgm:pt modelId="{B031C41E-3425-4AF7-A97F-B1256D9888F6}" type="pres">
+      <dgm:prSet presAssocID="{3DF6F2EA-A74E-4BAF-968C-83CE073C8940}" presName="parentTextArrow" presStyleLbl="node1" presStyleIdx="2" presStyleCnt="3" custLinFactNeighborX="-4934" custLinFactNeighborY="-17798"/>
+      <dgm:spPr/>
+    </dgm:pt>
+  </dgm:ptLst>
+  <dgm:cxnLst>
+    <dgm:cxn modelId="{BC642645-EE87-4A77-A022-81BA7657835D}" srcId="{11B9DA38-F4E5-47BC-963D-DE18BCF3710C}" destId="{3DF6F2EA-A74E-4BAF-968C-83CE073C8940}" srcOrd="0" destOrd="0" parTransId="{754C177C-966C-4B6E-947D-93BF86745077}" sibTransId="{53925DAA-85BF-42DC-862C-2D0FFE8FD03B}"/>
+    <dgm:cxn modelId="{D1F01A69-1B29-4D1B-9592-E399CB5FC2BE}" srcId="{11B9DA38-F4E5-47BC-963D-DE18BCF3710C}" destId="{F390DB1A-DE55-497D-8A18-2A730B28DCAE}" srcOrd="2" destOrd="0" parTransId="{2F2EBB07-F920-4DB3-97FD-4F27CEFE2317}" sibTransId="{11975602-D735-450D-96FE-C7C30AA30EDC}"/>
+    <dgm:cxn modelId="{FB08B449-7034-42F8-BBB3-57EB758F89F4}" type="presOf" srcId="{F390DB1A-DE55-497D-8A18-2A730B28DCAE}" destId="{B3D9512D-89D6-4697-A9D4-C5841248B8BD}" srcOrd="0" destOrd="0" presId="urn:microsoft.com/office/officeart/2005/8/layout/process4"/>
+    <dgm:cxn modelId="{789ACC9F-E192-4644-92A7-55F337FBEF8A}" type="presOf" srcId="{A1786AB5-CBCD-4D1A-96EB-2F92671F519C}" destId="{112F8EFA-80DB-400B-AB0C-B560E784E389}" srcOrd="0" destOrd="0" presId="urn:microsoft.com/office/officeart/2005/8/layout/process4"/>
+    <dgm:cxn modelId="{44BD75CC-84C2-437E-AB77-C66E8B8AAB8A}" type="presOf" srcId="{3DF6F2EA-A74E-4BAF-968C-83CE073C8940}" destId="{B031C41E-3425-4AF7-A97F-B1256D9888F6}" srcOrd="0" destOrd="0" presId="urn:microsoft.com/office/officeart/2005/8/layout/process4"/>
+    <dgm:cxn modelId="{A1D4F3D4-A155-4736-A393-EA80BD4C213C}" srcId="{11B9DA38-F4E5-47BC-963D-DE18BCF3710C}" destId="{A1786AB5-CBCD-4D1A-96EB-2F92671F519C}" srcOrd="1" destOrd="0" parTransId="{F314F3BB-9BAF-4001-A0A7-0A11D034591E}" sibTransId="{9530B869-B918-409D-9FC1-36135DD721F7}"/>
+    <dgm:cxn modelId="{4F9B54FE-A988-44D4-8C50-77B21E61414E}" type="presOf" srcId="{11B9DA38-F4E5-47BC-963D-DE18BCF3710C}" destId="{4E65074F-3A2B-4EBA-86CB-92AB564DFDD8}" srcOrd="0" destOrd="0" presId="urn:microsoft.com/office/officeart/2005/8/layout/process4"/>
+    <dgm:cxn modelId="{0F2FF7B4-BF2F-44E6-B14A-D97AE43E79CA}" type="presParOf" srcId="{4E65074F-3A2B-4EBA-86CB-92AB564DFDD8}" destId="{8E86B329-28A4-4F06-A4AF-A4B6200E49BA}" srcOrd="0" destOrd="0" presId="urn:microsoft.com/office/officeart/2005/8/layout/process4"/>
+    <dgm:cxn modelId="{28C3E826-564D-4A9D-8057-638042C39F2A}" type="presParOf" srcId="{8E86B329-28A4-4F06-A4AF-A4B6200E49BA}" destId="{B3D9512D-89D6-4697-A9D4-C5841248B8BD}" srcOrd="0" destOrd="0" presId="urn:microsoft.com/office/officeart/2005/8/layout/process4"/>
+    <dgm:cxn modelId="{0FEE25F9-520E-4A64-A835-BF839D7FEB47}" type="presParOf" srcId="{4E65074F-3A2B-4EBA-86CB-92AB564DFDD8}" destId="{99738EC5-C9DB-45F5-B440-18A9EEFA420F}" srcOrd="1" destOrd="0" presId="urn:microsoft.com/office/officeart/2005/8/layout/process4"/>
+    <dgm:cxn modelId="{7B8CCA31-CFE0-421D-9910-2BB48A959AE2}" type="presParOf" srcId="{4E65074F-3A2B-4EBA-86CB-92AB564DFDD8}" destId="{66DA1239-979B-4841-B51B-DC77FA2EED6C}" srcOrd="2" destOrd="0" presId="urn:microsoft.com/office/officeart/2005/8/layout/process4"/>
+    <dgm:cxn modelId="{9A2BACC2-BA77-4511-986F-8EEA0287FF56}" type="presParOf" srcId="{66DA1239-979B-4841-B51B-DC77FA2EED6C}" destId="{112F8EFA-80DB-400B-AB0C-B560E784E389}" srcOrd="0" destOrd="0" presId="urn:microsoft.com/office/officeart/2005/8/layout/process4"/>
+    <dgm:cxn modelId="{432F766F-618A-4D03-997E-2BAA6F232147}" type="presParOf" srcId="{4E65074F-3A2B-4EBA-86CB-92AB564DFDD8}" destId="{E8F97EFC-21D1-4A13-A137-048A22EAE83E}" srcOrd="3" destOrd="0" presId="urn:microsoft.com/office/officeart/2005/8/layout/process4"/>
+    <dgm:cxn modelId="{03EF4A2A-E60D-4428-8E70-F6842B6C65F1}" type="presParOf" srcId="{4E65074F-3A2B-4EBA-86CB-92AB564DFDD8}" destId="{4FFCD3B1-8830-422F-A158-DF10745ADD04}" srcOrd="4" destOrd="0" presId="urn:microsoft.com/office/officeart/2005/8/layout/process4"/>
+    <dgm:cxn modelId="{D178976F-84C8-4189-B6A8-8ADB9BC925CE}" type="presParOf" srcId="{4FFCD3B1-8830-422F-A158-DF10745ADD04}" destId="{B031C41E-3425-4AF7-A97F-B1256D9888F6}" srcOrd="0" destOrd="0" presId="urn:microsoft.com/office/officeart/2005/8/layout/process4"/>
   </dgm:cxnLst>
   <dgm:bg/>
   <dgm:whole/>
@@ -4377,6 +5428,438 @@
 </dsp:drawing>
 </file>
 
+<file path=ppt/diagrams/drawing2.xml><?xml version="1.0" encoding="utf-8"?>
+<dsp:drawing xmlns:dgm="http://schemas.openxmlformats.org/drawingml/2006/diagram" xmlns:dsp="http://schemas.microsoft.com/office/drawing/2008/diagram" xmlns:a="http://schemas.openxmlformats.org/drawingml/2006/main">
+  <dsp:spTree>
+    <dsp:nvGrpSpPr>
+      <dsp:cNvPr id="0" name=""/>
+      <dsp:cNvGrpSpPr/>
+    </dsp:nvGrpSpPr>
+    <dsp:grpSpPr/>
+    <dsp:sp modelId="{B3D9512D-89D6-4697-A9D4-C5841248B8BD}">
+      <dsp:nvSpPr>
+        <dsp:cNvPr id="0" name=""/>
+        <dsp:cNvSpPr/>
+      </dsp:nvSpPr>
+      <dsp:spPr>
+        <a:xfrm>
+          <a:off x="0" y="2556949"/>
+          <a:ext cx="9175266" cy="839247"/>
+        </a:xfrm>
+        <a:prstGeom prst="rect">
+          <a:avLst/>
+        </a:prstGeom>
+        <a:gradFill rotWithShape="0">
+          <a:gsLst>
+            <a:gs pos="0">
+              <a:schemeClr val="dk2">
+                <a:hueOff val="0"/>
+                <a:satOff val="0"/>
+                <a:lumOff val="0"/>
+                <a:alphaOff val="0"/>
+                <a:lumMod val="110000"/>
+                <a:satMod val="105000"/>
+                <a:tint val="67000"/>
+              </a:schemeClr>
+            </a:gs>
+            <a:gs pos="50000">
+              <a:schemeClr val="dk2">
+                <a:hueOff val="0"/>
+                <a:satOff val="0"/>
+                <a:lumOff val="0"/>
+                <a:alphaOff val="0"/>
+                <a:lumMod val="105000"/>
+                <a:satMod val="103000"/>
+                <a:tint val="73000"/>
+              </a:schemeClr>
+            </a:gs>
+            <a:gs pos="100000">
+              <a:schemeClr val="dk2">
+                <a:hueOff val="0"/>
+                <a:satOff val="0"/>
+                <a:lumOff val="0"/>
+                <a:alphaOff val="0"/>
+                <a:lumMod val="105000"/>
+                <a:satMod val="109000"/>
+                <a:tint val="81000"/>
+              </a:schemeClr>
+            </a:gs>
+          </a:gsLst>
+          <a:lin ang="5400000" scaled="0"/>
+        </a:gradFill>
+        <a:ln>
+          <a:noFill/>
+        </a:ln>
+        <a:effectLst/>
+        <a:scene3d>
+          <a:camera prst="orthographicFront"/>
+          <a:lightRig rig="flat" dir="t"/>
+        </a:scene3d>
+        <a:sp3d prstMaterial="dkEdge">
+          <a:bevelT w="8200" h="38100"/>
+        </a:sp3d>
+      </dsp:spPr>
+      <dsp:style>
+        <a:lnRef idx="0">
+          <a:scrgbClr r="0" g="0" b="0"/>
+        </a:lnRef>
+        <a:fillRef idx="2">
+          <a:scrgbClr r="0" g="0" b="0"/>
+        </a:fillRef>
+        <a:effectRef idx="1">
+          <a:scrgbClr r="0" g="0" b="0"/>
+        </a:effectRef>
+        <a:fontRef idx="minor">
+          <a:schemeClr val="dk1"/>
+        </a:fontRef>
+      </dsp:style>
+      <dsp:txBody>
+        <a:bodyPr spcFirstLastPara="0" vert="horz" wrap="square" lIns="135128" tIns="135128" rIns="135128" bIns="135128" numCol="1" spcCol="1270" anchor="ctr" anchorCtr="0">
+          <a:noAutofit/>
+        </a:bodyPr>
+        <a:lstStyle/>
+        <a:p>
+          <a:pPr marL="0" lvl="0" indent="0" algn="ctr" defTabSz="844550">
+            <a:lnSpc>
+              <a:spcPct val="90000"/>
+            </a:lnSpc>
+            <a:spcBef>
+              <a:spcPct val="0"/>
+            </a:spcBef>
+            <a:spcAft>
+              <a:spcPct val="35000"/>
+            </a:spcAft>
+            <a:buNone/>
+          </a:pPr>
+          <a:r>
+            <a:rPr lang="el-GR" sz="1900" kern="1200" dirty="0">
+              <a:latin typeface="Book Antiqua" panose="02040602050305030304" pitchFamily="18" charset="0"/>
+            </a:rPr>
+            <a:t>Αν η κατασκευή του όρου </a:t>
+          </a:r>
+          <a:r>
+            <a:rPr lang="en-US" sz="1900" kern="1200" dirty="0">
+              <a:latin typeface="Book Antiqua" panose="02040602050305030304" pitchFamily="18" charset="0"/>
+            </a:rPr>
+            <a:t>D</a:t>
+          </a:r>
+          <a:r>
+            <a:rPr lang="el-GR" sz="1900" kern="1200" dirty="0">
+              <a:latin typeface="Book Antiqua" panose="02040602050305030304" pitchFamily="18" charset="0"/>
+            </a:rPr>
+            <a:t> γίνει με υλοποιημένο σήμα </a:t>
+          </a:r>
+          <a:r>
+            <a:rPr lang="en-US" sz="1900" kern="1200" dirty="0">
+              <a:latin typeface="Book Antiqua" panose="02040602050305030304" pitchFamily="18" charset="0"/>
+            </a:rPr>
+            <a:t>R</a:t>
+          </a:r>
+          <a:r>
+            <a:rPr lang="el-GR" sz="1900" kern="1200" dirty="0">
+              <a:latin typeface="Book Antiqua" panose="02040602050305030304" pitchFamily="18" charset="0"/>
+            </a:rPr>
+            <a:t> τότε αυτό το </a:t>
+          </a:r>
+          <a:r>
+            <a:rPr lang="en-US" sz="1900" kern="1200" dirty="0">
+              <a:latin typeface="Book Antiqua" panose="02040602050305030304" pitchFamily="18" charset="0"/>
+            </a:rPr>
+            <a:t>R</a:t>
+          </a:r>
+          <a:r>
+            <a:rPr lang="el-GR" sz="1900" kern="1200" dirty="0">
+              <a:latin typeface="Book Antiqua" panose="02040602050305030304" pitchFamily="18" charset="0"/>
+            </a:rPr>
+            <a:t> να μην ανήκει στο τελευταίο επίπεδο του αθροιστή</a:t>
+          </a:r>
+          <a:endParaRPr lang="en-US" sz="1900" kern="1200" dirty="0">
+            <a:latin typeface="Book Antiqua" panose="02040602050305030304" pitchFamily="18" charset="0"/>
+          </a:endParaRPr>
+        </a:p>
+      </dsp:txBody>
+      <dsp:txXfrm>
+        <a:off x="0" y="2556949"/>
+        <a:ext cx="9175266" cy="839247"/>
+      </dsp:txXfrm>
+    </dsp:sp>
+    <dsp:sp modelId="{112F8EFA-80DB-400B-AB0C-B560E784E389}">
+      <dsp:nvSpPr>
+        <dsp:cNvPr id="0" name=""/>
+        <dsp:cNvSpPr/>
+      </dsp:nvSpPr>
+      <dsp:spPr>
+        <a:xfrm rot="10800000">
+          <a:off x="0" y="1278775"/>
+          <a:ext cx="9175266" cy="1290763"/>
+        </a:xfrm>
+        <a:prstGeom prst="upArrowCallout">
+          <a:avLst/>
+        </a:prstGeom>
+        <a:gradFill rotWithShape="0">
+          <a:gsLst>
+            <a:gs pos="0">
+              <a:schemeClr val="dk2">
+                <a:hueOff val="0"/>
+                <a:satOff val="0"/>
+                <a:lumOff val="0"/>
+                <a:alphaOff val="0"/>
+                <a:lumMod val="110000"/>
+                <a:satMod val="105000"/>
+                <a:tint val="67000"/>
+              </a:schemeClr>
+            </a:gs>
+            <a:gs pos="50000">
+              <a:schemeClr val="dk2">
+                <a:hueOff val="0"/>
+                <a:satOff val="0"/>
+                <a:lumOff val="0"/>
+                <a:alphaOff val="0"/>
+                <a:lumMod val="105000"/>
+                <a:satMod val="103000"/>
+                <a:tint val="73000"/>
+              </a:schemeClr>
+            </a:gs>
+            <a:gs pos="100000">
+              <a:schemeClr val="dk2">
+                <a:hueOff val="0"/>
+                <a:satOff val="0"/>
+                <a:lumOff val="0"/>
+                <a:alphaOff val="0"/>
+                <a:lumMod val="105000"/>
+                <a:satMod val="109000"/>
+                <a:tint val="81000"/>
+              </a:schemeClr>
+            </a:gs>
+          </a:gsLst>
+          <a:lin ang="5400000" scaled="0"/>
+        </a:gradFill>
+        <a:ln>
+          <a:noFill/>
+        </a:ln>
+        <a:effectLst/>
+        <a:scene3d>
+          <a:camera prst="orthographicFront"/>
+          <a:lightRig rig="flat" dir="t"/>
+        </a:scene3d>
+        <a:sp3d prstMaterial="dkEdge">
+          <a:bevelT w="8200" h="38100"/>
+        </a:sp3d>
+      </dsp:spPr>
+      <dsp:style>
+        <a:lnRef idx="0">
+          <a:scrgbClr r="0" g="0" b="0"/>
+        </a:lnRef>
+        <a:fillRef idx="2">
+          <a:scrgbClr r="0" g="0" b="0"/>
+        </a:fillRef>
+        <a:effectRef idx="1">
+          <a:scrgbClr r="0" g="0" b="0"/>
+        </a:effectRef>
+        <a:fontRef idx="minor">
+          <a:schemeClr val="dk1"/>
+        </a:fontRef>
+      </dsp:style>
+      <dsp:txBody>
+        <a:bodyPr spcFirstLastPara="0" vert="horz" wrap="square" lIns="135128" tIns="135128" rIns="135128" bIns="135128" numCol="1" spcCol="1270" anchor="ctr" anchorCtr="0">
+          <a:noAutofit/>
+        </a:bodyPr>
+        <a:lstStyle/>
+        <a:p>
+          <a:pPr marL="0" lvl="0" indent="0" algn="ctr" defTabSz="844550">
+            <a:lnSpc>
+              <a:spcPct val="90000"/>
+            </a:lnSpc>
+            <a:spcBef>
+              <a:spcPct val="0"/>
+            </a:spcBef>
+            <a:spcAft>
+              <a:spcPct val="35000"/>
+            </a:spcAft>
+            <a:buNone/>
+          </a:pPr>
+          <a:r>
+            <a:rPr lang="el-GR" sz="1900" kern="1200" dirty="0">
+              <a:latin typeface="Book Antiqua" panose="02040602050305030304" pitchFamily="18" charset="0"/>
+            </a:rPr>
+            <a:t>Η κατασκευή του </a:t>
+          </a:r>
+          <a:r>
+            <a:rPr lang="en-US" sz="1900" kern="1200" dirty="0">
+              <a:latin typeface="Book Antiqua" panose="02040602050305030304" pitchFamily="18" charset="0"/>
+            </a:rPr>
+            <a:t>D</a:t>
+          </a:r>
+          <a:r>
+            <a:rPr lang="el-GR" sz="1900" kern="1200" dirty="0">
+              <a:latin typeface="Book Antiqua" panose="02040602050305030304" pitchFamily="18" charset="0"/>
+            </a:rPr>
+            <a:t> να γίνεται από σήματα </a:t>
+          </a:r>
+          <a:r>
+            <a:rPr lang="en-US" sz="1900" kern="1200" dirty="0">
+              <a:latin typeface="Book Antiqua" panose="02040602050305030304" pitchFamily="18" charset="0"/>
+            </a:rPr>
+            <a:t>R</a:t>
+          </a:r>
+          <a:r>
+            <a:rPr lang="el-GR" sz="1900" kern="1200" dirty="0">
+              <a:latin typeface="Book Antiqua" panose="02040602050305030304" pitchFamily="18" charset="0"/>
+            </a:rPr>
+            <a:t> και </a:t>
+          </a:r>
+          <a:r>
+            <a:rPr lang="en-US" sz="1900" kern="1200" dirty="0">
+              <a:latin typeface="Book Antiqua" panose="02040602050305030304" pitchFamily="18" charset="0"/>
+            </a:rPr>
+            <a:t>Q </a:t>
+          </a:r>
+          <a:r>
+            <a:rPr lang="el-GR" sz="1900" kern="1200" dirty="0">
+              <a:latin typeface="Book Antiqua" panose="02040602050305030304" pitchFamily="18" charset="0"/>
+            </a:rPr>
+            <a:t>που έχουν είδη υλοποιηθεί</a:t>
+          </a:r>
+          <a:endParaRPr lang="en-US" sz="1900" kern="1200" dirty="0">
+            <a:latin typeface="Book Antiqua" panose="02040602050305030304" pitchFamily="18" charset="0"/>
+          </a:endParaRPr>
+        </a:p>
+      </dsp:txBody>
+      <dsp:txXfrm rot="10800000">
+        <a:off x="0" y="1278775"/>
+        <a:ext cx="9175266" cy="838699"/>
+      </dsp:txXfrm>
+    </dsp:sp>
+    <dsp:sp modelId="{B031C41E-3425-4AF7-A97F-B1256D9888F6}">
+      <dsp:nvSpPr>
+        <dsp:cNvPr id="0" name=""/>
+        <dsp:cNvSpPr/>
+      </dsp:nvSpPr>
+      <dsp:spPr>
+        <a:xfrm rot="10800000">
+          <a:off x="0" y="0"/>
+          <a:ext cx="9175266" cy="1290763"/>
+        </a:xfrm>
+        <a:prstGeom prst="upArrowCallout">
+          <a:avLst/>
+        </a:prstGeom>
+        <a:gradFill rotWithShape="0">
+          <a:gsLst>
+            <a:gs pos="0">
+              <a:schemeClr val="dk2">
+                <a:hueOff val="0"/>
+                <a:satOff val="0"/>
+                <a:lumOff val="0"/>
+                <a:alphaOff val="0"/>
+                <a:lumMod val="110000"/>
+                <a:satMod val="105000"/>
+                <a:tint val="67000"/>
+              </a:schemeClr>
+            </a:gs>
+            <a:gs pos="50000">
+              <a:schemeClr val="dk2">
+                <a:hueOff val="0"/>
+                <a:satOff val="0"/>
+                <a:lumOff val="0"/>
+                <a:alphaOff val="0"/>
+                <a:lumMod val="105000"/>
+                <a:satMod val="103000"/>
+                <a:tint val="73000"/>
+              </a:schemeClr>
+            </a:gs>
+            <a:gs pos="100000">
+              <a:schemeClr val="dk2">
+                <a:hueOff val="0"/>
+                <a:satOff val="0"/>
+                <a:lumOff val="0"/>
+                <a:alphaOff val="0"/>
+                <a:lumMod val="105000"/>
+                <a:satMod val="109000"/>
+                <a:tint val="81000"/>
+              </a:schemeClr>
+            </a:gs>
+          </a:gsLst>
+          <a:lin ang="5400000" scaled="0"/>
+        </a:gradFill>
+        <a:ln>
+          <a:noFill/>
+        </a:ln>
+        <a:effectLst/>
+        <a:scene3d>
+          <a:camera prst="orthographicFront"/>
+          <a:lightRig rig="flat" dir="t"/>
+        </a:scene3d>
+        <a:sp3d prstMaterial="dkEdge">
+          <a:bevelT w="8200" h="38100"/>
+        </a:sp3d>
+      </dsp:spPr>
+      <dsp:style>
+        <a:lnRef idx="0">
+          <a:scrgbClr r="0" g="0" b="0"/>
+        </a:lnRef>
+        <a:fillRef idx="2">
+          <a:scrgbClr r="0" g="0" b="0"/>
+        </a:fillRef>
+        <a:effectRef idx="1">
+          <a:scrgbClr r="0" g="0" b="0"/>
+        </a:effectRef>
+        <a:fontRef idx="minor">
+          <a:schemeClr val="dk1"/>
+        </a:fontRef>
+      </dsp:style>
+      <dsp:txBody>
+        <a:bodyPr spcFirstLastPara="0" vert="horz" wrap="square" lIns="135128" tIns="135128" rIns="135128" bIns="135128" numCol="1" spcCol="1270" anchor="ctr" anchorCtr="0">
+          <a:noAutofit/>
+        </a:bodyPr>
+        <a:lstStyle/>
+        <a:p>
+          <a:pPr marL="0" lvl="0" indent="0" algn="ctr" defTabSz="844550">
+            <a:lnSpc>
+              <a:spcPct val="90000"/>
+            </a:lnSpc>
+            <a:spcBef>
+              <a:spcPct val="0"/>
+            </a:spcBef>
+            <a:spcAft>
+              <a:spcPct val="35000"/>
+            </a:spcAft>
+            <a:buNone/>
+          </a:pPr>
+          <a:r>
+            <a:rPr lang="el-GR" sz="1900" kern="1200" dirty="0">
+              <a:latin typeface="Book Antiqua" panose="02040602050305030304" pitchFamily="18" charset="0"/>
+            </a:rPr>
+            <a:t>Η κατασκευή του σήματος </a:t>
+          </a:r>
+          <a:r>
+            <a:rPr lang="en-US" sz="1900" kern="1200" dirty="0">
+              <a:latin typeface="Book Antiqua" panose="02040602050305030304" pitchFamily="18" charset="0"/>
+            </a:rPr>
+            <a:t>D</a:t>
+          </a:r>
+          <a:r>
+            <a:rPr lang="el-GR" sz="1900" kern="1200" dirty="0">
+              <a:latin typeface="Book Antiqua" panose="02040602050305030304" pitchFamily="18" charset="0"/>
+            </a:rPr>
+            <a:t> πρέπει να γίνεται πριν από το σήμα </a:t>
+          </a:r>
+          <a:r>
+            <a:rPr lang="en-US" sz="1900" kern="1200" dirty="0">
+              <a:latin typeface="Book Antiqua" panose="02040602050305030304" pitchFamily="18" charset="0"/>
+            </a:rPr>
+            <a:t>R</a:t>
+          </a:r>
+        </a:p>
+      </dsp:txBody>
+      <dsp:txXfrm rot="10800000">
+        <a:off x="0" y="0"/>
+        <a:ext cx="9175266" cy="838699"/>
+      </dsp:txXfrm>
+    </dsp:sp>
+  </dsp:spTree>
+</dsp:drawing>
+</file>
+
 <file path=ppt/diagrams/layout1.xml><?xml version="1.0" encoding="utf-8"?>
 <dgm:layoutDef xmlns:dgm="http://schemas.openxmlformats.org/drawingml/2006/diagram" xmlns:a="http://schemas.openxmlformats.org/drawingml/2006/main" uniqueId="urn:microsoft.com/office/officeart/2008/layout/LinedList">
   <dgm:title val=""/>
@@ -4843,7 +6326,1420 @@
 </dgm:layoutDef>
 </file>
 
+<file path=ppt/diagrams/layout2.xml><?xml version="1.0" encoding="utf-8"?>
+<dgm:layoutDef xmlns:dgm="http://schemas.openxmlformats.org/drawingml/2006/diagram" xmlns:a="http://schemas.openxmlformats.org/drawingml/2006/main" uniqueId="urn:microsoft.com/office/officeart/2005/8/layout/process4">
+  <dgm:title val=""/>
+  <dgm:desc val=""/>
+  <dgm:catLst>
+    <dgm:cat type="process" pri="16000"/>
+    <dgm:cat type="list" pri="20000"/>
+  </dgm:catLst>
+  <dgm:sampData>
+    <dgm:dataModel>
+      <dgm:ptLst>
+        <dgm:pt modelId="0" type="doc"/>
+        <dgm:pt modelId="1">
+          <dgm:prSet phldr="1"/>
+        </dgm:pt>
+        <dgm:pt modelId="11">
+          <dgm:prSet phldr="1"/>
+        </dgm:pt>
+        <dgm:pt modelId="12">
+          <dgm:prSet phldr="1"/>
+        </dgm:pt>
+        <dgm:pt modelId="2">
+          <dgm:prSet phldr="1"/>
+        </dgm:pt>
+        <dgm:pt modelId="21">
+          <dgm:prSet phldr="1"/>
+        </dgm:pt>
+        <dgm:pt modelId="22">
+          <dgm:prSet phldr="1"/>
+        </dgm:pt>
+        <dgm:pt modelId="3">
+          <dgm:prSet phldr="1"/>
+        </dgm:pt>
+        <dgm:pt modelId="31">
+          <dgm:prSet phldr="1"/>
+        </dgm:pt>
+        <dgm:pt modelId="32">
+          <dgm:prSet phldr="1"/>
+        </dgm:pt>
+      </dgm:ptLst>
+      <dgm:cxnLst>
+        <dgm:cxn modelId="4" srcId="0" destId="1" srcOrd="0" destOrd="0"/>
+        <dgm:cxn modelId="5" srcId="0" destId="2" srcOrd="1" destOrd="0"/>
+        <dgm:cxn modelId="6" srcId="0" destId="3" srcOrd="2" destOrd="0"/>
+        <dgm:cxn modelId="13" srcId="1" destId="11" srcOrd="0" destOrd="0"/>
+        <dgm:cxn modelId="14" srcId="1" destId="12" srcOrd="1" destOrd="0"/>
+        <dgm:cxn modelId="23" srcId="2" destId="21" srcOrd="0" destOrd="0"/>
+        <dgm:cxn modelId="24" srcId="2" destId="22" srcOrd="1" destOrd="0"/>
+        <dgm:cxn modelId="33" srcId="3" destId="31" srcOrd="0" destOrd="0"/>
+        <dgm:cxn modelId="34" srcId="3" destId="32" srcOrd="1" destOrd="0"/>
+      </dgm:cxnLst>
+      <dgm:bg/>
+      <dgm:whole/>
+    </dgm:dataModel>
+  </dgm:sampData>
+  <dgm:styleData>
+    <dgm:dataModel>
+      <dgm:ptLst>
+        <dgm:pt modelId="0" type="doc"/>
+        <dgm:pt modelId="1"/>
+        <dgm:pt modelId="11"/>
+        <dgm:pt modelId="2"/>
+        <dgm:pt modelId="21"/>
+      </dgm:ptLst>
+      <dgm:cxnLst>
+        <dgm:cxn modelId="4" srcId="0" destId="1" srcOrd="0" destOrd="0"/>
+        <dgm:cxn modelId="5" srcId="0" destId="2" srcOrd="1" destOrd="0"/>
+        <dgm:cxn modelId="13" srcId="1" destId="11" srcOrd="0" destOrd="0"/>
+        <dgm:cxn modelId="23" srcId="2" destId="21" srcOrd="0" destOrd="0"/>
+      </dgm:cxnLst>
+      <dgm:bg/>
+      <dgm:whole/>
+    </dgm:dataModel>
+  </dgm:styleData>
+  <dgm:clrData>
+    <dgm:dataModel>
+      <dgm:ptLst>
+        <dgm:pt modelId="0" type="doc"/>
+        <dgm:pt modelId="1"/>
+        <dgm:pt modelId="11"/>
+        <dgm:pt modelId="2"/>
+        <dgm:pt modelId="21"/>
+        <dgm:pt modelId="3"/>
+        <dgm:pt modelId="31"/>
+        <dgm:pt modelId="4"/>
+        <dgm:pt modelId="41"/>
+      </dgm:ptLst>
+      <dgm:cxnLst>
+        <dgm:cxn modelId="5" srcId="0" destId="1" srcOrd="0" destOrd="0"/>
+        <dgm:cxn modelId="6" srcId="0" destId="2" srcOrd="1" destOrd="0"/>
+        <dgm:cxn modelId="7" srcId="0" destId="3" srcOrd="2" destOrd="0"/>
+        <dgm:cxn modelId="8" srcId="0" destId="4" srcOrd="3" destOrd="0"/>
+        <dgm:cxn modelId="13" srcId="1" destId="11" srcOrd="0" destOrd="0"/>
+        <dgm:cxn modelId="23" srcId="2" destId="21" srcOrd="0" destOrd="0"/>
+        <dgm:cxn modelId="33" srcId="3" destId="31" srcOrd="0" destOrd="0"/>
+        <dgm:cxn modelId="43" srcId="4" destId="41" srcOrd="0" destOrd="0"/>
+      </dgm:cxnLst>
+      <dgm:bg/>
+      <dgm:whole/>
+    </dgm:dataModel>
+  </dgm:clrData>
+  <dgm:layoutNode name="Name0">
+    <dgm:varLst>
+      <dgm:dir/>
+      <dgm:animLvl val="lvl"/>
+      <dgm:resizeHandles val="exact"/>
+    </dgm:varLst>
+    <dgm:alg type="lin">
+      <dgm:param type="linDir" val="fromB"/>
+    </dgm:alg>
+    <dgm:shape xmlns:r="http://schemas.openxmlformats.org/officeDocument/2006/relationships" r:blip="">
+      <dgm:adjLst/>
+    </dgm:shape>
+    <dgm:presOf/>
+    <dgm:constrLst>
+      <dgm:constr type="h" for="ch" forName="boxAndChildren" refType="h"/>
+      <dgm:constr type="h" for="ch" forName="arrowAndChildren" refType="h" refFor="ch" refForName="boxAndChildren" op="equ" fact="1.538"/>
+      <dgm:constr type="w" for="ch" forName="arrowAndChildren" refType="w"/>
+      <dgm:constr type="w" for="ch" forName="boxAndChildren" refType="w"/>
+      <dgm:constr type="h" for="ch" forName="sp" refType="h" fact="-0.015"/>
+      <dgm:constr type="primFontSz" for="des" forName="parentTextBox" val="65"/>
+      <dgm:constr type="primFontSz" for="des" forName="parentTextArrow" refType="primFontSz" refFor="des" refForName="parentTextBox" op="equ"/>
+      <dgm:constr type="primFontSz" for="des" forName="childTextArrow" val="65"/>
+      <dgm:constr type="primFontSz" for="des" forName="childTextBox" refType="primFontSz" refFor="des" refForName="childTextArrow" op="equ"/>
+    </dgm:constrLst>
+    <dgm:ruleLst/>
+    <dgm:forEach name="Name1" axis="ch" ptType="node" st="-1" step="-1">
+      <dgm:choose name="Name2">
+        <dgm:if name="Name3" axis="self" ptType="node" func="revPos" op="equ" val="1">
+          <dgm:layoutNode name="boxAndChildren">
+            <dgm:alg type="composite"/>
+            <dgm:shape xmlns:r="http://schemas.openxmlformats.org/officeDocument/2006/relationships" r:blip="">
+              <dgm:adjLst/>
+            </dgm:shape>
+            <dgm:presOf/>
+            <dgm:choose name="Name4">
+              <dgm:if name="Name5" axis="ch" ptType="node" func="cnt" op="gte" val="1">
+                <dgm:constrLst>
+                  <dgm:constr type="w" for="ch" forName="parentTextBox" refType="w"/>
+                  <dgm:constr type="h" for="ch" forName="parentTextBox" refType="h" fact="0.54"/>
+                  <dgm:constr type="t" for="ch" forName="parentTextBox"/>
+                  <dgm:constr type="w" for="ch" forName="entireBox" refType="w"/>
+                  <dgm:constr type="h" for="ch" forName="entireBox" refType="h"/>
+                  <dgm:constr type="w" for="ch" forName="descendantBox" refType="w"/>
+                  <dgm:constr type="b" for="ch" forName="descendantBox" refType="h" fact="0.98"/>
+                  <dgm:constr type="h" for="ch" forName="descendantBox" refType="h" fact="0.46"/>
+                </dgm:constrLst>
+              </dgm:if>
+              <dgm:else name="Name6">
+                <dgm:constrLst>
+                  <dgm:constr type="w" for="ch" forName="parentTextBox" refType="w"/>
+                  <dgm:constr type="h" for="ch" forName="parentTextBox" refType="h"/>
+                </dgm:constrLst>
+              </dgm:else>
+            </dgm:choose>
+            <dgm:ruleLst/>
+            <dgm:layoutNode name="parentTextBox">
+              <dgm:alg type="tx"/>
+              <dgm:choose name="Name7">
+                <dgm:if name="Name8" axis="ch" ptType="node" func="cnt" op="gte" val="1">
+                  <dgm:shape xmlns:r="http://schemas.openxmlformats.org/officeDocument/2006/relationships" type="rect" r:blip="" zOrderOff="1" hideGeom="1">
+                    <dgm:adjLst/>
+                  </dgm:shape>
+                </dgm:if>
+                <dgm:else name="Name9">
+                  <dgm:shape xmlns:r="http://schemas.openxmlformats.org/officeDocument/2006/relationships" type="rect" r:blip="">
+                    <dgm:adjLst/>
+                  </dgm:shape>
+                </dgm:else>
+              </dgm:choose>
+              <dgm:presOf axis="self"/>
+              <dgm:constrLst/>
+              <dgm:ruleLst>
+                <dgm:rule type="primFontSz" val="5" fact="NaN" max="NaN"/>
+              </dgm:ruleLst>
+            </dgm:layoutNode>
+            <dgm:choose name="Name10">
+              <dgm:if name="Name11" axis="ch" ptType="node" func="cnt" op="gte" val="1">
+                <dgm:layoutNode name="entireBox">
+                  <dgm:alg type="sp"/>
+                  <dgm:shape xmlns:r="http://schemas.openxmlformats.org/officeDocument/2006/relationships" type="rect" r:blip="">
+                    <dgm:adjLst/>
+                  </dgm:shape>
+                  <dgm:presOf axis="self"/>
+                  <dgm:constrLst/>
+                  <dgm:ruleLst/>
+                </dgm:layoutNode>
+                <dgm:layoutNode name="descendantBox" styleLbl="fgAccFollowNode1">
+                  <dgm:choose name="Name12">
+                    <dgm:if name="Name13" func="var" arg="dir" op="equ" val="norm">
+                      <dgm:alg type="lin"/>
+                    </dgm:if>
+                    <dgm:else name="Name14">
+                      <dgm:alg type="lin">
+                        <dgm:param type="linDir" val="fromR"/>
+                      </dgm:alg>
+                    </dgm:else>
+                  </dgm:choose>
+                  <dgm:shape xmlns:r="http://schemas.openxmlformats.org/officeDocument/2006/relationships" r:blip="">
+                    <dgm:adjLst/>
+                  </dgm:shape>
+                  <dgm:presOf/>
+                  <dgm:constrLst>
+                    <dgm:constr type="w" for="ch" forName="childTextBox" refType="w"/>
+                    <dgm:constr type="h" for="ch" forName="childTextBox" refType="h"/>
+                  </dgm:constrLst>
+                  <dgm:ruleLst/>
+                  <dgm:forEach name="Name15" axis="ch" ptType="node">
+                    <dgm:layoutNode name="childTextBox" styleLbl="fgAccFollowNode1">
+                      <dgm:varLst>
+                        <dgm:bulletEnabled val="1"/>
+                      </dgm:varLst>
+                      <dgm:alg type="tx"/>
+                      <dgm:shape xmlns:r="http://schemas.openxmlformats.org/officeDocument/2006/relationships" type="rect" r:blip="">
+                        <dgm:adjLst/>
+                      </dgm:shape>
+                      <dgm:presOf axis="desOrSelf" ptType="node"/>
+                      <dgm:constrLst>
+                        <dgm:constr type="tMarg" refType="primFontSz" fact="0.1"/>
+                        <dgm:constr type="bMarg" refType="primFontSz" fact="0.1"/>
+                      </dgm:constrLst>
+                      <dgm:ruleLst>
+                        <dgm:rule type="primFontSz" val="5" fact="NaN" max="NaN"/>
+                      </dgm:ruleLst>
+                    </dgm:layoutNode>
+                  </dgm:forEach>
+                </dgm:layoutNode>
+              </dgm:if>
+              <dgm:else name="Name16"/>
+            </dgm:choose>
+          </dgm:layoutNode>
+        </dgm:if>
+        <dgm:else name="Name17">
+          <dgm:layoutNode name="arrowAndChildren">
+            <dgm:alg type="composite"/>
+            <dgm:shape xmlns:r="http://schemas.openxmlformats.org/officeDocument/2006/relationships" r:blip="">
+              <dgm:adjLst/>
+            </dgm:shape>
+            <dgm:presOf/>
+            <dgm:choose name="Name18">
+              <dgm:if name="Name19" axis="ch" ptType="node" func="cnt" op="gte" val="1">
+                <dgm:constrLst>
+                  <dgm:constr type="w" for="ch" forName="parentTextArrow" refType="w"/>
+                  <dgm:constr type="t" for="ch" forName="parentTextArrow"/>
+                  <dgm:constr type="h" for="ch" forName="parentTextArrow" refType="h" fact="0.351"/>
+                  <dgm:constr type="w" for="ch" forName="arrow" refType="w"/>
+                  <dgm:constr type="h" for="ch" forName="arrow" refType="h"/>
+                  <dgm:constr type="w" for="ch" forName="descendantArrow" refType="w"/>
+                  <dgm:constr type="b" for="ch" forName="descendantArrow" refType="h" fact="0.65"/>
+                  <dgm:constr type="h" for="ch" forName="descendantArrow" refType="h" fact="0.299"/>
+                </dgm:constrLst>
+              </dgm:if>
+              <dgm:else name="Name20">
+                <dgm:constrLst>
+                  <dgm:constr type="w" for="ch" forName="parentTextArrow" refType="w"/>
+                  <dgm:constr type="h" for="ch" forName="parentTextArrow" refType="h"/>
+                </dgm:constrLst>
+              </dgm:else>
+            </dgm:choose>
+            <dgm:ruleLst/>
+            <dgm:layoutNode name="parentTextArrow">
+              <dgm:alg type="tx"/>
+              <dgm:choose name="Name21">
+                <dgm:if name="Name22" axis="ch" ptType="node" func="cnt" op="gte" val="1">
+                  <dgm:shape xmlns:r="http://schemas.openxmlformats.org/officeDocument/2006/relationships" type="rect" r:blip="" zOrderOff="1" hideGeom="1">
+                    <dgm:adjLst/>
+                  </dgm:shape>
+                </dgm:if>
+                <dgm:else name="Name23">
+                  <dgm:shape xmlns:r="http://schemas.openxmlformats.org/officeDocument/2006/relationships" rot="180" type="upArrowCallout" r:blip="">
+                    <dgm:adjLst/>
+                  </dgm:shape>
+                </dgm:else>
+              </dgm:choose>
+              <dgm:presOf axis="self"/>
+              <dgm:constrLst/>
+              <dgm:ruleLst>
+                <dgm:rule type="primFontSz" val="5" fact="NaN" max="NaN"/>
+              </dgm:ruleLst>
+            </dgm:layoutNode>
+            <dgm:choose name="Name24">
+              <dgm:if name="Name25" axis="ch" ptType="node" func="cnt" op="gte" val="1">
+                <dgm:layoutNode name="arrow">
+                  <dgm:alg type="sp"/>
+                  <dgm:shape xmlns:r="http://schemas.openxmlformats.org/officeDocument/2006/relationships" rot="180" type="upArrowCallout" r:blip="">
+                    <dgm:adjLst/>
+                  </dgm:shape>
+                  <dgm:presOf axis="self"/>
+                  <dgm:constrLst/>
+                  <dgm:ruleLst/>
+                </dgm:layoutNode>
+                <dgm:layoutNode name="descendantArrow">
+                  <dgm:choose name="Name26">
+                    <dgm:if name="Name27" func="var" arg="dir" op="equ" val="norm">
+                      <dgm:alg type="lin"/>
+                    </dgm:if>
+                    <dgm:else name="Name28">
+                      <dgm:alg type="lin">
+                        <dgm:param type="linDir" val="fromR"/>
+                      </dgm:alg>
+                    </dgm:else>
+                  </dgm:choose>
+                  <dgm:shape xmlns:r="http://schemas.openxmlformats.org/officeDocument/2006/relationships" r:blip="">
+                    <dgm:adjLst/>
+                  </dgm:shape>
+                  <dgm:presOf/>
+                  <dgm:constrLst>
+                    <dgm:constr type="w" for="ch" forName="childTextArrow" refType="w"/>
+                    <dgm:constr type="h" for="ch" forName="childTextArrow" refType="h"/>
+                  </dgm:constrLst>
+                  <dgm:ruleLst/>
+                  <dgm:forEach name="Name29" axis="ch" ptType="node">
+                    <dgm:layoutNode name="childTextArrow" styleLbl="fgAccFollowNode1">
+                      <dgm:varLst>
+                        <dgm:bulletEnabled val="1"/>
+                      </dgm:varLst>
+                      <dgm:alg type="tx"/>
+                      <dgm:shape xmlns:r="http://schemas.openxmlformats.org/officeDocument/2006/relationships" type="rect" r:blip="">
+                        <dgm:adjLst/>
+                      </dgm:shape>
+                      <dgm:presOf axis="desOrSelf" ptType="node"/>
+                      <dgm:constrLst>
+                        <dgm:constr type="tMarg" refType="primFontSz" fact="0.1"/>
+                        <dgm:constr type="bMarg" refType="primFontSz" fact="0.1"/>
+                      </dgm:constrLst>
+                      <dgm:ruleLst>
+                        <dgm:rule type="primFontSz" val="5" fact="NaN" max="NaN"/>
+                      </dgm:ruleLst>
+                    </dgm:layoutNode>
+                  </dgm:forEach>
+                </dgm:layoutNode>
+              </dgm:if>
+              <dgm:else name="Name30"/>
+            </dgm:choose>
+          </dgm:layoutNode>
+        </dgm:else>
+      </dgm:choose>
+      <dgm:forEach name="Name31" axis="precedSib" ptType="sibTrans" st="-1" cnt="1">
+        <dgm:layoutNode name="sp">
+          <dgm:alg type="sp"/>
+          <dgm:shape xmlns:r="http://schemas.openxmlformats.org/officeDocument/2006/relationships" r:blip="">
+            <dgm:adjLst/>
+          </dgm:shape>
+          <dgm:presOf axis="self"/>
+          <dgm:constrLst/>
+          <dgm:ruleLst/>
+        </dgm:layoutNode>
+      </dgm:forEach>
+    </dgm:forEach>
+  </dgm:layoutNode>
+</dgm:layoutDef>
+</file>
+
 <file path=ppt/diagrams/quickStyle1.xml><?xml version="1.0" encoding="utf-8"?>
+<dgm:styleDef xmlns:dgm="http://schemas.openxmlformats.org/drawingml/2006/diagram" xmlns:a="http://schemas.openxmlformats.org/drawingml/2006/main" uniqueId="urn:microsoft.com/office/officeart/2005/8/quickstyle/simple3">
+  <dgm:title val=""/>
+  <dgm:desc val=""/>
+  <dgm:catLst>
+    <dgm:cat type="simple" pri="10300"/>
+  </dgm:catLst>
+  <dgm:scene3d>
+    <a:camera prst="orthographicFront"/>
+    <a:lightRig rig="threePt" dir="t"/>
+  </dgm:scene3d>
+  <dgm:styleLbl name="node0">
+    <dgm:scene3d>
+      <a:camera prst="orthographicFront"/>
+      <a:lightRig rig="flat" dir="t"/>
+    </dgm:scene3d>
+    <dgm:sp3d prstMaterial="dkEdge">
+      <a:bevelT w="8200" h="38100"/>
+    </dgm:sp3d>
+    <dgm:txPr/>
+    <dgm:style>
+      <a:lnRef idx="0">
+        <a:scrgbClr r="0" g="0" b="0"/>
+      </a:lnRef>
+      <a:fillRef idx="2">
+        <a:scrgbClr r="0" g="0" b="0"/>
+      </a:fillRef>
+      <a:effectRef idx="1">
+        <a:scrgbClr r="0" g="0" b="0"/>
+      </a:effectRef>
+      <a:fontRef idx="minor">
+        <a:schemeClr val="dk1"/>
+      </a:fontRef>
+    </dgm:style>
+  </dgm:styleLbl>
+  <dgm:styleLbl name="lnNode1">
+    <dgm:scene3d>
+      <a:camera prst="orthographicFront"/>
+      <a:lightRig rig="flat" dir="t"/>
+    </dgm:scene3d>
+    <dgm:sp3d prstMaterial="dkEdge">
+      <a:bevelT w="8200" h="38100"/>
+    </dgm:sp3d>
+    <dgm:txPr/>
+    <dgm:style>
+      <a:lnRef idx="1">
+        <a:scrgbClr r="0" g="0" b="0"/>
+      </a:lnRef>
+      <a:fillRef idx="2">
+        <a:scrgbClr r="0" g="0" b="0"/>
+      </a:fillRef>
+      <a:effectRef idx="0">
+        <a:scrgbClr r="0" g="0" b="0"/>
+      </a:effectRef>
+      <a:fontRef idx="minor">
+        <a:schemeClr val="dk1"/>
+      </a:fontRef>
+    </dgm:style>
+  </dgm:styleLbl>
+  <dgm:styleLbl name="vennNode1">
+    <dgm:scene3d>
+      <a:camera prst="orthographicFront"/>
+      <a:lightRig rig="flat" dir="t"/>
+    </dgm:scene3d>
+    <dgm:sp3d prstMaterial="dkEdge">
+      <a:bevelT w="8200" h="38100"/>
+    </dgm:sp3d>
+    <dgm:txPr/>
+    <dgm:style>
+      <a:lnRef idx="0">
+        <a:scrgbClr r="0" g="0" b="0"/>
+      </a:lnRef>
+      <a:fillRef idx="2">
+        <a:scrgbClr r="0" g="0" b="0"/>
+      </a:fillRef>
+      <a:effectRef idx="0">
+        <a:scrgbClr r="0" g="0" b="0"/>
+      </a:effectRef>
+      <a:fontRef idx="minor">
+        <a:schemeClr val="tx1"/>
+      </a:fontRef>
+    </dgm:style>
+  </dgm:styleLbl>
+  <dgm:styleLbl name="alignNode1">
+    <dgm:scene3d>
+      <a:camera prst="orthographicFront"/>
+      <a:lightRig rig="threePt" dir="t"/>
+    </dgm:scene3d>
+    <dgm:sp3d/>
+    <dgm:txPr/>
+    <dgm:style>
+      <a:lnRef idx="1">
+        <a:scrgbClr r="0" g="0" b="0"/>
+      </a:lnRef>
+      <a:fillRef idx="2">
+        <a:scrgbClr r="0" g="0" b="0"/>
+      </a:fillRef>
+      <a:effectRef idx="1">
+        <a:scrgbClr r="0" g="0" b="0"/>
+      </a:effectRef>
+      <a:fontRef idx="minor">
+        <a:schemeClr val="dk1"/>
+      </a:fontRef>
+    </dgm:style>
+  </dgm:styleLbl>
+  <dgm:styleLbl name="node1">
+    <dgm:scene3d>
+      <a:camera prst="orthographicFront"/>
+      <a:lightRig rig="flat" dir="t"/>
+    </dgm:scene3d>
+    <dgm:sp3d prstMaterial="dkEdge">
+      <a:bevelT w="8200" h="38100"/>
+    </dgm:sp3d>
+    <dgm:txPr/>
+    <dgm:style>
+      <a:lnRef idx="0">
+        <a:scrgbClr r="0" g="0" b="0"/>
+      </a:lnRef>
+      <a:fillRef idx="2">
+        <a:scrgbClr r="0" g="0" b="0"/>
+      </a:fillRef>
+      <a:effectRef idx="1">
+        <a:scrgbClr r="0" g="0" b="0"/>
+      </a:effectRef>
+      <a:fontRef idx="minor">
+        <a:schemeClr val="dk1"/>
+      </a:fontRef>
+    </dgm:style>
+  </dgm:styleLbl>
+  <dgm:styleLbl name="node2">
+    <dgm:scene3d>
+      <a:camera prst="orthographicFront"/>
+      <a:lightRig rig="flat" dir="t"/>
+    </dgm:scene3d>
+    <dgm:sp3d prstMaterial="dkEdge">
+      <a:bevelT w="8200" h="38100"/>
+    </dgm:sp3d>
+    <dgm:txPr/>
+    <dgm:style>
+      <a:lnRef idx="0">
+        <a:scrgbClr r="0" g="0" b="0"/>
+      </a:lnRef>
+      <a:fillRef idx="2">
+        <a:scrgbClr r="0" g="0" b="0"/>
+      </a:fillRef>
+      <a:effectRef idx="1">
+        <a:scrgbClr r="0" g="0" b="0"/>
+      </a:effectRef>
+      <a:fontRef idx="minor">
+        <a:schemeClr val="dk1"/>
+      </a:fontRef>
+    </dgm:style>
+  </dgm:styleLbl>
+  <dgm:styleLbl name="node3">
+    <dgm:scene3d>
+      <a:camera prst="orthographicFront"/>
+      <a:lightRig rig="flat" dir="t"/>
+    </dgm:scene3d>
+    <dgm:sp3d prstMaterial="dkEdge">
+      <a:bevelT w="8200" h="38100"/>
+    </dgm:sp3d>
+    <dgm:txPr/>
+    <dgm:style>
+      <a:lnRef idx="0">
+        <a:scrgbClr r="0" g="0" b="0"/>
+      </a:lnRef>
+      <a:fillRef idx="2">
+        <a:scrgbClr r="0" g="0" b="0"/>
+      </a:fillRef>
+      <a:effectRef idx="1">
+        <a:scrgbClr r="0" g="0" b="0"/>
+      </a:effectRef>
+      <a:fontRef idx="minor">
+        <a:schemeClr val="dk1"/>
+      </a:fontRef>
+    </dgm:style>
+  </dgm:styleLbl>
+  <dgm:styleLbl name="node4">
+    <dgm:scene3d>
+      <a:camera prst="orthographicFront"/>
+      <a:lightRig rig="flat" dir="t"/>
+    </dgm:scene3d>
+    <dgm:sp3d prstMaterial="dkEdge">
+      <a:bevelT w="8200" h="38100"/>
+    </dgm:sp3d>
+    <dgm:txPr/>
+    <dgm:style>
+      <a:lnRef idx="0">
+        <a:scrgbClr r="0" g="0" b="0"/>
+      </a:lnRef>
+      <a:fillRef idx="2">
+        <a:scrgbClr r="0" g="0" b="0"/>
+      </a:fillRef>
+      <a:effectRef idx="1">
+        <a:scrgbClr r="0" g="0" b="0"/>
+      </a:effectRef>
+      <a:fontRef idx="minor">
+        <a:schemeClr val="dk1"/>
+      </a:fontRef>
+    </dgm:style>
+  </dgm:styleLbl>
+  <dgm:styleLbl name="fgImgPlace1">
+    <dgm:scene3d>
+      <a:camera prst="orthographicFront"/>
+      <a:lightRig rig="threePt" dir="t"/>
+    </dgm:scene3d>
+    <dgm:sp3d/>
+    <dgm:txPr/>
+    <dgm:style>
+      <a:lnRef idx="1">
+        <a:scrgbClr r="0" g="0" b="0"/>
+      </a:lnRef>
+      <a:fillRef idx="1">
+        <a:scrgbClr r="0" g="0" b="0"/>
+      </a:fillRef>
+      <a:effectRef idx="1">
+        <a:scrgbClr r="0" g="0" b="0"/>
+      </a:effectRef>
+      <a:fontRef idx="minor"/>
+    </dgm:style>
+  </dgm:styleLbl>
+  <dgm:styleLbl name="alignImgPlace1">
+    <dgm:scene3d>
+      <a:camera prst="orthographicFront"/>
+      <a:lightRig rig="threePt" dir="t"/>
+    </dgm:scene3d>
+    <dgm:sp3d/>
+    <dgm:txPr/>
+    <dgm:style>
+      <a:lnRef idx="1">
+        <a:scrgbClr r="0" g="0" b="0"/>
+      </a:lnRef>
+      <a:fillRef idx="1">
+        <a:scrgbClr r="0" g="0" b="0"/>
+      </a:fillRef>
+      <a:effectRef idx="1">
+        <a:scrgbClr r="0" g="0" b="0"/>
+      </a:effectRef>
+      <a:fontRef idx="minor"/>
+    </dgm:style>
+  </dgm:styleLbl>
+  <dgm:styleLbl name="bgImgPlace1">
+    <dgm:scene3d>
+      <a:camera prst="orthographicFront"/>
+      <a:lightRig rig="threePt" dir="t"/>
+    </dgm:scene3d>
+    <dgm:sp3d/>
+    <dgm:txPr/>
+    <dgm:style>
+      <a:lnRef idx="1">
+        <a:scrgbClr r="0" g="0" b="0"/>
+      </a:lnRef>
+      <a:fillRef idx="1">
+        <a:scrgbClr r="0" g="0" b="0"/>
+      </a:fillRef>
+      <a:effectRef idx="1">
+        <a:scrgbClr r="0" g="0" b="0"/>
+      </a:effectRef>
+      <a:fontRef idx="minor"/>
+    </dgm:style>
+  </dgm:styleLbl>
+  <dgm:styleLbl name="sibTrans2D1">
+    <dgm:scene3d>
+      <a:camera prst="orthographicFront"/>
+      <a:lightRig rig="threePt" dir="t"/>
+    </dgm:scene3d>
+    <dgm:sp3d/>
+    <dgm:txPr/>
+    <dgm:style>
+      <a:lnRef idx="0">
+        <a:scrgbClr r="0" g="0" b="0"/>
+      </a:lnRef>
+      <a:fillRef idx="2">
+        <a:scrgbClr r="0" g="0" b="0"/>
+      </a:fillRef>
+      <a:effectRef idx="1">
+        <a:scrgbClr r="0" g="0" b="0"/>
+      </a:effectRef>
+      <a:fontRef idx="minor">
+        <a:schemeClr val="dk1"/>
+      </a:fontRef>
+    </dgm:style>
+  </dgm:styleLbl>
+  <dgm:styleLbl name="fgSibTrans2D1">
+    <dgm:scene3d>
+      <a:camera prst="orthographicFront"/>
+      <a:lightRig rig="threePt" dir="t"/>
+    </dgm:scene3d>
+    <dgm:sp3d/>
+    <dgm:txPr/>
+    <dgm:style>
+      <a:lnRef idx="0">
+        <a:scrgbClr r="0" g="0" b="0"/>
+      </a:lnRef>
+      <a:fillRef idx="2">
+        <a:scrgbClr r="0" g="0" b="0"/>
+      </a:fillRef>
+      <a:effectRef idx="1">
+        <a:scrgbClr r="0" g="0" b="0"/>
+      </a:effectRef>
+      <a:fontRef idx="minor">
+        <a:schemeClr val="dk1"/>
+      </a:fontRef>
+    </dgm:style>
+  </dgm:styleLbl>
+  <dgm:styleLbl name="bgSibTrans2D1">
+    <dgm:scene3d>
+      <a:camera prst="orthographicFront"/>
+      <a:lightRig rig="threePt" dir="t"/>
+    </dgm:scene3d>
+    <dgm:sp3d/>
+    <dgm:txPr/>
+    <dgm:style>
+      <a:lnRef idx="0">
+        <a:scrgbClr r="0" g="0" b="0"/>
+      </a:lnRef>
+      <a:fillRef idx="2">
+        <a:scrgbClr r="0" g="0" b="0"/>
+      </a:fillRef>
+      <a:effectRef idx="1">
+        <a:scrgbClr r="0" g="0" b="0"/>
+      </a:effectRef>
+      <a:fontRef idx="minor">
+        <a:schemeClr val="dk1"/>
+      </a:fontRef>
+    </dgm:style>
+  </dgm:styleLbl>
+  <dgm:styleLbl name="sibTrans1D1">
+    <dgm:scene3d>
+      <a:camera prst="orthographicFront"/>
+      <a:lightRig rig="threePt" dir="t"/>
+    </dgm:scene3d>
+    <dgm:sp3d/>
+    <dgm:txPr/>
+    <dgm:style>
+      <a:lnRef idx="1">
+        <a:scrgbClr r="0" g="0" b="0"/>
+      </a:lnRef>
+      <a:fillRef idx="0">
+        <a:scrgbClr r="0" g="0" b="0"/>
+      </a:fillRef>
+      <a:effectRef idx="0">
+        <a:scrgbClr r="0" g="0" b="0"/>
+      </a:effectRef>
+      <a:fontRef idx="minor"/>
+    </dgm:style>
+  </dgm:styleLbl>
+  <dgm:styleLbl name="callout">
+    <dgm:scene3d>
+      <a:camera prst="orthographicFront"/>
+      <a:lightRig rig="threePt" dir="t"/>
+    </dgm:scene3d>
+    <dgm:sp3d/>
+    <dgm:txPr/>
+    <dgm:style>
+      <a:lnRef idx="1">
+        <a:scrgbClr r="0" g="0" b="0"/>
+      </a:lnRef>
+      <a:fillRef idx="2">
+        <a:scrgbClr r="0" g="0" b="0"/>
+      </a:fillRef>
+      <a:effectRef idx="1">
+        <a:scrgbClr r="0" g="0" b="0"/>
+      </a:effectRef>
+      <a:fontRef idx="minor"/>
+    </dgm:style>
+  </dgm:styleLbl>
+  <dgm:styleLbl name="asst0">
+    <dgm:scene3d>
+      <a:camera prst="orthographicFront"/>
+      <a:lightRig rig="flat" dir="t"/>
+    </dgm:scene3d>
+    <dgm:sp3d prstMaterial="dkEdge">
+      <a:bevelT w="8200" h="38100"/>
+    </dgm:sp3d>
+    <dgm:txPr/>
+    <dgm:style>
+      <a:lnRef idx="0">
+        <a:scrgbClr r="0" g="0" b="0"/>
+      </a:lnRef>
+      <a:fillRef idx="2">
+        <a:scrgbClr r="0" g="0" b="0"/>
+      </a:fillRef>
+      <a:effectRef idx="1">
+        <a:scrgbClr r="0" g="0" b="0"/>
+      </a:effectRef>
+      <a:fontRef idx="minor">
+        <a:schemeClr val="dk1"/>
+      </a:fontRef>
+    </dgm:style>
+  </dgm:styleLbl>
+  <dgm:styleLbl name="asst1">
+    <dgm:scene3d>
+      <a:camera prst="orthographicFront"/>
+      <a:lightRig rig="flat" dir="t"/>
+    </dgm:scene3d>
+    <dgm:sp3d prstMaterial="dkEdge">
+      <a:bevelT w="8200" h="38100"/>
+    </dgm:sp3d>
+    <dgm:txPr/>
+    <dgm:style>
+      <a:lnRef idx="0">
+        <a:scrgbClr r="0" g="0" b="0"/>
+      </a:lnRef>
+      <a:fillRef idx="2">
+        <a:scrgbClr r="0" g="0" b="0"/>
+      </a:fillRef>
+      <a:effectRef idx="1">
+        <a:scrgbClr r="0" g="0" b="0"/>
+      </a:effectRef>
+      <a:fontRef idx="minor">
+        <a:schemeClr val="dk1"/>
+      </a:fontRef>
+    </dgm:style>
+  </dgm:styleLbl>
+  <dgm:styleLbl name="asst2">
+    <dgm:scene3d>
+      <a:camera prst="orthographicFront"/>
+      <a:lightRig rig="flat" dir="t"/>
+    </dgm:scene3d>
+    <dgm:sp3d prstMaterial="dkEdge">
+      <a:bevelT w="8200" h="38100"/>
+    </dgm:sp3d>
+    <dgm:txPr/>
+    <dgm:style>
+      <a:lnRef idx="0">
+        <a:scrgbClr r="0" g="0" b="0"/>
+      </a:lnRef>
+      <a:fillRef idx="2">
+        <a:scrgbClr r="0" g="0" b="0"/>
+      </a:fillRef>
+      <a:effectRef idx="1">
+        <a:scrgbClr r="0" g="0" b="0"/>
+      </a:effectRef>
+      <a:fontRef idx="minor">
+        <a:schemeClr val="dk1"/>
+      </a:fontRef>
+    </dgm:style>
+  </dgm:styleLbl>
+  <dgm:styleLbl name="asst3">
+    <dgm:scene3d>
+      <a:camera prst="orthographicFront"/>
+      <a:lightRig rig="flat" dir="t"/>
+    </dgm:scene3d>
+    <dgm:sp3d prstMaterial="dkEdge">
+      <a:bevelT w="8200" h="38100"/>
+    </dgm:sp3d>
+    <dgm:txPr/>
+    <dgm:style>
+      <a:lnRef idx="0">
+        <a:scrgbClr r="0" g="0" b="0"/>
+      </a:lnRef>
+      <a:fillRef idx="2">
+        <a:scrgbClr r="0" g="0" b="0"/>
+      </a:fillRef>
+      <a:effectRef idx="1">
+        <a:scrgbClr r="0" g="0" b="0"/>
+      </a:effectRef>
+      <a:fontRef idx="minor">
+        <a:schemeClr val="dk1"/>
+      </a:fontRef>
+    </dgm:style>
+  </dgm:styleLbl>
+  <dgm:styleLbl name="asst4">
+    <dgm:scene3d>
+      <a:camera prst="orthographicFront"/>
+      <a:lightRig rig="flat" dir="t"/>
+    </dgm:scene3d>
+    <dgm:sp3d prstMaterial="dkEdge">
+      <a:bevelT w="8200" h="38100"/>
+    </dgm:sp3d>
+    <dgm:txPr/>
+    <dgm:style>
+      <a:lnRef idx="0">
+        <a:scrgbClr r="0" g="0" b="0"/>
+      </a:lnRef>
+      <a:fillRef idx="2">
+        <a:scrgbClr r="0" g="0" b="0"/>
+      </a:fillRef>
+      <a:effectRef idx="1">
+        <a:scrgbClr r="0" g="0" b="0"/>
+      </a:effectRef>
+      <a:fontRef idx="minor">
+        <a:schemeClr val="dk1"/>
+      </a:fontRef>
+    </dgm:style>
+  </dgm:styleLbl>
+  <dgm:styleLbl name="parChTrans2D1">
+    <dgm:scene3d>
+      <a:camera prst="orthographicFront"/>
+      <a:lightRig rig="threePt" dir="t"/>
+    </dgm:scene3d>
+    <dgm:sp3d/>
+    <dgm:txPr/>
+    <dgm:style>
+      <a:lnRef idx="1">
+        <a:scrgbClr r="0" g="0" b="0"/>
+      </a:lnRef>
+      <a:fillRef idx="2">
+        <a:scrgbClr r="0" g="0" b="0"/>
+      </a:fillRef>
+      <a:effectRef idx="1">
+        <a:scrgbClr r="0" g="0" b="0"/>
+      </a:effectRef>
+      <a:fontRef idx="minor">
+        <a:schemeClr val="dk1"/>
+      </a:fontRef>
+    </dgm:style>
+  </dgm:styleLbl>
+  <dgm:styleLbl name="parChTrans2D2">
+    <dgm:scene3d>
+      <a:camera prst="orthographicFront"/>
+      <a:lightRig rig="threePt" dir="t"/>
+    </dgm:scene3d>
+    <dgm:sp3d/>
+    <dgm:txPr/>
+    <dgm:style>
+      <a:lnRef idx="1">
+        <a:scrgbClr r="0" g="0" b="0"/>
+      </a:lnRef>
+      <a:fillRef idx="2">
+        <a:scrgbClr r="0" g="0" b="0"/>
+      </a:fillRef>
+      <a:effectRef idx="1">
+        <a:scrgbClr r="0" g="0" b="0"/>
+      </a:effectRef>
+      <a:fontRef idx="minor">
+        <a:schemeClr val="dk1"/>
+      </a:fontRef>
+    </dgm:style>
+  </dgm:styleLbl>
+  <dgm:styleLbl name="parChTrans2D3">
+    <dgm:scene3d>
+      <a:camera prst="orthographicFront"/>
+      <a:lightRig rig="threePt" dir="t"/>
+    </dgm:scene3d>
+    <dgm:sp3d/>
+    <dgm:txPr/>
+    <dgm:style>
+      <a:lnRef idx="1">
+        <a:scrgbClr r="0" g="0" b="0"/>
+      </a:lnRef>
+      <a:fillRef idx="2">
+        <a:scrgbClr r="0" g="0" b="0"/>
+      </a:fillRef>
+      <a:effectRef idx="1">
+        <a:scrgbClr r="0" g="0" b="0"/>
+      </a:effectRef>
+      <a:fontRef idx="minor">
+        <a:schemeClr val="dk1"/>
+      </a:fontRef>
+    </dgm:style>
+  </dgm:styleLbl>
+  <dgm:styleLbl name="parChTrans2D4">
+    <dgm:scene3d>
+      <a:camera prst="orthographicFront"/>
+      <a:lightRig rig="threePt" dir="t"/>
+    </dgm:scene3d>
+    <dgm:sp3d/>
+    <dgm:txPr/>
+    <dgm:style>
+      <a:lnRef idx="1">
+        <a:scrgbClr r="0" g="0" b="0"/>
+      </a:lnRef>
+      <a:fillRef idx="2">
+        <a:scrgbClr r="0" g="0" b="0"/>
+      </a:fillRef>
+      <a:effectRef idx="1">
+        <a:scrgbClr r="0" g="0" b="0"/>
+      </a:effectRef>
+      <a:fontRef idx="minor">
+        <a:schemeClr val="dk1"/>
+      </a:fontRef>
+    </dgm:style>
+  </dgm:styleLbl>
+  <dgm:styleLbl name="parChTrans1D1">
+    <dgm:scene3d>
+      <a:camera prst="orthographicFront"/>
+      <a:lightRig rig="threePt" dir="t"/>
+    </dgm:scene3d>
+    <dgm:sp3d/>
+    <dgm:txPr/>
+    <dgm:style>
+      <a:lnRef idx="2">
+        <a:scrgbClr r="0" g="0" b="0"/>
+      </a:lnRef>
+      <a:fillRef idx="0">
+        <a:scrgbClr r="0" g="0" b="0"/>
+      </a:fillRef>
+      <a:effectRef idx="0">
+        <a:scrgbClr r="0" g="0" b="0"/>
+      </a:effectRef>
+      <a:fontRef idx="minor"/>
+    </dgm:style>
+  </dgm:styleLbl>
+  <dgm:styleLbl name="parChTrans1D2">
+    <dgm:scene3d>
+      <a:camera prst="orthographicFront"/>
+      <a:lightRig rig="threePt" dir="t"/>
+    </dgm:scene3d>
+    <dgm:sp3d/>
+    <dgm:txPr/>
+    <dgm:style>
+      <a:lnRef idx="2">
+        <a:scrgbClr r="0" g="0" b="0"/>
+      </a:lnRef>
+      <a:fillRef idx="0">
+        <a:scrgbClr r="0" g="0" b="0"/>
+      </a:fillRef>
+      <a:effectRef idx="0">
+        <a:scrgbClr r="0" g="0" b="0"/>
+      </a:effectRef>
+      <a:fontRef idx="minor"/>
+    </dgm:style>
+  </dgm:styleLbl>
+  <dgm:styleLbl name="parChTrans1D3">
+    <dgm:scene3d>
+      <a:camera prst="orthographicFront"/>
+      <a:lightRig rig="threePt" dir="t"/>
+    </dgm:scene3d>
+    <dgm:sp3d/>
+    <dgm:txPr/>
+    <dgm:style>
+      <a:lnRef idx="2">
+        <a:scrgbClr r="0" g="0" b="0"/>
+      </a:lnRef>
+      <a:fillRef idx="0">
+        <a:scrgbClr r="0" g="0" b="0"/>
+      </a:fillRef>
+      <a:effectRef idx="0">
+        <a:scrgbClr r="0" g="0" b="0"/>
+      </a:effectRef>
+      <a:fontRef idx="minor"/>
+    </dgm:style>
+  </dgm:styleLbl>
+  <dgm:styleLbl name="parChTrans1D4">
+    <dgm:scene3d>
+      <a:camera prst="orthographicFront"/>
+      <a:lightRig rig="threePt" dir="t"/>
+    </dgm:scene3d>
+    <dgm:sp3d/>
+    <dgm:txPr/>
+    <dgm:style>
+      <a:lnRef idx="2">
+        <a:scrgbClr r="0" g="0" b="0"/>
+      </a:lnRef>
+      <a:fillRef idx="0">
+        <a:scrgbClr r="0" g="0" b="0"/>
+      </a:fillRef>
+      <a:effectRef idx="0">
+        <a:scrgbClr r="0" g="0" b="0"/>
+      </a:effectRef>
+      <a:fontRef idx="minor"/>
+    </dgm:style>
+  </dgm:styleLbl>
+  <dgm:styleLbl name="fgAcc1">
+    <dgm:scene3d>
+      <a:camera prst="orthographicFront"/>
+      <a:lightRig rig="threePt" dir="t"/>
+    </dgm:scene3d>
+    <dgm:sp3d/>
+    <dgm:txPr/>
+    <dgm:style>
+      <a:lnRef idx="1">
+        <a:scrgbClr r="0" g="0" b="0"/>
+      </a:lnRef>
+      <a:fillRef idx="1">
+        <a:scrgbClr r="0" g="0" b="0"/>
+      </a:fillRef>
+      <a:effectRef idx="0">
+        <a:scrgbClr r="0" g="0" b="0"/>
+      </a:effectRef>
+      <a:fontRef idx="minor"/>
+    </dgm:style>
+  </dgm:styleLbl>
+  <dgm:styleLbl name="conFgAcc1">
+    <dgm:scene3d>
+      <a:camera prst="orthographicFront"/>
+      <a:lightRig rig="threePt" dir="t"/>
+    </dgm:scene3d>
+    <dgm:sp3d/>
+    <dgm:txPr/>
+    <dgm:style>
+      <a:lnRef idx="1">
+        <a:scrgbClr r="0" g="0" b="0"/>
+      </a:lnRef>
+      <a:fillRef idx="1">
+        <a:scrgbClr r="0" g="0" b="0"/>
+      </a:fillRef>
+      <a:effectRef idx="0">
+        <a:scrgbClr r="0" g="0" b="0"/>
+      </a:effectRef>
+      <a:fontRef idx="minor"/>
+    </dgm:style>
+  </dgm:styleLbl>
+  <dgm:styleLbl name="alignAcc1">
+    <dgm:scene3d>
+      <a:camera prst="orthographicFront"/>
+      <a:lightRig rig="threePt" dir="t"/>
+    </dgm:scene3d>
+    <dgm:sp3d/>
+    <dgm:txPr/>
+    <dgm:style>
+      <a:lnRef idx="1">
+        <a:scrgbClr r="0" g="0" b="0"/>
+      </a:lnRef>
+      <a:fillRef idx="1">
+        <a:scrgbClr r="0" g="0" b="0"/>
+      </a:fillRef>
+      <a:effectRef idx="0">
+        <a:scrgbClr r="0" g="0" b="0"/>
+      </a:effectRef>
+      <a:fontRef idx="minor"/>
+    </dgm:style>
+  </dgm:styleLbl>
+  <dgm:styleLbl name="trAlignAcc1">
+    <dgm:scene3d>
+      <a:camera prst="orthographicFront"/>
+      <a:lightRig rig="threePt" dir="t"/>
+    </dgm:scene3d>
+    <dgm:sp3d/>
+    <dgm:txPr/>
+    <dgm:style>
+      <a:lnRef idx="1">
+        <a:scrgbClr r="0" g="0" b="0"/>
+      </a:lnRef>
+      <a:fillRef idx="1">
+        <a:scrgbClr r="0" g="0" b="0"/>
+      </a:fillRef>
+      <a:effectRef idx="0">
+        <a:scrgbClr r="0" g="0" b="0"/>
+      </a:effectRef>
+      <a:fontRef idx="minor"/>
+    </dgm:style>
+  </dgm:styleLbl>
+  <dgm:styleLbl name="bgAcc1">
+    <dgm:scene3d>
+      <a:camera prst="orthographicFront"/>
+      <a:lightRig rig="threePt" dir="t"/>
+    </dgm:scene3d>
+    <dgm:sp3d/>
+    <dgm:txPr/>
+    <dgm:style>
+      <a:lnRef idx="1">
+        <a:scrgbClr r="0" g="0" b="0"/>
+      </a:lnRef>
+      <a:fillRef idx="1">
+        <a:scrgbClr r="0" g="0" b="0"/>
+      </a:fillRef>
+      <a:effectRef idx="0">
+        <a:scrgbClr r="0" g="0" b="0"/>
+      </a:effectRef>
+      <a:fontRef idx="minor"/>
+    </dgm:style>
+  </dgm:styleLbl>
+  <dgm:styleLbl name="solidFgAcc1">
+    <dgm:scene3d>
+      <a:camera prst="orthographicFront"/>
+      <a:lightRig rig="threePt" dir="t"/>
+    </dgm:scene3d>
+    <dgm:sp3d/>
+    <dgm:txPr/>
+    <dgm:style>
+      <a:lnRef idx="1">
+        <a:scrgbClr r="0" g="0" b="0"/>
+      </a:lnRef>
+      <a:fillRef idx="2">
+        <a:scrgbClr r="0" g="0" b="0"/>
+      </a:fillRef>
+      <a:effectRef idx="0">
+        <a:scrgbClr r="0" g="0" b="0"/>
+      </a:effectRef>
+      <a:fontRef idx="minor"/>
+    </dgm:style>
+  </dgm:styleLbl>
+  <dgm:styleLbl name="solidAlignAcc1">
+    <dgm:scene3d>
+      <a:camera prst="orthographicFront"/>
+      <a:lightRig rig="threePt" dir="t"/>
+    </dgm:scene3d>
+    <dgm:sp3d/>
+    <dgm:txPr/>
+    <dgm:style>
+      <a:lnRef idx="1">
+        <a:scrgbClr r="0" g="0" b="0"/>
+      </a:lnRef>
+      <a:fillRef idx="1">
+        <a:scrgbClr r="0" g="0" b="0"/>
+      </a:fillRef>
+      <a:effectRef idx="0">
+        <a:scrgbClr r="0" g="0" b="0"/>
+      </a:effectRef>
+      <a:fontRef idx="minor"/>
+    </dgm:style>
+  </dgm:styleLbl>
+  <dgm:styleLbl name="solidBgAcc1">
+    <dgm:scene3d>
+      <a:camera prst="orthographicFront"/>
+      <a:lightRig rig="threePt" dir="t"/>
+    </dgm:scene3d>
+    <dgm:sp3d/>
+    <dgm:txPr/>
+    <dgm:style>
+      <a:lnRef idx="1">
+        <a:scrgbClr r="0" g="0" b="0"/>
+      </a:lnRef>
+      <a:fillRef idx="1">
+        <a:scrgbClr r="0" g="0" b="0"/>
+      </a:fillRef>
+      <a:effectRef idx="0">
+        <a:scrgbClr r="0" g="0" b="0"/>
+      </a:effectRef>
+      <a:fontRef idx="minor"/>
+    </dgm:style>
+  </dgm:styleLbl>
+  <dgm:styleLbl name="fgAccFollowNode1">
+    <dgm:scene3d>
+      <a:camera prst="orthographicFront"/>
+      <a:lightRig rig="threePt" dir="t"/>
+    </dgm:scene3d>
+    <dgm:sp3d/>
+    <dgm:txPr/>
+    <dgm:style>
+      <a:lnRef idx="1">
+        <a:scrgbClr r="0" g="0" b="0"/>
+      </a:lnRef>
+      <a:fillRef idx="1">
+        <a:scrgbClr r="0" g="0" b="0"/>
+      </a:fillRef>
+      <a:effectRef idx="0">
+        <a:scrgbClr r="0" g="0" b="0"/>
+      </a:effectRef>
+      <a:fontRef idx="minor"/>
+    </dgm:style>
+  </dgm:styleLbl>
+  <dgm:styleLbl name="alignAccFollowNode1">
+    <dgm:scene3d>
+      <a:camera prst="orthographicFront"/>
+      <a:lightRig rig="threePt" dir="t"/>
+    </dgm:scene3d>
+    <dgm:sp3d/>
+    <dgm:txPr/>
+    <dgm:style>
+      <a:lnRef idx="1">
+        <a:scrgbClr r="0" g="0" b="0"/>
+      </a:lnRef>
+      <a:fillRef idx="1">
+        <a:scrgbClr r="0" g="0" b="0"/>
+      </a:fillRef>
+      <a:effectRef idx="0">
+        <a:scrgbClr r="0" g="0" b="0"/>
+      </a:effectRef>
+      <a:fontRef idx="minor"/>
+    </dgm:style>
+  </dgm:styleLbl>
+  <dgm:styleLbl name="bgAccFollowNode1">
+    <dgm:scene3d>
+      <a:camera prst="orthographicFront"/>
+      <a:lightRig rig="threePt" dir="t"/>
+    </dgm:scene3d>
+    <dgm:sp3d/>
+    <dgm:txPr/>
+    <dgm:style>
+      <a:lnRef idx="1">
+        <a:scrgbClr r="0" g="0" b="0"/>
+      </a:lnRef>
+      <a:fillRef idx="1">
+        <a:scrgbClr r="0" g="0" b="0"/>
+      </a:fillRef>
+      <a:effectRef idx="0">
+        <a:scrgbClr r="0" g="0" b="0"/>
+      </a:effectRef>
+      <a:fontRef idx="minor"/>
+    </dgm:style>
+  </dgm:styleLbl>
+  <dgm:styleLbl name="fgAcc0">
+    <dgm:scene3d>
+      <a:camera prst="orthographicFront"/>
+      <a:lightRig rig="threePt" dir="t"/>
+    </dgm:scene3d>
+    <dgm:sp3d/>
+    <dgm:txPr/>
+    <dgm:style>
+      <a:lnRef idx="1">
+        <a:scrgbClr r="0" g="0" b="0"/>
+      </a:lnRef>
+      <a:fillRef idx="1">
+        <a:scrgbClr r="0" g="0" b="0"/>
+      </a:fillRef>
+      <a:effectRef idx="0">
+        <a:scrgbClr r="0" g="0" b="0"/>
+      </a:effectRef>
+      <a:fontRef idx="minor"/>
+    </dgm:style>
+  </dgm:styleLbl>
+  <dgm:styleLbl name="fgAcc2">
+    <dgm:scene3d>
+      <a:camera prst="orthographicFront"/>
+      <a:lightRig rig="threePt" dir="t"/>
+    </dgm:scene3d>
+    <dgm:sp3d/>
+    <dgm:txPr/>
+    <dgm:style>
+      <a:lnRef idx="1">
+        <a:scrgbClr r="0" g="0" b="0"/>
+      </a:lnRef>
+      <a:fillRef idx="1">
+        <a:scrgbClr r="0" g="0" b="0"/>
+      </a:fillRef>
+      <a:effectRef idx="0">
+        <a:scrgbClr r="0" g="0" b="0"/>
+      </a:effectRef>
+      <a:fontRef idx="minor"/>
+    </dgm:style>
+  </dgm:styleLbl>
+  <dgm:styleLbl name="fgAcc3">
+    <dgm:scene3d>
+      <a:camera prst="orthographicFront"/>
+      <a:lightRig rig="threePt" dir="t"/>
+    </dgm:scene3d>
+    <dgm:sp3d/>
+    <dgm:txPr/>
+    <dgm:style>
+      <a:lnRef idx="1">
+        <a:scrgbClr r="0" g="0" b="0"/>
+      </a:lnRef>
+      <a:fillRef idx="1">
+        <a:scrgbClr r="0" g="0" b="0"/>
+      </a:fillRef>
+      <a:effectRef idx="0">
+        <a:scrgbClr r="0" g="0" b="0"/>
+      </a:effectRef>
+      <a:fontRef idx="minor"/>
+    </dgm:style>
+  </dgm:styleLbl>
+  <dgm:styleLbl name="fgAcc4">
+    <dgm:scene3d>
+      <a:camera prst="orthographicFront"/>
+      <a:lightRig rig="threePt" dir="t"/>
+    </dgm:scene3d>
+    <dgm:sp3d/>
+    <dgm:txPr/>
+    <dgm:style>
+      <a:lnRef idx="1">
+        <a:scrgbClr r="0" g="0" b="0"/>
+      </a:lnRef>
+      <a:fillRef idx="1">
+        <a:scrgbClr r="0" g="0" b="0"/>
+      </a:fillRef>
+      <a:effectRef idx="0">
+        <a:scrgbClr r="0" g="0" b="0"/>
+      </a:effectRef>
+      <a:fontRef idx="minor"/>
+    </dgm:style>
+  </dgm:styleLbl>
+  <dgm:styleLbl name="bgShp">
+    <dgm:scene3d>
+      <a:camera prst="orthographicFront"/>
+      <a:lightRig rig="threePt" dir="t"/>
+    </dgm:scene3d>
+    <dgm:sp3d/>
+    <dgm:txPr/>
+    <dgm:style>
+      <a:lnRef idx="0">
+        <a:scrgbClr r="0" g="0" b="0"/>
+      </a:lnRef>
+      <a:fillRef idx="1">
+        <a:scrgbClr r="0" g="0" b="0"/>
+      </a:fillRef>
+      <a:effectRef idx="1">
+        <a:scrgbClr r="0" g="0" b="0"/>
+      </a:effectRef>
+      <a:fontRef idx="minor"/>
+    </dgm:style>
+  </dgm:styleLbl>
+  <dgm:styleLbl name="dkBgShp">
+    <dgm:scene3d>
+      <a:camera prst="orthographicFront"/>
+      <a:lightRig rig="threePt" dir="t"/>
+    </dgm:scene3d>
+    <dgm:sp3d/>
+    <dgm:txPr/>
+    <dgm:style>
+      <a:lnRef idx="0">
+        <a:scrgbClr r="0" g="0" b="0"/>
+      </a:lnRef>
+      <a:fillRef idx="1">
+        <a:scrgbClr r="0" g="0" b="0"/>
+      </a:fillRef>
+      <a:effectRef idx="1">
+        <a:scrgbClr r="0" g="0" b="0"/>
+      </a:effectRef>
+      <a:fontRef idx="minor"/>
+    </dgm:style>
+  </dgm:styleLbl>
+  <dgm:styleLbl name="trBgShp">
+    <dgm:scene3d>
+      <a:camera prst="orthographicFront"/>
+      <a:lightRig rig="threePt" dir="t"/>
+    </dgm:scene3d>
+    <dgm:sp3d/>
+    <dgm:txPr/>
+    <dgm:style>
+      <a:lnRef idx="0">
+        <a:scrgbClr r="0" g="0" b="0"/>
+      </a:lnRef>
+      <a:fillRef idx="1">
+        <a:scrgbClr r="0" g="0" b="0"/>
+      </a:fillRef>
+      <a:effectRef idx="0">
+        <a:scrgbClr r="0" g="0" b="0"/>
+      </a:effectRef>
+      <a:fontRef idx="minor"/>
+    </dgm:style>
+  </dgm:styleLbl>
+  <dgm:styleLbl name="fgShp">
+    <dgm:scene3d>
+      <a:camera prst="orthographicFront"/>
+      <a:lightRig rig="flat" dir="t"/>
+    </dgm:scene3d>
+    <dgm:sp3d prstMaterial="dkEdge">
+      <a:bevelT w="8200" h="38100"/>
+    </dgm:sp3d>
+    <dgm:txPr/>
+    <dgm:style>
+      <a:lnRef idx="1">
+        <a:scrgbClr r="0" g="0" b="0"/>
+      </a:lnRef>
+      <a:fillRef idx="2">
+        <a:scrgbClr r="0" g="0" b="0"/>
+      </a:fillRef>
+      <a:effectRef idx="1">
+        <a:scrgbClr r="0" g="0" b="0"/>
+      </a:effectRef>
+      <a:fontRef idx="minor"/>
+    </dgm:style>
+  </dgm:styleLbl>
+  <dgm:styleLbl name="revTx">
+    <dgm:scene3d>
+      <a:camera prst="orthographicFront"/>
+      <a:lightRig rig="threePt" dir="t"/>
+    </dgm:scene3d>
+    <dgm:sp3d/>
+    <dgm:txPr/>
+    <dgm:style>
+      <a:lnRef idx="0">
+        <a:scrgbClr r="0" g="0" b="0"/>
+      </a:lnRef>
+      <a:fillRef idx="0">
+        <a:scrgbClr r="0" g="0" b="0"/>
+      </a:fillRef>
+      <a:effectRef idx="0">
+        <a:scrgbClr r="0" g="0" b="0"/>
+      </a:effectRef>
+      <a:fontRef idx="minor"/>
+    </dgm:style>
+  </dgm:styleLbl>
+</dgm:styleDef>
+</file>
+
+<file path=ppt/diagrams/quickStyle2.xml><?xml version="1.0" encoding="utf-8"?>
 <dgm:styleDef xmlns:dgm="http://schemas.openxmlformats.org/drawingml/2006/diagram" xmlns:a="http://schemas.openxmlformats.org/drawingml/2006/main" uniqueId="urn:microsoft.com/office/officeart/2005/8/quickstyle/simple3">
   <dgm:title val=""/>
   <dgm:desc val=""/>
@@ -5985,7 +8881,7 @@
           <a:p>
             <a:fld id="{1EF55B2A-A1B1-48BE-AF50-1397049CD154}" type="datetimeFigureOut">
               <a:rPr lang="en-US" smtClean="0"/>
-              <a:t>7/7/2018</a:t>
+              <a:t>2018-07-07</a:t>
             </a:fld>
             <a:endParaRPr lang="en-US"/>
           </a:p>
@@ -6383,7 +9279,7 @@
           <a:p>
             <a:fld id="{3B310F8D-941A-4290-9AD4-9E0E1359B495}" type="datetime1">
               <a:rPr lang="en-US" smtClean="0"/>
-              <a:t>7/7/2018</a:t>
+              <a:t>2018-07-07</a:t>
             </a:fld>
             <a:endParaRPr lang="en-US"/>
           </a:p>
@@ -6553,7 +9449,7 @@
           <a:p>
             <a:fld id="{7304F7C5-445A-495D-9E4B-185EF9ECC1BC}" type="datetime1">
               <a:rPr lang="en-US" smtClean="0"/>
-              <a:t>7/7/2018</a:t>
+              <a:t>2018-07-07</a:t>
             </a:fld>
             <a:endParaRPr lang="en-US"/>
           </a:p>
@@ -6733,7 +9629,7 @@
           <a:p>
             <a:fld id="{D2CFDD0B-9353-4330-A178-6998BACFC81F}" type="datetime1">
               <a:rPr lang="en-US" smtClean="0"/>
-              <a:t>7/7/2018</a:t>
+              <a:t>2018-07-07</a:t>
             </a:fld>
             <a:endParaRPr lang="en-US"/>
           </a:p>
@@ -6903,7 +9799,7 @@
           <a:p>
             <a:fld id="{7F9E3F0D-B30C-4255-ABA0-8917B8CB3B8F}" type="datetime1">
               <a:rPr lang="en-US" smtClean="0"/>
-              <a:t>7/7/2018</a:t>
+              <a:t>2018-07-07</a:t>
             </a:fld>
             <a:endParaRPr lang="en-US"/>
           </a:p>
@@ -7149,7 +10045,7 @@
           <a:p>
             <a:fld id="{BDC50106-11C7-4743-A268-352326C24D1C}" type="datetime1">
               <a:rPr lang="en-US" smtClean="0"/>
-              <a:t>7/7/2018</a:t>
+              <a:t>2018-07-07</a:t>
             </a:fld>
             <a:endParaRPr lang="en-US"/>
           </a:p>
@@ -7381,7 +10277,7 @@
           <a:p>
             <a:fld id="{788D2460-8893-4237-87EC-6D23E813631B}" type="datetime1">
               <a:rPr lang="en-US" smtClean="0"/>
-              <a:t>7/7/2018</a:t>
+              <a:t>2018-07-07</a:t>
             </a:fld>
             <a:endParaRPr lang="en-US"/>
           </a:p>
@@ -7748,7 +10644,7 @@
           <a:p>
             <a:fld id="{27E9E99A-D479-4EDF-8C6D-90E41B7F7420}" type="datetime1">
               <a:rPr lang="en-US" smtClean="0"/>
-              <a:t>7/7/2018</a:t>
+              <a:t>2018-07-07</a:t>
             </a:fld>
             <a:endParaRPr lang="en-US"/>
           </a:p>
@@ -7866,7 +10762,7 @@
           <a:p>
             <a:fld id="{85451478-3410-43B1-B561-26F907204A43}" type="datetime1">
               <a:rPr lang="en-US" smtClean="0"/>
-              <a:t>7/7/2018</a:t>
+              <a:t>2018-07-07</a:t>
             </a:fld>
             <a:endParaRPr lang="en-US"/>
           </a:p>
@@ -7961,7 +10857,7 @@
           <a:p>
             <a:fld id="{FA489C54-C8EE-4B91-B64B-6687A21D522B}" type="datetime1">
               <a:rPr lang="en-US" smtClean="0"/>
-              <a:t>7/7/2018</a:t>
+              <a:t>2018-07-07</a:t>
             </a:fld>
             <a:endParaRPr lang="en-US"/>
           </a:p>
@@ -8238,7 +11134,7 @@
           <a:p>
             <a:fld id="{40BF1821-AA5A-4F67-9395-523155C54006}" type="datetime1">
               <a:rPr lang="en-US" smtClean="0"/>
-              <a:t>7/7/2018</a:t>
+              <a:t>2018-07-07</a:t>
             </a:fld>
             <a:endParaRPr lang="en-US"/>
           </a:p>
@@ -8495,7 +11391,7 @@
           <a:p>
             <a:fld id="{FC6BE5E1-4448-493C-8281-4A0C48B4313C}" type="datetime1">
               <a:rPr lang="en-US" smtClean="0"/>
-              <a:t>7/7/2018</a:t>
+              <a:t>2018-07-07</a:t>
             </a:fld>
             <a:endParaRPr lang="en-US"/>
           </a:p>
@@ -8708,7 +11604,7 @@
           <a:p>
             <a:fld id="{B9ACCD46-3949-4FD6-9D13-AB19AE2895AB}" type="datetime1">
               <a:rPr lang="en-US" smtClean="0"/>
-              <a:t>7/7/2018</a:t>
+              <a:t>2018-07-07</a:t>
             </a:fld>
             <a:endParaRPr lang="en-US"/>
           </a:p>
@@ -10182,7 +13078,19 @@
               <a:rPr lang="en-US" dirty="0">
                 <a:latin typeface="Book Antiqua" panose="02040602050305030304" pitchFamily="18" charset="0"/>
               </a:rPr>
-              <a:t> + g</a:t>
+              <a:t> + p</a:t>
+            </a:r>
+            <a:r>
+              <a:rPr lang="en-US" baseline="-25000" dirty="0">
+                <a:latin typeface="Book Antiqua" panose="02040602050305030304" pitchFamily="18" charset="0"/>
+              </a:rPr>
+              <a:t>4</a:t>
+            </a:r>
+            <a:r>
+              <a:rPr lang="en-US" dirty="0">
+                <a:latin typeface="Book Antiqua" panose="02040602050305030304" pitchFamily="18" charset="0"/>
+              </a:rPr>
+              <a:t>g</a:t>
             </a:r>
             <a:r>
               <a:rPr lang="en-US" baseline="-25000" dirty="0">
@@ -11763,188 +14671,210 @@
           </a:p>
         </p:txBody>
       </p:sp>
-      <p:sp>
-        <p:nvSpPr>
-          <p:cNvPr id="10" name="Rectangle 9">
+      <p:grpSp>
+        <p:nvGrpSpPr>
+          <p:cNvPr id="2" name="Group 1">
             <a:extLst>
               <a:ext uri="{FF2B5EF4-FFF2-40B4-BE49-F238E27FC236}">
-                <a16:creationId xmlns:a16="http://schemas.microsoft.com/office/drawing/2014/main" id="{1ED4BAF1-01BA-4A6A-AA68-CEEA5CEB7F3A}"/>
+                <a16:creationId xmlns:a16="http://schemas.microsoft.com/office/drawing/2014/main" id="{9BF76468-B7E2-4413-95A7-29FE64A5D641}"/>
               </a:ext>
             </a:extLst>
           </p:cNvPr>
-          <p:cNvSpPr/>
+          <p:cNvGrpSpPr/>
           <p:nvPr/>
-        </p:nvSpPr>
-        <p:spPr>
+        </p:nvGrpSpPr>
+        <p:grpSpPr>
           <a:xfrm>
-            <a:off x="479295" y="438150"/>
-            <a:ext cx="5608257" cy="6218682"/>
+            <a:off x="452431" y="319659"/>
+            <a:ext cx="11224962" cy="6218682"/>
+            <a:chOff x="479295" y="438150"/>
+            <a:chExt cx="11224962" cy="6218682"/>
           </a:xfrm>
-          <a:prstGeom prst="rect">
-            <a:avLst/>
-          </a:prstGeom>
           <a:solidFill>
             <a:schemeClr val="bg1"/>
           </a:solidFill>
-          <a:ln>
-            <a:solidFill>
-              <a:schemeClr val="bg1">
-                <a:lumMod val="95000"/>
+        </p:grpSpPr>
+        <p:sp>
+          <p:nvSpPr>
+            <p:cNvPr id="10" name="Rectangle 9">
+              <a:extLst>
+                <a:ext uri="{FF2B5EF4-FFF2-40B4-BE49-F238E27FC236}">
+                  <a16:creationId xmlns:a16="http://schemas.microsoft.com/office/drawing/2014/main" id="{1ED4BAF1-01BA-4A6A-AA68-CEEA5CEB7F3A}"/>
+                </a:ext>
+              </a:extLst>
+            </p:cNvPr>
+            <p:cNvSpPr/>
+            <p:nvPr/>
+          </p:nvSpPr>
+          <p:spPr>
+            <a:xfrm>
+              <a:off x="479295" y="438150"/>
+              <a:ext cx="5608257" cy="6218682"/>
+            </a:xfrm>
+            <a:prstGeom prst="rect">
+              <a:avLst/>
+            </a:prstGeom>
+            <a:grpFill/>
+            <a:ln>
+              <a:solidFill>
+                <a:schemeClr val="bg1">
+                  <a:lumMod val="95000"/>
+                </a:schemeClr>
+              </a:solidFill>
+            </a:ln>
+          </p:spPr>
+          <p:style>
+            <a:lnRef idx="2">
+              <a:schemeClr val="accent1">
+                <a:shade val="50000"/>
               </a:schemeClr>
-            </a:solidFill>
-          </a:ln>
-        </p:spPr>
-        <p:style>
-          <a:lnRef idx="2">
-            <a:schemeClr val="accent1">
-              <a:shade val="50000"/>
-            </a:schemeClr>
-          </a:lnRef>
-          <a:fillRef idx="1">
-            <a:schemeClr val="accent1"/>
-          </a:fillRef>
-          <a:effectRef idx="0">
-            <a:schemeClr val="accent1"/>
-          </a:effectRef>
-          <a:fontRef idx="minor">
-            <a:schemeClr val="lt1"/>
-          </a:fontRef>
-        </p:style>
-        <p:txBody>
-          <a:bodyPr rtlCol="0" anchor="ctr"/>
-          <a:lstStyle/>
-          <a:p>
-            <a:pPr algn="ctr"/>
-            <a:endParaRPr lang="en-US" dirty="0"/>
-          </a:p>
-        </p:txBody>
-      </p:sp>
-      <p:sp>
-        <p:nvSpPr>
-          <p:cNvPr id="16" name="Rectangle 15">
-            <a:extLst>
-              <a:ext uri="{FF2B5EF4-FFF2-40B4-BE49-F238E27FC236}">
-                <a16:creationId xmlns:a16="http://schemas.microsoft.com/office/drawing/2014/main" id="{DA51D932-58D6-4C84-9E5E-23333E73F55A}"/>
-              </a:ext>
-            </a:extLst>
-          </p:cNvPr>
-          <p:cNvSpPr/>
-          <p:nvPr/>
-        </p:nvSpPr>
-        <p:spPr>
-          <a:xfrm>
-            <a:off x="6096000" y="438150"/>
-            <a:ext cx="5608257" cy="6218682"/>
-          </a:xfrm>
-          <a:prstGeom prst="rect">
-            <a:avLst/>
-          </a:prstGeom>
-          <a:solidFill>
-            <a:schemeClr val="bg1"/>
-          </a:solidFill>
-          <a:ln>
-            <a:solidFill>
-              <a:schemeClr val="bg1"/>
-            </a:solidFill>
-          </a:ln>
-        </p:spPr>
-        <p:style>
-          <a:lnRef idx="2">
-            <a:schemeClr val="accent1">
-              <a:shade val="50000"/>
-            </a:schemeClr>
-          </a:lnRef>
-          <a:fillRef idx="1">
-            <a:schemeClr val="accent1"/>
-          </a:fillRef>
-          <a:effectRef idx="0">
-            <a:schemeClr val="accent1"/>
-          </a:effectRef>
-          <a:fontRef idx="minor">
-            <a:schemeClr val="lt1"/>
-          </a:fontRef>
-        </p:style>
-        <p:txBody>
-          <a:bodyPr rtlCol="0" anchor="ctr"/>
-          <a:lstStyle/>
-          <a:p>
-            <a:pPr algn="ctr"/>
-            <a:endParaRPr lang="en-US"/>
-          </a:p>
-        </p:txBody>
-      </p:sp>
-      <p:pic>
-        <p:nvPicPr>
-          <p:cNvPr id="12" name="Picture 11" descr="A screenshot of a cell phone&#10;&#10;Description generated with high confidence">
-            <a:extLst>
-              <a:ext uri="{FF2B5EF4-FFF2-40B4-BE49-F238E27FC236}">
-                <a16:creationId xmlns:a16="http://schemas.microsoft.com/office/drawing/2014/main" id="{598B3253-4808-46E2-B820-06F4DE5D886E}"/>
-              </a:ext>
-            </a:extLst>
-          </p:cNvPr>
-          <p:cNvPicPr>
-            <a:picLocks noChangeAspect="1"/>
-          </p:cNvPicPr>
-          <p:nvPr/>
-        </p:nvPicPr>
-        <p:blipFill>
-          <a:blip r:embed="rId7">
-            <a:extLst>
-              <a:ext uri="{28A0092B-C50C-407E-A947-70E740481C1C}">
-                <a14:useLocalDpi xmlns:a14="http://schemas.microsoft.com/office/drawing/2010/main" val="0"/>
-              </a:ext>
-            </a:extLst>
-          </a:blip>
-          <a:stretch>
-            <a:fillRect/>
-          </a:stretch>
-        </p:blipFill>
-        <p:spPr>
-          <a:xfrm>
-            <a:off x="1771494" y="2167400"/>
-            <a:ext cx="3576602" cy="2430509"/>
-          </a:xfrm>
-          <a:prstGeom prst="rect">
-            <a:avLst/>
-          </a:prstGeom>
-        </p:spPr>
-      </p:pic>
-      <p:pic>
-        <p:nvPicPr>
-          <p:cNvPr id="18" name="Picture 17" descr="A close up of text on a white background&#10;&#10;Description generated with high confidence">
-            <a:extLst>
-              <a:ext uri="{FF2B5EF4-FFF2-40B4-BE49-F238E27FC236}">
-                <a16:creationId xmlns:a16="http://schemas.microsoft.com/office/drawing/2014/main" id="{7F411D01-700D-41D3-9F84-C1531EF18EFA}"/>
-              </a:ext>
-            </a:extLst>
-          </p:cNvPr>
-          <p:cNvPicPr>
-            <a:picLocks noChangeAspect="1"/>
-          </p:cNvPicPr>
-          <p:nvPr/>
-        </p:nvPicPr>
-        <p:blipFill>
-          <a:blip r:embed="rId8">
-            <a:extLst>
-              <a:ext uri="{28A0092B-C50C-407E-A947-70E740481C1C}">
-                <a14:useLocalDpi xmlns:a14="http://schemas.microsoft.com/office/drawing/2010/main" val="0"/>
-              </a:ext>
-            </a:extLst>
-          </a:blip>
-          <a:stretch>
-            <a:fillRect/>
-          </a:stretch>
-        </p:blipFill>
-        <p:spPr>
-          <a:xfrm>
-            <a:off x="6427393" y="909286"/>
-            <a:ext cx="4963218" cy="5039428"/>
-          </a:xfrm>
-          <a:prstGeom prst="rect">
-            <a:avLst/>
-          </a:prstGeom>
-        </p:spPr>
-      </p:pic>
+            </a:lnRef>
+            <a:fillRef idx="1">
+              <a:schemeClr val="accent1"/>
+            </a:fillRef>
+            <a:effectRef idx="0">
+              <a:schemeClr val="accent1"/>
+            </a:effectRef>
+            <a:fontRef idx="minor">
+              <a:schemeClr val="lt1"/>
+            </a:fontRef>
+          </p:style>
+          <p:txBody>
+            <a:bodyPr rtlCol="0" anchor="ctr"/>
+            <a:lstStyle/>
+            <a:p>
+              <a:pPr algn="ctr"/>
+              <a:endParaRPr lang="en-US" dirty="0"/>
+            </a:p>
+          </p:txBody>
+        </p:sp>
+        <p:sp>
+          <p:nvSpPr>
+            <p:cNvPr id="16" name="Rectangle 15">
+              <a:extLst>
+                <a:ext uri="{FF2B5EF4-FFF2-40B4-BE49-F238E27FC236}">
+                  <a16:creationId xmlns:a16="http://schemas.microsoft.com/office/drawing/2014/main" id="{DA51D932-58D6-4C84-9E5E-23333E73F55A}"/>
+                </a:ext>
+              </a:extLst>
+            </p:cNvPr>
+            <p:cNvSpPr/>
+            <p:nvPr/>
+          </p:nvSpPr>
+          <p:spPr>
+            <a:xfrm>
+              <a:off x="6096000" y="438150"/>
+              <a:ext cx="5608257" cy="6218682"/>
+            </a:xfrm>
+            <a:prstGeom prst="rect">
+              <a:avLst/>
+            </a:prstGeom>
+            <a:grpFill/>
+            <a:ln>
+              <a:solidFill>
+                <a:schemeClr val="bg1"/>
+              </a:solidFill>
+            </a:ln>
+          </p:spPr>
+          <p:style>
+            <a:lnRef idx="2">
+              <a:schemeClr val="accent1">
+                <a:shade val="50000"/>
+              </a:schemeClr>
+            </a:lnRef>
+            <a:fillRef idx="1">
+              <a:schemeClr val="accent1"/>
+            </a:fillRef>
+            <a:effectRef idx="0">
+              <a:schemeClr val="accent1"/>
+            </a:effectRef>
+            <a:fontRef idx="minor">
+              <a:schemeClr val="lt1"/>
+            </a:fontRef>
+          </p:style>
+          <p:txBody>
+            <a:bodyPr rtlCol="0" anchor="ctr"/>
+            <a:lstStyle/>
+            <a:p>
+              <a:pPr algn="ctr"/>
+              <a:endParaRPr lang="en-US"/>
+            </a:p>
+          </p:txBody>
+        </p:sp>
+        <p:pic>
+          <p:nvPicPr>
+            <p:cNvPr id="12" name="Picture 11" descr="A screenshot of a cell phone&#10;&#10;Description generated with high confidence">
+              <a:extLst>
+                <a:ext uri="{FF2B5EF4-FFF2-40B4-BE49-F238E27FC236}">
+                  <a16:creationId xmlns:a16="http://schemas.microsoft.com/office/drawing/2014/main" id="{598B3253-4808-46E2-B820-06F4DE5D886E}"/>
+                </a:ext>
+              </a:extLst>
+            </p:cNvPr>
+            <p:cNvPicPr>
+              <a:picLocks noChangeAspect="1"/>
+            </p:cNvPicPr>
+            <p:nvPr/>
+          </p:nvPicPr>
+          <p:blipFill>
+            <a:blip r:embed="rId7">
+              <a:extLst>
+                <a:ext uri="{28A0092B-C50C-407E-A947-70E740481C1C}">
+                  <a14:useLocalDpi xmlns:a14="http://schemas.microsoft.com/office/drawing/2010/main" val="0"/>
+                </a:ext>
+              </a:extLst>
+            </a:blip>
+            <a:stretch>
+              <a:fillRect/>
+            </a:stretch>
+          </p:blipFill>
+          <p:spPr>
+            <a:xfrm>
+              <a:off x="1771494" y="2167400"/>
+              <a:ext cx="3576602" cy="2430509"/>
+            </a:xfrm>
+            <a:prstGeom prst="rect">
+              <a:avLst/>
+            </a:prstGeom>
+            <a:grpFill/>
+          </p:spPr>
+        </p:pic>
+        <p:pic>
+          <p:nvPicPr>
+            <p:cNvPr id="18" name="Picture 17" descr="A close up of text on a white background&#10;&#10;Description generated with high confidence">
+              <a:extLst>
+                <a:ext uri="{FF2B5EF4-FFF2-40B4-BE49-F238E27FC236}">
+                  <a16:creationId xmlns:a16="http://schemas.microsoft.com/office/drawing/2014/main" id="{7F411D01-700D-41D3-9F84-C1531EF18EFA}"/>
+                </a:ext>
+              </a:extLst>
+            </p:cNvPr>
+            <p:cNvPicPr>
+              <a:picLocks noChangeAspect="1"/>
+            </p:cNvPicPr>
+            <p:nvPr/>
+          </p:nvPicPr>
+          <p:blipFill>
+            <a:blip r:embed="rId8">
+              <a:extLst>
+                <a:ext uri="{28A0092B-C50C-407E-A947-70E740481C1C}">
+                  <a14:useLocalDpi xmlns:a14="http://schemas.microsoft.com/office/drawing/2010/main" val="0"/>
+                </a:ext>
+              </a:extLst>
+            </a:blip>
+            <a:stretch>
+              <a:fillRect/>
+            </a:stretch>
+          </p:blipFill>
+          <p:spPr>
+            <a:xfrm>
+              <a:off x="6427393" y="909286"/>
+              <a:ext cx="4963218" cy="5039428"/>
+            </a:xfrm>
+            <a:prstGeom prst="rect">
+              <a:avLst/>
+            </a:prstGeom>
+            <a:grpFill/>
+          </p:spPr>
+        </p:pic>
+      </p:grpSp>
     </p:spTree>
     <p:extLst>
       <p:ext uri="{BB962C8B-B14F-4D97-AF65-F5344CB8AC3E}">
@@ -11999,88 +14929,7 @@
                                           </p:stCondLst>
                                         </p:cTn>
                                         <p:tgtEl>
-                                          <p:spTgt spid="12"/>
-                                        </p:tgtEl>
-                                        <p:attrNameLst>
-                                          <p:attrName>style.visibility</p:attrName>
-                                        </p:attrNameLst>
-                                      </p:cBhvr>
-                                      <p:to>
-                                        <p:strVal val="visible"/>
-                                      </p:to>
-                                    </p:set>
-                                  </p:childTnLst>
-                                </p:cTn>
-                              </p:par>
-                              <p:par>
-                                <p:cTn id="7" presetID="1" presetClass="entr" presetSubtype="0" fill="hold" nodeType="withEffect">
-                                  <p:stCondLst>
-                                    <p:cond delay="0"/>
-                                  </p:stCondLst>
-                                  <p:childTnLst>
-                                    <p:set>
-                                      <p:cBhvr>
-                                        <p:cTn id="8" dur="1" fill="hold">
-                                          <p:stCondLst>
-                                            <p:cond delay="0"/>
-                                          </p:stCondLst>
-                                        </p:cTn>
-                                        <p:tgtEl>
-                                          <p:spTgt spid="18"/>
-                                        </p:tgtEl>
-                                        <p:attrNameLst>
-                                          <p:attrName>style.visibility</p:attrName>
-                                        </p:attrNameLst>
-                                      </p:cBhvr>
-                                      <p:to>
-                                        <p:strVal val="visible"/>
-                                      </p:to>
-                                    </p:set>
-                                  </p:childTnLst>
-                                </p:cTn>
-                              </p:par>
-                              <p:par>
-                                <p:cTn id="9" presetID="1" presetClass="entr" presetSubtype="0" fill="hold" grpId="0" nodeType="withEffect">
-                                  <p:stCondLst>
-                                    <p:cond delay="0"/>
-                                  </p:stCondLst>
-                                  <p:childTnLst>
-                                    <p:set>
-                                      <p:cBhvr>
-                                        <p:cTn id="10" dur="1" fill="hold">
-                                          <p:stCondLst>
-                                            <p:cond delay="0"/>
-                                          </p:stCondLst>
-                                        </p:cTn>
-                                        <p:tgtEl>
-                                          <p:spTgt spid="10"/>
-                                        </p:tgtEl>
-                                        <p:attrNameLst>
-                                          <p:attrName>style.visibility</p:attrName>
-                                        </p:attrNameLst>
-                                      </p:cBhvr>
-                                      <p:to>
-                                        <p:strVal val="visible"/>
-                                      </p:to>
-                                    </p:set>
-                                  </p:childTnLst>
-                                </p:cTn>
-                              </p:par>
-                              <p:par>
-                                <p:cTn id="11" presetID="1" presetClass="entr" presetSubtype="0" fill="hold" grpId="0" nodeType="withEffect">
-                                  <p:stCondLst>
-                                    <p:cond delay="0"/>
-                                  </p:stCondLst>
-                                  <p:childTnLst>
-                                    <p:set>
-                                      <p:cBhvr>
-                                        <p:cTn id="12" dur="1" fill="hold">
-                                          <p:stCondLst>
-                                            <p:cond delay="0"/>
-                                          </p:stCondLst>
-                                        </p:cTn>
-                                        <p:tgtEl>
-                                          <p:spTgt spid="16"/>
+                                          <p:spTgt spid="2"/>
                                         </p:tgtEl>
                                         <p:attrNameLst>
                                           <p:attrName>style.visibility</p:attrName>
@@ -12113,15 +14962,3301 @@
         </p:cTn>
       </p:par>
     </p:tnLst>
+  </p:timing>
+</p:sld>
+</file>
+
+<file path=ppt/slides/slide12.xml><?xml version="1.0" encoding="utf-8"?>
+<p:sld xmlns:a="http://schemas.openxmlformats.org/drawingml/2006/main" xmlns:r="http://schemas.openxmlformats.org/officeDocument/2006/relationships" xmlns:p="http://schemas.openxmlformats.org/presentationml/2006/main">
+  <p:cSld>
+    <p:spTree>
+      <p:nvGrpSpPr>
+        <p:cNvPr id="1" name=""/>
+        <p:cNvGrpSpPr/>
+        <p:nvPr/>
+      </p:nvGrpSpPr>
+      <p:grpSpPr>
+        <a:xfrm>
+          <a:off x="0" y="0"/>
+          <a:ext cx="0" cy="0"/>
+          <a:chOff x="0" y="0"/>
+          <a:chExt cx="0" cy="0"/>
+        </a:xfrm>
+      </p:grpSpPr>
+      <p:sp>
+        <p:nvSpPr>
+          <p:cNvPr id="9" name="Rectangle 8">
+            <a:extLst>
+              <a:ext uri="{FF2B5EF4-FFF2-40B4-BE49-F238E27FC236}">
+                <a16:creationId xmlns:a16="http://schemas.microsoft.com/office/drawing/2014/main" id="{E4DEEEB6-BFD3-4418-95EF-4B75D433F8FB}"/>
+              </a:ext>
+            </a:extLst>
+          </p:cNvPr>
+          <p:cNvSpPr/>
+          <p:nvPr/>
+        </p:nvSpPr>
+        <p:spPr>
+          <a:xfrm>
+            <a:off x="0" y="0"/>
+            <a:ext cx="12192000" cy="886408"/>
+          </a:xfrm>
+          <a:prstGeom prst="rect">
+            <a:avLst/>
+          </a:prstGeom>
+          <a:solidFill>
+            <a:schemeClr val="tx1">
+              <a:lumMod val="75000"/>
+              <a:lumOff val="25000"/>
+            </a:schemeClr>
+          </a:solidFill>
+          <a:ln w="38100">
+            <a:solidFill>
+              <a:schemeClr val="tx1">
+                <a:lumMod val="50000"/>
+                <a:lumOff val="50000"/>
+              </a:schemeClr>
+            </a:solidFill>
+          </a:ln>
+        </p:spPr>
+        <p:style>
+          <a:lnRef idx="2">
+            <a:schemeClr val="accent1">
+              <a:shade val="50000"/>
+            </a:schemeClr>
+          </a:lnRef>
+          <a:fillRef idx="1">
+            <a:schemeClr val="accent1"/>
+          </a:fillRef>
+          <a:effectRef idx="0">
+            <a:schemeClr val="accent1"/>
+          </a:effectRef>
+          <a:fontRef idx="minor">
+            <a:schemeClr val="lt1"/>
+          </a:fontRef>
+        </p:style>
+        <p:txBody>
+          <a:bodyPr rtlCol="0" anchor="ctr"/>
+          <a:lstStyle/>
+          <a:p>
+            <a:pPr algn="ctr"/>
+            <a:endParaRPr lang="en-US"/>
+          </a:p>
+        </p:txBody>
+      </p:sp>
+      <p:sp>
+        <p:nvSpPr>
+          <p:cNvPr id="2" name="Footer Placeholder 1">
+            <a:extLst>
+              <a:ext uri="{FF2B5EF4-FFF2-40B4-BE49-F238E27FC236}">
+                <a16:creationId xmlns:a16="http://schemas.microsoft.com/office/drawing/2014/main" id="{BFCAF7C8-07BB-4D88-A8A4-401167868EF9}"/>
+              </a:ext>
+            </a:extLst>
+          </p:cNvPr>
+          <p:cNvSpPr>
+            <a:spLocks noGrp="1"/>
+          </p:cNvSpPr>
+          <p:nvPr>
+            <p:ph type="ftr" sz="quarter" idx="11"/>
+          </p:nvPr>
+        </p:nvSpPr>
+        <p:spPr/>
+        <p:txBody>
+          <a:bodyPr/>
+          <a:lstStyle/>
+          <a:p>
+            <a:endParaRPr lang="en-US"/>
+          </a:p>
+        </p:txBody>
+      </p:sp>
+      <p:sp>
+        <p:nvSpPr>
+          <p:cNvPr id="3" name="Slide Number Placeholder 2">
+            <a:extLst>
+              <a:ext uri="{FF2B5EF4-FFF2-40B4-BE49-F238E27FC236}">
+                <a16:creationId xmlns:a16="http://schemas.microsoft.com/office/drawing/2014/main" id="{F8A68AC9-E35C-4B37-B5F8-8A93AC590F48}"/>
+              </a:ext>
+            </a:extLst>
+          </p:cNvPr>
+          <p:cNvSpPr>
+            <a:spLocks noGrp="1"/>
+          </p:cNvSpPr>
+          <p:nvPr>
+            <p:ph type="sldNum" sz="quarter" idx="12"/>
+          </p:nvPr>
+        </p:nvSpPr>
+        <p:spPr/>
+        <p:txBody>
+          <a:bodyPr/>
+          <a:lstStyle/>
+          <a:p>
+            <a:fld id="{8FCAAC12-ECE3-429D-A5B3-AAB453D53177}" type="slidenum">
+              <a:rPr lang="en-US" smtClean="0"/>
+              <a:t>12</a:t>
+            </a:fld>
+            <a:endParaRPr lang="en-US"/>
+          </a:p>
+        </p:txBody>
+      </p:sp>
+      <p:sp>
+        <p:nvSpPr>
+          <p:cNvPr id="4" name="TextBox 3">
+            <a:extLst>
+              <a:ext uri="{FF2B5EF4-FFF2-40B4-BE49-F238E27FC236}">
+                <a16:creationId xmlns:a16="http://schemas.microsoft.com/office/drawing/2014/main" id="{FBBED987-7566-40EB-88A3-AF8E4F9C9164}"/>
+              </a:ext>
+            </a:extLst>
+          </p:cNvPr>
+          <p:cNvSpPr txBox="1"/>
+          <p:nvPr/>
+        </p:nvSpPr>
+        <p:spPr>
+          <a:xfrm>
+            <a:off x="4334030" y="183151"/>
+            <a:ext cx="2752677" cy="461665"/>
+          </a:xfrm>
+          <a:prstGeom prst="rect">
+            <a:avLst/>
+          </a:prstGeom>
+          <a:noFill/>
+        </p:spPr>
+        <p:txBody>
+          <a:bodyPr wrap="none" rtlCol="0">
+            <a:spAutoFit/>
+          </a:bodyPr>
+          <a:lstStyle/>
+          <a:p>
+            <a:r>
+              <a:rPr lang="el-GR" sz="2400" b="1" dirty="0">
+                <a:solidFill>
+                  <a:schemeClr val="bg1"/>
+                </a:solidFill>
+                <a:latin typeface="Book Antiqua" panose="02040602050305030304" pitchFamily="18" charset="0"/>
+              </a:rPr>
+              <a:t>Άθροισμα </a:t>
+            </a:r>
+            <a:r>
+              <a:rPr lang="en-US" sz="2400" b="1" dirty="0">
+                <a:solidFill>
+                  <a:schemeClr val="bg1"/>
+                </a:solidFill>
+                <a:latin typeface="Book Antiqua" panose="02040602050305030304" pitchFamily="18" charset="0"/>
+              </a:rPr>
+              <a:t>Jackson</a:t>
+            </a:r>
+          </a:p>
+        </p:txBody>
+      </p:sp>
+      <p:pic>
+        <p:nvPicPr>
+          <p:cNvPr id="6" name="Picture 5" descr="A picture containing sky&#10;&#10;Description generated with very high confidence">
+            <a:extLst>
+              <a:ext uri="{FF2B5EF4-FFF2-40B4-BE49-F238E27FC236}">
+                <a16:creationId xmlns:a16="http://schemas.microsoft.com/office/drawing/2014/main" id="{FFE24E63-3AEC-4773-8F7D-CED56FC13D0E}"/>
+              </a:ext>
+            </a:extLst>
+          </p:cNvPr>
+          <p:cNvPicPr>
+            <a:picLocks noChangeAspect="1"/>
+          </p:cNvPicPr>
+          <p:nvPr/>
+        </p:nvPicPr>
+        <p:blipFill>
+          <a:blip r:embed="rId2">
+            <a:extLst>
+              <a:ext uri="{28A0092B-C50C-407E-A947-70E740481C1C}">
+                <a14:useLocalDpi xmlns:a14="http://schemas.microsoft.com/office/drawing/2010/main" val="0"/>
+              </a:ext>
+            </a:extLst>
+          </a:blip>
+          <a:stretch>
+            <a:fillRect/>
+          </a:stretch>
+        </p:blipFill>
+        <p:spPr>
+          <a:xfrm>
+            <a:off x="3725208" y="1116927"/>
+            <a:ext cx="4158031" cy="3012023"/>
+          </a:xfrm>
+          <a:prstGeom prst="rect">
+            <a:avLst/>
+          </a:prstGeom>
+        </p:spPr>
+      </p:pic>
+      <mc:AlternateContent xmlns:mc="http://schemas.openxmlformats.org/markup-compatibility/2006">
+        <mc:Choice xmlns:a14="http://schemas.microsoft.com/office/drawing/2010/main" Requires="a14">
+          <p:sp>
+            <p:nvSpPr>
+              <p:cNvPr id="8" name="TextBox 7">
+                <a:extLst>
+                  <a:ext uri="{FF2B5EF4-FFF2-40B4-BE49-F238E27FC236}">
+                    <a16:creationId xmlns:a16="http://schemas.microsoft.com/office/drawing/2014/main" id="{EAC6448E-BF89-4E03-8CE4-B836984A0A4C}"/>
+                  </a:ext>
+                </a:extLst>
+              </p:cNvPr>
+              <p:cNvSpPr txBox="1"/>
+              <p:nvPr/>
+            </p:nvSpPr>
+            <p:spPr>
+              <a:xfrm>
+                <a:off x="2819870" y="4518898"/>
+                <a:ext cx="2690160" cy="707886"/>
+              </a:xfrm>
+              <a:prstGeom prst="rect">
+                <a:avLst/>
+              </a:prstGeom>
+              <a:noFill/>
+            </p:spPr>
+            <p:txBody>
+              <a:bodyPr wrap="none" rtlCol="0">
+                <a:spAutoFit/>
+              </a:bodyPr>
+              <a:lstStyle/>
+              <a:p>
+                <a:r>
+                  <a:rPr lang="en-US" sz="2000" dirty="0" err="1">
+                    <a:latin typeface="Book Antiqua" panose="02040602050305030304" pitchFamily="18" charset="0"/>
+                  </a:rPr>
+                  <a:t>sum</a:t>
+                </a:r>
+                <a:r>
+                  <a:rPr lang="en-US" sz="2000" baseline="-25000" dirty="0" err="1">
+                    <a:latin typeface="Book Antiqua" panose="02040602050305030304" pitchFamily="18" charset="0"/>
+                  </a:rPr>
+                  <a:t>i</a:t>
+                </a:r>
+                <a:r>
+                  <a:rPr lang="en-US" sz="2000" dirty="0">
+                    <a:latin typeface="Book Antiqua" panose="02040602050305030304" pitchFamily="18" charset="0"/>
+                  </a:rPr>
+                  <a:t> = G</a:t>
+                </a:r>
+                <a:r>
+                  <a:rPr lang="en-US" sz="2000" baseline="-25000" dirty="0">
+                    <a:latin typeface="Book Antiqua" panose="02040602050305030304" pitchFamily="18" charset="0"/>
+                  </a:rPr>
+                  <a:t>i-1:0</a:t>
+                </a:r>
+                <a:r>
+                  <a:rPr lang="en-US" sz="2000" dirty="0">
+                    <a:latin typeface="Book Antiqua" panose="02040602050305030304" pitchFamily="18" charset="0"/>
+                  </a:rPr>
+                  <a:t> </a:t>
+                </a:r>
+                <a14:m>
+                  <m:oMath xmlns:m="http://schemas.openxmlformats.org/officeDocument/2006/math">
+                    <m:r>
+                      <a:rPr lang="en-US" sz="2000" b="1" i="1">
+                        <a:latin typeface="Cambria Math" panose="02040503050406030204" pitchFamily="18" charset="0"/>
+                        <a:ea typeface="Cambria Math" panose="02040503050406030204" pitchFamily="18" charset="0"/>
+                      </a:rPr>
+                      <m:t>⊕</m:t>
+                    </m:r>
+                  </m:oMath>
+                </a14:m>
+                <a:r>
+                  <a:rPr lang="en-US" sz="2000" dirty="0">
+                    <a:latin typeface="Book Antiqua" panose="02040602050305030304" pitchFamily="18" charset="0"/>
+                  </a:rPr>
+                  <a:t> x</a:t>
+                </a:r>
+                <a:r>
+                  <a:rPr lang="en-US" sz="2000" baseline="-25000" dirty="0">
+                    <a:latin typeface="Book Antiqua" panose="02040602050305030304" pitchFamily="18" charset="0"/>
+                  </a:rPr>
+                  <a:t>i</a:t>
+                </a:r>
+              </a:p>
+              <a:p>
+                <a:r>
+                  <a:rPr lang="en-US" sz="2000" dirty="0" err="1">
+                    <a:latin typeface="Book Antiqua" panose="02040602050305030304" pitchFamily="18" charset="0"/>
+                  </a:rPr>
+                  <a:t>sum</a:t>
+                </a:r>
+                <a:r>
+                  <a:rPr lang="en-US" sz="2000" baseline="-25000" dirty="0" err="1">
+                    <a:latin typeface="Book Antiqua" panose="02040602050305030304" pitchFamily="18" charset="0"/>
+                  </a:rPr>
+                  <a:t>i</a:t>
+                </a:r>
+                <a:r>
+                  <a:rPr lang="en-US" sz="2000" dirty="0">
+                    <a:latin typeface="Book Antiqua" panose="02040602050305030304" pitchFamily="18" charset="0"/>
+                  </a:rPr>
+                  <a:t> = ( D</a:t>
+                </a:r>
+                <a:r>
+                  <a:rPr lang="en-US" sz="2000" baseline="-25000" dirty="0">
+                    <a:latin typeface="Book Antiqua" panose="02040602050305030304" pitchFamily="18" charset="0"/>
+                  </a:rPr>
+                  <a:t>i-1</a:t>
+                </a:r>
+                <a:r>
+                  <a:rPr lang="en-US" sz="2000" dirty="0">
+                    <a:latin typeface="Book Antiqua" panose="02040602050305030304" pitchFamily="18" charset="0"/>
+                  </a:rPr>
+                  <a:t>R</a:t>
+                </a:r>
+                <a:r>
+                  <a:rPr lang="en-US" sz="2000" baseline="-25000" dirty="0">
+                    <a:latin typeface="Book Antiqua" panose="02040602050305030304" pitchFamily="18" charset="0"/>
+                  </a:rPr>
+                  <a:t>i-1</a:t>
+                </a:r>
+                <a:r>
+                  <a:rPr lang="en-US" sz="2000" dirty="0">
+                    <a:latin typeface="Book Antiqua" panose="02040602050305030304" pitchFamily="18" charset="0"/>
+                  </a:rPr>
+                  <a:t> ) </a:t>
+                </a:r>
+                <a14:m>
+                  <m:oMath xmlns:m="http://schemas.openxmlformats.org/officeDocument/2006/math">
+                    <m:r>
+                      <a:rPr lang="en-US" sz="2000" b="1" i="1">
+                        <a:latin typeface="Cambria Math" panose="02040503050406030204" pitchFamily="18" charset="0"/>
+                        <a:ea typeface="Cambria Math" panose="02040503050406030204" pitchFamily="18" charset="0"/>
+                      </a:rPr>
+                      <m:t>⊕</m:t>
+                    </m:r>
+                  </m:oMath>
+                </a14:m>
+                <a:r>
+                  <a:rPr lang="en-US" sz="2000" dirty="0">
+                    <a:latin typeface="Book Antiqua" panose="02040602050305030304" pitchFamily="18" charset="0"/>
+                  </a:rPr>
+                  <a:t> x</a:t>
+                </a:r>
+                <a:r>
+                  <a:rPr lang="en-US" sz="2000" baseline="-25000" dirty="0">
+                    <a:latin typeface="Book Antiqua" panose="02040602050305030304" pitchFamily="18" charset="0"/>
+                  </a:rPr>
+                  <a:t>i</a:t>
+                </a:r>
+                <a:r>
+                  <a:rPr lang="en-US" sz="2000" dirty="0">
+                    <a:latin typeface="Book Antiqua" panose="02040602050305030304" pitchFamily="18" charset="0"/>
+                  </a:rPr>
+                  <a:t> </a:t>
+                </a:r>
+              </a:p>
+            </p:txBody>
+          </p:sp>
+        </mc:Choice>
+        <mc:Fallback>
+          <p:sp>
+            <p:nvSpPr>
+              <p:cNvPr id="8" name="TextBox 7">
+                <a:extLst>
+                  <a:ext uri="{FF2B5EF4-FFF2-40B4-BE49-F238E27FC236}">
+                    <a16:creationId xmlns:a16="http://schemas.microsoft.com/office/drawing/2014/main" id="{EAC6448E-BF89-4E03-8CE4-B836984A0A4C}"/>
+                  </a:ext>
+                </a:extLst>
+              </p:cNvPr>
+              <p:cNvSpPr txBox="1">
+                <a:spLocks noRot="1" noChangeAspect="1" noMove="1" noResize="1" noEditPoints="1" noAdjustHandles="1" noChangeArrowheads="1" noChangeShapeType="1" noTextEdit="1"/>
+              </p:cNvSpPr>
+              <p:nvPr/>
+            </p:nvSpPr>
+            <p:spPr>
+              <a:xfrm>
+                <a:off x="2819870" y="4518898"/>
+                <a:ext cx="2690160" cy="707886"/>
+              </a:xfrm>
+              <a:prstGeom prst="rect">
+                <a:avLst/>
+              </a:prstGeom>
+              <a:blipFill>
+                <a:blip r:embed="rId3"/>
+                <a:stretch>
+                  <a:fillRect l="-2494" t="-3448" b="-15517"/>
+                </a:stretch>
+              </a:blipFill>
+            </p:spPr>
+            <p:txBody>
+              <a:bodyPr/>
+              <a:lstStyle/>
+              <a:p>
+                <a:r>
+                  <a:rPr lang="en-US">
+                    <a:noFill/>
+                  </a:rPr>
+                  <a:t> </a:t>
+                </a:r>
+              </a:p>
+            </p:txBody>
+          </p:sp>
+        </mc:Fallback>
+      </mc:AlternateContent>
+      <mc:AlternateContent xmlns:mc="http://schemas.openxmlformats.org/markup-compatibility/2006">
+        <mc:Choice xmlns:a14="http://schemas.microsoft.com/office/drawing/2010/main" Requires="a14">
+          <p:sp>
+            <p:nvSpPr>
+              <p:cNvPr id="10" name="TextBox 9">
+                <a:extLst>
+                  <a:ext uri="{FF2B5EF4-FFF2-40B4-BE49-F238E27FC236}">
+                    <a16:creationId xmlns:a16="http://schemas.microsoft.com/office/drawing/2014/main" id="{39A27759-6901-49AD-B346-1ACB1598E927}"/>
+                  </a:ext>
+                </a:extLst>
+              </p:cNvPr>
+              <p:cNvSpPr txBox="1"/>
+              <p:nvPr/>
+            </p:nvSpPr>
+            <p:spPr>
+              <a:xfrm>
+                <a:off x="6096000" y="4672786"/>
+                <a:ext cx="3179075" cy="400110"/>
+              </a:xfrm>
+              <a:prstGeom prst="rect">
+                <a:avLst/>
+              </a:prstGeom>
+              <a:noFill/>
+            </p:spPr>
+            <p:txBody>
+              <a:bodyPr wrap="none" rtlCol="0">
+                <a:spAutoFit/>
+              </a:bodyPr>
+              <a:lstStyle/>
+              <a:p>
+                <a:r>
+                  <a:rPr lang="en-US" sz="2000" dirty="0" err="1">
+                    <a:latin typeface="Book Antiqua" panose="02040602050305030304" pitchFamily="18" charset="0"/>
+                  </a:rPr>
+                  <a:t>sum</a:t>
+                </a:r>
+                <a:r>
+                  <a:rPr lang="en-US" sz="2000" baseline="-25000" dirty="0" err="1">
+                    <a:latin typeface="Book Antiqua" panose="02040602050305030304" pitchFamily="18" charset="0"/>
+                  </a:rPr>
+                  <a:t>i</a:t>
+                </a:r>
+                <a:r>
+                  <a:rPr lang="en-US" sz="2000" dirty="0">
+                    <a:latin typeface="Book Antiqua" panose="02040602050305030304" pitchFamily="18" charset="0"/>
+                  </a:rPr>
+                  <a:t> = R</a:t>
+                </a:r>
+                <a:r>
+                  <a:rPr lang="en-US" sz="2000" baseline="-25000" dirty="0">
+                    <a:latin typeface="Book Antiqua" panose="02040602050305030304" pitchFamily="18" charset="0"/>
+                  </a:rPr>
+                  <a:t>i-1</a:t>
+                </a:r>
+                <a:r>
+                  <a:rPr lang="en-US" sz="2000" dirty="0">
+                    <a:latin typeface="Book Antiqua" panose="02040602050305030304" pitchFamily="18" charset="0"/>
+                  </a:rPr>
+                  <a:t> ? (D</a:t>
+                </a:r>
+                <a:r>
+                  <a:rPr lang="en-US" sz="2000" baseline="-25000" dirty="0">
+                    <a:latin typeface="Book Antiqua" panose="02040602050305030304" pitchFamily="18" charset="0"/>
+                  </a:rPr>
+                  <a:t>i-1</a:t>
+                </a:r>
+                <a:r>
+                  <a:rPr lang="en-US" sz="2000" dirty="0">
+                    <a:latin typeface="Book Antiqua" panose="02040602050305030304" pitchFamily="18" charset="0"/>
+                  </a:rPr>
+                  <a:t> </a:t>
+                </a:r>
+                <a14:m>
+                  <m:oMath xmlns:m="http://schemas.openxmlformats.org/officeDocument/2006/math">
+                    <m:r>
+                      <a:rPr lang="en-US" sz="2000" b="1" i="1">
+                        <a:latin typeface="Cambria Math" panose="02040503050406030204" pitchFamily="18" charset="0"/>
+                        <a:ea typeface="Cambria Math" panose="02040503050406030204" pitchFamily="18" charset="0"/>
+                      </a:rPr>
+                      <m:t>⊕</m:t>
+                    </m:r>
+                  </m:oMath>
+                </a14:m>
+                <a:r>
+                  <a:rPr lang="en-US" sz="2000" dirty="0">
+                    <a:latin typeface="Book Antiqua" panose="02040602050305030304" pitchFamily="18" charset="0"/>
+                  </a:rPr>
+                  <a:t> x</a:t>
+                </a:r>
+                <a:r>
+                  <a:rPr lang="en-US" sz="2000" baseline="-25000" dirty="0">
+                    <a:latin typeface="Book Antiqua" panose="02040602050305030304" pitchFamily="18" charset="0"/>
+                  </a:rPr>
+                  <a:t>i</a:t>
+                </a:r>
+                <a:r>
+                  <a:rPr lang="en-US" sz="2000" dirty="0">
+                    <a:latin typeface="Book Antiqua" panose="02040602050305030304" pitchFamily="18" charset="0"/>
+                  </a:rPr>
+                  <a:t> ) : x</a:t>
+                </a:r>
+                <a:r>
+                  <a:rPr lang="en-US" sz="2000" baseline="-25000" dirty="0">
+                    <a:latin typeface="Book Antiqua" panose="02040602050305030304" pitchFamily="18" charset="0"/>
+                  </a:rPr>
+                  <a:t>i</a:t>
+                </a:r>
+              </a:p>
+            </p:txBody>
+          </p:sp>
+        </mc:Choice>
+        <mc:Fallback>
+          <p:sp>
+            <p:nvSpPr>
+              <p:cNvPr id="10" name="TextBox 9">
+                <a:extLst>
+                  <a:ext uri="{FF2B5EF4-FFF2-40B4-BE49-F238E27FC236}">
+                    <a16:creationId xmlns:a16="http://schemas.microsoft.com/office/drawing/2014/main" id="{39A27759-6901-49AD-B346-1ACB1598E927}"/>
+                  </a:ext>
+                </a:extLst>
+              </p:cNvPr>
+              <p:cNvSpPr txBox="1">
+                <a:spLocks noRot="1" noChangeAspect="1" noMove="1" noResize="1" noEditPoints="1" noAdjustHandles="1" noChangeArrowheads="1" noChangeShapeType="1" noTextEdit="1"/>
+              </p:cNvSpPr>
+              <p:nvPr/>
+            </p:nvSpPr>
+            <p:spPr>
+              <a:xfrm>
+                <a:off x="6096000" y="4672786"/>
+                <a:ext cx="3179075" cy="400110"/>
+              </a:xfrm>
+              <a:prstGeom prst="rect">
+                <a:avLst/>
+              </a:prstGeom>
+              <a:blipFill>
+                <a:blip r:embed="rId4"/>
+                <a:stretch>
+                  <a:fillRect l="-1916" t="-7692" b="-29231"/>
+                </a:stretch>
+              </a:blipFill>
+            </p:spPr>
+            <p:txBody>
+              <a:bodyPr/>
+              <a:lstStyle/>
+              <a:p>
+                <a:r>
+                  <a:rPr lang="en-US">
+                    <a:noFill/>
+                  </a:rPr>
+                  <a:t> </a:t>
+                </a:r>
+              </a:p>
+            </p:txBody>
+          </p:sp>
+        </mc:Fallback>
+      </mc:AlternateContent>
+    </p:spTree>
+    <p:extLst>
+      <p:ext uri="{BB962C8B-B14F-4D97-AF65-F5344CB8AC3E}">
+        <p14:creationId xmlns:p14="http://schemas.microsoft.com/office/powerpoint/2010/main" val="1306214452"/>
+      </p:ext>
+    </p:extLst>
+  </p:cSld>
+  <p:clrMapOvr>
+    <a:masterClrMapping/>
+  </p:clrMapOvr>
+</p:sld>
+</file>
+
+<file path=ppt/slides/slide13.xml><?xml version="1.0" encoding="utf-8"?>
+<p:sld xmlns:a="http://schemas.openxmlformats.org/drawingml/2006/main" xmlns:r="http://schemas.openxmlformats.org/officeDocument/2006/relationships" xmlns:p="http://schemas.openxmlformats.org/presentationml/2006/main">
+  <p:cSld>
+    <p:bg>
+      <p:bgPr>
+        <a:solidFill>
+          <a:schemeClr val="bg1"/>
+        </a:solidFill>
+        <a:effectLst/>
+      </p:bgPr>
+    </p:bg>
+    <p:spTree>
+      <p:nvGrpSpPr>
+        <p:cNvPr id="1" name=""/>
+        <p:cNvGrpSpPr/>
+        <p:nvPr/>
+      </p:nvGrpSpPr>
+      <p:grpSpPr>
+        <a:xfrm>
+          <a:off x="0" y="0"/>
+          <a:ext cx="0" cy="0"/>
+          <a:chOff x="0" y="0"/>
+          <a:chExt cx="0" cy="0"/>
+        </a:xfrm>
+      </p:grpSpPr>
+      <p:sp>
+        <p:nvSpPr>
+          <p:cNvPr id="6" name="Rectangle 5">
+            <a:extLst>
+              <a:ext uri="{FF2B5EF4-FFF2-40B4-BE49-F238E27FC236}">
+                <a16:creationId xmlns:a16="http://schemas.microsoft.com/office/drawing/2014/main" id="{0112000B-0D8A-43BA-8C13-82668EB62701}"/>
+              </a:ext>
+            </a:extLst>
+          </p:cNvPr>
+          <p:cNvSpPr/>
+          <p:nvPr/>
+        </p:nvSpPr>
+        <p:spPr>
+          <a:xfrm>
+            <a:off x="0" y="0"/>
+            <a:ext cx="12192000" cy="902996"/>
+          </a:xfrm>
+          <a:prstGeom prst="rect">
+            <a:avLst/>
+          </a:prstGeom>
+          <a:solidFill>
+            <a:schemeClr val="tx1">
+              <a:lumMod val="85000"/>
+              <a:lumOff val="15000"/>
+            </a:schemeClr>
+          </a:solidFill>
+        </p:spPr>
+        <p:style>
+          <a:lnRef idx="2">
+            <a:schemeClr val="accent1">
+              <a:shade val="50000"/>
+            </a:schemeClr>
+          </a:lnRef>
+          <a:fillRef idx="1">
+            <a:schemeClr val="accent1"/>
+          </a:fillRef>
+          <a:effectRef idx="0">
+            <a:schemeClr val="accent1"/>
+          </a:effectRef>
+          <a:fontRef idx="minor">
+            <a:schemeClr val="lt1"/>
+          </a:fontRef>
+        </p:style>
+        <p:txBody>
+          <a:bodyPr rtlCol="0" anchor="ctr"/>
+          <a:lstStyle/>
+          <a:p>
+            <a:pPr algn="ctr"/>
+            <a:endParaRPr lang="en-US"/>
+          </a:p>
+        </p:txBody>
+      </p:sp>
+      <p:sp>
+        <p:nvSpPr>
+          <p:cNvPr id="3" name="Slide Number Placeholder 2">
+            <a:extLst>
+              <a:ext uri="{FF2B5EF4-FFF2-40B4-BE49-F238E27FC236}">
+                <a16:creationId xmlns:a16="http://schemas.microsoft.com/office/drawing/2014/main" id="{DA2DBA47-D55E-4F71-ADCC-6690EFDCF58E}"/>
+              </a:ext>
+            </a:extLst>
+          </p:cNvPr>
+          <p:cNvSpPr>
+            <a:spLocks noGrp="1"/>
+          </p:cNvSpPr>
+          <p:nvPr>
+            <p:ph type="sldNum" sz="quarter" idx="12"/>
+          </p:nvPr>
+        </p:nvSpPr>
+        <p:spPr>
+          <a:xfrm>
+            <a:off x="10108734" y="5955004"/>
+            <a:ext cx="1110841" cy="321063"/>
+          </a:xfrm>
+          <a:prstGeom prst="ellipse">
+            <a:avLst/>
+          </a:prstGeom>
+        </p:spPr>
+        <p:txBody>
+          <a:bodyPr vert="horz" lIns="91440" tIns="45720" rIns="91440" bIns="45720" rtlCol="0" anchor="ctr">
+            <a:normAutofit fontScale="92500" lnSpcReduction="20000"/>
+          </a:bodyPr>
+          <a:lstStyle/>
+          <a:p>
+            <a:pPr defTabSz="914400">
+              <a:lnSpc>
+                <a:spcPct val="90000"/>
+              </a:lnSpc>
+              <a:spcAft>
+                <a:spcPts val="600"/>
+              </a:spcAft>
+            </a:pPr>
+            <a:fld id="{8FCAAC12-ECE3-429D-A5B3-AAB453D53177}" type="slidenum">
+              <a:rPr lang="en-US"/>
+              <a:pPr defTabSz="914400">
+                <a:lnSpc>
+                  <a:spcPct val="90000"/>
+                </a:lnSpc>
+                <a:spcAft>
+                  <a:spcPts val="600"/>
+                </a:spcAft>
+              </a:pPr>
+              <a:t>13</a:t>
+            </a:fld>
+            <a:endParaRPr lang="en-US"/>
+          </a:p>
+        </p:txBody>
+      </p:sp>
+      <p:sp>
+        <p:nvSpPr>
+          <p:cNvPr id="4" name="TextBox 3">
+            <a:extLst>
+              <a:ext uri="{FF2B5EF4-FFF2-40B4-BE49-F238E27FC236}">
+                <a16:creationId xmlns:a16="http://schemas.microsoft.com/office/drawing/2014/main" id="{E97A0D91-C52C-4D2B-8E93-824640AAB313}"/>
+              </a:ext>
+            </a:extLst>
+          </p:cNvPr>
+          <p:cNvSpPr txBox="1"/>
+          <p:nvPr/>
+        </p:nvSpPr>
+        <p:spPr>
+          <a:xfrm>
+            <a:off x="1744657" y="156223"/>
+            <a:ext cx="8702686" cy="649943"/>
+          </a:xfrm>
+          <a:prstGeom prst="rect">
+            <a:avLst/>
+          </a:prstGeom>
+        </p:spPr>
+        <p:txBody>
+          <a:bodyPr vert="horz" lIns="91440" tIns="45720" rIns="91440" bIns="45720" rtlCol="0" anchor="ctr">
+            <a:normAutofit/>
+          </a:bodyPr>
+          <a:lstStyle/>
+          <a:p>
+            <a:pPr defTabSz="914400">
+              <a:lnSpc>
+                <a:spcPct val="90000"/>
+              </a:lnSpc>
+              <a:spcBef>
+                <a:spcPct val="0"/>
+              </a:spcBef>
+              <a:spcAft>
+                <a:spcPts val="600"/>
+              </a:spcAft>
+            </a:pPr>
+            <a:r>
+              <a:rPr lang="en-US" sz="3200" kern="1200" dirty="0" err="1">
+                <a:solidFill>
+                  <a:schemeClr val="bg1"/>
+                </a:solidFill>
+                <a:latin typeface="Book Antiqua" panose="02040602050305030304" pitchFamily="18" charset="0"/>
+                <a:ea typeface="+mj-ea"/>
+                <a:cs typeface="+mj-cs"/>
+              </a:rPr>
+              <a:t>Σχεδι</a:t>
+            </a:r>
+            <a:r>
+              <a:rPr lang="en-US" sz="3200" kern="1200" dirty="0">
+                <a:solidFill>
+                  <a:schemeClr val="bg1"/>
+                </a:solidFill>
+                <a:latin typeface="Book Antiqua" panose="02040602050305030304" pitchFamily="18" charset="0"/>
+                <a:ea typeface="+mj-ea"/>
+                <a:cs typeface="+mj-cs"/>
+              </a:rPr>
+              <a:t>αστικές Συμβουλές για Jackson Αθροιστές</a:t>
+            </a:r>
+          </a:p>
+        </p:txBody>
+      </p:sp>
+      <p:graphicFrame>
+        <p:nvGraphicFramePr>
+          <p:cNvPr id="7" name="TextBox 4">
+            <a:extLst>
+              <a:ext uri="{FF2B5EF4-FFF2-40B4-BE49-F238E27FC236}">
+                <a16:creationId xmlns:a16="http://schemas.microsoft.com/office/drawing/2014/main" id="{9AF2F3FB-775E-4551-808B-4EB2BD171EE6}"/>
+              </a:ext>
+            </a:extLst>
+          </p:cNvPr>
+          <p:cNvGraphicFramePr/>
+          <p:nvPr>
+            <p:extLst>
+              <p:ext uri="{D42A27DB-BD31-4B8C-83A1-F6EECF244321}">
+                <p14:modId xmlns:p14="http://schemas.microsoft.com/office/powerpoint/2010/main" val="538706940"/>
+              </p:ext>
+            </p:extLst>
+          </p:nvPr>
+        </p:nvGraphicFramePr>
+        <p:xfrm>
+          <a:off x="1508367" y="1730601"/>
+          <a:ext cx="9175266" cy="3396798"/>
+        </p:xfrm>
+        <a:graphic>
+          <a:graphicData uri="http://schemas.openxmlformats.org/drawingml/2006/diagram">
+            <dgm:relIds xmlns:dgm="http://schemas.openxmlformats.org/drawingml/2006/diagram" xmlns:r="http://schemas.openxmlformats.org/officeDocument/2006/relationships" r:dm="rId2" r:lo="rId3" r:qs="rId4" r:cs="rId5"/>
+          </a:graphicData>
+        </a:graphic>
+      </p:graphicFrame>
+    </p:spTree>
+    <p:extLst>
+      <p:ext uri="{BB962C8B-B14F-4D97-AF65-F5344CB8AC3E}">
+        <p14:creationId xmlns:p14="http://schemas.microsoft.com/office/powerpoint/2010/main" val="3396864994"/>
+      </p:ext>
+    </p:extLst>
+  </p:cSld>
+  <p:clrMapOvr>
+    <a:masterClrMapping/>
+  </p:clrMapOvr>
+</p:sld>
+</file>
+
+<file path=ppt/slides/slide14.xml><?xml version="1.0" encoding="utf-8"?>
+<p:sld xmlns:a="http://schemas.openxmlformats.org/drawingml/2006/main" xmlns:r="http://schemas.openxmlformats.org/officeDocument/2006/relationships" xmlns:p="http://schemas.openxmlformats.org/presentationml/2006/main">
+  <p:cSld>
+    <p:bg>
+      <p:bgPr>
+        <a:solidFill>
+          <a:schemeClr val="bg1"/>
+        </a:solidFill>
+        <a:effectLst/>
+      </p:bgPr>
+    </p:bg>
+    <p:spTree>
+      <p:nvGrpSpPr>
+        <p:cNvPr id="1" name=""/>
+        <p:cNvGrpSpPr/>
+        <p:nvPr/>
+      </p:nvGrpSpPr>
+      <p:grpSpPr>
+        <a:xfrm>
+          <a:off x="0" y="0"/>
+          <a:ext cx="0" cy="0"/>
+          <a:chOff x="0" y="0"/>
+          <a:chExt cx="0" cy="0"/>
+        </a:xfrm>
+      </p:grpSpPr>
+      <p:sp>
+        <p:nvSpPr>
+          <p:cNvPr id="12" name="Rectangle 11">
+            <a:extLst>
+              <a:ext uri="{FF2B5EF4-FFF2-40B4-BE49-F238E27FC236}">
+                <a16:creationId xmlns:a16="http://schemas.microsoft.com/office/drawing/2014/main" id="{0700D48D-C9AA-4000-A912-29A4FEA98A9F}"/>
+              </a:ext>
+              <a:ext uri="{C183D7F6-B498-43B3-948B-1728B52AA6E4}">
+                <adec:decorative xmlns:adec="http://schemas.microsoft.com/office/drawing/2017/decorative" val="1"/>
+              </a:ext>
+            </a:extLst>
+          </p:cNvPr>
+          <p:cNvSpPr>
+            <a:spLocks noGrp="1" noRot="1" noChangeAspect="1" noMove="1" noResize="1" noEditPoints="1" noAdjustHandles="1" noChangeArrowheads="1" noChangeShapeType="1" noTextEdit="1"/>
+          </p:cNvSpPr>
+          <p:nvPr>
+            <p:extLst>
+              <p:ext uri="{386F3935-93C4-4BCD-93E2-E3B085C9AB24}">
+                <p16:designElem xmlns:p16="http://schemas.microsoft.com/office/powerpoint/2015/main" val="1"/>
+              </p:ext>
+            </p:extLst>
+          </p:nvPr>
+        </p:nvSpPr>
+        <p:spPr bwMode="ltGray">
+          <a:xfrm>
+            <a:off x="375138" y="394887"/>
+            <a:ext cx="5720862" cy="6068226"/>
+          </a:xfrm>
+          <a:prstGeom prst="rect">
+            <a:avLst/>
+          </a:prstGeom>
+          <a:solidFill>
+            <a:srgbClr val="404040"/>
+          </a:solidFill>
+          <a:ln w="127000" cap="sq" cmpd="thinThick">
+            <a:solidFill>
+              <a:srgbClr val="404040"/>
+            </a:solidFill>
+          </a:ln>
+        </p:spPr>
+        <p:style>
+          <a:lnRef idx="2">
+            <a:schemeClr val="accent1">
+              <a:shade val="50000"/>
+            </a:schemeClr>
+          </a:lnRef>
+          <a:fillRef idx="1">
+            <a:schemeClr val="accent1"/>
+          </a:fillRef>
+          <a:effectRef idx="0">
+            <a:schemeClr val="accent1"/>
+          </a:effectRef>
+          <a:fontRef idx="minor">
+            <a:schemeClr val="lt1"/>
+          </a:fontRef>
+        </p:style>
+        <p:txBody>
+          <a:bodyPr rtlCol="0" anchor="ctr"/>
+          <a:lstStyle/>
+          <a:p>
+            <a:pPr marL="0" marR="0" lvl="0" indent="0" algn="ctr" defTabSz="914400" rtl="0" eaLnBrk="1" fontAlgn="auto" latinLnBrk="0" hangingPunct="1">
+              <a:lnSpc>
+                <a:spcPct val="100000"/>
+              </a:lnSpc>
+              <a:spcBef>
+                <a:spcPts val="0"/>
+              </a:spcBef>
+              <a:spcAft>
+                <a:spcPts val="0"/>
+              </a:spcAft>
+              <a:buClrTx/>
+              <a:buSzTx/>
+              <a:buFontTx/>
+              <a:buNone/>
+              <a:tabLst/>
+              <a:defRPr/>
+            </a:pPr>
+            <a:endParaRPr kumimoji="0" lang="en-US" sz="1800" b="0" i="0" u="none" strike="noStrike" kern="1200" cap="none" spc="0" normalizeH="0" baseline="0" noProof="0">
+              <a:ln>
+                <a:noFill/>
+              </a:ln>
+              <a:solidFill>
+                <a:prstClr val="white"/>
+              </a:solidFill>
+              <a:effectLst/>
+              <a:uLnTx/>
+              <a:uFillTx/>
+              <a:latin typeface="Calibri" panose="020F0502020204030204"/>
+              <a:ea typeface="+mn-ea"/>
+              <a:cs typeface="+mn-cs"/>
+            </a:endParaRPr>
+          </a:p>
+        </p:txBody>
+      </p:sp>
+      <p:pic>
+        <p:nvPicPr>
+          <p:cNvPr id="6" name="Picture 5" descr="A picture containing object&#10;&#10;Description generated with very high confidence">
+            <a:extLst>
+              <a:ext uri="{FF2B5EF4-FFF2-40B4-BE49-F238E27FC236}">
+                <a16:creationId xmlns:a16="http://schemas.microsoft.com/office/drawing/2014/main" id="{F92B2200-0E75-4229-A024-55C906BF59A3}"/>
+              </a:ext>
+            </a:extLst>
+          </p:cNvPr>
+          <p:cNvPicPr>
+            <a:picLocks noChangeAspect="1"/>
+          </p:cNvPicPr>
+          <p:nvPr/>
+        </p:nvPicPr>
+        <p:blipFill>
+          <a:blip r:embed="rId2">
+            <a:extLst>
+              <a:ext uri="{28A0092B-C50C-407E-A947-70E740481C1C}">
+                <a14:useLocalDpi xmlns:a14="http://schemas.microsoft.com/office/drawing/2010/main" val="0"/>
+              </a:ext>
+            </a:extLst>
+          </a:blip>
+          <a:stretch>
+            <a:fillRect/>
+          </a:stretch>
+        </p:blipFill>
+        <p:spPr>
+          <a:xfrm>
+            <a:off x="6479229" y="1316982"/>
+            <a:ext cx="5390093" cy="795038"/>
+          </a:xfrm>
+          <a:prstGeom prst="rect">
+            <a:avLst/>
+          </a:prstGeom>
+        </p:spPr>
+      </p:pic>
+      <p:cxnSp>
+        <p:nvCxnSpPr>
+          <p:cNvPr id="14" name="Straight Connector 13">
+            <a:extLst>
+              <a:ext uri="{FF2B5EF4-FFF2-40B4-BE49-F238E27FC236}">
+                <a16:creationId xmlns:a16="http://schemas.microsoft.com/office/drawing/2014/main" id="{805E69BC-D844-4AB5-9E35-ED458EE29655}"/>
+              </a:ext>
+              <a:ext uri="{C183D7F6-B498-43B3-948B-1728B52AA6E4}">
+                <adec:decorative xmlns:adec="http://schemas.microsoft.com/office/drawing/2017/decorative" val="1"/>
+              </a:ext>
+            </a:extLst>
+          </p:cNvPr>
+          <p:cNvCxnSpPr>
+            <a:cxnSpLocks noGrp="1" noRot="1" noChangeAspect="1" noMove="1" noResize="1" noEditPoints="1" noAdjustHandles="1" noChangeArrowheads="1" noChangeShapeType="1"/>
+          </p:cNvCxnSpPr>
+          <p:nvPr>
+            <p:extLst>
+              <p:ext uri="{386F3935-93C4-4BCD-93E2-E3B085C9AB24}">
+                <p16:designElem xmlns:p16="http://schemas.microsoft.com/office/powerpoint/2015/main" val="1"/>
+              </p:ext>
+            </p:extLst>
+          </p:nvPr>
+        </p:nvCxnSpPr>
+        <p:spPr>
+          <a:xfrm rot="16200000">
+            <a:off x="9184178" y="1874520"/>
+            <a:ext cx="0" cy="3108960"/>
+          </a:xfrm>
+          <a:prstGeom prst="line">
+            <a:avLst/>
+          </a:prstGeom>
+          <a:ln w="101600" cmpd="dbl">
+            <a:solidFill>
+              <a:srgbClr val="595959"/>
+            </a:solidFill>
+          </a:ln>
+        </p:spPr>
+        <p:style>
+          <a:lnRef idx="1">
+            <a:schemeClr val="accent1"/>
+          </a:lnRef>
+          <a:fillRef idx="0">
+            <a:schemeClr val="accent1"/>
+          </a:fillRef>
+          <a:effectRef idx="0">
+            <a:schemeClr val="accent1"/>
+          </a:effectRef>
+          <a:fontRef idx="minor">
+            <a:schemeClr val="tx1"/>
+          </a:fontRef>
+        </p:style>
+      </p:cxnSp>
+      <p:cxnSp>
+        <p:nvCxnSpPr>
+          <p:cNvPr id="16" name="Straight Connector 15">
+            <a:extLst>
+              <a:ext uri="{FF2B5EF4-FFF2-40B4-BE49-F238E27FC236}">
+                <a16:creationId xmlns:a16="http://schemas.microsoft.com/office/drawing/2014/main" id="{4312C673-8179-457E-AD2A-D1FAE4CC961A}"/>
+              </a:ext>
+              <a:ext uri="{C183D7F6-B498-43B3-948B-1728B52AA6E4}">
+                <adec:decorative xmlns:adec="http://schemas.microsoft.com/office/drawing/2017/decorative" val="1"/>
+              </a:ext>
+            </a:extLst>
+          </p:cNvPr>
+          <p:cNvCxnSpPr>
+            <a:cxnSpLocks noGrp="1" noRot="1" noChangeAspect="1" noMove="1" noResize="1" noEditPoints="1" noAdjustHandles="1" noChangeArrowheads="1" noChangeShapeType="1"/>
+          </p:cNvCxnSpPr>
+          <p:nvPr>
+            <p:extLst>
+              <p:ext uri="{386F3935-93C4-4BCD-93E2-E3B085C9AB24}">
+                <p16:designElem xmlns:p16="http://schemas.microsoft.com/office/powerpoint/2015/main" val="1"/>
+              </p:ext>
+            </p:extLst>
+          </p:nvPr>
+        </p:nvCxnSpPr>
+        <p:spPr>
+          <a:xfrm>
+            <a:off x="1114009" y="4201833"/>
+            <a:ext cx="3400425" cy="0"/>
+          </a:xfrm>
+          <a:prstGeom prst="line">
+            <a:avLst/>
+          </a:prstGeom>
+          <a:ln w="22225">
+            <a:solidFill>
+              <a:srgbClr val="D9D9D9"/>
+            </a:solidFill>
+          </a:ln>
+        </p:spPr>
+        <p:style>
+          <a:lnRef idx="1">
+            <a:schemeClr val="accent1"/>
+          </a:lnRef>
+          <a:fillRef idx="0">
+            <a:schemeClr val="accent1"/>
+          </a:fillRef>
+          <a:effectRef idx="0">
+            <a:schemeClr val="accent1"/>
+          </a:effectRef>
+          <a:fontRef idx="minor">
+            <a:schemeClr val="tx1"/>
+          </a:fontRef>
+        </p:style>
+      </p:cxnSp>
+      <p:pic>
+        <p:nvPicPr>
+          <p:cNvPr id="7" name="Picture 6">
+            <a:extLst>
+              <a:ext uri="{FF2B5EF4-FFF2-40B4-BE49-F238E27FC236}">
+                <a16:creationId xmlns:a16="http://schemas.microsoft.com/office/drawing/2014/main" id="{7948F90F-9B0A-4488-9AF0-4BA993D36FA5}"/>
+              </a:ext>
+            </a:extLst>
+          </p:cNvPr>
+          <p:cNvPicPr>
+            <a:picLocks noChangeAspect="1"/>
+          </p:cNvPicPr>
+          <p:nvPr/>
+        </p:nvPicPr>
+        <p:blipFill>
+          <a:blip r:embed="rId3"/>
+          <a:stretch>
+            <a:fillRect/>
+          </a:stretch>
+        </p:blipFill>
+        <p:spPr>
+          <a:xfrm>
+            <a:off x="6479229" y="3970824"/>
+            <a:ext cx="5390093" cy="2354624"/>
+          </a:xfrm>
+          <a:prstGeom prst="rect">
+            <a:avLst/>
+          </a:prstGeom>
+        </p:spPr>
+      </p:pic>
+      <p:sp>
+        <p:nvSpPr>
+          <p:cNvPr id="3" name="Slide Number Placeholder 2">
+            <a:extLst>
+              <a:ext uri="{FF2B5EF4-FFF2-40B4-BE49-F238E27FC236}">
+                <a16:creationId xmlns:a16="http://schemas.microsoft.com/office/drawing/2014/main" id="{04346AF9-1C03-40DF-9285-15FADED8B406}"/>
+              </a:ext>
+            </a:extLst>
+          </p:cNvPr>
+          <p:cNvSpPr>
+            <a:spLocks noGrp="1"/>
+          </p:cNvSpPr>
+          <p:nvPr>
+            <p:ph type="sldNum" sz="quarter" idx="12"/>
+          </p:nvPr>
+        </p:nvSpPr>
+        <p:spPr>
+          <a:xfrm>
+            <a:off x="5318461" y="5961905"/>
+            <a:ext cx="642257" cy="365125"/>
+          </a:xfrm>
+        </p:spPr>
+        <p:txBody>
+          <a:bodyPr vert="horz" lIns="91440" tIns="45720" rIns="91440" bIns="45720" rtlCol="0" anchor="ctr">
+            <a:normAutofit/>
+          </a:bodyPr>
+          <a:lstStyle/>
+          <a:p>
+            <a:pPr defTabSz="914400">
+              <a:spcAft>
+                <a:spcPts val="600"/>
+              </a:spcAft>
+            </a:pPr>
+            <a:fld id="{8FCAAC12-ECE3-429D-A5B3-AAB453D53177}" type="slidenum">
+              <a:rPr lang="en-US">
+                <a:solidFill>
+                  <a:srgbClr val="AFABAB"/>
+                </a:solidFill>
+              </a:rPr>
+              <a:pPr defTabSz="914400">
+                <a:spcAft>
+                  <a:spcPts val="600"/>
+                </a:spcAft>
+              </a:pPr>
+              <a:t>14</a:t>
+            </a:fld>
+            <a:endParaRPr lang="en-US">
+              <a:solidFill>
+                <a:srgbClr val="AFABAB"/>
+              </a:solidFill>
+            </a:endParaRPr>
+          </a:p>
+        </p:txBody>
+      </p:sp>
+      <p:sp>
+        <p:nvSpPr>
+          <p:cNvPr id="4" name="TextBox 3">
+            <a:extLst>
+              <a:ext uri="{FF2B5EF4-FFF2-40B4-BE49-F238E27FC236}">
+                <a16:creationId xmlns:a16="http://schemas.microsoft.com/office/drawing/2014/main" id="{3C74CA45-B7CB-4522-980A-C9CF2F342F93}"/>
+              </a:ext>
+            </a:extLst>
+          </p:cNvPr>
+          <p:cNvSpPr txBox="1"/>
+          <p:nvPr/>
+        </p:nvSpPr>
+        <p:spPr>
+          <a:xfrm>
+            <a:off x="513184" y="1294369"/>
+            <a:ext cx="5447534" cy="803748"/>
+          </a:xfrm>
+          <a:prstGeom prst="rect">
+            <a:avLst/>
+          </a:prstGeom>
+          <a:ln w="76200">
+            <a:noFill/>
+          </a:ln>
+          <a:effectLst>
+            <a:outerShdw blurRad="149987" dist="250190" dir="8460000" algn="ctr">
+              <a:srgbClr val="000000">
+                <a:alpha val="28000"/>
+              </a:srgbClr>
+            </a:outerShdw>
+          </a:effectLst>
+          <a:scene3d>
+            <a:camera prst="orthographicFront">
+              <a:rot lat="0" lon="0" rev="0"/>
+            </a:camera>
+            <a:lightRig rig="contrasting" dir="t">
+              <a:rot lat="0" lon="0" rev="1500000"/>
+            </a:lightRig>
+          </a:scene3d>
+          <a:sp3d prstMaterial="metal">
+            <a:bevelT w="88900" h="88900"/>
+          </a:sp3d>
+        </p:spPr>
+        <p:txBody>
+          <a:bodyPr vert="horz" lIns="91440" tIns="45720" rIns="91440" bIns="45720" rtlCol="0" anchor="ctr">
+            <a:normAutofit fontScale="92500"/>
+          </a:bodyPr>
+          <a:lstStyle/>
+          <a:p>
+            <a:pPr algn="ctr" defTabSz="914400">
+              <a:lnSpc>
+                <a:spcPct val="90000"/>
+              </a:lnSpc>
+              <a:spcBef>
+                <a:spcPct val="0"/>
+              </a:spcBef>
+              <a:spcAft>
+                <a:spcPts val="600"/>
+              </a:spcAft>
+            </a:pPr>
+            <a:r>
+              <a:rPr lang="en-US" sz="3600" b="1" dirty="0" err="1">
+                <a:solidFill>
+                  <a:srgbClr val="FFFFFF"/>
+                </a:solidFill>
+                <a:latin typeface="Book Antiqua" panose="02040602050305030304" pitchFamily="18" charset="0"/>
+                <a:ea typeface="+mj-ea"/>
+                <a:cs typeface="+mj-cs"/>
+              </a:rPr>
+              <a:t>Αθροιστές</a:t>
+            </a:r>
+            <a:r>
+              <a:rPr lang="en-US" sz="3600" b="1" dirty="0">
+                <a:solidFill>
+                  <a:srgbClr val="FFFFFF"/>
+                </a:solidFill>
+                <a:latin typeface="Book Antiqua" panose="02040602050305030304" pitchFamily="18" charset="0"/>
+                <a:ea typeface="+mj-ea"/>
+                <a:cs typeface="+mj-cs"/>
+              </a:rPr>
+              <a:t> υπ</a:t>
+            </a:r>
+            <a:r>
+              <a:rPr lang="en-US" sz="3600" b="1" dirty="0" err="1">
+                <a:solidFill>
+                  <a:srgbClr val="FFFFFF"/>
+                </a:solidFill>
+                <a:latin typeface="Book Antiqua" panose="02040602050305030304" pitchFamily="18" charset="0"/>
+                <a:ea typeface="+mj-ea"/>
+                <a:cs typeface="+mj-cs"/>
+              </a:rPr>
+              <a:t>ολοί</a:t>
+            </a:r>
+            <a:r>
+              <a:rPr lang="en-US" sz="3600" b="1" dirty="0">
+                <a:solidFill>
+                  <a:srgbClr val="FFFFFF"/>
+                </a:solidFill>
+                <a:latin typeface="Book Antiqua" panose="02040602050305030304" pitchFamily="18" charset="0"/>
+                <a:ea typeface="+mj-ea"/>
+                <a:cs typeface="+mj-cs"/>
+              </a:rPr>
+              <a:t>που 2</a:t>
+            </a:r>
+            <a:r>
+              <a:rPr lang="en-US" sz="3600" b="1" baseline="30000" dirty="0">
+                <a:solidFill>
+                  <a:srgbClr val="FFFFFF"/>
+                </a:solidFill>
+                <a:latin typeface="Book Antiqua" panose="02040602050305030304" pitchFamily="18" charset="0"/>
+                <a:ea typeface="+mj-ea"/>
+                <a:cs typeface="+mj-cs"/>
+              </a:rPr>
+              <a:t>n</a:t>
+            </a:r>
+            <a:r>
+              <a:rPr lang="en-US" sz="3600" b="1" dirty="0">
+                <a:solidFill>
+                  <a:srgbClr val="FFFFFF"/>
+                </a:solidFill>
+                <a:latin typeface="Book Antiqua" panose="02040602050305030304" pitchFamily="18" charset="0"/>
+                <a:ea typeface="+mj-ea"/>
+                <a:cs typeface="+mj-cs"/>
+              </a:rPr>
+              <a:t>-1</a:t>
+            </a:r>
+          </a:p>
+        </p:txBody>
+      </p:sp>
+      <p:sp>
+        <p:nvSpPr>
+          <p:cNvPr id="8" name="Rectangle 7">
+            <a:extLst>
+              <a:ext uri="{FF2B5EF4-FFF2-40B4-BE49-F238E27FC236}">
+                <a16:creationId xmlns:a16="http://schemas.microsoft.com/office/drawing/2014/main" id="{AF85000B-2670-46A3-80CB-C9A83BE665D1}"/>
+              </a:ext>
+            </a:extLst>
+          </p:cNvPr>
+          <p:cNvSpPr/>
+          <p:nvPr/>
+        </p:nvSpPr>
+        <p:spPr>
+          <a:xfrm>
+            <a:off x="947956" y="4110606"/>
+            <a:ext cx="3942826" cy="365125"/>
+          </a:xfrm>
+          <a:prstGeom prst="rect">
+            <a:avLst/>
+          </a:prstGeom>
+          <a:solidFill>
+            <a:schemeClr val="tx1">
+              <a:lumMod val="75000"/>
+              <a:lumOff val="25000"/>
+            </a:schemeClr>
+          </a:solidFill>
+          <a:ln>
+            <a:noFill/>
+          </a:ln>
+        </p:spPr>
+        <p:style>
+          <a:lnRef idx="2">
+            <a:schemeClr val="accent1">
+              <a:shade val="50000"/>
+            </a:schemeClr>
+          </a:lnRef>
+          <a:fillRef idx="1">
+            <a:schemeClr val="accent1"/>
+          </a:fillRef>
+          <a:effectRef idx="0">
+            <a:schemeClr val="accent1"/>
+          </a:effectRef>
+          <a:fontRef idx="minor">
+            <a:schemeClr val="lt1"/>
+          </a:fontRef>
+        </p:style>
+        <p:txBody>
+          <a:bodyPr rtlCol="0" anchor="ctr"/>
+          <a:lstStyle/>
+          <a:p>
+            <a:pPr algn="ctr"/>
+            <a:endParaRPr lang="en-US"/>
+          </a:p>
+        </p:txBody>
+      </p:sp>
+      <p:sp>
+        <p:nvSpPr>
+          <p:cNvPr id="9" name="Rectangle 8">
+            <a:extLst>
+              <a:ext uri="{FF2B5EF4-FFF2-40B4-BE49-F238E27FC236}">
+                <a16:creationId xmlns:a16="http://schemas.microsoft.com/office/drawing/2014/main" id="{E5AFC495-4365-416A-BFAD-CE432BC5F663}"/>
+              </a:ext>
+            </a:extLst>
+          </p:cNvPr>
+          <p:cNvSpPr/>
+          <p:nvPr/>
+        </p:nvSpPr>
+        <p:spPr>
+          <a:xfrm>
+            <a:off x="201336" y="3254934"/>
+            <a:ext cx="6090407" cy="3456259"/>
+          </a:xfrm>
+          <a:prstGeom prst="rect">
+            <a:avLst/>
+          </a:prstGeom>
+          <a:solidFill>
+            <a:schemeClr val="bg1"/>
+          </a:solidFill>
+          <a:ln>
+            <a:solidFill>
+              <a:schemeClr val="bg1"/>
+            </a:solidFill>
+          </a:ln>
+        </p:spPr>
+        <p:style>
+          <a:lnRef idx="2">
+            <a:schemeClr val="accent1">
+              <a:shade val="50000"/>
+            </a:schemeClr>
+          </a:lnRef>
+          <a:fillRef idx="1">
+            <a:schemeClr val="accent1"/>
+          </a:fillRef>
+          <a:effectRef idx="0">
+            <a:schemeClr val="accent1"/>
+          </a:effectRef>
+          <a:fontRef idx="minor">
+            <a:schemeClr val="lt1"/>
+          </a:fontRef>
+        </p:style>
+        <p:txBody>
+          <a:bodyPr rtlCol="0" anchor="ctr"/>
+          <a:lstStyle/>
+          <a:p>
+            <a:pPr algn="ctr"/>
+            <a:endParaRPr lang="en-US"/>
+          </a:p>
+        </p:txBody>
+      </p:sp>
+      <p:pic>
+        <p:nvPicPr>
+          <p:cNvPr id="10" name="Picture 9">
+            <a:extLst>
+              <a:ext uri="{FF2B5EF4-FFF2-40B4-BE49-F238E27FC236}">
+                <a16:creationId xmlns:a16="http://schemas.microsoft.com/office/drawing/2014/main" id="{DB149099-58C3-46B5-AF86-EAE725529B94}"/>
+              </a:ext>
+            </a:extLst>
+          </p:cNvPr>
+          <p:cNvPicPr>
+            <a:picLocks noChangeAspect="1"/>
+          </p:cNvPicPr>
+          <p:nvPr/>
+        </p:nvPicPr>
+        <p:blipFill>
+          <a:blip r:embed="rId4"/>
+          <a:stretch>
+            <a:fillRect/>
+          </a:stretch>
+        </p:blipFill>
+        <p:spPr>
+          <a:xfrm>
+            <a:off x="848260" y="3902593"/>
+            <a:ext cx="4992301" cy="2367467"/>
+          </a:xfrm>
+          <a:prstGeom prst="rect">
+            <a:avLst/>
+          </a:prstGeom>
+        </p:spPr>
+      </p:pic>
+      <p:sp>
+        <p:nvSpPr>
+          <p:cNvPr id="11" name="Rectangle 10">
+            <a:extLst>
+              <a:ext uri="{FF2B5EF4-FFF2-40B4-BE49-F238E27FC236}">
+                <a16:creationId xmlns:a16="http://schemas.microsoft.com/office/drawing/2014/main" id="{318FB74B-5061-4347-A4BE-EFC8F0CA9436}"/>
+              </a:ext>
+            </a:extLst>
+          </p:cNvPr>
+          <p:cNvSpPr/>
+          <p:nvPr/>
+        </p:nvSpPr>
+        <p:spPr>
+          <a:xfrm>
+            <a:off x="6262053" y="3429000"/>
+            <a:ext cx="5720862" cy="3271701"/>
+          </a:xfrm>
+          <a:prstGeom prst="rect">
+            <a:avLst/>
+          </a:prstGeom>
+          <a:noFill/>
+          <a:ln w="76200">
+            <a:solidFill>
+              <a:schemeClr val="tx1">
+                <a:lumMod val="75000"/>
+                <a:lumOff val="25000"/>
+              </a:schemeClr>
+            </a:solidFill>
+          </a:ln>
+        </p:spPr>
+        <p:style>
+          <a:lnRef idx="2">
+            <a:schemeClr val="accent1">
+              <a:shade val="50000"/>
+            </a:schemeClr>
+          </a:lnRef>
+          <a:fillRef idx="1">
+            <a:schemeClr val="accent1"/>
+          </a:fillRef>
+          <a:effectRef idx="0">
+            <a:schemeClr val="accent1"/>
+          </a:effectRef>
+          <a:fontRef idx="minor">
+            <a:schemeClr val="lt1"/>
+          </a:fontRef>
+        </p:style>
+        <p:txBody>
+          <a:bodyPr rtlCol="0" anchor="ctr"/>
+          <a:lstStyle/>
+          <a:p>
+            <a:pPr algn="ctr"/>
+            <a:endParaRPr lang="en-US"/>
+          </a:p>
+        </p:txBody>
+      </p:sp>
+      <p:cxnSp>
+        <p:nvCxnSpPr>
+          <p:cNvPr id="15" name="Straight Connector 14">
+            <a:extLst>
+              <a:ext uri="{FF2B5EF4-FFF2-40B4-BE49-F238E27FC236}">
+                <a16:creationId xmlns:a16="http://schemas.microsoft.com/office/drawing/2014/main" id="{4248BCD1-7063-4F60-AD4F-B29257CED234}"/>
+              </a:ext>
+            </a:extLst>
+          </p:cNvPr>
+          <p:cNvCxnSpPr>
+            <a:cxnSpLocks/>
+          </p:cNvCxnSpPr>
+          <p:nvPr/>
+        </p:nvCxnSpPr>
+        <p:spPr>
+          <a:xfrm>
+            <a:off x="330200" y="3200400"/>
+            <a:ext cx="5816600" cy="0"/>
+          </a:xfrm>
+          <a:prstGeom prst="line">
+            <a:avLst/>
+          </a:prstGeom>
+          <a:ln w="28575">
+            <a:solidFill>
+              <a:schemeClr val="bg1"/>
+            </a:solidFill>
+          </a:ln>
+        </p:spPr>
+        <p:style>
+          <a:lnRef idx="1">
+            <a:schemeClr val="accent1"/>
+          </a:lnRef>
+          <a:fillRef idx="0">
+            <a:schemeClr val="accent1"/>
+          </a:fillRef>
+          <a:effectRef idx="0">
+            <a:schemeClr val="accent1"/>
+          </a:effectRef>
+          <a:fontRef idx="minor">
+            <a:schemeClr val="tx1"/>
+          </a:fontRef>
+        </p:style>
+      </p:cxnSp>
+    </p:spTree>
+    <p:extLst>
+      <p:ext uri="{BB962C8B-B14F-4D97-AF65-F5344CB8AC3E}">
+        <p14:creationId xmlns:p14="http://schemas.microsoft.com/office/powerpoint/2010/main" val="116218030"/>
+      </p:ext>
+    </p:extLst>
+  </p:cSld>
+  <p:clrMapOvr>
+    <a:masterClrMapping/>
+  </p:clrMapOvr>
+  <p:timing>
+    <p:tnLst>
+      <p:par>
+        <p:cTn id="1" dur="indefinite" restart="never" nodeType="tmRoot">
+          <p:childTnLst>
+            <p:seq concurrent="1" nextAc="seek">
+              <p:cTn id="2" dur="indefinite" nodeType="mainSeq">
+                <p:childTnLst>
+                  <p:par>
+                    <p:cTn id="3" fill="hold">
+                      <p:stCondLst>
+                        <p:cond delay="indefinite"/>
+                      </p:stCondLst>
+                      <p:childTnLst>
+                        <p:par>
+                          <p:cTn id="4" fill="hold">
+                            <p:stCondLst>
+                              <p:cond delay="0"/>
+                            </p:stCondLst>
+                            <p:childTnLst>
+                              <p:par>
+                                <p:cTn id="5" presetID="1" presetClass="entr" presetSubtype="0" fill="hold" nodeType="clickEffect">
+                                  <p:stCondLst>
+                                    <p:cond delay="0"/>
+                                  </p:stCondLst>
+                                  <p:childTnLst>
+                                    <p:set>
+                                      <p:cBhvr>
+                                        <p:cTn id="6" dur="1" fill="hold">
+                                          <p:stCondLst>
+                                            <p:cond delay="0"/>
+                                          </p:stCondLst>
+                                        </p:cTn>
+                                        <p:tgtEl>
+                                          <p:spTgt spid="7"/>
+                                        </p:tgtEl>
+                                        <p:attrNameLst>
+                                          <p:attrName>style.visibility</p:attrName>
+                                        </p:attrNameLst>
+                                      </p:cBhvr>
+                                      <p:to>
+                                        <p:strVal val="visible"/>
+                                      </p:to>
+                                    </p:set>
+                                  </p:childTnLst>
+                                </p:cTn>
+                              </p:par>
+                              <p:par>
+                                <p:cTn id="7" presetID="1" presetClass="entr" presetSubtype="0" fill="hold" grpId="0" nodeType="withEffect">
+                                  <p:stCondLst>
+                                    <p:cond delay="0"/>
+                                  </p:stCondLst>
+                                  <p:childTnLst>
+                                    <p:set>
+                                      <p:cBhvr>
+                                        <p:cTn id="8" dur="1" fill="hold">
+                                          <p:stCondLst>
+                                            <p:cond delay="0"/>
+                                          </p:stCondLst>
+                                        </p:cTn>
+                                        <p:tgtEl>
+                                          <p:spTgt spid="11"/>
+                                        </p:tgtEl>
+                                        <p:attrNameLst>
+                                          <p:attrName>style.visibility</p:attrName>
+                                        </p:attrNameLst>
+                                      </p:cBhvr>
+                                      <p:to>
+                                        <p:strVal val="visible"/>
+                                      </p:to>
+                                    </p:set>
+                                  </p:childTnLst>
+                                </p:cTn>
+                              </p:par>
+                              <p:par>
+                                <p:cTn id="9" presetID="1" presetClass="entr" presetSubtype="0" fill="hold" nodeType="withEffect">
+                                  <p:stCondLst>
+                                    <p:cond delay="0"/>
+                                  </p:stCondLst>
+                                  <p:childTnLst>
+                                    <p:set>
+                                      <p:cBhvr>
+                                        <p:cTn id="10" dur="1" fill="hold">
+                                          <p:stCondLst>
+                                            <p:cond delay="0"/>
+                                          </p:stCondLst>
+                                        </p:cTn>
+                                        <p:tgtEl>
+                                          <p:spTgt spid="10"/>
+                                        </p:tgtEl>
+                                        <p:attrNameLst>
+                                          <p:attrName>style.visibility</p:attrName>
+                                        </p:attrNameLst>
+                                      </p:cBhvr>
+                                      <p:to>
+                                        <p:strVal val="visible"/>
+                                      </p:to>
+                                    </p:set>
+                                  </p:childTnLst>
+                                </p:cTn>
+                              </p:par>
+                            </p:childTnLst>
+                          </p:cTn>
+                        </p:par>
+                      </p:childTnLst>
+                    </p:cTn>
+                  </p:par>
+                </p:childTnLst>
+              </p:cTn>
+              <p:prevCondLst>
+                <p:cond evt="onPrev" delay="0">
+                  <p:tgtEl>
+                    <p:sldTgt/>
+                  </p:tgtEl>
+                </p:cond>
+              </p:prevCondLst>
+              <p:nextCondLst>
+                <p:cond evt="onNext" delay="0">
+                  <p:tgtEl>
+                    <p:sldTgt/>
+                  </p:tgtEl>
+                </p:cond>
+              </p:nextCondLst>
+            </p:seq>
+          </p:childTnLst>
+        </p:cTn>
+      </p:par>
+    </p:tnLst>
     <p:bldLst>
-      <p:bldP spid="10" grpId="0" animBg="1"/>
-      <p:bldP spid="16" grpId="0" animBg="1"/>
+      <p:bldP spid="11" grpId="0" animBg="1"/>
     </p:bldLst>
   </p:timing>
 </p:sld>
 </file>
 
-<file path=ppt/slides/slide12.xml><?xml version="1.0" encoding="utf-8"?>
+<file path=ppt/slides/slide15.xml><?xml version="1.0" encoding="utf-8"?>
+<p:sld xmlns:a="http://schemas.openxmlformats.org/drawingml/2006/main" xmlns:r="http://schemas.openxmlformats.org/officeDocument/2006/relationships" xmlns:p="http://schemas.openxmlformats.org/presentationml/2006/main">
+  <p:cSld>
+    <p:bg>
+      <p:bgPr>
+        <a:solidFill>
+          <a:schemeClr val="bg1"/>
+        </a:solidFill>
+        <a:effectLst/>
+      </p:bgPr>
+    </p:bg>
+    <p:spTree>
+      <p:nvGrpSpPr>
+        <p:cNvPr id="1" name=""/>
+        <p:cNvGrpSpPr/>
+        <p:nvPr/>
+      </p:nvGrpSpPr>
+      <p:grpSpPr>
+        <a:xfrm>
+          <a:off x="0" y="0"/>
+          <a:ext cx="0" cy="0"/>
+          <a:chOff x="0" y="0"/>
+          <a:chExt cx="0" cy="0"/>
+        </a:xfrm>
+      </p:grpSpPr>
+      <p:sp>
+        <p:nvSpPr>
+          <p:cNvPr id="12" name="Rectangle 11">
+            <a:extLst>
+              <a:ext uri="{FF2B5EF4-FFF2-40B4-BE49-F238E27FC236}">
+                <a16:creationId xmlns:a16="http://schemas.microsoft.com/office/drawing/2014/main" id="{156189E5-8A3E-4CFD-B71B-CCD0F8495E56}"/>
+              </a:ext>
+              <a:ext uri="{C183D7F6-B498-43B3-948B-1728B52AA6E4}">
+                <adec:decorative xmlns:adec="http://schemas.microsoft.com/office/drawing/2017/decorative" val="1"/>
+              </a:ext>
+            </a:extLst>
+          </p:cNvPr>
+          <p:cNvSpPr>
+            <a:spLocks noGrp="1" noRot="1" noChangeAspect="1" noMove="1" noResize="1" noEditPoints="1" noAdjustHandles="1" noChangeArrowheads="1" noChangeShapeType="1" noTextEdit="1"/>
+          </p:cNvSpPr>
+          <p:nvPr>
+            <p:extLst>
+              <p:ext uri="{386F3935-93C4-4BCD-93E2-E3B085C9AB24}">
+                <p16:designElem xmlns:p16="http://schemas.microsoft.com/office/powerpoint/2015/main" val="1"/>
+              </p:ext>
+            </p:extLst>
+          </p:nvPr>
+        </p:nvSpPr>
+        <p:spPr>
+          <a:xfrm>
+            <a:off x="0" y="0"/>
+            <a:ext cx="4796367" cy="6858000"/>
+          </a:xfrm>
+          <a:prstGeom prst="rect">
+            <a:avLst/>
+          </a:prstGeom>
+          <a:solidFill>
+            <a:schemeClr val="tx1">
+              <a:alpha val="60000"/>
+            </a:schemeClr>
+          </a:solidFill>
+          <a:ln>
+            <a:noFill/>
+          </a:ln>
+        </p:spPr>
+        <p:style>
+          <a:lnRef idx="2">
+            <a:schemeClr val="accent1">
+              <a:shade val="50000"/>
+            </a:schemeClr>
+          </a:lnRef>
+          <a:fillRef idx="1">
+            <a:schemeClr val="accent1"/>
+          </a:fillRef>
+          <a:effectRef idx="0">
+            <a:schemeClr val="accent1"/>
+          </a:effectRef>
+          <a:fontRef idx="minor">
+            <a:schemeClr val="lt1"/>
+          </a:fontRef>
+        </p:style>
+        <p:txBody>
+          <a:bodyPr rtlCol="0" anchor="ctr"/>
+          <a:lstStyle/>
+          <a:p>
+            <a:pPr marL="0" marR="0" lvl="0" indent="0" algn="ctr" defTabSz="914400" rtl="0" eaLnBrk="1" fontAlgn="auto" latinLnBrk="0" hangingPunct="1">
+              <a:lnSpc>
+                <a:spcPct val="100000"/>
+              </a:lnSpc>
+              <a:spcBef>
+                <a:spcPts val="0"/>
+              </a:spcBef>
+              <a:spcAft>
+                <a:spcPts val="0"/>
+              </a:spcAft>
+              <a:buClrTx/>
+              <a:buSzTx/>
+              <a:buFontTx/>
+              <a:buNone/>
+              <a:tabLst/>
+              <a:defRPr/>
+            </a:pPr>
+            <a:endParaRPr kumimoji="0" lang="en-US" sz="1800" b="0" i="0" u="none" strike="noStrike" kern="1200" cap="none" spc="0" normalizeH="0" baseline="0" noProof="0">
+              <a:ln>
+                <a:noFill/>
+              </a:ln>
+              <a:solidFill>
+                <a:prstClr val="white"/>
+              </a:solidFill>
+              <a:effectLst/>
+              <a:uLnTx/>
+              <a:uFillTx/>
+              <a:latin typeface="Calibri" panose="020F0502020204030204"/>
+              <a:ea typeface="+mn-ea"/>
+              <a:cs typeface="+mn-cs"/>
+            </a:endParaRPr>
+          </a:p>
+        </p:txBody>
+      </p:sp>
+      <p:sp>
+        <p:nvSpPr>
+          <p:cNvPr id="14" name="Rectangle 13">
+            <a:extLst>
+              <a:ext uri="{FF2B5EF4-FFF2-40B4-BE49-F238E27FC236}">
+                <a16:creationId xmlns:a16="http://schemas.microsoft.com/office/drawing/2014/main" id="{BE95D989-81FA-4BAD-9AD5-E46CEDA91B36}"/>
+              </a:ext>
+              <a:ext uri="{C183D7F6-B498-43B3-948B-1728B52AA6E4}">
+                <adec:decorative xmlns:adec="http://schemas.microsoft.com/office/drawing/2017/decorative" val="1"/>
+              </a:ext>
+            </a:extLst>
+          </p:cNvPr>
+          <p:cNvSpPr>
+            <a:spLocks noGrp="1" noRot="1" noChangeAspect="1" noMove="1" noResize="1" noEditPoints="1" noAdjustHandles="1" noChangeArrowheads="1" noChangeShapeType="1" noTextEdit="1"/>
+          </p:cNvSpPr>
+          <p:nvPr>
+            <p:extLst>
+              <p:ext uri="{386F3935-93C4-4BCD-93E2-E3B085C9AB24}">
+                <p16:designElem xmlns:p16="http://schemas.microsoft.com/office/powerpoint/2015/main" val="1"/>
+              </p:ext>
+            </p:extLst>
+          </p:nvPr>
+        </p:nvSpPr>
+        <p:spPr>
+          <a:xfrm>
+            <a:off x="0" y="0"/>
+            <a:ext cx="4654293" cy="6858000"/>
+          </a:xfrm>
+          <a:prstGeom prst="rect">
+            <a:avLst/>
+          </a:prstGeom>
+          <a:solidFill>
+            <a:schemeClr val="tx1">
+              <a:lumMod val="75000"/>
+              <a:lumOff val="25000"/>
+              <a:alpha val="80000"/>
+            </a:schemeClr>
+          </a:solidFill>
+          <a:ln>
+            <a:noFill/>
+          </a:ln>
+        </p:spPr>
+        <p:style>
+          <a:lnRef idx="2">
+            <a:schemeClr val="accent1">
+              <a:shade val="50000"/>
+            </a:schemeClr>
+          </a:lnRef>
+          <a:fillRef idx="1">
+            <a:schemeClr val="accent1"/>
+          </a:fillRef>
+          <a:effectRef idx="0">
+            <a:schemeClr val="accent1"/>
+          </a:effectRef>
+          <a:fontRef idx="minor">
+            <a:schemeClr val="lt1"/>
+          </a:fontRef>
+        </p:style>
+        <p:txBody>
+          <a:bodyPr rtlCol="0" anchor="ctr"/>
+          <a:lstStyle/>
+          <a:p>
+            <a:pPr marL="0" marR="0" lvl="0" indent="0" algn="ctr" defTabSz="914400" rtl="0" eaLnBrk="1" fontAlgn="auto" latinLnBrk="0" hangingPunct="1">
+              <a:lnSpc>
+                <a:spcPct val="100000"/>
+              </a:lnSpc>
+              <a:spcBef>
+                <a:spcPts val="0"/>
+              </a:spcBef>
+              <a:spcAft>
+                <a:spcPts val="0"/>
+              </a:spcAft>
+              <a:buClrTx/>
+              <a:buSzTx/>
+              <a:buFontTx/>
+              <a:buNone/>
+              <a:tabLst/>
+              <a:defRPr/>
+            </a:pPr>
+            <a:endParaRPr kumimoji="0" lang="en-US" sz="1800" b="0" i="0" u="none" strike="noStrike" kern="1200" cap="none" spc="0" normalizeH="0" baseline="0" noProof="0">
+              <a:ln>
+                <a:noFill/>
+              </a:ln>
+              <a:solidFill>
+                <a:prstClr val="white"/>
+              </a:solidFill>
+              <a:effectLst/>
+              <a:uLnTx/>
+              <a:uFillTx/>
+              <a:latin typeface="Calibri" panose="020F0502020204030204"/>
+              <a:ea typeface="+mn-ea"/>
+              <a:cs typeface="+mn-cs"/>
+            </a:endParaRPr>
+          </a:p>
+        </p:txBody>
+      </p:sp>
+      <p:pic>
+        <p:nvPicPr>
+          <p:cNvPr id="7" name="Picture 6" descr="A picture containing text&#10;&#10;Description generated with high confidence">
+            <a:extLst>
+              <a:ext uri="{FF2B5EF4-FFF2-40B4-BE49-F238E27FC236}">
+                <a16:creationId xmlns:a16="http://schemas.microsoft.com/office/drawing/2014/main" id="{158E02A9-EAEB-4C7D-A0AB-EE7FD5558BF7}"/>
+              </a:ext>
+            </a:extLst>
+          </p:cNvPr>
+          <p:cNvPicPr>
+            <a:picLocks noChangeAspect="1"/>
+          </p:cNvPicPr>
+          <p:nvPr/>
+        </p:nvPicPr>
+        <p:blipFill>
+          <a:blip r:embed="rId2">
+            <a:extLst>
+              <a:ext uri="{28A0092B-C50C-407E-A947-70E740481C1C}">
+                <a14:useLocalDpi xmlns:a14="http://schemas.microsoft.com/office/drawing/2010/main" val="0"/>
+              </a:ext>
+            </a:extLst>
+          </a:blip>
+          <a:stretch>
+            <a:fillRect/>
+          </a:stretch>
+        </p:blipFill>
+        <p:spPr>
+          <a:xfrm>
+            <a:off x="5458965" y="1198695"/>
+            <a:ext cx="6089568" cy="4460609"/>
+          </a:xfrm>
+          <a:prstGeom prst="rect">
+            <a:avLst/>
+          </a:prstGeom>
+        </p:spPr>
+      </p:pic>
+      <p:sp>
+        <p:nvSpPr>
+          <p:cNvPr id="2" name="Footer Placeholder 1">
+            <a:extLst>
+              <a:ext uri="{FF2B5EF4-FFF2-40B4-BE49-F238E27FC236}">
+                <a16:creationId xmlns:a16="http://schemas.microsoft.com/office/drawing/2014/main" id="{E4CA0996-C436-4717-8BAE-A5234F6EA6BC}"/>
+              </a:ext>
+            </a:extLst>
+          </p:cNvPr>
+          <p:cNvSpPr>
+            <a:spLocks noGrp="1"/>
+          </p:cNvSpPr>
+          <p:nvPr>
+            <p:ph type="ftr" sz="quarter" idx="11"/>
+          </p:nvPr>
+        </p:nvSpPr>
+        <p:spPr>
+          <a:xfrm>
+            <a:off x="5297760" y="6356350"/>
+            <a:ext cx="6250772" cy="365125"/>
+          </a:xfrm>
+        </p:spPr>
+        <p:txBody>
+          <a:bodyPr vert="horz" lIns="91440" tIns="45720" rIns="91440" bIns="45720" rtlCol="0" anchor="ctr">
+            <a:normAutofit/>
+          </a:bodyPr>
+          <a:lstStyle/>
+          <a:p>
+            <a:pPr defTabSz="914400"/>
+            <a:endParaRPr lang="en-US" kern="1200">
+              <a:solidFill>
+                <a:schemeClr val="tx1"/>
+              </a:solidFill>
+              <a:latin typeface="+mn-lt"/>
+              <a:ea typeface="+mn-ea"/>
+              <a:cs typeface="+mn-cs"/>
+            </a:endParaRPr>
+          </a:p>
+        </p:txBody>
+      </p:sp>
+      <p:sp>
+        <p:nvSpPr>
+          <p:cNvPr id="3" name="Slide Number Placeholder 2">
+            <a:extLst>
+              <a:ext uri="{FF2B5EF4-FFF2-40B4-BE49-F238E27FC236}">
+                <a16:creationId xmlns:a16="http://schemas.microsoft.com/office/drawing/2014/main" id="{DB5D79F4-F0D6-434C-8042-0C1B3423A739}"/>
+              </a:ext>
+            </a:extLst>
+          </p:cNvPr>
+          <p:cNvSpPr>
+            <a:spLocks noGrp="1"/>
+          </p:cNvSpPr>
+          <p:nvPr>
+            <p:ph type="sldNum" sz="quarter" idx="12"/>
+          </p:nvPr>
+        </p:nvSpPr>
+        <p:spPr>
+          <a:xfrm>
+            <a:off x="11548532" y="6356349"/>
+            <a:ext cx="556682" cy="365125"/>
+          </a:xfrm>
+        </p:spPr>
+        <p:txBody>
+          <a:bodyPr vert="horz" lIns="91440" tIns="45720" rIns="91440" bIns="45720" rtlCol="0" anchor="ctr">
+            <a:normAutofit/>
+          </a:bodyPr>
+          <a:lstStyle/>
+          <a:p>
+            <a:pPr algn="l" defTabSz="914400">
+              <a:spcAft>
+                <a:spcPts val="600"/>
+              </a:spcAft>
+            </a:pPr>
+            <a:fld id="{8FCAAC12-ECE3-429D-A5B3-AAB453D53177}" type="slidenum">
+              <a:rPr lang="en-US">
+                <a:solidFill>
+                  <a:schemeClr val="tx1"/>
+                </a:solidFill>
+              </a:rPr>
+              <a:pPr algn="l" defTabSz="914400">
+                <a:spcAft>
+                  <a:spcPts val="600"/>
+                </a:spcAft>
+              </a:pPr>
+              <a:t>15</a:t>
+            </a:fld>
+            <a:endParaRPr lang="en-US">
+              <a:solidFill>
+                <a:schemeClr val="tx1"/>
+              </a:solidFill>
+            </a:endParaRPr>
+          </a:p>
+        </p:txBody>
+      </p:sp>
+      <p:sp>
+        <p:nvSpPr>
+          <p:cNvPr id="4" name="TextBox 3">
+            <a:extLst>
+              <a:ext uri="{FF2B5EF4-FFF2-40B4-BE49-F238E27FC236}">
+                <a16:creationId xmlns:a16="http://schemas.microsoft.com/office/drawing/2014/main" id="{6AFB4B1E-FA63-4014-9CFE-73440DD05118}"/>
+              </a:ext>
+            </a:extLst>
+          </p:cNvPr>
+          <p:cNvSpPr txBox="1"/>
+          <p:nvPr/>
+        </p:nvSpPr>
+        <p:spPr>
+          <a:xfrm>
+            <a:off x="0" y="207676"/>
+            <a:ext cx="4654293" cy="1598021"/>
+          </a:xfrm>
+          <a:prstGeom prst="rect">
+            <a:avLst/>
+          </a:prstGeom>
+        </p:spPr>
+        <p:txBody>
+          <a:bodyPr vert="horz" lIns="91440" tIns="45720" rIns="91440" bIns="45720" rtlCol="0" anchor="ctr">
+            <a:normAutofit/>
+          </a:bodyPr>
+          <a:lstStyle/>
+          <a:p>
+            <a:pPr algn="ctr" defTabSz="914400">
+              <a:lnSpc>
+                <a:spcPct val="90000"/>
+              </a:lnSpc>
+              <a:spcBef>
+                <a:spcPct val="0"/>
+              </a:spcBef>
+              <a:spcAft>
+                <a:spcPts val="600"/>
+              </a:spcAft>
+            </a:pPr>
+            <a:r>
+              <a:rPr lang="en-US" sz="3200" kern="1200" dirty="0" err="1">
+                <a:solidFill>
+                  <a:schemeClr val="bg1">
+                    <a:lumMod val="85000"/>
+                    <a:lumOff val="15000"/>
+                  </a:schemeClr>
+                </a:solidFill>
+                <a:latin typeface="Book Antiqua" panose="02040602050305030304" pitchFamily="18" charset="0"/>
+                <a:ea typeface="+mj-ea"/>
+                <a:cs typeface="+mj-cs"/>
+              </a:rPr>
+              <a:t>Προθεμ</a:t>
+            </a:r>
+            <a:r>
+              <a:rPr lang="en-US" sz="3200" kern="1200" dirty="0">
+                <a:solidFill>
+                  <a:schemeClr val="bg1">
+                    <a:lumMod val="85000"/>
+                    <a:lumOff val="15000"/>
+                  </a:schemeClr>
+                </a:solidFill>
+                <a:latin typeface="Book Antiqua" panose="02040602050305030304" pitchFamily="18" charset="0"/>
+                <a:ea typeface="+mj-ea"/>
+                <a:cs typeface="+mj-cs"/>
+              </a:rPr>
+              <a:t>ατικοί Αθροιστές υπολοίπου 2</a:t>
+            </a:r>
+            <a:r>
+              <a:rPr lang="en-US" sz="3200" kern="1200" baseline="30000" dirty="0">
+                <a:solidFill>
+                  <a:schemeClr val="bg1">
+                    <a:lumMod val="85000"/>
+                    <a:lumOff val="15000"/>
+                  </a:schemeClr>
+                </a:solidFill>
+                <a:latin typeface="Book Antiqua" panose="02040602050305030304" pitchFamily="18" charset="0"/>
+                <a:ea typeface="+mj-ea"/>
+                <a:cs typeface="+mj-cs"/>
+              </a:rPr>
+              <a:t>n</a:t>
+            </a:r>
+            <a:r>
+              <a:rPr lang="en-US" sz="3200" kern="1200" dirty="0">
+                <a:solidFill>
+                  <a:schemeClr val="bg1">
+                    <a:lumMod val="85000"/>
+                    <a:lumOff val="15000"/>
+                  </a:schemeClr>
+                </a:solidFill>
+                <a:latin typeface="Book Antiqua" panose="02040602050305030304" pitchFamily="18" charset="0"/>
+                <a:ea typeface="+mj-ea"/>
+                <a:cs typeface="+mj-cs"/>
+              </a:rPr>
+              <a:t>-1</a:t>
+            </a:r>
+          </a:p>
+        </p:txBody>
+      </p:sp>
+      <p:sp>
+        <p:nvSpPr>
+          <p:cNvPr id="10" name="TextBox 9">
+            <a:extLst>
+              <a:ext uri="{FF2B5EF4-FFF2-40B4-BE49-F238E27FC236}">
+                <a16:creationId xmlns:a16="http://schemas.microsoft.com/office/drawing/2014/main" id="{D3DB6D65-60ED-4E8A-9716-30709E13C423}"/>
+              </a:ext>
+            </a:extLst>
+          </p:cNvPr>
+          <p:cNvSpPr txBox="1"/>
+          <p:nvPr/>
+        </p:nvSpPr>
+        <p:spPr>
+          <a:xfrm>
+            <a:off x="217433" y="2801774"/>
+            <a:ext cx="4219425" cy="1200329"/>
+          </a:xfrm>
+          <a:prstGeom prst="rect">
+            <a:avLst/>
+          </a:prstGeom>
+          <a:noFill/>
+        </p:spPr>
+        <p:txBody>
+          <a:bodyPr wrap="none" rtlCol="0">
+            <a:spAutoFit/>
+          </a:bodyPr>
+          <a:lstStyle/>
+          <a:p>
+            <a:r>
+              <a:rPr lang="el-GR" sz="2400" dirty="0">
+                <a:solidFill>
+                  <a:schemeClr val="bg1"/>
+                </a:solidFill>
+                <a:latin typeface="Book Antiqua" panose="02040602050305030304" pitchFamily="18" charset="0"/>
+              </a:rPr>
+              <a:t>Βασική εξίσωση κρατουμένου</a:t>
+            </a:r>
+            <a:endParaRPr lang="en-US" sz="2400" dirty="0">
+              <a:solidFill>
+                <a:schemeClr val="bg1"/>
+              </a:solidFill>
+              <a:latin typeface="Book Antiqua" panose="02040602050305030304" pitchFamily="18" charset="0"/>
+            </a:endParaRPr>
+          </a:p>
+          <a:p>
+            <a:endParaRPr lang="el-GR" sz="2400" dirty="0">
+              <a:solidFill>
+                <a:schemeClr val="bg1"/>
+              </a:solidFill>
+              <a:latin typeface="Book Antiqua" panose="02040602050305030304" pitchFamily="18" charset="0"/>
+            </a:endParaRPr>
+          </a:p>
+          <a:p>
+            <a:pPr algn="ctr"/>
+            <a:r>
+              <a:rPr lang="en-US" sz="2400" dirty="0" err="1">
+                <a:solidFill>
+                  <a:schemeClr val="bg1"/>
+                </a:solidFill>
+                <a:latin typeface="Book Antiqua" panose="02040602050305030304" pitchFamily="18" charset="0"/>
+              </a:rPr>
+              <a:t>G’</a:t>
+            </a:r>
+            <a:r>
+              <a:rPr lang="en-US" sz="2400" baseline="-25000" dirty="0" err="1">
+                <a:solidFill>
+                  <a:schemeClr val="bg1"/>
+                </a:solidFill>
+                <a:latin typeface="Book Antiqua" panose="02040602050305030304" pitchFamily="18" charset="0"/>
+              </a:rPr>
+              <a:t>i</a:t>
+            </a:r>
+            <a:r>
+              <a:rPr lang="en-US" sz="2400" dirty="0">
+                <a:solidFill>
+                  <a:schemeClr val="bg1"/>
+                </a:solidFill>
+                <a:latin typeface="Book Antiqua" panose="02040602050305030304" pitchFamily="18" charset="0"/>
+              </a:rPr>
+              <a:t> = G</a:t>
+            </a:r>
+            <a:r>
+              <a:rPr lang="en-US" sz="2400" baseline="-25000" dirty="0">
+                <a:solidFill>
+                  <a:schemeClr val="bg1"/>
+                </a:solidFill>
+                <a:latin typeface="Book Antiqua" panose="02040602050305030304" pitchFamily="18" charset="0"/>
+              </a:rPr>
+              <a:t>i</a:t>
+            </a:r>
+            <a:r>
+              <a:rPr lang="en-US" sz="2400" dirty="0">
+                <a:solidFill>
+                  <a:schemeClr val="bg1"/>
+                </a:solidFill>
+                <a:latin typeface="Book Antiqua" panose="02040602050305030304" pitchFamily="18" charset="0"/>
+              </a:rPr>
+              <a:t> + P</a:t>
+            </a:r>
+            <a:r>
+              <a:rPr lang="en-US" sz="2400" baseline="-25000" dirty="0">
+                <a:solidFill>
+                  <a:schemeClr val="bg1"/>
+                </a:solidFill>
+                <a:latin typeface="Book Antiqua" panose="02040602050305030304" pitchFamily="18" charset="0"/>
+              </a:rPr>
+              <a:t>i</a:t>
+            </a:r>
+            <a:r>
+              <a:rPr lang="en-US" sz="2400" dirty="0">
+                <a:solidFill>
+                  <a:schemeClr val="bg1"/>
+                </a:solidFill>
+                <a:latin typeface="Book Antiqua" panose="02040602050305030304" pitchFamily="18" charset="0"/>
+              </a:rPr>
+              <a:t>G</a:t>
+            </a:r>
+            <a:r>
+              <a:rPr lang="en-US" sz="2400" baseline="-25000" dirty="0">
+                <a:solidFill>
+                  <a:schemeClr val="bg1"/>
+                </a:solidFill>
+                <a:latin typeface="Book Antiqua" panose="02040602050305030304" pitchFamily="18" charset="0"/>
+              </a:rPr>
+              <a:t>n-1</a:t>
+            </a:r>
+          </a:p>
+        </p:txBody>
+      </p:sp>
+    </p:spTree>
+    <p:extLst>
+      <p:ext uri="{BB962C8B-B14F-4D97-AF65-F5344CB8AC3E}">
+        <p14:creationId xmlns:p14="http://schemas.microsoft.com/office/powerpoint/2010/main" val="234705605"/>
+      </p:ext>
+    </p:extLst>
+  </p:cSld>
+  <p:clrMapOvr>
+    <a:masterClrMapping/>
+  </p:clrMapOvr>
+  <p:timing>
+    <p:tnLst>
+      <p:par>
+        <p:cTn id="1" dur="indefinite" restart="never" nodeType="tmRoot">
+          <p:childTnLst>
+            <p:seq concurrent="1" nextAc="seek">
+              <p:cTn id="2" dur="indefinite" nodeType="mainSeq">
+                <p:childTnLst>
+                  <p:par>
+                    <p:cTn id="3" fill="hold">
+                      <p:stCondLst>
+                        <p:cond delay="indefinite"/>
+                      </p:stCondLst>
+                      <p:childTnLst>
+                        <p:par>
+                          <p:cTn id="4" fill="hold">
+                            <p:stCondLst>
+                              <p:cond delay="0"/>
+                            </p:stCondLst>
+                            <p:childTnLst>
+                              <p:par>
+                                <p:cTn id="5" presetID="1" presetClass="entr" presetSubtype="0" fill="hold" nodeType="clickEffect">
+                                  <p:stCondLst>
+                                    <p:cond delay="0"/>
+                                  </p:stCondLst>
+                                  <p:childTnLst>
+                                    <p:set>
+                                      <p:cBhvr>
+                                        <p:cTn id="6" dur="1" fill="hold">
+                                          <p:stCondLst>
+                                            <p:cond delay="0"/>
+                                          </p:stCondLst>
+                                        </p:cTn>
+                                        <p:tgtEl>
+                                          <p:spTgt spid="7"/>
+                                        </p:tgtEl>
+                                        <p:attrNameLst>
+                                          <p:attrName>style.visibility</p:attrName>
+                                        </p:attrNameLst>
+                                      </p:cBhvr>
+                                      <p:to>
+                                        <p:strVal val="visible"/>
+                                      </p:to>
+                                    </p:set>
+                                  </p:childTnLst>
+                                </p:cTn>
+                              </p:par>
+                            </p:childTnLst>
+                          </p:cTn>
+                        </p:par>
+                      </p:childTnLst>
+                    </p:cTn>
+                  </p:par>
+                </p:childTnLst>
+              </p:cTn>
+              <p:prevCondLst>
+                <p:cond evt="onPrev" delay="0">
+                  <p:tgtEl>
+                    <p:sldTgt/>
+                  </p:tgtEl>
+                </p:cond>
+              </p:prevCondLst>
+              <p:nextCondLst>
+                <p:cond evt="onNext" delay="0">
+                  <p:tgtEl>
+                    <p:sldTgt/>
+                  </p:tgtEl>
+                </p:cond>
+              </p:nextCondLst>
+            </p:seq>
+          </p:childTnLst>
+        </p:cTn>
+      </p:par>
+    </p:tnLst>
+  </p:timing>
+</p:sld>
+</file>
+
+<file path=ppt/slides/slide16.xml><?xml version="1.0" encoding="utf-8"?>
+<p:sld xmlns:a="http://schemas.openxmlformats.org/drawingml/2006/main" xmlns:r="http://schemas.openxmlformats.org/officeDocument/2006/relationships" xmlns:p="http://schemas.openxmlformats.org/presentationml/2006/main">
+  <p:cSld>
+    <p:spTree>
+      <p:nvGrpSpPr>
+        <p:cNvPr id="1" name=""/>
+        <p:cNvGrpSpPr/>
+        <p:nvPr/>
+      </p:nvGrpSpPr>
+      <p:grpSpPr>
+        <a:xfrm>
+          <a:off x="0" y="0"/>
+          <a:ext cx="0" cy="0"/>
+          <a:chOff x="0" y="0"/>
+          <a:chExt cx="0" cy="0"/>
+        </a:xfrm>
+      </p:grpSpPr>
+      <p:sp>
+        <p:nvSpPr>
+          <p:cNvPr id="6" name="Rectangle: Rounded Corners 5">
+            <a:extLst>
+              <a:ext uri="{FF2B5EF4-FFF2-40B4-BE49-F238E27FC236}">
+                <a16:creationId xmlns:a16="http://schemas.microsoft.com/office/drawing/2014/main" id="{58B7580A-0685-4A3B-9B4C-8BA1F6745E45}"/>
+              </a:ext>
+            </a:extLst>
+          </p:cNvPr>
+          <p:cNvSpPr/>
+          <p:nvPr/>
+        </p:nvSpPr>
+        <p:spPr>
+          <a:xfrm>
+            <a:off x="0" y="207676"/>
+            <a:ext cx="5113176" cy="6442648"/>
+          </a:xfrm>
+          <a:prstGeom prst="roundRect">
+            <a:avLst/>
+          </a:prstGeom>
+          <a:solidFill>
+            <a:schemeClr val="tx1">
+              <a:lumMod val="85000"/>
+              <a:lumOff val="15000"/>
+            </a:schemeClr>
+          </a:solidFill>
+          <a:ln w="76200">
+            <a:solidFill>
+              <a:schemeClr val="tx1">
+                <a:lumMod val="65000"/>
+                <a:lumOff val="35000"/>
+              </a:schemeClr>
+            </a:solidFill>
+          </a:ln>
+        </p:spPr>
+        <p:style>
+          <a:lnRef idx="2">
+            <a:schemeClr val="accent1">
+              <a:shade val="50000"/>
+            </a:schemeClr>
+          </a:lnRef>
+          <a:fillRef idx="1">
+            <a:schemeClr val="accent1"/>
+          </a:fillRef>
+          <a:effectRef idx="0">
+            <a:schemeClr val="accent1"/>
+          </a:effectRef>
+          <a:fontRef idx="minor">
+            <a:schemeClr val="lt1"/>
+          </a:fontRef>
+        </p:style>
+        <p:txBody>
+          <a:bodyPr rtlCol="0" anchor="ctr"/>
+          <a:lstStyle/>
+          <a:p>
+            <a:pPr algn="ctr"/>
+            <a:endParaRPr lang="en-US"/>
+          </a:p>
+        </p:txBody>
+      </p:sp>
+      <p:sp>
+        <p:nvSpPr>
+          <p:cNvPr id="3" name="Slide Number Placeholder 2">
+            <a:extLst>
+              <a:ext uri="{FF2B5EF4-FFF2-40B4-BE49-F238E27FC236}">
+                <a16:creationId xmlns:a16="http://schemas.microsoft.com/office/drawing/2014/main" id="{F4CD9B79-29FD-4DF3-90EF-61381DEB31C0}"/>
+              </a:ext>
+            </a:extLst>
+          </p:cNvPr>
+          <p:cNvSpPr>
+            <a:spLocks noGrp="1"/>
+          </p:cNvSpPr>
+          <p:nvPr>
+            <p:ph type="sldNum" sz="quarter" idx="12"/>
+          </p:nvPr>
+        </p:nvSpPr>
+        <p:spPr/>
+        <p:txBody>
+          <a:bodyPr/>
+          <a:lstStyle/>
+          <a:p>
+            <a:fld id="{8FCAAC12-ECE3-429D-A5B3-AAB453D53177}" type="slidenum">
+              <a:rPr lang="en-US" smtClean="0"/>
+              <a:t>16</a:t>
+            </a:fld>
+            <a:endParaRPr lang="en-US"/>
+          </a:p>
+        </p:txBody>
+      </p:sp>
+      <p:sp>
+        <p:nvSpPr>
+          <p:cNvPr id="4" name="TextBox 3">
+            <a:extLst>
+              <a:ext uri="{FF2B5EF4-FFF2-40B4-BE49-F238E27FC236}">
+                <a16:creationId xmlns:a16="http://schemas.microsoft.com/office/drawing/2014/main" id="{AF451EE5-BC9B-476B-A9C5-C4520146A538}"/>
+              </a:ext>
+            </a:extLst>
+          </p:cNvPr>
+          <p:cNvSpPr txBox="1"/>
+          <p:nvPr/>
+        </p:nvSpPr>
+        <p:spPr>
+          <a:xfrm>
+            <a:off x="114841" y="729842"/>
+            <a:ext cx="4654293" cy="983576"/>
+          </a:xfrm>
+          <a:prstGeom prst="rect">
+            <a:avLst/>
+          </a:prstGeom>
+        </p:spPr>
+        <p:txBody>
+          <a:bodyPr vert="horz" lIns="91440" tIns="45720" rIns="91440" bIns="45720" rtlCol="0" anchor="ctr">
+            <a:normAutofit/>
+          </a:bodyPr>
+          <a:lstStyle/>
+          <a:p>
+            <a:pPr algn="ctr" defTabSz="914400">
+              <a:lnSpc>
+                <a:spcPct val="90000"/>
+              </a:lnSpc>
+              <a:spcBef>
+                <a:spcPct val="0"/>
+              </a:spcBef>
+              <a:spcAft>
+                <a:spcPts val="600"/>
+              </a:spcAft>
+            </a:pPr>
+            <a:r>
+              <a:rPr lang="en-US" sz="3200" kern="1200" dirty="0" err="1">
+                <a:solidFill>
+                  <a:schemeClr val="bg1"/>
+                </a:solidFill>
+                <a:latin typeface="Book Antiqua" panose="02040602050305030304" pitchFamily="18" charset="0"/>
+                <a:ea typeface="+mj-ea"/>
+                <a:cs typeface="+mj-cs"/>
+              </a:rPr>
+              <a:t>Προθεμ</a:t>
+            </a:r>
+            <a:r>
+              <a:rPr lang="en-US" sz="3200" kern="1200" dirty="0">
+                <a:solidFill>
+                  <a:schemeClr val="bg1"/>
+                </a:solidFill>
+                <a:latin typeface="Book Antiqua" panose="02040602050305030304" pitchFamily="18" charset="0"/>
+                <a:ea typeface="+mj-ea"/>
+                <a:cs typeface="+mj-cs"/>
+              </a:rPr>
+              <a:t>ατικοί Αθροιστές υπολοίπου 2</a:t>
+            </a:r>
+            <a:r>
+              <a:rPr lang="en-US" sz="3200" kern="1200" baseline="30000" dirty="0">
+                <a:solidFill>
+                  <a:schemeClr val="bg1"/>
+                </a:solidFill>
+                <a:latin typeface="Book Antiqua" panose="02040602050305030304" pitchFamily="18" charset="0"/>
+                <a:ea typeface="+mj-ea"/>
+                <a:cs typeface="+mj-cs"/>
+              </a:rPr>
+              <a:t>n</a:t>
+            </a:r>
+            <a:r>
+              <a:rPr lang="en-US" sz="3200" kern="1200" dirty="0">
+                <a:solidFill>
+                  <a:schemeClr val="bg1"/>
+                </a:solidFill>
+                <a:latin typeface="Book Antiqua" panose="02040602050305030304" pitchFamily="18" charset="0"/>
+                <a:ea typeface="+mj-ea"/>
+                <a:cs typeface="+mj-cs"/>
+              </a:rPr>
+              <a:t>-1</a:t>
+            </a:r>
+          </a:p>
+        </p:txBody>
+      </p:sp>
+      <p:sp>
+        <p:nvSpPr>
+          <p:cNvPr id="5" name="Rectangle 4">
+            <a:extLst>
+              <a:ext uri="{FF2B5EF4-FFF2-40B4-BE49-F238E27FC236}">
+                <a16:creationId xmlns:a16="http://schemas.microsoft.com/office/drawing/2014/main" id="{4206CAF5-6A9B-4AC8-85EE-479E790DE874}"/>
+              </a:ext>
+            </a:extLst>
+          </p:cNvPr>
+          <p:cNvSpPr/>
+          <p:nvPr/>
+        </p:nvSpPr>
+        <p:spPr>
+          <a:xfrm>
+            <a:off x="224975" y="2838183"/>
+            <a:ext cx="4424609" cy="1631216"/>
+          </a:xfrm>
+          <a:prstGeom prst="rect">
+            <a:avLst/>
+          </a:prstGeom>
+        </p:spPr>
+        <p:txBody>
+          <a:bodyPr wrap="none">
+            <a:spAutoFit/>
+          </a:bodyPr>
+          <a:lstStyle/>
+          <a:p>
+            <a:r>
+              <a:rPr lang="en-US" sz="2000" b="1" dirty="0">
+                <a:solidFill>
+                  <a:schemeClr val="bg1"/>
+                </a:solidFill>
+                <a:latin typeface="Book Antiqua" panose="02040602050305030304" pitchFamily="18" charset="0"/>
+              </a:rPr>
+              <a:t>G*</a:t>
+            </a:r>
+            <a:r>
+              <a:rPr lang="en-US" sz="2000" b="1" baseline="-25000" dirty="0" err="1">
+                <a:solidFill>
+                  <a:schemeClr val="bg1"/>
+                </a:solidFill>
+                <a:latin typeface="Book Antiqua" panose="02040602050305030304" pitchFamily="18" charset="0"/>
+              </a:rPr>
+              <a:t>i</a:t>
+            </a:r>
+            <a:r>
+              <a:rPr lang="en-US" sz="2000" b="1" baseline="-25000" dirty="0">
+                <a:solidFill>
+                  <a:schemeClr val="bg1"/>
+                </a:solidFill>
+                <a:latin typeface="Book Antiqua" panose="02040602050305030304" pitchFamily="18" charset="0"/>
+              </a:rPr>
+              <a:t>	</a:t>
+            </a:r>
+            <a:r>
+              <a:rPr lang="en-US" sz="2000" b="1" dirty="0">
+                <a:solidFill>
+                  <a:schemeClr val="bg1"/>
+                </a:solidFill>
+                <a:latin typeface="Book Antiqua" panose="02040602050305030304" pitchFamily="18" charset="0"/>
+              </a:rPr>
+              <a:t>= G</a:t>
+            </a:r>
+            <a:r>
+              <a:rPr lang="en-US" sz="2000" b="1" baseline="-25000" dirty="0">
+                <a:solidFill>
+                  <a:schemeClr val="bg1"/>
+                </a:solidFill>
+                <a:latin typeface="Book Antiqua" panose="02040602050305030304" pitchFamily="18" charset="0"/>
+              </a:rPr>
+              <a:t>i:0</a:t>
+            </a:r>
+            <a:r>
+              <a:rPr lang="en-US" sz="2000" b="1" dirty="0">
+                <a:solidFill>
+                  <a:schemeClr val="bg1"/>
+                </a:solidFill>
+                <a:latin typeface="Book Antiqua" panose="02040602050305030304" pitchFamily="18" charset="0"/>
+              </a:rPr>
+              <a:t> + P</a:t>
+            </a:r>
+            <a:r>
+              <a:rPr lang="en-US" sz="2000" b="1" baseline="-25000" dirty="0">
+                <a:solidFill>
+                  <a:schemeClr val="bg1"/>
+                </a:solidFill>
+                <a:latin typeface="Book Antiqua" panose="02040602050305030304" pitchFamily="18" charset="0"/>
+              </a:rPr>
+              <a:t>i:0</a:t>
+            </a:r>
+            <a:r>
+              <a:rPr lang="en-US" sz="2000" b="1" dirty="0">
+                <a:solidFill>
+                  <a:schemeClr val="bg1"/>
+                </a:solidFill>
+                <a:latin typeface="Book Antiqua" panose="02040602050305030304" pitchFamily="18" charset="0"/>
+              </a:rPr>
+              <a:t>G</a:t>
+            </a:r>
+            <a:r>
+              <a:rPr lang="en-US" sz="2000" b="1" baseline="-25000" dirty="0">
+                <a:solidFill>
+                  <a:schemeClr val="bg1"/>
+                </a:solidFill>
+                <a:latin typeface="Book Antiqua" panose="02040602050305030304" pitchFamily="18" charset="0"/>
+              </a:rPr>
+              <a:t>n-1:0</a:t>
+            </a:r>
+            <a:endParaRPr lang="el-GR" sz="2000" b="1" baseline="-25000" dirty="0">
+              <a:solidFill>
+                <a:schemeClr val="bg1"/>
+              </a:solidFill>
+              <a:latin typeface="Book Antiqua" panose="02040602050305030304" pitchFamily="18" charset="0"/>
+            </a:endParaRPr>
+          </a:p>
+          <a:p>
+            <a:r>
+              <a:rPr lang="en-US" sz="2000" b="1" dirty="0">
+                <a:solidFill>
+                  <a:schemeClr val="bg1"/>
+                </a:solidFill>
+                <a:latin typeface="Book Antiqua" panose="02040602050305030304" pitchFamily="18" charset="0"/>
+              </a:rPr>
+              <a:t>	</a:t>
+            </a:r>
+            <a:r>
+              <a:rPr lang="el-GR" sz="2000" b="1" dirty="0">
+                <a:solidFill>
+                  <a:schemeClr val="bg1"/>
+                </a:solidFill>
+                <a:latin typeface="Book Antiqua" panose="02040602050305030304" pitchFamily="18" charset="0"/>
+              </a:rPr>
+              <a:t>= </a:t>
+            </a:r>
+            <a:r>
+              <a:rPr lang="en-US" sz="2000" b="1" dirty="0">
+                <a:solidFill>
+                  <a:schemeClr val="bg1"/>
+                </a:solidFill>
+                <a:latin typeface="Book Antiqua" panose="02040602050305030304" pitchFamily="18" charset="0"/>
+              </a:rPr>
+              <a:t>G</a:t>
+            </a:r>
+            <a:r>
+              <a:rPr lang="en-US" sz="2000" b="1" baseline="-25000" dirty="0">
+                <a:solidFill>
+                  <a:schemeClr val="bg1"/>
+                </a:solidFill>
+                <a:latin typeface="Book Antiqua" panose="02040602050305030304" pitchFamily="18" charset="0"/>
+              </a:rPr>
+              <a:t>i:0</a:t>
+            </a:r>
+            <a:r>
+              <a:rPr lang="en-US" sz="2000" b="1" dirty="0">
+                <a:solidFill>
+                  <a:schemeClr val="bg1"/>
+                </a:solidFill>
+                <a:latin typeface="Book Antiqua" panose="02040602050305030304" pitchFamily="18" charset="0"/>
+              </a:rPr>
+              <a:t> + P</a:t>
+            </a:r>
+            <a:r>
+              <a:rPr lang="en-US" sz="2000" b="1" baseline="-25000" dirty="0">
+                <a:solidFill>
+                  <a:schemeClr val="bg1"/>
+                </a:solidFill>
+                <a:latin typeface="Book Antiqua" panose="02040602050305030304" pitchFamily="18" charset="0"/>
+              </a:rPr>
+              <a:t>i:0 </a:t>
+            </a:r>
+            <a:r>
+              <a:rPr lang="en-US" sz="2000" b="1" dirty="0">
+                <a:solidFill>
+                  <a:schemeClr val="bg1"/>
+                </a:solidFill>
+                <a:latin typeface="Book Antiqua" panose="02040602050305030304" pitchFamily="18" charset="0"/>
+              </a:rPr>
+              <a:t>( G</a:t>
+            </a:r>
+            <a:r>
+              <a:rPr lang="en-US" sz="2000" b="1" baseline="-25000" dirty="0">
+                <a:solidFill>
+                  <a:schemeClr val="bg1"/>
+                </a:solidFill>
+                <a:latin typeface="Book Antiqua" panose="02040602050305030304" pitchFamily="18" charset="0"/>
+              </a:rPr>
+              <a:t>n-1:i+1</a:t>
+            </a:r>
+            <a:r>
+              <a:rPr lang="en-US" sz="2000" b="1" dirty="0">
+                <a:solidFill>
+                  <a:schemeClr val="bg1"/>
+                </a:solidFill>
+                <a:latin typeface="Book Antiqua" panose="02040602050305030304" pitchFamily="18" charset="0"/>
+              </a:rPr>
+              <a:t> + P</a:t>
+            </a:r>
+            <a:r>
+              <a:rPr lang="en-US" sz="2000" b="1" baseline="-25000" dirty="0">
+                <a:solidFill>
+                  <a:schemeClr val="bg1"/>
+                </a:solidFill>
+                <a:latin typeface="Book Antiqua" panose="02040602050305030304" pitchFamily="18" charset="0"/>
+              </a:rPr>
+              <a:t>n-1:i+1</a:t>
+            </a:r>
+            <a:r>
+              <a:rPr lang="en-US" sz="2000" b="1" dirty="0">
+                <a:solidFill>
+                  <a:schemeClr val="bg1"/>
+                </a:solidFill>
+                <a:latin typeface="Book Antiqua" panose="02040602050305030304" pitchFamily="18" charset="0"/>
+              </a:rPr>
+              <a:t> G</a:t>
+            </a:r>
+            <a:r>
+              <a:rPr lang="en-US" sz="2000" b="1" baseline="-25000" dirty="0">
+                <a:solidFill>
+                  <a:schemeClr val="bg1"/>
+                </a:solidFill>
+                <a:latin typeface="Book Antiqua" panose="02040602050305030304" pitchFamily="18" charset="0"/>
+              </a:rPr>
+              <a:t>i:0</a:t>
+            </a:r>
+            <a:r>
+              <a:rPr lang="en-US" sz="2000" b="1" dirty="0">
+                <a:solidFill>
+                  <a:schemeClr val="bg1"/>
+                </a:solidFill>
+                <a:latin typeface="Book Antiqua" panose="02040602050305030304" pitchFamily="18" charset="0"/>
+              </a:rPr>
+              <a:t> )</a:t>
+            </a:r>
+          </a:p>
+          <a:p>
+            <a:r>
+              <a:rPr lang="en-US" sz="2000" b="1" dirty="0">
+                <a:solidFill>
+                  <a:schemeClr val="bg1"/>
+                </a:solidFill>
+                <a:latin typeface="Book Antiqua" panose="02040602050305030304" pitchFamily="18" charset="0"/>
+              </a:rPr>
+              <a:t>	= G</a:t>
+            </a:r>
+            <a:r>
+              <a:rPr lang="en-US" sz="2000" b="1" baseline="-25000" dirty="0">
+                <a:solidFill>
+                  <a:schemeClr val="bg1"/>
+                </a:solidFill>
+                <a:latin typeface="Book Antiqua" panose="02040602050305030304" pitchFamily="18" charset="0"/>
+              </a:rPr>
+              <a:t>i:0</a:t>
+            </a:r>
+            <a:r>
+              <a:rPr lang="en-US" sz="2000" b="1" dirty="0">
+                <a:solidFill>
+                  <a:schemeClr val="bg1"/>
+                </a:solidFill>
+                <a:latin typeface="Book Antiqua" panose="02040602050305030304" pitchFamily="18" charset="0"/>
+              </a:rPr>
+              <a:t> + P</a:t>
+            </a:r>
+            <a:r>
+              <a:rPr lang="en-US" sz="2000" b="1" baseline="-25000" dirty="0">
+                <a:solidFill>
+                  <a:schemeClr val="bg1"/>
+                </a:solidFill>
+                <a:latin typeface="Book Antiqua" panose="02040602050305030304" pitchFamily="18" charset="0"/>
+              </a:rPr>
+              <a:t>i:0</a:t>
+            </a:r>
+            <a:r>
+              <a:rPr lang="en-US" sz="2000" b="1" dirty="0">
+                <a:solidFill>
+                  <a:schemeClr val="bg1"/>
+                </a:solidFill>
+                <a:latin typeface="Book Antiqua" panose="02040602050305030304" pitchFamily="18" charset="0"/>
+              </a:rPr>
+              <a:t>G</a:t>
+            </a:r>
+            <a:r>
+              <a:rPr lang="en-US" sz="2000" b="1" baseline="-25000" dirty="0">
+                <a:solidFill>
+                  <a:schemeClr val="bg1"/>
+                </a:solidFill>
+                <a:latin typeface="Book Antiqua" panose="02040602050305030304" pitchFamily="18" charset="0"/>
+              </a:rPr>
+              <a:t>n-1:i+1</a:t>
+            </a:r>
+            <a:r>
+              <a:rPr lang="en-US" sz="2000" b="1" dirty="0">
+                <a:solidFill>
+                  <a:schemeClr val="bg1"/>
+                </a:solidFill>
+                <a:latin typeface="Book Antiqua" panose="02040602050305030304" pitchFamily="18" charset="0"/>
+              </a:rPr>
+              <a:t> + P</a:t>
+            </a:r>
+            <a:r>
+              <a:rPr lang="en-US" sz="2000" b="1" baseline="-25000" dirty="0">
+                <a:solidFill>
+                  <a:schemeClr val="bg1"/>
+                </a:solidFill>
+                <a:latin typeface="Book Antiqua" panose="02040602050305030304" pitchFamily="18" charset="0"/>
+              </a:rPr>
+              <a:t>n-1:0</a:t>
+            </a:r>
+            <a:r>
+              <a:rPr lang="en-US" sz="2000" b="1" dirty="0">
+                <a:solidFill>
+                  <a:schemeClr val="bg1"/>
+                </a:solidFill>
+                <a:latin typeface="Book Antiqua" panose="02040602050305030304" pitchFamily="18" charset="0"/>
+              </a:rPr>
+              <a:t>G</a:t>
+            </a:r>
+            <a:r>
+              <a:rPr lang="en-US" sz="2000" b="1" baseline="-25000" dirty="0">
+                <a:solidFill>
+                  <a:schemeClr val="bg1"/>
+                </a:solidFill>
+                <a:latin typeface="Book Antiqua" panose="02040602050305030304" pitchFamily="18" charset="0"/>
+              </a:rPr>
+              <a:t>i:0</a:t>
+            </a:r>
+          </a:p>
+          <a:p>
+            <a:r>
+              <a:rPr lang="en-US" sz="2000" b="1" dirty="0">
+                <a:solidFill>
+                  <a:schemeClr val="bg1"/>
+                </a:solidFill>
+                <a:latin typeface="Book Antiqua" panose="02040602050305030304" pitchFamily="18" charset="0"/>
+              </a:rPr>
+              <a:t>	= G</a:t>
+            </a:r>
+            <a:r>
+              <a:rPr lang="en-US" sz="2000" b="1" baseline="-25000" dirty="0">
+                <a:solidFill>
+                  <a:schemeClr val="bg1"/>
+                </a:solidFill>
+                <a:latin typeface="Book Antiqua" panose="02040602050305030304" pitchFamily="18" charset="0"/>
+              </a:rPr>
+              <a:t>i:0</a:t>
+            </a:r>
+            <a:r>
+              <a:rPr lang="en-US" sz="2000" b="1" dirty="0">
+                <a:solidFill>
+                  <a:schemeClr val="bg1"/>
+                </a:solidFill>
+                <a:latin typeface="Book Antiqua" panose="02040602050305030304" pitchFamily="18" charset="0"/>
+              </a:rPr>
+              <a:t> ( 1 + P</a:t>
+            </a:r>
+            <a:r>
+              <a:rPr lang="en-US" sz="2000" b="1" baseline="-25000" dirty="0">
+                <a:solidFill>
+                  <a:schemeClr val="bg1"/>
+                </a:solidFill>
+                <a:latin typeface="Book Antiqua" panose="02040602050305030304" pitchFamily="18" charset="0"/>
+              </a:rPr>
+              <a:t>n-1:0 </a:t>
+            </a:r>
+            <a:r>
+              <a:rPr lang="en-US" sz="2000" b="1" dirty="0">
+                <a:solidFill>
+                  <a:schemeClr val="bg1"/>
+                </a:solidFill>
+                <a:latin typeface="Book Antiqua" panose="02040602050305030304" pitchFamily="18" charset="0"/>
+              </a:rPr>
+              <a:t>) + P</a:t>
+            </a:r>
+            <a:r>
+              <a:rPr lang="en-US" sz="2000" b="1" baseline="-25000" dirty="0">
+                <a:solidFill>
+                  <a:schemeClr val="bg1"/>
+                </a:solidFill>
+                <a:latin typeface="Book Antiqua" panose="02040602050305030304" pitchFamily="18" charset="0"/>
+              </a:rPr>
+              <a:t>i:0</a:t>
+            </a:r>
+            <a:r>
+              <a:rPr lang="en-US" sz="2000" b="1" dirty="0">
+                <a:solidFill>
+                  <a:schemeClr val="bg1"/>
+                </a:solidFill>
+                <a:latin typeface="Book Antiqua" panose="02040602050305030304" pitchFamily="18" charset="0"/>
+              </a:rPr>
+              <a:t>G</a:t>
+            </a:r>
+            <a:r>
+              <a:rPr lang="en-US" sz="2000" b="1" baseline="-25000" dirty="0">
+                <a:solidFill>
+                  <a:schemeClr val="bg1"/>
+                </a:solidFill>
+                <a:latin typeface="Book Antiqua" panose="02040602050305030304" pitchFamily="18" charset="0"/>
+              </a:rPr>
+              <a:t>n-1:i+1</a:t>
+            </a:r>
+          </a:p>
+          <a:p>
+            <a:r>
+              <a:rPr lang="en-US" sz="2000" b="1" baseline="-25000" dirty="0">
+                <a:solidFill>
+                  <a:schemeClr val="bg1"/>
+                </a:solidFill>
+                <a:latin typeface="Book Antiqua" panose="02040602050305030304" pitchFamily="18" charset="0"/>
+              </a:rPr>
+              <a:t>	</a:t>
+            </a:r>
+            <a:r>
+              <a:rPr lang="en-US" sz="2000" b="1" dirty="0">
+                <a:solidFill>
+                  <a:schemeClr val="bg1"/>
+                </a:solidFill>
+                <a:latin typeface="Book Antiqua" panose="02040602050305030304" pitchFamily="18" charset="0"/>
+              </a:rPr>
+              <a:t>= G</a:t>
+            </a:r>
+            <a:r>
+              <a:rPr lang="en-US" sz="2000" b="1" baseline="-25000" dirty="0">
+                <a:solidFill>
+                  <a:schemeClr val="bg1"/>
+                </a:solidFill>
+                <a:latin typeface="Book Antiqua" panose="02040602050305030304" pitchFamily="18" charset="0"/>
+              </a:rPr>
+              <a:t>i:0</a:t>
+            </a:r>
+            <a:r>
+              <a:rPr lang="en-US" sz="2000" b="1" dirty="0">
+                <a:solidFill>
+                  <a:schemeClr val="bg1"/>
+                </a:solidFill>
+                <a:latin typeface="Book Antiqua" panose="02040602050305030304" pitchFamily="18" charset="0"/>
+              </a:rPr>
+              <a:t> + P</a:t>
+            </a:r>
+            <a:r>
+              <a:rPr lang="en-US" sz="2000" b="1" baseline="-25000" dirty="0">
+                <a:solidFill>
+                  <a:schemeClr val="bg1"/>
+                </a:solidFill>
+                <a:latin typeface="Book Antiqua" panose="02040602050305030304" pitchFamily="18" charset="0"/>
+              </a:rPr>
+              <a:t>i:0</a:t>
+            </a:r>
+            <a:r>
+              <a:rPr lang="en-US" sz="2000" b="1" dirty="0">
+                <a:solidFill>
+                  <a:schemeClr val="bg1"/>
+                </a:solidFill>
+                <a:latin typeface="Book Antiqua" panose="02040602050305030304" pitchFamily="18" charset="0"/>
+              </a:rPr>
+              <a:t>G</a:t>
+            </a:r>
+            <a:r>
+              <a:rPr lang="en-US" sz="2000" b="1" baseline="-25000" dirty="0">
+                <a:solidFill>
+                  <a:schemeClr val="bg1"/>
+                </a:solidFill>
+                <a:latin typeface="Book Antiqua" panose="02040602050305030304" pitchFamily="18" charset="0"/>
+              </a:rPr>
+              <a:t>n-1:i+1</a:t>
+            </a:r>
+          </a:p>
+        </p:txBody>
+      </p:sp>
+      <p:cxnSp>
+        <p:nvCxnSpPr>
+          <p:cNvPr id="8" name="Straight Connector 7">
+            <a:extLst>
+              <a:ext uri="{FF2B5EF4-FFF2-40B4-BE49-F238E27FC236}">
+                <a16:creationId xmlns:a16="http://schemas.microsoft.com/office/drawing/2014/main" id="{8E22FC82-73B3-446F-B77A-B7076B4570B0}"/>
+              </a:ext>
+            </a:extLst>
+          </p:cNvPr>
+          <p:cNvCxnSpPr>
+            <a:cxnSpLocks/>
+          </p:cNvCxnSpPr>
+          <p:nvPr/>
+        </p:nvCxnSpPr>
+        <p:spPr>
+          <a:xfrm>
+            <a:off x="318782" y="1837189"/>
+            <a:ext cx="4450352" cy="0"/>
+          </a:xfrm>
+          <a:prstGeom prst="line">
+            <a:avLst/>
+          </a:prstGeom>
+          <a:ln w="38100">
+            <a:solidFill>
+              <a:schemeClr val="bg1"/>
+            </a:solidFill>
+          </a:ln>
+        </p:spPr>
+        <p:style>
+          <a:lnRef idx="1">
+            <a:schemeClr val="accent1"/>
+          </a:lnRef>
+          <a:fillRef idx="0">
+            <a:schemeClr val="accent1"/>
+          </a:fillRef>
+          <a:effectRef idx="0">
+            <a:schemeClr val="accent1"/>
+          </a:effectRef>
+          <a:fontRef idx="minor">
+            <a:schemeClr val="tx1"/>
+          </a:fontRef>
+        </p:style>
+      </p:cxnSp>
+      <p:cxnSp>
+        <p:nvCxnSpPr>
+          <p:cNvPr id="12" name="Straight Connector 11">
+            <a:extLst>
+              <a:ext uri="{FF2B5EF4-FFF2-40B4-BE49-F238E27FC236}">
+                <a16:creationId xmlns:a16="http://schemas.microsoft.com/office/drawing/2014/main" id="{D60582DD-6621-4C79-91F8-1790567FC2AF}"/>
+              </a:ext>
+            </a:extLst>
+          </p:cNvPr>
+          <p:cNvCxnSpPr>
+            <a:cxnSpLocks/>
+          </p:cNvCxnSpPr>
+          <p:nvPr/>
+        </p:nvCxnSpPr>
+        <p:spPr>
+          <a:xfrm>
+            <a:off x="318782" y="1989589"/>
+            <a:ext cx="4450352" cy="0"/>
+          </a:xfrm>
+          <a:prstGeom prst="line">
+            <a:avLst/>
+          </a:prstGeom>
+          <a:ln w="38100">
+            <a:solidFill>
+              <a:schemeClr val="bg1"/>
+            </a:solidFill>
+          </a:ln>
+        </p:spPr>
+        <p:style>
+          <a:lnRef idx="1">
+            <a:schemeClr val="accent1"/>
+          </a:lnRef>
+          <a:fillRef idx="0">
+            <a:schemeClr val="accent1"/>
+          </a:fillRef>
+          <a:effectRef idx="0">
+            <a:schemeClr val="accent1"/>
+          </a:effectRef>
+          <a:fontRef idx="minor">
+            <a:schemeClr val="tx1"/>
+          </a:fontRef>
+        </p:style>
+      </p:cxnSp>
+      <p:pic>
+        <p:nvPicPr>
+          <p:cNvPr id="14" name="Picture 13">
+            <a:extLst>
+              <a:ext uri="{FF2B5EF4-FFF2-40B4-BE49-F238E27FC236}">
+                <a16:creationId xmlns:a16="http://schemas.microsoft.com/office/drawing/2014/main" id="{6FBA30AA-4FB2-4877-95ED-48726A76626D}"/>
+              </a:ext>
+            </a:extLst>
+          </p:cNvPr>
+          <p:cNvPicPr>
+            <a:picLocks noChangeAspect="1"/>
+          </p:cNvPicPr>
+          <p:nvPr/>
+        </p:nvPicPr>
+        <p:blipFill>
+          <a:blip r:embed="rId2">
+            <a:extLst>
+              <a:ext uri="{28A0092B-C50C-407E-A947-70E740481C1C}">
+                <a14:useLocalDpi xmlns:a14="http://schemas.microsoft.com/office/drawing/2010/main" val="0"/>
+              </a:ext>
+            </a:extLst>
+          </a:blip>
+          <a:stretch>
+            <a:fillRect/>
+          </a:stretch>
+        </p:blipFill>
+        <p:spPr>
+          <a:xfrm>
+            <a:off x="6303262" y="914400"/>
+            <a:ext cx="4614675" cy="4663315"/>
+          </a:xfrm>
+          <a:prstGeom prst="rect">
+            <a:avLst/>
+          </a:prstGeom>
+        </p:spPr>
+      </p:pic>
+    </p:spTree>
+    <p:extLst>
+      <p:ext uri="{BB962C8B-B14F-4D97-AF65-F5344CB8AC3E}">
+        <p14:creationId xmlns:p14="http://schemas.microsoft.com/office/powerpoint/2010/main" val="713821388"/>
+      </p:ext>
+    </p:extLst>
+  </p:cSld>
+  <p:clrMapOvr>
+    <a:masterClrMapping/>
+  </p:clrMapOvr>
+  <p:timing>
+    <p:tnLst>
+      <p:par>
+        <p:cTn id="1" dur="indefinite" restart="never" nodeType="tmRoot">
+          <p:childTnLst>
+            <p:seq concurrent="1" nextAc="seek">
+              <p:cTn id="2" dur="indefinite" nodeType="mainSeq">
+                <p:childTnLst>
+                  <p:par>
+                    <p:cTn id="3" fill="hold">
+                      <p:stCondLst>
+                        <p:cond delay="indefinite"/>
+                      </p:stCondLst>
+                      <p:childTnLst>
+                        <p:par>
+                          <p:cTn id="4" fill="hold">
+                            <p:stCondLst>
+                              <p:cond delay="0"/>
+                            </p:stCondLst>
+                            <p:childTnLst>
+                              <p:par>
+                                <p:cTn id="5" presetID="1" presetClass="entr" presetSubtype="0" fill="hold" nodeType="clickEffect">
+                                  <p:stCondLst>
+                                    <p:cond delay="0"/>
+                                  </p:stCondLst>
+                                  <p:childTnLst>
+                                    <p:set>
+                                      <p:cBhvr>
+                                        <p:cTn id="6" dur="1" fill="hold">
+                                          <p:stCondLst>
+                                            <p:cond delay="0"/>
+                                          </p:stCondLst>
+                                        </p:cTn>
+                                        <p:tgtEl>
+                                          <p:spTgt spid="14"/>
+                                        </p:tgtEl>
+                                        <p:attrNameLst>
+                                          <p:attrName>style.visibility</p:attrName>
+                                        </p:attrNameLst>
+                                      </p:cBhvr>
+                                      <p:to>
+                                        <p:strVal val="visible"/>
+                                      </p:to>
+                                    </p:set>
+                                  </p:childTnLst>
+                                </p:cTn>
+                              </p:par>
+                            </p:childTnLst>
+                          </p:cTn>
+                        </p:par>
+                      </p:childTnLst>
+                    </p:cTn>
+                  </p:par>
+                </p:childTnLst>
+              </p:cTn>
+              <p:prevCondLst>
+                <p:cond evt="onPrev" delay="0">
+                  <p:tgtEl>
+                    <p:sldTgt/>
+                  </p:tgtEl>
+                </p:cond>
+              </p:prevCondLst>
+              <p:nextCondLst>
+                <p:cond evt="onNext" delay="0">
+                  <p:tgtEl>
+                    <p:sldTgt/>
+                  </p:tgtEl>
+                </p:cond>
+              </p:nextCondLst>
+            </p:seq>
+          </p:childTnLst>
+        </p:cTn>
+      </p:par>
+    </p:tnLst>
+  </p:timing>
+</p:sld>
+</file>
+
+<file path=ppt/slides/slide17.xml><?xml version="1.0" encoding="utf-8"?>
+<p:sld xmlns:a="http://schemas.openxmlformats.org/drawingml/2006/main" xmlns:r="http://schemas.openxmlformats.org/officeDocument/2006/relationships" xmlns:p="http://schemas.openxmlformats.org/presentationml/2006/main">
+  <p:cSld>
+    <p:spTree>
+      <p:nvGrpSpPr>
+        <p:cNvPr id="1" name=""/>
+        <p:cNvGrpSpPr/>
+        <p:nvPr/>
+      </p:nvGrpSpPr>
+      <p:grpSpPr>
+        <a:xfrm>
+          <a:off x="0" y="0"/>
+          <a:ext cx="0" cy="0"/>
+          <a:chOff x="0" y="0"/>
+          <a:chExt cx="0" cy="0"/>
+        </a:xfrm>
+      </p:grpSpPr>
+      <p:sp>
+        <p:nvSpPr>
+          <p:cNvPr id="2" name="Footer Placeholder 1">
+            <a:extLst>
+              <a:ext uri="{FF2B5EF4-FFF2-40B4-BE49-F238E27FC236}">
+                <a16:creationId xmlns:a16="http://schemas.microsoft.com/office/drawing/2014/main" id="{B3DFAEE0-E6B0-4F3F-A03B-0CE4E5A95CB0}"/>
+              </a:ext>
+            </a:extLst>
+          </p:cNvPr>
+          <p:cNvSpPr>
+            <a:spLocks noGrp="1"/>
+          </p:cNvSpPr>
+          <p:nvPr>
+            <p:ph type="ftr" sz="quarter" idx="11"/>
+          </p:nvPr>
+        </p:nvSpPr>
+        <p:spPr/>
+        <p:txBody>
+          <a:bodyPr/>
+          <a:lstStyle/>
+          <a:p>
+            <a:endParaRPr lang="en-US"/>
+          </a:p>
+        </p:txBody>
+      </p:sp>
+      <p:sp>
+        <p:nvSpPr>
+          <p:cNvPr id="3" name="Slide Number Placeholder 2">
+            <a:extLst>
+              <a:ext uri="{FF2B5EF4-FFF2-40B4-BE49-F238E27FC236}">
+                <a16:creationId xmlns:a16="http://schemas.microsoft.com/office/drawing/2014/main" id="{B4EA5252-CAFE-46DF-8833-F3A85FF3F995}"/>
+              </a:ext>
+            </a:extLst>
+          </p:cNvPr>
+          <p:cNvSpPr>
+            <a:spLocks noGrp="1"/>
+          </p:cNvSpPr>
+          <p:nvPr>
+            <p:ph type="sldNum" sz="quarter" idx="12"/>
+          </p:nvPr>
+        </p:nvSpPr>
+        <p:spPr/>
+        <p:txBody>
+          <a:bodyPr/>
+          <a:lstStyle/>
+          <a:p>
+            <a:fld id="{8FCAAC12-ECE3-429D-A5B3-AAB453D53177}" type="slidenum">
+              <a:rPr lang="en-US" smtClean="0"/>
+              <a:t>17</a:t>
+            </a:fld>
+            <a:endParaRPr lang="en-US"/>
+          </a:p>
+        </p:txBody>
+      </p:sp>
+    </p:spTree>
+    <p:extLst>
+      <p:ext uri="{BB962C8B-B14F-4D97-AF65-F5344CB8AC3E}">
+        <p14:creationId xmlns:p14="http://schemas.microsoft.com/office/powerpoint/2010/main" val="2797924023"/>
+      </p:ext>
+    </p:extLst>
+  </p:cSld>
+  <p:clrMapOvr>
+    <a:masterClrMapping/>
+  </p:clrMapOvr>
+</p:sld>
+</file>
+
+<file path=ppt/slides/slide18.xml><?xml version="1.0" encoding="utf-8"?>
 <p:sld xmlns:a="http://schemas.openxmlformats.org/drawingml/2006/main" xmlns:r="http://schemas.openxmlformats.org/officeDocument/2006/relationships" xmlns:p="http://schemas.openxmlformats.org/presentationml/2006/main">
   <p:cSld>
     <p:spTree>
@@ -12196,7 +18331,7 @@
           <a:p>
             <a:fld id="{8FCAAC12-ECE3-429D-A5B3-AAB453D53177}" type="slidenum">
               <a:rPr lang="en-US" smtClean="0"/>
-              <a:t>12</a:t>
+              <a:t>18</a:t>
             </a:fld>
             <a:endParaRPr lang="en-US"/>
           </a:p>
@@ -12332,7 +18467,7 @@
 </p:sld>
 </file>
 
-<file path=ppt/slides/slide13.xml><?xml version="1.0" encoding="utf-8"?>
+<file path=ppt/slides/slide19.xml><?xml version="1.0" encoding="utf-8"?>
 <p:sld xmlns:a="http://schemas.openxmlformats.org/drawingml/2006/main" xmlns:r="http://schemas.openxmlformats.org/officeDocument/2006/relationships" xmlns:p="http://schemas.openxmlformats.org/presentationml/2006/main">
   <p:cSld>
     <p:spTree>
@@ -12397,7 +18532,7 @@
           <a:p>
             <a:fld id="{8FCAAC12-ECE3-429D-A5B3-AAB453D53177}" type="slidenum">
               <a:rPr lang="en-US" smtClean="0"/>
-              <a:t>13</a:t>
+              <a:t>19</a:t>
             </a:fld>
             <a:endParaRPr lang="en-US"/>
           </a:p>
@@ -12846,210 +18981,6 @@
 </p:sld>
 </file>
 
-<file path=ppt/slides/slide14.xml><?xml version="1.0" encoding="utf-8"?>
-<p:sld xmlns:a="http://schemas.openxmlformats.org/drawingml/2006/main" xmlns:r="http://schemas.openxmlformats.org/officeDocument/2006/relationships" xmlns:p="http://schemas.openxmlformats.org/presentationml/2006/main">
-  <p:cSld>
-    <p:spTree>
-      <p:nvGrpSpPr>
-        <p:cNvPr id="1" name=""/>
-        <p:cNvGrpSpPr/>
-        <p:nvPr/>
-      </p:nvGrpSpPr>
-      <p:grpSpPr>
-        <a:xfrm>
-          <a:off x="0" y="0"/>
-          <a:ext cx="0" cy="0"/>
-          <a:chOff x="0" y="0"/>
-          <a:chExt cx="0" cy="0"/>
-        </a:xfrm>
-      </p:grpSpPr>
-      <p:sp>
-        <p:nvSpPr>
-          <p:cNvPr id="11" name="Rectangle 10">
-            <a:extLst>
-              <a:ext uri="{FF2B5EF4-FFF2-40B4-BE49-F238E27FC236}">
-                <a16:creationId xmlns:a16="http://schemas.microsoft.com/office/drawing/2014/main" id="{A01D985B-6785-4FA8-8B7F-39E662246E2F}"/>
-              </a:ext>
-            </a:extLst>
-          </p:cNvPr>
-          <p:cNvSpPr/>
-          <p:nvPr/>
-        </p:nvSpPr>
-        <p:spPr>
-          <a:xfrm>
-            <a:off x="0" y="6072960"/>
-            <a:ext cx="12192000" cy="760206"/>
-          </a:xfrm>
-          <a:prstGeom prst="rect">
-            <a:avLst/>
-          </a:prstGeom>
-          <a:gradFill flip="none" rotWithShape="1">
-            <a:gsLst>
-              <a:gs pos="0">
-                <a:schemeClr val="bg2">
-                  <a:lumMod val="75000"/>
-                </a:schemeClr>
-              </a:gs>
-              <a:gs pos="24000">
-                <a:schemeClr val="tx1">
-                  <a:lumMod val="39000"/>
-                  <a:lumOff val="61000"/>
-                </a:schemeClr>
-              </a:gs>
-              <a:gs pos="86000">
-                <a:schemeClr val="bg1"/>
-              </a:gs>
-            </a:gsLst>
-            <a:path path="circle">
-              <a:fillToRect l="100000" t="100000"/>
-            </a:path>
-            <a:tileRect r="-100000" b="-100000"/>
-          </a:gradFill>
-          <a:ln w="28575">
-            <a:noFill/>
-          </a:ln>
-        </p:spPr>
-        <p:style>
-          <a:lnRef idx="1">
-            <a:schemeClr val="dk1"/>
-          </a:lnRef>
-          <a:fillRef idx="2">
-            <a:schemeClr val="dk1"/>
-          </a:fillRef>
-          <a:effectRef idx="1">
-            <a:schemeClr val="dk1"/>
-          </a:effectRef>
-          <a:fontRef idx="minor">
-            <a:schemeClr val="dk1"/>
-          </a:fontRef>
-        </p:style>
-        <p:txBody>
-          <a:bodyPr rtlCol="0" anchor="ctr"/>
-          <a:lstStyle/>
-          <a:p>
-            <a:pPr algn="ctr"/>
-            <a:r>
-              <a:rPr lang="el-GR" sz="2400" b="1" dirty="0">
-                <a:solidFill>
-                  <a:schemeClr val="bg2">
-                    <a:lumMod val="25000"/>
-                  </a:schemeClr>
-                </a:solidFill>
-                <a:latin typeface="Book Antiqua" panose="02040602050305030304" pitchFamily="18" charset="0"/>
-                <a:ea typeface="Batang" panose="020B0503020000020004" pitchFamily="18" charset="-127"/>
-              </a:rPr>
-              <a:t>Αναδρομική </a:t>
-            </a:r>
-            <a:r>
-              <a:rPr lang="en-US" sz="2400" b="1" dirty="0">
-                <a:solidFill>
-                  <a:schemeClr val="bg2">
-                    <a:lumMod val="25000"/>
-                  </a:schemeClr>
-                </a:solidFill>
-                <a:latin typeface="Book Antiqua" panose="02040602050305030304" pitchFamily="18" charset="0"/>
-                <a:ea typeface="Batang" panose="020B0503020000020004" pitchFamily="18" charset="-127"/>
-              </a:rPr>
-              <a:t>Ling</a:t>
-            </a:r>
-            <a:r>
-              <a:rPr lang="el-GR" sz="2400" b="1" dirty="0">
-                <a:solidFill>
-                  <a:schemeClr val="bg2">
-                    <a:lumMod val="25000"/>
-                  </a:schemeClr>
-                </a:solidFill>
-                <a:latin typeface="Book Antiqua" panose="02040602050305030304" pitchFamily="18" charset="0"/>
-                <a:ea typeface="Batang" panose="020B0503020000020004" pitchFamily="18" charset="-127"/>
-              </a:rPr>
-              <a:t> Αρχιτεκτονική για αθροιστές υπολοίπου 2</a:t>
-            </a:r>
-            <a:r>
-              <a:rPr lang="en-US" sz="2400" b="1" baseline="30000" dirty="0">
-                <a:solidFill>
-                  <a:schemeClr val="bg2">
-                    <a:lumMod val="25000"/>
-                  </a:schemeClr>
-                </a:solidFill>
-                <a:latin typeface="Book Antiqua" panose="02040602050305030304" pitchFamily="18" charset="0"/>
-                <a:ea typeface="Batang" panose="020B0503020000020004" pitchFamily="18" charset="-127"/>
-              </a:rPr>
-              <a:t>n</a:t>
-            </a:r>
-            <a:r>
-              <a:rPr lang="en-US" sz="2400" b="1" dirty="0">
-                <a:solidFill>
-                  <a:schemeClr val="bg2">
-                    <a:lumMod val="25000"/>
-                  </a:schemeClr>
-                </a:solidFill>
-                <a:latin typeface="Book Antiqua" panose="02040602050305030304" pitchFamily="18" charset="0"/>
-                <a:ea typeface="Batang" panose="020B0503020000020004" pitchFamily="18" charset="-127"/>
-              </a:rPr>
-              <a:t>-1</a:t>
-            </a:r>
-            <a:endParaRPr lang="en-US" sz="2400" dirty="0">
-              <a:solidFill>
-                <a:schemeClr val="bg2">
-                  <a:lumMod val="25000"/>
-                </a:schemeClr>
-              </a:solidFill>
-            </a:endParaRPr>
-          </a:p>
-        </p:txBody>
-      </p:sp>
-      <p:pic>
-        <p:nvPicPr>
-          <p:cNvPr id="5" name="Picture 4">
-            <a:extLst>
-              <a:ext uri="{FF2B5EF4-FFF2-40B4-BE49-F238E27FC236}">
-                <a16:creationId xmlns:a16="http://schemas.microsoft.com/office/drawing/2014/main" id="{AC8F7809-F0DE-4DC6-B986-B80280DB9673}"/>
-              </a:ext>
-            </a:extLst>
-          </p:cNvPr>
-          <p:cNvPicPr>
-            <a:picLocks noChangeAspect="1"/>
-          </p:cNvPicPr>
-          <p:nvPr/>
-        </p:nvPicPr>
-        <p:blipFill rotWithShape="1">
-          <a:blip r:embed="rId2">
-            <a:extLst>
-              <a:ext uri="{28A0092B-C50C-407E-A947-70E740481C1C}">
-                <a14:useLocalDpi xmlns:a14="http://schemas.microsoft.com/office/drawing/2010/main" val="0"/>
-              </a:ext>
-            </a:extLst>
-          </a:blip>
-          <a:srcRect l="12033" t="12033" r="12033" b="12033"/>
-          <a:stretch/>
-        </p:blipFill>
-        <p:spPr>
-          <a:xfrm>
-            <a:off x="0" y="6097794"/>
-            <a:ext cx="735372" cy="735372"/>
-          </a:xfrm>
-          <a:prstGeom prst="rect">
-            <a:avLst/>
-          </a:prstGeom>
-          <a:noFill/>
-          <a:effectLst>
-            <a:softEdge rad="0"/>
-          </a:effectLst>
-        </p:spPr>
-      </p:pic>
-    </p:spTree>
-    <p:extLst>
-      <p:ext uri="{BB962C8B-B14F-4D97-AF65-F5344CB8AC3E}">
-        <p14:creationId xmlns:p14="http://schemas.microsoft.com/office/powerpoint/2010/main" val="708591480"/>
-      </p:ext>
-    </p:extLst>
-  </p:cSld>
-  <p:clrMapOvr>
-    <a:masterClrMapping/>
-  </p:clrMapOvr>
-</p:sld>
-</file>
-
 <file path=ppt/slides/slide2.xml><?xml version="1.0" encoding="utf-8"?>
 <p:sld xmlns:a="http://schemas.openxmlformats.org/drawingml/2006/main" xmlns:r="http://schemas.openxmlformats.org/officeDocument/2006/relationships" xmlns:p="http://schemas.openxmlformats.org/presentationml/2006/main">
   <p:cSld>
@@ -13368,6 +19299,210 @@
       <p:transition/>
     </mc:Fallback>
   </mc:AlternateContent>
+</p:sld>
+</file>
+
+<file path=ppt/slides/slide20.xml><?xml version="1.0" encoding="utf-8"?>
+<p:sld xmlns:a="http://schemas.openxmlformats.org/drawingml/2006/main" xmlns:r="http://schemas.openxmlformats.org/officeDocument/2006/relationships" xmlns:p="http://schemas.openxmlformats.org/presentationml/2006/main">
+  <p:cSld>
+    <p:spTree>
+      <p:nvGrpSpPr>
+        <p:cNvPr id="1" name=""/>
+        <p:cNvGrpSpPr/>
+        <p:nvPr/>
+      </p:nvGrpSpPr>
+      <p:grpSpPr>
+        <a:xfrm>
+          <a:off x="0" y="0"/>
+          <a:ext cx="0" cy="0"/>
+          <a:chOff x="0" y="0"/>
+          <a:chExt cx="0" cy="0"/>
+        </a:xfrm>
+      </p:grpSpPr>
+      <p:sp>
+        <p:nvSpPr>
+          <p:cNvPr id="11" name="Rectangle 10">
+            <a:extLst>
+              <a:ext uri="{FF2B5EF4-FFF2-40B4-BE49-F238E27FC236}">
+                <a16:creationId xmlns:a16="http://schemas.microsoft.com/office/drawing/2014/main" id="{A01D985B-6785-4FA8-8B7F-39E662246E2F}"/>
+              </a:ext>
+            </a:extLst>
+          </p:cNvPr>
+          <p:cNvSpPr/>
+          <p:nvPr/>
+        </p:nvSpPr>
+        <p:spPr>
+          <a:xfrm>
+            <a:off x="0" y="6072960"/>
+            <a:ext cx="12192000" cy="760206"/>
+          </a:xfrm>
+          <a:prstGeom prst="rect">
+            <a:avLst/>
+          </a:prstGeom>
+          <a:gradFill flip="none" rotWithShape="1">
+            <a:gsLst>
+              <a:gs pos="0">
+                <a:schemeClr val="bg2">
+                  <a:lumMod val="75000"/>
+                </a:schemeClr>
+              </a:gs>
+              <a:gs pos="24000">
+                <a:schemeClr val="tx1">
+                  <a:lumMod val="39000"/>
+                  <a:lumOff val="61000"/>
+                </a:schemeClr>
+              </a:gs>
+              <a:gs pos="86000">
+                <a:schemeClr val="bg1"/>
+              </a:gs>
+            </a:gsLst>
+            <a:path path="circle">
+              <a:fillToRect l="100000" t="100000"/>
+            </a:path>
+            <a:tileRect r="-100000" b="-100000"/>
+          </a:gradFill>
+          <a:ln w="28575">
+            <a:noFill/>
+          </a:ln>
+        </p:spPr>
+        <p:style>
+          <a:lnRef idx="1">
+            <a:schemeClr val="dk1"/>
+          </a:lnRef>
+          <a:fillRef idx="2">
+            <a:schemeClr val="dk1"/>
+          </a:fillRef>
+          <a:effectRef idx="1">
+            <a:schemeClr val="dk1"/>
+          </a:effectRef>
+          <a:fontRef idx="minor">
+            <a:schemeClr val="dk1"/>
+          </a:fontRef>
+        </p:style>
+        <p:txBody>
+          <a:bodyPr rtlCol="0" anchor="ctr"/>
+          <a:lstStyle/>
+          <a:p>
+            <a:pPr algn="ctr"/>
+            <a:r>
+              <a:rPr lang="el-GR" sz="2400" b="1" dirty="0">
+                <a:solidFill>
+                  <a:schemeClr val="bg2">
+                    <a:lumMod val="25000"/>
+                  </a:schemeClr>
+                </a:solidFill>
+                <a:latin typeface="Book Antiqua" panose="02040602050305030304" pitchFamily="18" charset="0"/>
+                <a:ea typeface="Batang" panose="020B0503020000020004" pitchFamily="18" charset="-127"/>
+              </a:rPr>
+              <a:t>Αναδρομική </a:t>
+            </a:r>
+            <a:r>
+              <a:rPr lang="en-US" sz="2400" b="1" dirty="0">
+                <a:solidFill>
+                  <a:schemeClr val="bg2">
+                    <a:lumMod val="25000"/>
+                  </a:schemeClr>
+                </a:solidFill>
+                <a:latin typeface="Book Antiqua" panose="02040602050305030304" pitchFamily="18" charset="0"/>
+                <a:ea typeface="Batang" panose="020B0503020000020004" pitchFamily="18" charset="-127"/>
+              </a:rPr>
+              <a:t>Ling</a:t>
+            </a:r>
+            <a:r>
+              <a:rPr lang="el-GR" sz="2400" b="1" dirty="0">
+                <a:solidFill>
+                  <a:schemeClr val="bg2">
+                    <a:lumMod val="25000"/>
+                  </a:schemeClr>
+                </a:solidFill>
+                <a:latin typeface="Book Antiqua" panose="02040602050305030304" pitchFamily="18" charset="0"/>
+                <a:ea typeface="Batang" panose="020B0503020000020004" pitchFamily="18" charset="-127"/>
+              </a:rPr>
+              <a:t> Αρχιτεκτονική για αθροιστές υπολοίπου 2</a:t>
+            </a:r>
+            <a:r>
+              <a:rPr lang="en-US" sz="2400" b="1" baseline="30000" dirty="0">
+                <a:solidFill>
+                  <a:schemeClr val="bg2">
+                    <a:lumMod val="25000"/>
+                  </a:schemeClr>
+                </a:solidFill>
+                <a:latin typeface="Book Antiqua" panose="02040602050305030304" pitchFamily="18" charset="0"/>
+                <a:ea typeface="Batang" panose="020B0503020000020004" pitchFamily="18" charset="-127"/>
+              </a:rPr>
+              <a:t>n</a:t>
+            </a:r>
+            <a:r>
+              <a:rPr lang="en-US" sz="2400" b="1" dirty="0">
+                <a:solidFill>
+                  <a:schemeClr val="bg2">
+                    <a:lumMod val="25000"/>
+                  </a:schemeClr>
+                </a:solidFill>
+                <a:latin typeface="Book Antiqua" panose="02040602050305030304" pitchFamily="18" charset="0"/>
+                <a:ea typeface="Batang" panose="020B0503020000020004" pitchFamily="18" charset="-127"/>
+              </a:rPr>
+              <a:t>-1</a:t>
+            </a:r>
+            <a:endParaRPr lang="en-US" sz="2400" dirty="0">
+              <a:solidFill>
+                <a:schemeClr val="bg2">
+                  <a:lumMod val="25000"/>
+                </a:schemeClr>
+              </a:solidFill>
+            </a:endParaRPr>
+          </a:p>
+        </p:txBody>
+      </p:sp>
+      <p:pic>
+        <p:nvPicPr>
+          <p:cNvPr id="5" name="Picture 4">
+            <a:extLst>
+              <a:ext uri="{FF2B5EF4-FFF2-40B4-BE49-F238E27FC236}">
+                <a16:creationId xmlns:a16="http://schemas.microsoft.com/office/drawing/2014/main" id="{AC8F7809-F0DE-4DC6-B986-B80280DB9673}"/>
+              </a:ext>
+            </a:extLst>
+          </p:cNvPr>
+          <p:cNvPicPr>
+            <a:picLocks noChangeAspect="1"/>
+          </p:cNvPicPr>
+          <p:nvPr/>
+        </p:nvPicPr>
+        <p:blipFill rotWithShape="1">
+          <a:blip r:embed="rId2">
+            <a:extLst>
+              <a:ext uri="{28A0092B-C50C-407E-A947-70E740481C1C}">
+                <a14:useLocalDpi xmlns:a14="http://schemas.microsoft.com/office/drawing/2010/main" val="0"/>
+              </a:ext>
+            </a:extLst>
+          </a:blip>
+          <a:srcRect l="12033" t="12033" r="12033" b="12033"/>
+          <a:stretch/>
+        </p:blipFill>
+        <p:spPr>
+          <a:xfrm>
+            <a:off x="0" y="6097794"/>
+            <a:ext cx="735372" cy="735372"/>
+          </a:xfrm>
+          <a:prstGeom prst="rect">
+            <a:avLst/>
+          </a:prstGeom>
+          <a:noFill/>
+          <a:effectLst>
+            <a:softEdge rad="0"/>
+          </a:effectLst>
+        </p:spPr>
+      </p:pic>
+    </p:spTree>
+    <p:extLst>
+      <p:ext uri="{BB962C8B-B14F-4D97-AF65-F5344CB8AC3E}">
+        <p14:creationId xmlns:p14="http://schemas.microsoft.com/office/powerpoint/2010/main" val="708591480"/>
+      </p:ext>
+    </p:extLst>
+  </p:cSld>
+  <p:clrMapOvr>
+    <a:masterClrMapping/>
+  </p:clrMapOvr>
 </p:sld>
 </file>
 
@@ -13919,84 +20054,6 @@
           </a:p>
         </p:txBody>
       </p:sp>
-      <p:pic>
-        <p:nvPicPr>
-          <p:cNvPr id="6" name="Picture 5" descr="A screenshot of a cell phone&#10;&#10;Description generated with very high confidence">
-            <a:extLst>
-              <a:ext uri="{FF2B5EF4-FFF2-40B4-BE49-F238E27FC236}">
-                <a16:creationId xmlns:a16="http://schemas.microsoft.com/office/drawing/2014/main" id="{4F25422E-423D-4ABB-AC3A-E585E39C31A1}"/>
-              </a:ext>
-            </a:extLst>
-          </p:cNvPr>
-          <p:cNvPicPr>
-            <a:picLocks noChangeAspect="1"/>
-          </p:cNvPicPr>
-          <p:nvPr/>
-        </p:nvPicPr>
-        <p:blipFill>
-          <a:blip r:embed="rId2">
-            <a:extLst>
-              <a:ext uri="{28A0092B-C50C-407E-A947-70E740481C1C}">
-                <a14:useLocalDpi xmlns:a14="http://schemas.microsoft.com/office/drawing/2010/main" val="0"/>
-              </a:ext>
-            </a:extLst>
-          </a:blip>
-          <a:stretch>
-            <a:fillRect/>
-          </a:stretch>
-        </p:blipFill>
-        <p:spPr>
-          <a:xfrm>
-            <a:off x="5425807" y="643467"/>
-            <a:ext cx="5994680" cy="5410199"/>
-          </a:xfrm>
-          <a:prstGeom prst="rect">
-            <a:avLst/>
-          </a:prstGeom>
-        </p:spPr>
-      </p:pic>
-      <p:sp>
-        <p:nvSpPr>
-          <p:cNvPr id="2" name="Footer Placeholder 1">
-            <a:extLst>
-              <a:ext uri="{FF2B5EF4-FFF2-40B4-BE49-F238E27FC236}">
-                <a16:creationId xmlns:a16="http://schemas.microsoft.com/office/drawing/2014/main" id="{560EEB24-CBF5-4906-91CF-634FD21C65A8}"/>
-              </a:ext>
-            </a:extLst>
-          </p:cNvPr>
-          <p:cNvSpPr>
-            <a:spLocks noGrp="1"/>
-          </p:cNvSpPr>
-          <p:nvPr>
-            <p:ph type="ftr" sz="quarter" idx="11"/>
-          </p:nvPr>
-        </p:nvSpPr>
-        <p:spPr>
-          <a:xfrm>
-            <a:off x="5297762" y="6356350"/>
-            <a:ext cx="4579768" cy="365125"/>
-          </a:xfrm>
-        </p:spPr>
-        <p:txBody>
-          <a:bodyPr vert="horz" lIns="91440" tIns="45720" rIns="91440" bIns="45720" rtlCol="0" anchor="ctr">
-            <a:normAutofit/>
-          </a:bodyPr>
-          <a:lstStyle/>
-          <a:p>
-            <a:pPr algn="l" defTabSz="914400"/>
-            <a:endParaRPr lang="en-US" sz="1200" kern="1200">
-              <a:solidFill>
-                <a:schemeClr val="tx1">
-                  <a:alpha val="80000"/>
-                </a:schemeClr>
-              </a:solidFill>
-              <a:latin typeface="+mn-lt"/>
-              <a:ea typeface="+mn-ea"/>
-              <a:cs typeface="+mn-cs"/>
-            </a:endParaRPr>
-          </a:p>
-        </p:txBody>
-      </p:sp>
       <p:sp>
         <p:nvSpPr>
           <p:cNvPr id="3" name="Slide Number Placeholder 2">
@@ -14477,6 +20534,42 @@
           </a:p>
         </p:txBody>
       </p:sp>
+      <p:pic>
+        <p:nvPicPr>
+          <p:cNvPr id="8" name="Picture 7" descr="A screenshot of a cell phone&#10;&#10;Description generated with very high confidence">
+            <a:extLst>
+              <a:ext uri="{FF2B5EF4-FFF2-40B4-BE49-F238E27FC236}">
+                <a16:creationId xmlns:a16="http://schemas.microsoft.com/office/drawing/2014/main" id="{C1E46685-AE4D-4408-BBDD-1D033DC97745}"/>
+              </a:ext>
+            </a:extLst>
+          </p:cNvPr>
+          <p:cNvPicPr>
+            <a:picLocks noChangeAspect="1"/>
+          </p:cNvPicPr>
+          <p:nvPr/>
+        </p:nvPicPr>
+        <p:blipFill>
+          <a:blip r:embed="rId2">
+            <a:extLst>
+              <a:ext uri="{28A0092B-C50C-407E-A947-70E740481C1C}">
+                <a14:useLocalDpi xmlns:a14="http://schemas.microsoft.com/office/drawing/2010/main" val="0"/>
+              </a:ext>
+            </a:extLst>
+          </a:blip>
+          <a:stretch>
+            <a:fillRect/>
+          </a:stretch>
+        </p:blipFill>
+        <p:spPr>
+          <a:xfrm>
+            <a:off x="5103869" y="381324"/>
+            <a:ext cx="6639679" cy="5975026"/>
+          </a:xfrm>
+          <a:prstGeom prst="rect">
+            <a:avLst/>
+          </a:prstGeom>
+        </p:spPr>
+      </p:pic>
     </p:spTree>
     <p:extLst>
       <p:ext uri="{BB962C8B-B14F-4D97-AF65-F5344CB8AC3E}">
@@ -14694,7 +20787,7 @@
         </p:blipFill>
         <p:spPr>
           <a:xfrm>
-            <a:off x="6516444" y="4295109"/>
+            <a:off x="7095284" y="3914215"/>
             <a:ext cx="4837356" cy="1357502"/>
           </a:xfrm>
           <a:prstGeom prst="rect">
@@ -14730,7 +20823,7 @@
         </p:blipFill>
         <p:spPr>
           <a:xfrm>
-            <a:off x="475441" y="1058462"/>
+            <a:off x="233343" y="1279234"/>
             <a:ext cx="5091823" cy="1357502"/>
           </a:xfrm>
           <a:prstGeom prst="rect">
@@ -14766,7 +20859,7 @@
         </p:blipFill>
         <p:spPr>
           <a:xfrm>
-            <a:off x="1908815" y="2915141"/>
+            <a:off x="1329975" y="2781674"/>
             <a:ext cx="2225073" cy="2265082"/>
           </a:xfrm>
           <a:prstGeom prst="rect">
@@ -14774,6 +20867,218 @@
           </a:prstGeom>
         </p:spPr>
       </p:pic>
+      <p:sp>
+        <p:nvSpPr>
+          <p:cNvPr id="8" name="Arrow: Right 7">
+            <a:extLst>
+              <a:ext uri="{FF2B5EF4-FFF2-40B4-BE49-F238E27FC236}">
+                <a16:creationId xmlns:a16="http://schemas.microsoft.com/office/drawing/2014/main" id="{5708A804-1C21-4657-A22F-DD5DC11095B0}"/>
+              </a:ext>
+            </a:extLst>
+          </p:cNvPr>
+          <p:cNvSpPr/>
+          <p:nvPr/>
+        </p:nvSpPr>
+        <p:spPr>
+          <a:xfrm>
+            <a:off x="4606709" y="3779563"/>
+            <a:ext cx="1436914" cy="662474"/>
+          </a:xfrm>
+          <a:prstGeom prst="rightArrow">
+            <a:avLst/>
+          </a:prstGeom>
+          <a:solidFill>
+            <a:schemeClr val="tx1">
+              <a:lumMod val="65000"/>
+              <a:lumOff val="35000"/>
+            </a:schemeClr>
+          </a:solidFill>
+          <a:ln>
+            <a:noFill/>
+          </a:ln>
+        </p:spPr>
+        <p:style>
+          <a:lnRef idx="2">
+            <a:schemeClr val="accent1">
+              <a:shade val="50000"/>
+            </a:schemeClr>
+          </a:lnRef>
+          <a:fillRef idx="1">
+            <a:schemeClr val="accent1"/>
+          </a:fillRef>
+          <a:effectRef idx="0">
+            <a:schemeClr val="accent1"/>
+          </a:effectRef>
+          <a:fontRef idx="minor">
+            <a:schemeClr val="lt1"/>
+          </a:fontRef>
+        </p:style>
+        <p:txBody>
+          <a:bodyPr rtlCol="0" anchor="ctr"/>
+          <a:lstStyle/>
+          <a:p>
+            <a:pPr algn="ctr"/>
+            <a:endParaRPr lang="en-US"/>
+          </a:p>
+        </p:txBody>
+      </p:sp>
+      <p:sp>
+        <p:nvSpPr>
+          <p:cNvPr id="10" name="TextBox 9">
+            <a:extLst>
+              <a:ext uri="{FF2B5EF4-FFF2-40B4-BE49-F238E27FC236}">
+                <a16:creationId xmlns:a16="http://schemas.microsoft.com/office/drawing/2014/main" id="{BD15F7C1-5033-49AD-8E4A-4F2410846EA2}"/>
+              </a:ext>
+            </a:extLst>
+          </p:cNvPr>
+          <p:cNvSpPr txBox="1"/>
+          <p:nvPr/>
+        </p:nvSpPr>
+        <p:spPr>
+          <a:xfrm>
+            <a:off x="214160" y="5578766"/>
+            <a:ext cx="3656770" cy="369332"/>
+          </a:xfrm>
+          <a:prstGeom prst="rect">
+            <a:avLst/>
+          </a:prstGeom>
+          <a:noFill/>
+        </p:spPr>
+        <p:txBody>
+          <a:bodyPr wrap="none" rtlCol="0">
+            <a:spAutoFit/>
+          </a:bodyPr>
+          <a:lstStyle/>
+          <a:p>
+            <a:r>
+              <a:rPr lang="en-US" b="1" dirty="0">
+                <a:latin typeface="Book Antiqua" panose="02040602050305030304" pitchFamily="18" charset="0"/>
+              </a:rPr>
+              <a:t>c</a:t>
+            </a:r>
+            <a:r>
+              <a:rPr lang="en-US" b="1" baseline="-25000" dirty="0">
+                <a:latin typeface="Book Antiqua" panose="02040602050305030304" pitchFamily="18" charset="0"/>
+              </a:rPr>
+              <a:t>3</a:t>
+            </a:r>
+            <a:r>
+              <a:rPr lang="en-US" b="1" dirty="0">
+                <a:latin typeface="Book Antiqua" panose="02040602050305030304" pitchFamily="18" charset="0"/>
+              </a:rPr>
+              <a:t> = g</a:t>
+            </a:r>
+            <a:r>
+              <a:rPr lang="en-US" b="1" baseline="-25000" dirty="0">
+                <a:latin typeface="Book Antiqua" panose="02040602050305030304" pitchFamily="18" charset="0"/>
+              </a:rPr>
+              <a:t>3</a:t>
+            </a:r>
+            <a:r>
+              <a:rPr lang="en-US" b="1" dirty="0">
+                <a:latin typeface="Book Antiqua" panose="02040602050305030304" pitchFamily="18" charset="0"/>
+              </a:rPr>
+              <a:t>+p</a:t>
+            </a:r>
+            <a:r>
+              <a:rPr lang="en-US" b="1" baseline="-25000" dirty="0">
+                <a:latin typeface="Book Antiqua" panose="02040602050305030304" pitchFamily="18" charset="0"/>
+              </a:rPr>
+              <a:t>3</a:t>
+            </a:r>
+            <a:r>
+              <a:rPr lang="en-US" b="1" dirty="0">
+                <a:latin typeface="Book Antiqua" panose="02040602050305030304" pitchFamily="18" charset="0"/>
+              </a:rPr>
+              <a:t>(g</a:t>
+            </a:r>
+            <a:r>
+              <a:rPr lang="en-US" b="1" baseline="-25000" dirty="0">
+                <a:latin typeface="Book Antiqua" panose="02040602050305030304" pitchFamily="18" charset="0"/>
+              </a:rPr>
+              <a:t>2</a:t>
+            </a:r>
+            <a:r>
+              <a:rPr lang="en-US" b="1" dirty="0">
+                <a:latin typeface="Book Antiqua" panose="02040602050305030304" pitchFamily="18" charset="0"/>
+              </a:rPr>
+              <a:t>+p</a:t>
+            </a:r>
+            <a:r>
+              <a:rPr lang="en-US" b="1" baseline="-25000" dirty="0">
+                <a:latin typeface="Book Antiqua" panose="02040602050305030304" pitchFamily="18" charset="0"/>
+              </a:rPr>
+              <a:t>2</a:t>
+            </a:r>
+            <a:r>
+              <a:rPr lang="en-US" b="1" dirty="0">
+                <a:latin typeface="Book Antiqua" panose="02040602050305030304" pitchFamily="18" charset="0"/>
+              </a:rPr>
+              <a:t>(g</a:t>
+            </a:r>
+            <a:r>
+              <a:rPr lang="en-US" b="1" baseline="-25000" dirty="0">
+                <a:latin typeface="Book Antiqua" panose="02040602050305030304" pitchFamily="18" charset="0"/>
+              </a:rPr>
+              <a:t>1</a:t>
+            </a:r>
+            <a:r>
+              <a:rPr lang="en-US" b="1" dirty="0">
+                <a:latin typeface="Book Antiqua" panose="02040602050305030304" pitchFamily="18" charset="0"/>
+              </a:rPr>
+              <a:t>+p</a:t>
+            </a:r>
+            <a:r>
+              <a:rPr lang="en-US" b="1" baseline="-25000" dirty="0">
+                <a:latin typeface="Book Antiqua" panose="02040602050305030304" pitchFamily="18" charset="0"/>
+              </a:rPr>
+              <a:t>1</a:t>
+            </a:r>
+            <a:r>
+              <a:rPr lang="en-US" b="1" dirty="0">
+                <a:latin typeface="Book Antiqua" panose="02040602050305030304" pitchFamily="18" charset="0"/>
+              </a:rPr>
+              <a:t>(g</a:t>
+            </a:r>
+            <a:r>
+              <a:rPr lang="en-US" b="1" baseline="-25000" dirty="0">
+                <a:latin typeface="Book Antiqua" panose="02040602050305030304" pitchFamily="18" charset="0"/>
+              </a:rPr>
+              <a:t>0</a:t>
+            </a:r>
+            <a:r>
+              <a:rPr lang="en-US" b="1" dirty="0">
+                <a:latin typeface="Book Antiqua" panose="02040602050305030304" pitchFamily="18" charset="0"/>
+              </a:rPr>
+              <a:t>+p</a:t>
+            </a:r>
+            <a:r>
+              <a:rPr lang="en-US" b="1" baseline="-25000" dirty="0">
+                <a:latin typeface="Book Antiqua" panose="02040602050305030304" pitchFamily="18" charset="0"/>
+              </a:rPr>
+              <a:t>0</a:t>
+            </a:r>
+            <a:r>
+              <a:rPr lang="en-US" b="1" dirty="0">
+                <a:latin typeface="Book Antiqua" panose="02040602050305030304" pitchFamily="18" charset="0"/>
+              </a:rPr>
+              <a:t>c</a:t>
+            </a:r>
+            <a:r>
+              <a:rPr lang="en-US" b="1" baseline="-25000" dirty="0">
+                <a:latin typeface="Book Antiqua" panose="02040602050305030304" pitchFamily="18" charset="0"/>
+              </a:rPr>
+              <a:t>in</a:t>
+            </a:r>
+            <a:r>
+              <a:rPr lang="en-US" b="1" dirty="0">
+                <a:latin typeface="Book Antiqua" panose="02040602050305030304" pitchFamily="18" charset="0"/>
+              </a:rPr>
+              <a:t>))))</a:t>
+            </a:r>
+          </a:p>
+        </p:txBody>
+      </p:sp>
     </p:spTree>
     <p:extLst>
       <p:ext uri="{BB962C8B-B14F-4D97-AF65-F5344CB8AC3E}">
@@ -19830,21 +26135,66 @@
                                   </p:childTnLst>
                                 </p:cTn>
                               </p:par>
+                            </p:childTnLst>
+                          </p:cTn>
+                        </p:par>
+                      </p:childTnLst>
+                    </p:cTn>
+                  </p:par>
+                  <p:par>
+                    <p:cTn id="9" fill="hold">
+                      <p:stCondLst>
+                        <p:cond delay="indefinite"/>
+                      </p:stCondLst>
+                      <p:childTnLst>
+                        <p:par>
+                          <p:cTn id="10" fill="hold">
+                            <p:stCondLst>
+                              <p:cond delay="0"/>
+                            </p:stCondLst>
+                            <p:childTnLst>
                               <p:par>
-                                <p:cTn id="9" presetID="1" presetClass="entr" presetSubtype="0" fill="hold" grpId="0" nodeType="withEffect">
+                                <p:cTn id="11" presetID="1" presetClass="entr" presetSubtype="0" fill="hold" grpId="0" nodeType="clickEffect">
                                   <p:stCondLst>
                                     <p:cond delay="0"/>
                                   </p:stCondLst>
                                   <p:childTnLst>
                                     <p:set>
                                       <p:cBhvr>
-                                        <p:cTn id="10" dur="1" fill="hold">
+                                        <p:cTn id="12" dur="1" fill="hold">
                                           <p:stCondLst>
                                             <p:cond delay="0"/>
                                           </p:stCondLst>
                                         </p:cTn>
                                         <p:tgtEl>
                                           <p:spTgt spid="17"/>
+                                        </p:tgtEl>
+                                        <p:attrNameLst>
+                                          <p:attrName>style.visibility</p:attrName>
+                                        </p:attrNameLst>
+                                      </p:cBhvr>
+                                      <p:to>
+                                        <p:strVal val="visible"/>
+                                      </p:to>
+                                    </p:set>
+                                  </p:childTnLst>
+                                </p:cTn>
+                              </p:par>
+                              <p:par>
+                                <p:cTn id="13" presetID="1" presetClass="entr" presetSubtype="0" fill="hold" nodeType="withEffect">
+                                  <p:stCondLst>
+                                    <p:cond delay="0"/>
+                                  </p:stCondLst>
+                                  <p:childTnLst>
+                                    <p:set>
+                                      <p:cBhvr>
+                                        <p:cTn id="14" dur="1" fill="hold">
+                                          <p:stCondLst>
+                                            <p:cond delay="0"/>
+                                          </p:stCondLst>
+                                        </p:cTn>
+                                        <p:tgtEl>
+                                          <p:spTgt spid="23"/>
                                         </p:tgtEl>
                                         <p:attrNameLst>
                                           <p:attrName>style.visibility</p:attrName>
